--- a/Lecture slides/AMOS B06 - Agile Coaching.pptx
+++ b/Lecture slides/AMOS B06 - Agile Coaching.pptx
@@ -15,6 +15,21 @@
     <p:sldId id="260" r:id="rId10"/>
     <p:sldId id="261" r:id="rId11"/>
     <p:sldId id="262" r:id="rId12"/>
+    <p:sldId id="263" r:id="rId13"/>
+    <p:sldId id="264" r:id="rId14"/>
+    <p:sldId id="265" r:id="rId15"/>
+    <p:sldId id="266" r:id="rId16"/>
+    <p:sldId id="267" r:id="rId17"/>
+    <p:sldId id="268" r:id="rId18"/>
+    <p:sldId id="269" r:id="rId19"/>
+    <p:sldId id="270" r:id="rId20"/>
+    <p:sldId id="271" r:id="rId21"/>
+    <p:sldId id="272" r:id="rId22"/>
+    <p:sldId id="273" r:id="rId23"/>
+    <p:sldId id="274" r:id="rId24"/>
+    <p:sldId id="275" r:id="rId25"/>
+    <p:sldId id="276" r:id="rId26"/>
+    <p:sldId id="277" r:id="rId27"/>
   </p:sldIdLst>
   <p:sldSz cy="5143500" cx="9144000"/>
   <p:notesSz cx="6858000" cy="9144000"/>
@@ -791,12 +806,12 @@
 </p:notes>
 </file>
 
-<file path=ppt/notesSlides/notesSlide2.xml><?xml version="1.0" encoding="utf-8"?>
+<file path=ppt/notesSlides/notesSlide10.xml><?xml version="1.0" encoding="utf-8"?>
 <p:notes xmlns:a="http://schemas.openxmlformats.org/drawingml/2006/main" xmlns:r="http://schemas.openxmlformats.org/officeDocument/2006/relationships" xmlns:mc="http://schemas.openxmlformats.org/markup-compatibility/2006" xmlns:mv="urn:schemas-microsoft-com:mac:vml" xmlns:p="http://schemas.openxmlformats.org/presentationml/2006/main" xmlns:c="http://schemas.openxmlformats.org/drawingml/2006/chart" xmlns:dgm="http://schemas.openxmlformats.org/drawingml/2006/diagram" xmlns:o="urn:schemas-microsoft-com:office:office" xmlns:v="urn:schemas-microsoft-com:vml" xmlns:pvml="urn:schemas-microsoft-com:office:powerpoint" xmlns:com="http://schemas.openxmlformats.org/drawingml/2006/compatibility" xmlns:p14="http://schemas.microsoft.com/office/powerpoint/2010/main" xmlns:p15="http://schemas.microsoft.com/office/powerpoint/2012/main" xmlns:ahyp="http://schemas.microsoft.com/office/drawing/2018/hyperlinkcolor" showMasterPhAnim="0" showMasterSp="0">
   <p:cSld>
     <p:spTree>
       <p:nvGrpSpPr>
-        <p:cNvPr id="38" name="Shape 38"/>
+        <p:cNvPr id="91" name="Shape 91"/>
         <p:cNvGrpSpPr/>
         <p:nvPr/>
       </p:nvGrpSpPr>
@@ -810,7 +825,7 @@
       </p:grpSpPr>
       <p:sp>
         <p:nvSpPr>
-          <p:cNvPr id="39" name="Google Shape;39;gf17014c61d_0_0:notes"/>
+          <p:cNvPr id="92" name="Google Shape;92;g22e4025cc2c_0_81:notes"/>
           <p:cNvSpPr/>
           <p:nvPr>
             <p:ph idx="2" type="sldImg"/>
@@ -845,7 +860,1294 @@
       </p:sp>
       <p:sp>
         <p:nvSpPr>
+          <p:cNvPr id="93" name="Google Shape;93;g22e4025cc2c_0_81:notes"/>
+          <p:cNvSpPr txBox="1"/>
+          <p:nvPr>
+            <p:ph idx="1" type="body"/>
+          </p:nvPr>
+        </p:nvSpPr>
+        <p:spPr>
+          <a:xfrm>
+            <a:off x="685800" y="4343400"/>
+            <a:ext cx="5486400" cy="4114800"/>
+          </a:xfrm>
+          <a:prstGeom prst="rect">
+            <a:avLst/>
+          </a:prstGeom>
+        </p:spPr>
+        <p:txBody>
+          <a:bodyPr anchorCtr="0" anchor="t" bIns="91425" lIns="91425" spcFirstLastPara="1" rIns="91425" wrap="square" tIns="91425">
+            <a:noAutofit/>
+          </a:bodyPr>
+          <a:lstStyle/>
+          <a:p>
+            <a:pPr indent="0" lvl="0" marL="0" rtl="0" algn="l">
+              <a:spcBef>
+                <a:spcPts val="0"/>
+              </a:spcBef>
+              <a:spcAft>
+                <a:spcPts val="0"/>
+              </a:spcAft>
+              <a:buNone/>
+            </a:pPr>
+            <a:r>
+              <a:t/>
+            </a:r>
+            <a:endParaRPr/>
+          </a:p>
+        </p:txBody>
+      </p:sp>
+    </p:spTree>
+  </p:cSld>
+  <p:clrMapOvr>
+    <a:masterClrMapping/>
+  </p:clrMapOvr>
+</p:notes>
+</file>
+
+<file path=ppt/notesSlides/notesSlide11.xml><?xml version="1.0" encoding="utf-8"?>
+<p:notes xmlns:a="http://schemas.openxmlformats.org/drawingml/2006/main" xmlns:r="http://schemas.openxmlformats.org/officeDocument/2006/relationships" xmlns:mc="http://schemas.openxmlformats.org/markup-compatibility/2006" xmlns:mv="urn:schemas-microsoft-com:mac:vml" xmlns:p="http://schemas.openxmlformats.org/presentationml/2006/main" xmlns:c="http://schemas.openxmlformats.org/drawingml/2006/chart" xmlns:dgm="http://schemas.openxmlformats.org/drawingml/2006/diagram" xmlns:o="urn:schemas-microsoft-com:office:office" xmlns:v="urn:schemas-microsoft-com:vml" xmlns:pvml="urn:schemas-microsoft-com:office:powerpoint" xmlns:com="http://schemas.openxmlformats.org/drawingml/2006/compatibility" xmlns:p14="http://schemas.microsoft.com/office/powerpoint/2010/main" xmlns:p15="http://schemas.microsoft.com/office/powerpoint/2012/main" xmlns:ahyp="http://schemas.microsoft.com/office/drawing/2018/hyperlinkcolor" showMasterPhAnim="0" showMasterSp="0">
+  <p:cSld>
+    <p:spTree>
+      <p:nvGrpSpPr>
+        <p:cNvPr id="98" name="Shape 98"/>
+        <p:cNvGrpSpPr/>
+        <p:nvPr/>
+      </p:nvGrpSpPr>
+      <p:grpSpPr>
+        <a:xfrm>
+          <a:off x="0" y="0"/>
+          <a:ext cx="0" cy="0"/>
+          <a:chOff x="0" y="0"/>
+          <a:chExt cx="0" cy="0"/>
+        </a:xfrm>
+      </p:grpSpPr>
+      <p:sp>
+        <p:nvSpPr>
+          <p:cNvPr id="99" name="Google Shape;99;g22e4025cc2c_0_0:notes"/>
+          <p:cNvSpPr/>
+          <p:nvPr>
+            <p:ph idx="2" type="sldImg"/>
+          </p:nvPr>
+        </p:nvSpPr>
+        <p:spPr>
+          <a:xfrm>
+            <a:off x="381300" y="685800"/>
+            <a:ext cx="6096000" cy="3429000"/>
+          </a:xfrm>
+          <a:custGeom>
+            <a:rect b="b" l="l" r="r" t="t"/>
+            <a:pathLst>
+              <a:path extrusionOk="0" h="120000" w="120000">
+                <a:moveTo>
+                  <a:pt x="0" y="0"/>
+                </a:moveTo>
+                <a:lnTo>
+                  <a:pt x="120000" y="0"/>
+                </a:lnTo>
+                <a:lnTo>
+                  <a:pt x="120000" y="120000"/>
+                </a:lnTo>
+                <a:lnTo>
+                  <a:pt x="0" y="120000"/>
+                </a:lnTo>
+                <a:close/>
+              </a:path>
+            </a:pathLst>
+          </a:custGeom>
+        </p:spPr>
+      </p:sp>
+      <p:sp>
+        <p:nvSpPr>
+          <p:cNvPr id="100" name="Google Shape;100;g22e4025cc2c_0_0:notes"/>
+          <p:cNvSpPr txBox="1"/>
+          <p:nvPr>
+            <p:ph idx="1" type="body"/>
+          </p:nvPr>
+        </p:nvSpPr>
+        <p:spPr>
+          <a:xfrm>
+            <a:off x="685800" y="4343400"/>
+            <a:ext cx="5486400" cy="4114800"/>
+          </a:xfrm>
+          <a:prstGeom prst="rect">
+            <a:avLst/>
+          </a:prstGeom>
+        </p:spPr>
+        <p:txBody>
+          <a:bodyPr anchorCtr="0" anchor="t" bIns="91425" lIns="91425" spcFirstLastPara="1" rIns="91425" wrap="square" tIns="91425">
+            <a:noAutofit/>
+          </a:bodyPr>
+          <a:lstStyle/>
+          <a:p>
+            <a:pPr indent="0" lvl="0" marL="0" rtl="0" algn="l">
+              <a:spcBef>
+                <a:spcPts val="0"/>
+              </a:spcBef>
+              <a:spcAft>
+                <a:spcPts val="0"/>
+              </a:spcAft>
+              <a:buNone/>
+            </a:pPr>
+            <a:r>
+              <a:t/>
+            </a:r>
+            <a:endParaRPr/>
+          </a:p>
+        </p:txBody>
+      </p:sp>
+    </p:spTree>
+  </p:cSld>
+  <p:clrMapOvr>
+    <a:masterClrMapping/>
+  </p:clrMapOvr>
+</p:notes>
+</file>
+
+<file path=ppt/notesSlides/notesSlide12.xml><?xml version="1.0" encoding="utf-8"?>
+<p:notes xmlns:a="http://schemas.openxmlformats.org/drawingml/2006/main" xmlns:r="http://schemas.openxmlformats.org/officeDocument/2006/relationships" xmlns:mc="http://schemas.openxmlformats.org/markup-compatibility/2006" xmlns:mv="urn:schemas-microsoft-com:mac:vml" xmlns:p="http://schemas.openxmlformats.org/presentationml/2006/main" xmlns:c="http://schemas.openxmlformats.org/drawingml/2006/chart" xmlns:dgm="http://schemas.openxmlformats.org/drawingml/2006/diagram" xmlns:o="urn:schemas-microsoft-com:office:office" xmlns:v="urn:schemas-microsoft-com:vml" xmlns:pvml="urn:schemas-microsoft-com:office:powerpoint" xmlns:com="http://schemas.openxmlformats.org/drawingml/2006/compatibility" xmlns:p14="http://schemas.microsoft.com/office/powerpoint/2010/main" xmlns:p15="http://schemas.microsoft.com/office/powerpoint/2012/main" xmlns:ahyp="http://schemas.microsoft.com/office/drawing/2018/hyperlinkcolor" showMasterPhAnim="0" showMasterSp="0">
+  <p:cSld>
+    <p:spTree>
+      <p:nvGrpSpPr>
+        <p:cNvPr id="105" name="Shape 105"/>
+        <p:cNvGrpSpPr/>
+        <p:nvPr/>
+      </p:nvGrpSpPr>
+      <p:grpSpPr>
+        <a:xfrm>
+          <a:off x="0" y="0"/>
+          <a:ext cx="0" cy="0"/>
+          <a:chOff x="0" y="0"/>
+          <a:chExt cx="0" cy="0"/>
+        </a:xfrm>
+      </p:grpSpPr>
+      <p:sp>
+        <p:nvSpPr>
+          <p:cNvPr id="106" name="Google Shape;106;g22e4025cc2c_0_18:notes"/>
+          <p:cNvSpPr/>
+          <p:nvPr>
+            <p:ph idx="2" type="sldImg"/>
+          </p:nvPr>
+        </p:nvSpPr>
+        <p:spPr>
+          <a:xfrm>
+            <a:off x="381300" y="685800"/>
+            <a:ext cx="6096000" cy="3429000"/>
+          </a:xfrm>
+          <a:custGeom>
+            <a:rect b="b" l="l" r="r" t="t"/>
+            <a:pathLst>
+              <a:path extrusionOk="0" h="120000" w="120000">
+                <a:moveTo>
+                  <a:pt x="0" y="0"/>
+                </a:moveTo>
+                <a:lnTo>
+                  <a:pt x="120000" y="0"/>
+                </a:lnTo>
+                <a:lnTo>
+                  <a:pt x="120000" y="120000"/>
+                </a:lnTo>
+                <a:lnTo>
+                  <a:pt x="0" y="120000"/>
+                </a:lnTo>
+                <a:close/>
+              </a:path>
+            </a:pathLst>
+          </a:custGeom>
+        </p:spPr>
+      </p:sp>
+      <p:sp>
+        <p:nvSpPr>
+          <p:cNvPr id="107" name="Google Shape;107;g22e4025cc2c_0_18:notes"/>
+          <p:cNvSpPr txBox="1"/>
+          <p:nvPr>
+            <p:ph idx="1" type="body"/>
+          </p:nvPr>
+        </p:nvSpPr>
+        <p:spPr>
+          <a:xfrm>
+            <a:off x="685800" y="4343400"/>
+            <a:ext cx="5486400" cy="4114800"/>
+          </a:xfrm>
+          <a:prstGeom prst="rect">
+            <a:avLst/>
+          </a:prstGeom>
+        </p:spPr>
+        <p:txBody>
+          <a:bodyPr anchorCtr="0" anchor="t" bIns="91425" lIns="91425" spcFirstLastPara="1" rIns="91425" wrap="square" tIns="91425">
+            <a:noAutofit/>
+          </a:bodyPr>
+          <a:lstStyle/>
+          <a:p>
+            <a:pPr indent="0" lvl="0" marL="0" rtl="0" algn="l">
+              <a:spcBef>
+                <a:spcPts val="0"/>
+              </a:spcBef>
+              <a:spcAft>
+                <a:spcPts val="0"/>
+              </a:spcAft>
+              <a:buNone/>
+            </a:pPr>
+            <a:r>
+              <a:t/>
+            </a:r>
+            <a:endParaRPr/>
+          </a:p>
+        </p:txBody>
+      </p:sp>
+    </p:spTree>
+  </p:cSld>
+  <p:clrMapOvr>
+    <a:masterClrMapping/>
+  </p:clrMapOvr>
+</p:notes>
+</file>
+
+<file path=ppt/notesSlides/notesSlide13.xml><?xml version="1.0" encoding="utf-8"?>
+<p:notes xmlns:a="http://schemas.openxmlformats.org/drawingml/2006/main" xmlns:r="http://schemas.openxmlformats.org/officeDocument/2006/relationships" xmlns:mc="http://schemas.openxmlformats.org/markup-compatibility/2006" xmlns:mv="urn:schemas-microsoft-com:mac:vml" xmlns:p="http://schemas.openxmlformats.org/presentationml/2006/main" xmlns:c="http://schemas.openxmlformats.org/drawingml/2006/chart" xmlns:dgm="http://schemas.openxmlformats.org/drawingml/2006/diagram" xmlns:o="urn:schemas-microsoft-com:office:office" xmlns:v="urn:schemas-microsoft-com:vml" xmlns:pvml="urn:schemas-microsoft-com:office:powerpoint" xmlns:com="http://schemas.openxmlformats.org/drawingml/2006/compatibility" xmlns:p14="http://schemas.microsoft.com/office/powerpoint/2010/main" xmlns:p15="http://schemas.microsoft.com/office/powerpoint/2012/main" xmlns:ahyp="http://schemas.microsoft.com/office/drawing/2018/hyperlinkcolor" showMasterPhAnim="0" showMasterSp="0">
+  <p:cSld>
+    <p:spTree>
+      <p:nvGrpSpPr>
+        <p:cNvPr id="110" name="Shape 110"/>
+        <p:cNvGrpSpPr/>
+        <p:nvPr/>
+      </p:nvGrpSpPr>
+      <p:grpSpPr>
+        <a:xfrm>
+          <a:off x="0" y="0"/>
+          <a:ext cx="0" cy="0"/>
+          <a:chOff x="0" y="0"/>
+          <a:chExt cx="0" cy="0"/>
+        </a:xfrm>
+      </p:grpSpPr>
+      <p:sp>
+        <p:nvSpPr>
+          <p:cNvPr id="111" name="Google Shape;111;g22e4025cc2c_0_30:notes"/>
+          <p:cNvSpPr/>
+          <p:nvPr>
+            <p:ph idx="2" type="sldImg"/>
+          </p:nvPr>
+        </p:nvSpPr>
+        <p:spPr>
+          <a:xfrm>
+            <a:off x="381300" y="685800"/>
+            <a:ext cx="6096000" cy="3429000"/>
+          </a:xfrm>
+          <a:custGeom>
+            <a:rect b="b" l="l" r="r" t="t"/>
+            <a:pathLst>
+              <a:path extrusionOk="0" h="120000" w="120000">
+                <a:moveTo>
+                  <a:pt x="0" y="0"/>
+                </a:moveTo>
+                <a:lnTo>
+                  <a:pt x="120000" y="0"/>
+                </a:lnTo>
+                <a:lnTo>
+                  <a:pt x="120000" y="120000"/>
+                </a:lnTo>
+                <a:lnTo>
+                  <a:pt x="0" y="120000"/>
+                </a:lnTo>
+                <a:close/>
+              </a:path>
+            </a:pathLst>
+          </a:custGeom>
+        </p:spPr>
+      </p:sp>
+      <p:sp>
+        <p:nvSpPr>
+          <p:cNvPr id="112" name="Google Shape;112;g22e4025cc2c_0_30:notes"/>
+          <p:cNvSpPr txBox="1"/>
+          <p:nvPr>
+            <p:ph idx="1" type="body"/>
+          </p:nvPr>
+        </p:nvSpPr>
+        <p:spPr>
+          <a:xfrm>
+            <a:off x="685800" y="4343400"/>
+            <a:ext cx="5486400" cy="4114800"/>
+          </a:xfrm>
+          <a:prstGeom prst="rect">
+            <a:avLst/>
+          </a:prstGeom>
+        </p:spPr>
+        <p:txBody>
+          <a:bodyPr anchorCtr="0" anchor="t" bIns="91425" lIns="91425" spcFirstLastPara="1" rIns="91425" wrap="square" tIns="91425">
+            <a:noAutofit/>
+          </a:bodyPr>
+          <a:lstStyle/>
+          <a:p>
+            <a:pPr indent="0" lvl="0" marL="0" rtl="0" algn="l">
+              <a:spcBef>
+                <a:spcPts val="0"/>
+              </a:spcBef>
+              <a:spcAft>
+                <a:spcPts val="0"/>
+              </a:spcAft>
+              <a:buNone/>
+            </a:pPr>
+            <a:r>
+              <a:t/>
+            </a:r>
+            <a:endParaRPr/>
+          </a:p>
+        </p:txBody>
+      </p:sp>
+    </p:spTree>
+  </p:cSld>
+  <p:clrMapOvr>
+    <a:masterClrMapping/>
+  </p:clrMapOvr>
+</p:notes>
+</file>
+
+<file path=ppt/notesSlides/notesSlide14.xml><?xml version="1.0" encoding="utf-8"?>
+<p:notes xmlns:a="http://schemas.openxmlformats.org/drawingml/2006/main" xmlns:r="http://schemas.openxmlformats.org/officeDocument/2006/relationships" xmlns:mc="http://schemas.openxmlformats.org/markup-compatibility/2006" xmlns:mv="urn:schemas-microsoft-com:mac:vml" xmlns:p="http://schemas.openxmlformats.org/presentationml/2006/main" xmlns:c="http://schemas.openxmlformats.org/drawingml/2006/chart" xmlns:dgm="http://schemas.openxmlformats.org/drawingml/2006/diagram" xmlns:o="urn:schemas-microsoft-com:office:office" xmlns:v="urn:schemas-microsoft-com:vml" xmlns:pvml="urn:schemas-microsoft-com:office:powerpoint" xmlns:com="http://schemas.openxmlformats.org/drawingml/2006/compatibility" xmlns:p14="http://schemas.microsoft.com/office/powerpoint/2010/main" xmlns:p15="http://schemas.microsoft.com/office/powerpoint/2012/main" xmlns:ahyp="http://schemas.microsoft.com/office/drawing/2018/hyperlinkcolor" showMasterPhAnim="0" showMasterSp="0">
+  <p:cSld>
+    <p:spTree>
+      <p:nvGrpSpPr>
+        <p:cNvPr id="117" name="Shape 117"/>
+        <p:cNvGrpSpPr/>
+        <p:nvPr/>
+      </p:nvGrpSpPr>
+      <p:grpSpPr>
+        <a:xfrm>
+          <a:off x="0" y="0"/>
+          <a:ext cx="0" cy="0"/>
+          <a:chOff x="0" y="0"/>
+          <a:chExt cx="0" cy="0"/>
+        </a:xfrm>
+      </p:grpSpPr>
+      <p:sp>
+        <p:nvSpPr>
+          <p:cNvPr id="118" name="Google Shape;118;g22e4025cc2c_0_22:notes"/>
+          <p:cNvSpPr/>
+          <p:nvPr>
+            <p:ph idx="2" type="sldImg"/>
+          </p:nvPr>
+        </p:nvSpPr>
+        <p:spPr>
+          <a:xfrm>
+            <a:off x="381300" y="685800"/>
+            <a:ext cx="6096000" cy="3429000"/>
+          </a:xfrm>
+          <a:custGeom>
+            <a:rect b="b" l="l" r="r" t="t"/>
+            <a:pathLst>
+              <a:path extrusionOk="0" h="120000" w="120000">
+                <a:moveTo>
+                  <a:pt x="0" y="0"/>
+                </a:moveTo>
+                <a:lnTo>
+                  <a:pt x="120000" y="0"/>
+                </a:lnTo>
+                <a:lnTo>
+                  <a:pt x="120000" y="120000"/>
+                </a:lnTo>
+                <a:lnTo>
+                  <a:pt x="0" y="120000"/>
+                </a:lnTo>
+                <a:close/>
+              </a:path>
+            </a:pathLst>
+          </a:custGeom>
+        </p:spPr>
+      </p:sp>
+      <p:sp>
+        <p:nvSpPr>
+          <p:cNvPr id="119" name="Google Shape;119;g22e4025cc2c_0_22:notes"/>
+          <p:cNvSpPr txBox="1"/>
+          <p:nvPr>
+            <p:ph idx="1" type="body"/>
+          </p:nvPr>
+        </p:nvSpPr>
+        <p:spPr>
+          <a:xfrm>
+            <a:off x="685800" y="4343400"/>
+            <a:ext cx="5486400" cy="4114800"/>
+          </a:xfrm>
+          <a:prstGeom prst="rect">
+            <a:avLst/>
+          </a:prstGeom>
+        </p:spPr>
+        <p:txBody>
+          <a:bodyPr anchorCtr="0" anchor="t" bIns="91425" lIns="91425" spcFirstLastPara="1" rIns="91425" wrap="square" tIns="91425">
+            <a:noAutofit/>
+          </a:bodyPr>
+          <a:lstStyle/>
+          <a:p>
+            <a:pPr indent="0" lvl="0" marL="0" rtl="0" algn="l">
+              <a:spcBef>
+                <a:spcPts val="0"/>
+              </a:spcBef>
+              <a:spcAft>
+                <a:spcPts val="0"/>
+              </a:spcAft>
+              <a:buNone/>
+            </a:pPr>
+            <a:r>
+              <a:t/>
+            </a:r>
+            <a:endParaRPr/>
+          </a:p>
+        </p:txBody>
+      </p:sp>
+    </p:spTree>
+  </p:cSld>
+  <p:clrMapOvr>
+    <a:masterClrMapping/>
+  </p:clrMapOvr>
+</p:notes>
+</file>
+
+<file path=ppt/notesSlides/notesSlide15.xml><?xml version="1.0" encoding="utf-8"?>
+<p:notes xmlns:a="http://schemas.openxmlformats.org/drawingml/2006/main" xmlns:r="http://schemas.openxmlformats.org/officeDocument/2006/relationships" xmlns:mc="http://schemas.openxmlformats.org/markup-compatibility/2006" xmlns:mv="urn:schemas-microsoft-com:mac:vml" xmlns:p="http://schemas.openxmlformats.org/presentationml/2006/main" xmlns:c="http://schemas.openxmlformats.org/drawingml/2006/chart" xmlns:dgm="http://schemas.openxmlformats.org/drawingml/2006/diagram" xmlns:o="urn:schemas-microsoft-com:office:office" xmlns:v="urn:schemas-microsoft-com:vml" xmlns:pvml="urn:schemas-microsoft-com:office:powerpoint" xmlns:com="http://schemas.openxmlformats.org/drawingml/2006/compatibility" xmlns:p14="http://schemas.microsoft.com/office/powerpoint/2010/main" xmlns:p15="http://schemas.microsoft.com/office/powerpoint/2012/main" xmlns:ahyp="http://schemas.microsoft.com/office/drawing/2018/hyperlinkcolor" showMasterPhAnim="0" showMasterSp="0">
+  <p:cSld>
+    <p:spTree>
+      <p:nvGrpSpPr>
+        <p:cNvPr id="122" name="Shape 122"/>
+        <p:cNvGrpSpPr/>
+        <p:nvPr/>
+      </p:nvGrpSpPr>
+      <p:grpSpPr>
+        <a:xfrm>
+          <a:off x="0" y="0"/>
+          <a:ext cx="0" cy="0"/>
+          <a:chOff x="0" y="0"/>
+          <a:chExt cx="0" cy="0"/>
+        </a:xfrm>
+      </p:grpSpPr>
+      <p:sp>
+        <p:nvSpPr>
+          <p:cNvPr id="123" name="Google Shape;123;g22e4025cc2c_0_36:notes"/>
+          <p:cNvSpPr/>
+          <p:nvPr>
+            <p:ph idx="2" type="sldImg"/>
+          </p:nvPr>
+        </p:nvSpPr>
+        <p:spPr>
+          <a:xfrm>
+            <a:off x="381300" y="685800"/>
+            <a:ext cx="6096000" cy="3429000"/>
+          </a:xfrm>
+          <a:custGeom>
+            <a:rect b="b" l="l" r="r" t="t"/>
+            <a:pathLst>
+              <a:path extrusionOk="0" h="120000" w="120000">
+                <a:moveTo>
+                  <a:pt x="0" y="0"/>
+                </a:moveTo>
+                <a:lnTo>
+                  <a:pt x="120000" y="0"/>
+                </a:lnTo>
+                <a:lnTo>
+                  <a:pt x="120000" y="120000"/>
+                </a:lnTo>
+                <a:lnTo>
+                  <a:pt x="0" y="120000"/>
+                </a:lnTo>
+                <a:close/>
+              </a:path>
+            </a:pathLst>
+          </a:custGeom>
+        </p:spPr>
+      </p:sp>
+      <p:sp>
+        <p:nvSpPr>
+          <p:cNvPr id="124" name="Google Shape;124;g22e4025cc2c_0_36:notes"/>
+          <p:cNvSpPr txBox="1"/>
+          <p:nvPr>
+            <p:ph idx="1" type="body"/>
+          </p:nvPr>
+        </p:nvSpPr>
+        <p:spPr>
+          <a:xfrm>
+            <a:off x="685800" y="4343400"/>
+            <a:ext cx="5486400" cy="4114800"/>
+          </a:xfrm>
+          <a:prstGeom prst="rect">
+            <a:avLst/>
+          </a:prstGeom>
+        </p:spPr>
+        <p:txBody>
+          <a:bodyPr anchorCtr="0" anchor="t" bIns="91425" lIns="91425" spcFirstLastPara="1" rIns="91425" wrap="square" tIns="91425">
+            <a:noAutofit/>
+          </a:bodyPr>
+          <a:lstStyle/>
+          <a:p>
+            <a:pPr indent="0" lvl="0" marL="0" rtl="0" algn="l">
+              <a:spcBef>
+                <a:spcPts val="0"/>
+              </a:spcBef>
+              <a:spcAft>
+                <a:spcPts val="0"/>
+              </a:spcAft>
+              <a:buNone/>
+            </a:pPr>
+            <a:r>
+              <a:t/>
+            </a:r>
+            <a:endParaRPr/>
+          </a:p>
+        </p:txBody>
+      </p:sp>
+    </p:spTree>
+  </p:cSld>
+  <p:clrMapOvr>
+    <a:masterClrMapping/>
+  </p:clrMapOvr>
+</p:notes>
+</file>
+
+<file path=ppt/notesSlides/notesSlide16.xml><?xml version="1.0" encoding="utf-8"?>
+<p:notes xmlns:a="http://schemas.openxmlformats.org/drawingml/2006/main" xmlns:r="http://schemas.openxmlformats.org/officeDocument/2006/relationships" xmlns:mc="http://schemas.openxmlformats.org/markup-compatibility/2006" xmlns:mv="urn:schemas-microsoft-com:mac:vml" xmlns:p="http://schemas.openxmlformats.org/presentationml/2006/main" xmlns:c="http://schemas.openxmlformats.org/drawingml/2006/chart" xmlns:dgm="http://schemas.openxmlformats.org/drawingml/2006/diagram" xmlns:o="urn:schemas-microsoft-com:office:office" xmlns:v="urn:schemas-microsoft-com:vml" xmlns:pvml="urn:schemas-microsoft-com:office:powerpoint" xmlns:com="http://schemas.openxmlformats.org/drawingml/2006/compatibility" xmlns:p14="http://schemas.microsoft.com/office/powerpoint/2010/main" xmlns:p15="http://schemas.microsoft.com/office/powerpoint/2012/main" xmlns:ahyp="http://schemas.microsoft.com/office/drawing/2018/hyperlinkcolor" showMasterPhAnim="0" showMasterSp="0">
+  <p:cSld>
+    <p:spTree>
+      <p:nvGrpSpPr>
+        <p:cNvPr id="129" name="Shape 129"/>
+        <p:cNvGrpSpPr/>
+        <p:nvPr/>
+      </p:nvGrpSpPr>
+      <p:grpSpPr>
+        <a:xfrm>
+          <a:off x="0" y="0"/>
+          <a:ext cx="0" cy="0"/>
+          <a:chOff x="0" y="0"/>
+          <a:chExt cx="0" cy="0"/>
+        </a:xfrm>
+      </p:grpSpPr>
+      <p:sp>
+        <p:nvSpPr>
+          <p:cNvPr id="130" name="Google Shape;130;g22e4025cc2c_0_26:notes"/>
+          <p:cNvSpPr/>
+          <p:nvPr>
+            <p:ph idx="2" type="sldImg"/>
+          </p:nvPr>
+        </p:nvSpPr>
+        <p:spPr>
+          <a:xfrm>
+            <a:off x="381300" y="685800"/>
+            <a:ext cx="6096000" cy="3429000"/>
+          </a:xfrm>
+          <a:custGeom>
+            <a:rect b="b" l="l" r="r" t="t"/>
+            <a:pathLst>
+              <a:path extrusionOk="0" h="120000" w="120000">
+                <a:moveTo>
+                  <a:pt x="0" y="0"/>
+                </a:moveTo>
+                <a:lnTo>
+                  <a:pt x="120000" y="0"/>
+                </a:lnTo>
+                <a:lnTo>
+                  <a:pt x="120000" y="120000"/>
+                </a:lnTo>
+                <a:lnTo>
+                  <a:pt x="0" y="120000"/>
+                </a:lnTo>
+                <a:close/>
+              </a:path>
+            </a:pathLst>
+          </a:custGeom>
+        </p:spPr>
+      </p:sp>
+      <p:sp>
+        <p:nvSpPr>
+          <p:cNvPr id="131" name="Google Shape;131;g22e4025cc2c_0_26:notes"/>
+          <p:cNvSpPr txBox="1"/>
+          <p:nvPr>
+            <p:ph idx="1" type="body"/>
+          </p:nvPr>
+        </p:nvSpPr>
+        <p:spPr>
+          <a:xfrm>
+            <a:off x="685800" y="4343400"/>
+            <a:ext cx="5486400" cy="4114800"/>
+          </a:xfrm>
+          <a:prstGeom prst="rect">
+            <a:avLst/>
+          </a:prstGeom>
+        </p:spPr>
+        <p:txBody>
+          <a:bodyPr anchorCtr="0" anchor="t" bIns="91425" lIns="91425" spcFirstLastPara="1" rIns="91425" wrap="square" tIns="91425">
+            <a:noAutofit/>
+          </a:bodyPr>
+          <a:lstStyle/>
+          <a:p>
+            <a:pPr indent="0" lvl="0" marL="0" rtl="0" algn="l">
+              <a:spcBef>
+                <a:spcPts val="0"/>
+              </a:spcBef>
+              <a:spcAft>
+                <a:spcPts val="0"/>
+              </a:spcAft>
+              <a:buNone/>
+            </a:pPr>
+            <a:r>
+              <a:t/>
+            </a:r>
+            <a:endParaRPr/>
+          </a:p>
+        </p:txBody>
+      </p:sp>
+    </p:spTree>
+  </p:cSld>
+  <p:clrMapOvr>
+    <a:masterClrMapping/>
+  </p:clrMapOvr>
+</p:notes>
+</file>
+
+<file path=ppt/notesSlides/notesSlide17.xml><?xml version="1.0" encoding="utf-8"?>
+<p:notes xmlns:a="http://schemas.openxmlformats.org/drawingml/2006/main" xmlns:r="http://schemas.openxmlformats.org/officeDocument/2006/relationships" xmlns:mc="http://schemas.openxmlformats.org/markup-compatibility/2006" xmlns:mv="urn:schemas-microsoft-com:mac:vml" xmlns:p="http://schemas.openxmlformats.org/presentationml/2006/main" xmlns:c="http://schemas.openxmlformats.org/drawingml/2006/chart" xmlns:dgm="http://schemas.openxmlformats.org/drawingml/2006/diagram" xmlns:o="urn:schemas-microsoft-com:office:office" xmlns:v="urn:schemas-microsoft-com:vml" xmlns:pvml="urn:schemas-microsoft-com:office:powerpoint" xmlns:com="http://schemas.openxmlformats.org/drawingml/2006/compatibility" xmlns:p14="http://schemas.microsoft.com/office/powerpoint/2010/main" xmlns:p15="http://schemas.microsoft.com/office/powerpoint/2012/main" xmlns:ahyp="http://schemas.microsoft.com/office/drawing/2018/hyperlinkcolor" showMasterPhAnim="0" showMasterSp="0">
+  <p:cSld>
+    <p:spTree>
+      <p:nvGrpSpPr>
+        <p:cNvPr id="134" name="Shape 134"/>
+        <p:cNvGrpSpPr/>
+        <p:nvPr/>
+      </p:nvGrpSpPr>
+      <p:grpSpPr>
+        <a:xfrm>
+          <a:off x="0" y="0"/>
+          <a:ext cx="0" cy="0"/>
+          <a:chOff x="0" y="0"/>
+          <a:chExt cx="0" cy="0"/>
+        </a:xfrm>
+      </p:grpSpPr>
+      <p:sp>
+        <p:nvSpPr>
+          <p:cNvPr id="135" name="Google Shape;135;g22e4025cc2c_0_48:notes"/>
+          <p:cNvSpPr/>
+          <p:nvPr>
+            <p:ph idx="2" type="sldImg"/>
+          </p:nvPr>
+        </p:nvSpPr>
+        <p:spPr>
+          <a:xfrm>
+            <a:off x="381300" y="685800"/>
+            <a:ext cx="6096000" cy="3429000"/>
+          </a:xfrm>
+          <a:custGeom>
+            <a:rect b="b" l="l" r="r" t="t"/>
+            <a:pathLst>
+              <a:path extrusionOk="0" h="120000" w="120000">
+                <a:moveTo>
+                  <a:pt x="0" y="0"/>
+                </a:moveTo>
+                <a:lnTo>
+                  <a:pt x="120000" y="0"/>
+                </a:lnTo>
+                <a:lnTo>
+                  <a:pt x="120000" y="120000"/>
+                </a:lnTo>
+                <a:lnTo>
+                  <a:pt x="0" y="120000"/>
+                </a:lnTo>
+                <a:close/>
+              </a:path>
+            </a:pathLst>
+          </a:custGeom>
+        </p:spPr>
+      </p:sp>
+      <p:sp>
+        <p:nvSpPr>
+          <p:cNvPr id="136" name="Google Shape;136;g22e4025cc2c_0_48:notes"/>
+          <p:cNvSpPr txBox="1"/>
+          <p:nvPr>
+            <p:ph idx="1" type="body"/>
+          </p:nvPr>
+        </p:nvSpPr>
+        <p:spPr>
+          <a:xfrm>
+            <a:off x="685800" y="4343400"/>
+            <a:ext cx="5486400" cy="4114800"/>
+          </a:xfrm>
+          <a:prstGeom prst="rect">
+            <a:avLst/>
+          </a:prstGeom>
+        </p:spPr>
+        <p:txBody>
+          <a:bodyPr anchorCtr="0" anchor="t" bIns="91425" lIns="91425" spcFirstLastPara="1" rIns="91425" wrap="square" tIns="91425">
+            <a:noAutofit/>
+          </a:bodyPr>
+          <a:lstStyle/>
+          <a:p>
+            <a:pPr indent="0" lvl="0" marL="0" rtl="0" algn="l">
+              <a:spcBef>
+                <a:spcPts val="0"/>
+              </a:spcBef>
+              <a:spcAft>
+                <a:spcPts val="0"/>
+              </a:spcAft>
+              <a:buNone/>
+            </a:pPr>
+            <a:r>
+              <a:t/>
+            </a:r>
+            <a:endParaRPr/>
+          </a:p>
+        </p:txBody>
+      </p:sp>
+    </p:spTree>
+  </p:cSld>
+  <p:clrMapOvr>
+    <a:masterClrMapping/>
+  </p:clrMapOvr>
+</p:notes>
+</file>
+
+<file path=ppt/notesSlides/notesSlide18.xml><?xml version="1.0" encoding="utf-8"?>
+<p:notes xmlns:a="http://schemas.openxmlformats.org/drawingml/2006/main" xmlns:r="http://schemas.openxmlformats.org/officeDocument/2006/relationships" xmlns:mc="http://schemas.openxmlformats.org/markup-compatibility/2006" xmlns:mv="urn:schemas-microsoft-com:mac:vml" xmlns:p="http://schemas.openxmlformats.org/presentationml/2006/main" xmlns:c="http://schemas.openxmlformats.org/drawingml/2006/chart" xmlns:dgm="http://schemas.openxmlformats.org/drawingml/2006/diagram" xmlns:o="urn:schemas-microsoft-com:office:office" xmlns:v="urn:schemas-microsoft-com:vml" xmlns:pvml="urn:schemas-microsoft-com:office:powerpoint" xmlns:com="http://schemas.openxmlformats.org/drawingml/2006/compatibility" xmlns:p14="http://schemas.microsoft.com/office/powerpoint/2010/main" xmlns:p15="http://schemas.microsoft.com/office/powerpoint/2012/main" xmlns:ahyp="http://schemas.microsoft.com/office/drawing/2018/hyperlinkcolor" showMasterPhAnim="0" showMasterSp="0">
+  <p:cSld>
+    <p:spTree>
+      <p:nvGrpSpPr>
+        <p:cNvPr id="141" name="Shape 141"/>
+        <p:cNvGrpSpPr/>
+        <p:nvPr/>
+      </p:nvGrpSpPr>
+      <p:grpSpPr>
+        <a:xfrm>
+          <a:off x="0" y="0"/>
+          <a:ext cx="0" cy="0"/>
+          <a:chOff x="0" y="0"/>
+          <a:chExt cx="0" cy="0"/>
+        </a:xfrm>
+      </p:grpSpPr>
+      <p:sp>
+        <p:nvSpPr>
+          <p:cNvPr id="142" name="Google Shape;142;g22e4025cc2c_0_87:notes"/>
+          <p:cNvSpPr/>
+          <p:nvPr>
+            <p:ph idx="2" type="sldImg"/>
+          </p:nvPr>
+        </p:nvSpPr>
+        <p:spPr>
+          <a:xfrm>
+            <a:off x="381300" y="685800"/>
+            <a:ext cx="6096000" cy="3429000"/>
+          </a:xfrm>
+          <a:custGeom>
+            <a:rect b="b" l="l" r="r" t="t"/>
+            <a:pathLst>
+              <a:path extrusionOk="0" h="120000" w="120000">
+                <a:moveTo>
+                  <a:pt x="0" y="0"/>
+                </a:moveTo>
+                <a:lnTo>
+                  <a:pt x="120000" y="0"/>
+                </a:lnTo>
+                <a:lnTo>
+                  <a:pt x="120000" y="120000"/>
+                </a:lnTo>
+                <a:lnTo>
+                  <a:pt x="0" y="120000"/>
+                </a:lnTo>
+                <a:close/>
+              </a:path>
+            </a:pathLst>
+          </a:custGeom>
+        </p:spPr>
+      </p:sp>
+      <p:sp>
+        <p:nvSpPr>
+          <p:cNvPr id="143" name="Google Shape;143;g22e4025cc2c_0_87:notes"/>
+          <p:cNvSpPr txBox="1"/>
+          <p:nvPr>
+            <p:ph idx="1" type="body"/>
+          </p:nvPr>
+        </p:nvSpPr>
+        <p:spPr>
+          <a:xfrm>
+            <a:off x="685800" y="4343400"/>
+            <a:ext cx="5486400" cy="4114800"/>
+          </a:xfrm>
+          <a:prstGeom prst="rect">
+            <a:avLst/>
+          </a:prstGeom>
+        </p:spPr>
+        <p:txBody>
+          <a:bodyPr anchorCtr="0" anchor="t" bIns="91425" lIns="91425" spcFirstLastPara="1" rIns="91425" wrap="square" tIns="91425">
+            <a:noAutofit/>
+          </a:bodyPr>
+          <a:lstStyle/>
+          <a:p>
+            <a:pPr indent="0" lvl="0" marL="0" rtl="0" algn="l">
+              <a:spcBef>
+                <a:spcPts val="0"/>
+              </a:spcBef>
+              <a:spcAft>
+                <a:spcPts val="0"/>
+              </a:spcAft>
+              <a:buNone/>
+            </a:pPr>
+            <a:r>
+              <a:t/>
+            </a:r>
+            <a:endParaRPr/>
+          </a:p>
+        </p:txBody>
+      </p:sp>
+    </p:spTree>
+  </p:cSld>
+  <p:clrMapOvr>
+    <a:masterClrMapping/>
+  </p:clrMapOvr>
+</p:notes>
+</file>
+
+<file path=ppt/notesSlides/notesSlide19.xml><?xml version="1.0" encoding="utf-8"?>
+<p:notes xmlns:a="http://schemas.openxmlformats.org/drawingml/2006/main" xmlns:r="http://schemas.openxmlformats.org/officeDocument/2006/relationships" xmlns:mc="http://schemas.openxmlformats.org/markup-compatibility/2006" xmlns:mv="urn:schemas-microsoft-com:mac:vml" xmlns:p="http://schemas.openxmlformats.org/presentationml/2006/main" xmlns:c="http://schemas.openxmlformats.org/drawingml/2006/chart" xmlns:dgm="http://schemas.openxmlformats.org/drawingml/2006/diagram" xmlns:o="urn:schemas-microsoft-com:office:office" xmlns:v="urn:schemas-microsoft-com:vml" xmlns:pvml="urn:schemas-microsoft-com:office:powerpoint" xmlns:com="http://schemas.openxmlformats.org/drawingml/2006/compatibility" xmlns:p14="http://schemas.microsoft.com/office/powerpoint/2010/main" xmlns:p15="http://schemas.microsoft.com/office/powerpoint/2012/main" xmlns:ahyp="http://schemas.microsoft.com/office/drawing/2018/hyperlinkcolor" showMasterPhAnim="0" showMasterSp="0">
+  <p:cSld>
+    <p:spTree>
+      <p:nvGrpSpPr>
+        <p:cNvPr id="146" name="Shape 146"/>
+        <p:cNvGrpSpPr/>
+        <p:nvPr/>
+      </p:nvGrpSpPr>
+      <p:grpSpPr>
+        <a:xfrm>
+          <a:off x="0" y="0"/>
+          <a:ext cx="0" cy="0"/>
+          <a:chOff x="0" y="0"/>
+          <a:chExt cx="0" cy="0"/>
+        </a:xfrm>
+      </p:grpSpPr>
+      <p:sp>
+        <p:nvSpPr>
+          <p:cNvPr id="147" name="Google Shape;147;g152c562dbb7_0_0:notes"/>
+          <p:cNvSpPr/>
+          <p:nvPr>
+            <p:ph idx="2" type="sldImg"/>
+          </p:nvPr>
+        </p:nvSpPr>
+        <p:spPr>
+          <a:xfrm>
+            <a:off x="381300" y="685800"/>
+            <a:ext cx="6096000" cy="3429000"/>
+          </a:xfrm>
+          <a:custGeom>
+            <a:rect b="b" l="l" r="r" t="t"/>
+            <a:pathLst>
+              <a:path extrusionOk="0" h="120000" w="120000">
+                <a:moveTo>
+                  <a:pt x="0" y="0"/>
+                </a:moveTo>
+                <a:lnTo>
+                  <a:pt x="120000" y="0"/>
+                </a:lnTo>
+                <a:lnTo>
+                  <a:pt x="120000" y="120000"/>
+                </a:lnTo>
+                <a:lnTo>
+                  <a:pt x="0" y="120000"/>
+                </a:lnTo>
+                <a:close/>
+              </a:path>
+            </a:pathLst>
+          </a:custGeom>
+        </p:spPr>
+      </p:sp>
+      <p:sp>
+        <p:nvSpPr>
+          <p:cNvPr id="148" name="Google Shape;148;g152c562dbb7_0_0:notes"/>
+          <p:cNvSpPr txBox="1"/>
+          <p:nvPr>
+            <p:ph idx="1" type="body"/>
+          </p:nvPr>
+        </p:nvSpPr>
+        <p:spPr>
+          <a:xfrm>
+            <a:off x="685800" y="4343400"/>
+            <a:ext cx="5486400" cy="4114800"/>
+          </a:xfrm>
+          <a:prstGeom prst="rect">
+            <a:avLst/>
+          </a:prstGeom>
+        </p:spPr>
+        <p:txBody>
+          <a:bodyPr anchorCtr="0" anchor="t" bIns="91425" lIns="91425" spcFirstLastPara="1" rIns="91425" wrap="square" tIns="91425">
+            <a:noAutofit/>
+          </a:bodyPr>
+          <a:lstStyle/>
+          <a:p>
+            <a:pPr indent="0" lvl="0" marL="0" rtl="0" algn="l">
+              <a:spcBef>
+                <a:spcPts val="0"/>
+              </a:spcBef>
+              <a:spcAft>
+                <a:spcPts val="0"/>
+              </a:spcAft>
+              <a:buNone/>
+            </a:pPr>
+            <a:r>
+              <a:t/>
+            </a:r>
+            <a:endParaRPr/>
+          </a:p>
+        </p:txBody>
+      </p:sp>
+    </p:spTree>
+  </p:cSld>
+  <p:clrMapOvr>
+    <a:masterClrMapping/>
+  </p:clrMapOvr>
+</p:notes>
+</file>
+
+<file path=ppt/notesSlides/notesSlide2.xml><?xml version="1.0" encoding="utf-8"?>
+<p:notes xmlns:a="http://schemas.openxmlformats.org/drawingml/2006/main" xmlns:r="http://schemas.openxmlformats.org/officeDocument/2006/relationships" xmlns:mc="http://schemas.openxmlformats.org/markup-compatibility/2006" xmlns:mv="urn:schemas-microsoft-com:mac:vml" xmlns:p="http://schemas.openxmlformats.org/presentationml/2006/main" xmlns:c="http://schemas.openxmlformats.org/drawingml/2006/chart" xmlns:dgm="http://schemas.openxmlformats.org/drawingml/2006/diagram" xmlns:o="urn:schemas-microsoft-com:office:office" xmlns:v="urn:schemas-microsoft-com:vml" xmlns:pvml="urn:schemas-microsoft-com:office:powerpoint" xmlns:com="http://schemas.openxmlformats.org/drawingml/2006/compatibility" xmlns:p14="http://schemas.microsoft.com/office/powerpoint/2010/main" xmlns:p15="http://schemas.microsoft.com/office/powerpoint/2012/main" xmlns:ahyp="http://schemas.microsoft.com/office/drawing/2018/hyperlinkcolor" showMasterPhAnim="0" showMasterSp="0">
+  <p:cSld>
+    <p:spTree>
+      <p:nvGrpSpPr>
+        <p:cNvPr id="38" name="Shape 38"/>
+        <p:cNvGrpSpPr/>
+        <p:nvPr/>
+      </p:nvGrpSpPr>
+      <p:grpSpPr>
+        <a:xfrm>
+          <a:off x="0" y="0"/>
+          <a:ext cx="0" cy="0"/>
+          <a:chOff x="0" y="0"/>
+          <a:chExt cx="0" cy="0"/>
+        </a:xfrm>
+      </p:grpSpPr>
+      <p:sp>
+        <p:nvSpPr>
+          <p:cNvPr id="39" name="Google Shape;39;gf17014c61d_0_0:notes"/>
+          <p:cNvSpPr/>
+          <p:nvPr>
+            <p:ph idx="2" type="sldImg"/>
+          </p:nvPr>
+        </p:nvSpPr>
+        <p:spPr>
+          <a:xfrm>
+            <a:off x="381300" y="685800"/>
+            <a:ext cx="6096000" cy="3429000"/>
+          </a:xfrm>
+          <a:custGeom>
+            <a:rect b="b" l="l" r="r" t="t"/>
+            <a:pathLst>
+              <a:path extrusionOk="0" h="120000" w="120000">
+                <a:moveTo>
+                  <a:pt x="0" y="0"/>
+                </a:moveTo>
+                <a:lnTo>
+                  <a:pt x="120000" y="0"/>
+                </a:lnTo>
+                <a:lnTo>
+                  <a:pt x="120000" y="120000"/>
+                </a:lnTo>
+                <a:lnTo>
+                  <a:pt x="0" y="120000"/>
+                </a:lnTo>
+                <a:close/>
+              </a:path>
+            </a:pathLst>
+          </a:custGeom>
+        </p:spPr>
+      </p:sp>
+      <p:sp>
+        <p:nvSpPr>
           <p:cNvPr id="40" name="Google Shape;40;gf17014c61d_0_0:notes"/>
+          <p:cNvSpPr txBox="1"/>
+          <p:nvPr>
+            <p:ph idx="1" type="body"/>
+          </p:nvPr>
+        </p:nvSpPr>
+        <p:spPr>
+          <a:xfrm>
+            <a:off x="685800" y="4343400"/>
+            <a:ext cx="5486400" cy="4114800"/>
+          </a:xfrm>
+          <a:prstGeom prst="rect">
+            <a:avLst/>
+          </a:prstGeom>
+        </p:spPr>
+        <p:txBody>
+          <a:bodyPr anchorCtr="0" anchor="t" bIns="91425" lIns="91425" spcFirstLastPara="1" rIns="91425" wrap="square" tIns="91425">
+            <a:noAutofit/>
+          </a:bodyPr>
+          <a:lstStyle/>
+          <a:p>
+            <a:pPr indent="0" lvl="0" marL="0" rtl="0" algn="l">
+              <a:spcBef>
+                <a:spcPts val="0"/>
+              </a:spcBef>
+              <a:spcAft>
+                <a:spcPts val="0"/>
+              </a:spcAft>
+              <a:buNone/>
+            </a:pPr>
+            <a:r>
+              <a:t/>
+            </a:r>
+            <a:endParaRPr/>
+          </a:p>
+        </p:txBody>
+      </p:sp>
+    </p:spTree>
+  </p:cSld>
+  <p:clrMapOvr>
+    <a:masterClrMapping/>
+  </p:clrMapOvr>
+</p:notes>
+</file>
+
+<file path=ppt/notesSlides/notesSlide20.xml><?xml version="1.0" encoding="utf-8"?>
+<p:notes xmlns:a="http://schemas.openxmlformats.org/drawingml/2006/main" xmlns:r="http://schemas.openxmlformats.org/officeDocument/2006/relationships" xmlns:mc="http://schemas.openxmlformats.org/markup-compatibility/2006" xmlns:mv="urn:schemas-microsoft-com:mac:vml" xmlns:p="http://schemas.openxmlformats.org/presentationml/2006/main" xmlns:c="http://schemas.openxmlformats.org/drawingml/2006/chart" xmlns:dgm="http://schemas.openxmlformats.org/drawingml/2006/diagram" xmlns:o="urn:schemas-microsoft-com:office:office" xmlns:v="urn:schemas-microsoft-com:vml" xmlns:pvml="urn:schemas-microsoft-com:office:powerpoint" xmlns:com="http://schemas.openxmlformats.org/drawingml/2006/compatibility" xmlns:p14="http://schemas.microsoft.com/office/powerpoint/2010/main" xmlns:p15="http://schemas.microsoft.com/office/powerpoint/2012/main" xmlns:ahyp="http://schemas.microsoft.com/office/drawing/2018/hyperlinkcolor" showMasterPhAnim="0" showMasterSp="0">
+  <p:cSld>
+    <p:spTree>
+      <p:nvGrpSpPr>
+        <p:cNvPr id="153" name="Shape 153"/>
+        <p:cNvGrpSpPr/>
+        <p:nvPr/>
+      </p:nvGrpSpPr>
+      <p:grpSpPr>
+        <a:xfrm>
+          <a:off x="0" y="0"/>
+          <a:ext cx="0" cy="0"/>
+          <a:chOff x="0" y="0"/>
+          <a:chExt cx="0" cy="0"/>
+        </a:xfrm>
+      </p:grpSpPr>
+      <p:sp>
+        <p:nvSpPr>
+          <p:cNvPr id="154" name="Google Shape;154;g22e4025cc2c_0_54:notes"/>
+          <p:cNvSpPr/>
+          <p:nvPr>
+            <p:ph idx="2" type="sldImg"/>
+          </p:nvPr>
+        </p:nvSpPr>
+        <p:spPr>
+          <a:xfrm>
+            <a:off x="381300" y="685800"/>
+            <a:ext cx="6096000" cy="3429000"/>
+          </a:xfrm>
+          <a:custGeom>
+            <a:rect b="b" l="l" r="r" t="t"/>
+            <a:pathLst>
+              <a:path extrusionOk="0" h="120000" w="120000">
+                <a:moveTo>
+                  <a:pt x="0" y="0"/>
+                </a:moveTo>
+                <a:lnTo>
+                  <a:pt x="120000" y="0"/>
+                </a:lnTo>
+                <a:lnTo>
+                  <a:pt x="120000" y="120000"/>
+                </a:lnTo>
+                <a:lnTo>
+                  <a:pt x="0" y="120000"/>
+                </a:lnTo>
+                <a:close/>
+              </a:path>
+            </a:pathLst>
+          </a:custGeom>
+        </p:spPr>
+      </p:sp>
+      <p:sp>
+        <p:nvSpPr>
+          <p:cNvPr id="155" name="Google Shape;155;g22e4025cc2c_0_54:notes"/>
+          <p:cNvSpPr txBox="1"/>
+          <p:nvPr>
+            <p:ph idx="1" type="body"/>
+          </p:nvPr>
+        </p:nvSpPr>
+        <p:spPr>
+          <a:xfrm>
+            <a:off x="685800" y="4343400"/>
+            <a:ext cx="5486400" cy="4114800"/>
+          </a:xfrm>
+          <a:prstGeom prst="rect">
+            <a:avLst/>
+          </a:prstGeom>
+        </p:spPr>
+        <p:txBody>
+          <a:bodyPr anchorCtr="0" anchor="t" bIns="91425" lIns="91425" spcFirstLastPara="1" rIns="91425" wrap="square" tIns="91425">
+            <a:noAutofit/>
+          </a:bodyPr>
+          <a:lstStyle/>
+          <a:p>
+            <a:pPr indent="0" lvl="0" marL="0" rtl="0" algn="l">
+              <a:spcBef>
+                <a:spcPts val="0"/>
+              </a:spcBef>
+              <a:spcAft>
+                <a:spcPts val="0"/>
+              </a:spcAft>
+              <a:buNone/>
+            </a:pPr>
+            <a:r>
+              <a:t/>
+            </a:r>
+            <a:endParaRPr/>
+          </a:p>
+        </p:txBody>
+      </p:sp>
+    </p:spTree>
+  </p:cSld>
+  <p:clrMapOvr>
+    <a:masterClrMapping/>
+  </p:clrMapOvr>
+</p:notes>
+</file>
+
+<file path=ppt/notesSlides/notesSlide21.xml><?xml version="1.0" encoding="utf-8"?>
+<p:notes xmlns:a="http://schemas.openxmlformats.org/drawingml/2006/main" xmlns:r="http://schemas.openxmlformats.org/officeDocument/2006/relationships" xmlns:mc="http://schemas.openxmlformats.org/markup-compatibility/2006" xmlns:mv="urn:schemas-microsoft-com:mac:vml" xmlns:p="http://schemas.openxmlformats.org/presentationml/2006/main" xmlns:c="http://schemas.openxmlformats.org/drawingml/2006/chart" xmlns:dgm="http://schemas.openxmlformats.org/drawingml/2006/diagram" xmlns:o="urn:schemas-microsoft-com:office:office" xmlns:v="urn:schemas-microsoft-com:vml" xmlns:pvml="urn:schemas-microsoft-com:office:powerpoint" xmlns:com="http://schemas.openxmlformats.org/drawingml/2006/compatibility" xmlns:p14="http://schemas.microsoft.com/office/powerpoint/2010/main" xmlns:p15="http://schemas.microsoft.com/office/powerpoint/2012/main" xmlns:ahyp="http://schemas.microsoft.com/office/drawing/2018/hyperlinkcolor" showMasterPhAnim="0" showMasterSp="0">
+  <p:cSld>
+    <p:spTree>
+      <p:nvGrpSpPr>
+        <p:cNvPr id="160" name="Shape 160"/>
+        <p:cNvGrpSpPr/>
+        <p:nvPr/>
+      </p:nvGrpSpPr>
+      <p:grpSpPr>
+        <a:xfrm>
+          <a:off x="0" y="0"/>
+          <a:ext cx="0" cy="0"/>
+          <a:chOff x="0" y="0"/>
+          <a:chExt cx="0" cy="0"/>
+        </a:xfrm>
+      </p:grpSpPr>
+      <p:sp>
+        <p:nvSpPr>
+          <p:cNvPr id="161" name="Google Shape;161;g1a11a82c001_0_65:notes"/>
+          <p:cNvSpPr/>
+          <p:nvPr>
+            <p:ph idx="2" type="sldImg"/>
+          </p:nvPr>
+        </p:nvSpPr>
+        <p:spPr>
+          <a:xfrm>
+            <a:off x="381300" y="685800"/>
+            <a:ext cx="6096000" cy="3429000"/>
+          </a:xfrm>
+          <a:custGeom>
+            <a:rect b="b" l="l" r="r" t="t"/>
+            <a:pathLst>
+              <a:path extrusionOk="0" h="120000" w="120000">
+                <a:moveTo>
+                  <a:pt x="0" y="0"/>
+                </a:moveTo>
+                <a:lnTo>
+                  <a:pt x="120000" y="0"/>
+                </a:lnTo>
+                <a:lnTo>
+                  <a:pt x="120000" y="120000"/>
+                </a:lnTo>
+                <a:lnTo>
+                  <a:pt x="0" y="120000"/>
+                </a:lnTo>
+                <a:close/>
+              </a:path>
+            </a:pathLst>
+          </a:custGeom>
+        </p:spPr>
+      </p:sp>
+      <p:sp>
+        <p:nvSpPr>
+          <p:cNvPr id="162" name="Google Shape;162;g1a11a82c001_0_65:notes"/>
+          <p:cNvSpPr txBox="1"/>
+          <p:nvPr>
+            <p:ph idx="1" type="body"/>
+          </p:nvPr>
+        </p:nvSpPr>
+        <p:spPr>
+          <a:xfrm>
+            <a:off x="685800" y="4343400"/>
+            <a:ext cx="5486400" cy="4114800"/>
+          </a:xfrm>
+          <a:prstGeom prst="rect">
+            <a:avLst/>
+          </a:prstGeom>
+        </p:spPr>
+        <p:txBody>
+          <a:bodyPr anchorCtr="0" anchor="t" bIns="91425" lIns="91425" spcFirstLastPara="1" rIns="91425" wrap="square" tIns="91425">
+            <a:noAutofit/>
+          </a:bodyPr>
+          <a:lstStyle/>
+          <a:p>
+            <a:pPr indent="0" lvl="0" marL="0" rtl="0" algn="l">
+              <a:spcBef>
+                <a:spcPts val="0"/>
+              </a:spcBef>
+              <a:spcAft>
+                <a:spcPts val="0"/>
+              </a:spcAft>
+              <a:buNone/>
+            </a:pPr>
+            <a:r>
+              <a:t/>
+            </a:r>
+            <a:endParaRPr/>
+          </a:p>
+        </p:txBody>
+      </p:sp>
+    </p:spTree>
+  </p:cSld>
+  <p:clrMapOvr>
+    <a:masterClrMapping/>
+  </p:clrMapOvr>
+</p:notes>
+</file>
+
+<file path=ppt/notesSlides/notesSlide22.xml><?xml version="1.0" encoding="utf-8"?>
+<p:notes xmlns:a="http://schemas.openxmlformats.org/drawingml/2006/main" xmlns:r="http://schemas.openxmlformats.org/officeDocument/2006/relationships" xmlns:mc="http://schemas.openxmlformats.org/markup-compatibility/2006" xmlns:mv="urn:schemas-microsoft-com:mac:vml" xmlns:p="http://schemas.openxmlformats.org/presentationml/2006/main" xmlns:c="http://schemas.openxmlformats.org/drawingml/2006/chart" xmlns:dgm="http://schemas.openxmlformats.org/drawingml/2006/diagram" xmlns:o="urn:schemas-microsoft-com:office:office" xmlns:v="urn:schemas-microsoft-com:vml" xmlns:pvml="urn:schemas-microsoft-com:office:powerpoint" xmlns:com="http://schemas.openxmlformats.org/drawingml/2006/compatibility" xmlns:p14="http://schemas.microsoft.com/office/powerpoint/2010/main" xmlns:p15="http://schemas.microsoft.com/office/powerpoint/2012/main" xmlns:ahyp="http://schemas.microsoft.com/office/drawing/2018/hyperlinkcolor" showMasterPhAnim="0" showMasterSp="0">
+  <p:cSld>
+    <p:spTree>
+      <p:nvGrpSpPr>
+        <p:cNvPr id="166" name="Shape 166"/>
+        <p:cNvGrpSpPr/>
+        <p:nvPr/>
+      </p:nvGrpSpPr>
+      <p:grpSpPr>
+        <a:xfrm>
+          <a:off x="0" y="0"/>
+          <a:ext cx="0" cy="0"/>
+          <a:chOff x="0" y="0"/>
+          <a:chExt cx="0" cy="0"/>
+        </a:xfrm>
+      </p:grpSpPr>
+      <p:sp>
+        <p:nvSpPr>
+          <p:cNvPr id="167" name="Google Shape;167;g1a11a82c001_0_70:notes"/>
+          <p:cNvSpPr/>
+          <p:nvPr>
+            <p:ph idx="2" type="sldImg"/>
+          </p:nvPr>
+        </p:nvSpPr>
+        <p:spPr>
+          <a:xfrm>
+            <a:off x="381300" y="685800"/>
+            <a:ext cx="6096000" cy="3429000"/>
+          </a:xfrm>
+          <a:custGeom>
+            <a:rect b="b" l="l" r="r" t="t"/>
+            <a:pathLst>
+              <a:path extrusionOk="0" h="120000" w="120000">
+                <a:moveTo>
+                  <a:pt x="0" y="0"/>
+                </a:moveTo>
+                <a:lnTo>
+                  <a:pt x="120000" y="0"/>
+                </a:lnTo>
+                <a:lnTo>
+                  <a:pt x="120000" y="120000"/>
+                </a:lnTo>
+                <a:lnTo>
+                  <a:pt x="0" y="120000"/>
+                </a:lnTo>
+                <a:close/>
+              </a:path>
+            </a:pathLst>
+          </a:custGeom>
+        </p:spPr>
+      </p:sp>
+      <p:sp>
+        <p:nvSpPr>
+          <p:cNvPr id="168" name="Google Shape;168;g1a11a82c001_0_70:notes"/>
           <p:cNvSpPr txBox="1"/>
           <p:nvPr>
             <p:ph idx="1" type="body"/>
@@ -1107,7 +2409,7 @@
       </p:grpSpPr>
       <p:sp>
         <p:nvSpPr>
-          <p:cNvPr id="58" name="Google Shape;58;g152c562dbb7_0_0:notes"/>
+          <p:cNvPr id="58" name="Google Shape;58;g22e4025cc2c_0_60:notes"/>
           <p:cNvSpPr/>
           <p:nvPr>
             <p:ph idx="2" type="sldImg"/>
@@ -1142,7 +2444,7 @@
       </p:sp>
       <p:sp>
         <p:nvSpPr>
-          <p:cNvPr id="59" name="Google Shape;59;g152c562dbb7_0_0:notes"/>
+          <p:cNvPr id="59" name="Google Shape;59;g22e4025cc2c_0_60:notes"/>
           <p:cNvSpPr txBox="1"/>
           <p:nvPr>
             <p:ph idx="1" type="body"/>
@@ -1206,7 +2508,7 @@
       </p:grpSpPr>
       <p:sp>
         <p:nvSpPr>
-          <p:cNvPr id="65" name="Google Shape;65;g1a11a82c001_0_65:notes"/>
+          <p:cNvPr id="65" name="Google Shape;65;g22e4025cc2c_0_66:notes"/>
           <p:cNvSpPr/>
           <p:nvPr>
             <p:ph idx="2" type="sldImg"/>
@@ -1241,7 +2543,7 @@
       </p:sp>
       <p:sp>
         <p:nvSpPr>
-          <p:cNvPr id="66" name="Google Shape;66;g1a11a82c001_0_65:notes"/>
+          <p:cNvPr id="66" name="Google Shape;66;g22e4025cc2c_0_66:notes"/>
           <p:cNvSpPr txBox="1"/>
           <p:nvPr>
             <p:ph idx="1" type="body"/>
@@ -1291,7 +2593,7 @@
   <p:cSld>
     <p:spTree>
       <p:nvGrpSpPr>
-        <p:cNvPr id="70" name="Shape 70"/>
+        <p:cNvPr id="71" name="Shape 71"/>
         <p:cNvGrpSpPr/>
         <p:nvPr/>
       </p:nvGrpSpPr>
@@ -1305,7 +2607,7 @@
       </p:grpSpPr>
       <p:sp>
         <p:nvSpPr>
-          <p:cNvPr id="71" name="Google Shape;71;g1a11a82c001_0_70:notes"/>
+          <p:cNvPr id="72" name="Google Shape;72;g22e4025cc2c_0_8:notes"/>
           <p:cNvSpPr/>
           <p:nvPr>
             <p:ph idx="2" type="sldImg"/>
@@ -1340,7 +2642,205 @@
       </p:sp>
       <p:sp>
         <p:nvSpPr>
-          <p:cNvPr id="72" name="Google Shape;72;g1a11a82c001_0_70:notes"/>
+          <p:cNvPr id="73" name="Google Shape;73;g22e4025cc2c_0_8:notes"/>
+          <p:cNvSpPr txBox="1"/>
+          <p:nvPr>
+            <p:ph idx="1" type="body"/>
+          </p:nvPr>
+        </p:nvSpPr>
+        <p:spPr>
+          <a:xfrm>
+            <a:off x="685800" y="4343400"/>
+            <a:ext cx="5486400" cy="4114800"/>
+          </a:xfrm>
+          <a:prstGeom prst="rect">
+            <a:avLst/>
+          </a:prstGeom>
+        </p:spPr>
+        <p:txBody>
+          <a:bodyPr anchorCtr="0" anchor="t" bIns="91425" lIns="91425" spcFirstLastPara="1" rIns="91425" wrap="square" tIns="91425">
+            <a:noAutofit/>
+          </a:bodyPr>
+          <a:lstStyle/>
+          <a:p>
+            <a:pPr indent="0" lvl="0" marL="0" rtl="0" algn="l">
+              <a:spcBef>
+                <a:spcPts val="0"/>
+              </a:spcBef>
+              <a:spcAft>
+                <a:spcPts val="0"/>
+              </a:spcAft>
+              <a:buNone/>
+            </a:pPr>
+            <a:r>
+              <a:t/>
+            </a:r>
+            <a:endParaRPr/>
+          </a:p>
+        </p:txBody>
+      </p:sp>
+    </p:spTree>
+  </p:cSld>
+  <p:clrMapOvr>
+    <a:masterClrMapping/>
+  </p:clrMapOvr>
+</p:notes>
+</file>
+
+<file path=ppt/notesSlides/notesSlide8.xml><?xml version="1.0" encoding="utf-8"?>
+<p:notes xmlns:a="http://schemas.openxmlformats.org/drawingml/2006/main" xmlns:r="http://schemas.openxmlformats.org/officeDocument/2006/relationships" xmlns:mc="http://schemas.openxmlformats.org/markup-compatibility/2006" xmlns:mv="urn:schemas-microsoft-com:mac:vml" xmlns:p="http://schemas.openxmlformats.org/presentationml/2006/main" xmlns:c="http://schemas.openxmlformats.org/drawingml/2006/chart" xmlns:dgm="http://schemas.openxmlformats.org/drawingml/2006/diagram" xmlns:o="urn:schemas-microsoft-com:office:office" xmlns:v="urn:schemas-microsoft-com:vml" xmlns:pvml="urn:schemas-microsoft-com:office:powerpoint" xmlns:com="http://schemas.openxmlformats.org/drawingml/2006/compatibility" xmlns:p14="http://schemas.microsoft.com/office/powerpoint/2010/main" xmlns:p15="http://schemas.microsoft.com/office/powerpoint/2012/main" xmlns:ahyp="http://schemas.microsoft.com/office/drawing/2018/hyperlinkcolor" showMasterPhAnim="0" showMasterSp="0">
+  <p:cSld>
+    <p:spTree>
+      <p:nvGrpSpPr>
+        <p:cNvPr id="76" name="Shape 76"/>
+        <p:cNvGrpSpPr/>
+        <p:nvPr/>
+      </p:nvGrpSpPr>
+      <p:grpSpPr>
+        <a:xfrm>
+          <a:off x="0" y="0"/>
+          <a:ext cx="0" cy="0"/>
+          <a:chOff x="0" y="0"/>
+          <a:chExt cx="0" cy="0"/>
+        </a:xfrm>
+      </p:grpSpPr>
+      <p:sp>
+        <p:nvSpPr>
+          <p:cNvPr id="77" name="Google Shape;77;g22e4025cc2c_0_12:notes"/>
+          <p:cNvSpPr/>
+          <p:nvPr>
+            <p:ph idx="2" type="sldImg"/>
+          </p:nvPr>
+        </p:nvSpPr>
+        <p:spPr>
+          <a:xfrm>
+            <a:off x="381300" y="685800"/>
+            <a:ext cx="6096000" cy="3429000"/>
+          </a:xfrm>
+          <a:custGeom>
+            <a:rect b="b" l="l" r="r" t="t"/>
+            <a:pathLst>
+              <a:path extrusionOk="0" h="120000" w="120000">
+                <a:moveTo>
+                  <a:pt x="0" y="0"/>
+                </a:moveTo>
+                <a:lnTo>
+                  <a:pt x="120000" y="0"/>
+                </a:lnTo>
+                <a:lnTo>
+                  <a:pt x="120000" y="120000"/>
+                </a:lnTo>
+                <a:lnTo>
+                  <a:pt x="0" y="120000"/>
+                </a:lnTo>
+                <a:close/>
+              </a:path>
+            </a:pathLst>
+          </a:custGeom>
+        </p:spPr>
+      </p:sp>
+      <p:sp>
+        <p:nvSpPr>
+          <p:cNvPr id="78" name="Google Shape;78;g22e4025cc2c_0_12:notes"/>
+          <p:cNvSpPr txBox="1"/>
+          <p:nvPr>
+            <p:ph idx="1" type="body"/>
+          </p:nvPr>
+        </p:nvSpPr>
+        <p:spPr>
+          <a:xfrm>
+            <a:off x="685800" y="4343400"/>
+            <a:ext cx="5486400" cy="4114800"/>
+          </a:xfrm>
+          <a:prstGeom prst="rect">
+            <a:avLst/>
+          </a:prstGeom>
+        </p:spPr>
+        <p:txBody>
+          <a:bodyPr anchorCtr="0" anchor="t" bIns="91425" lIns="91425" spcFirstLastPara="1" rIns="91425" wrap="square" tIns="91425">
+            <a:noAutofit/>
+          </a:bodyPr>
+          <a:lstStyle/>
+          <a:p>
+            <a:pPr indent="0" lvl="0" marL="0" rtl="0" algn="l">
+              <a:spcBef>
+                <a:spcPts val="0"/>
+              </a:spcBef>
+              <a:spcAft>
+                <a:spcPts val="0"/>
+              </a:spcAft>
+              <a:buNone/>
+            </a:pPr>
+            <a:r>
+              <a:t/>
+            </a:r>
+            <a:endParaRPr/>
+          </a:p>
+        </p:txBody>
+      </p:sp>
+    </p:spTree>
+  </p:cSld>
+  <p:clrMapOvr>
+    <a:masterClrMapping/>
+  </p:clrMapOvr>
+</p:notes>
+</file>
+
+<file path=ppt/notesSlides/notesSlide9.xml><?xml version="1.0" encoding="utf-8"?>
+<p:notes xmlns:a="http://schemas.openxmlformats.org/drawingml/2006/main" xmlns:r="http://schemas.openxmlformats.org/officeDocument/2006/relationships" xmlns:mc="http://schemas.openxmlformats.org/markup-compatibility/2006" xmlns:mv="urn:schemas-microsoft-com:mac:vml" xmlns:p="http://schemas.openxmlformats.org/presentationml/2006/main" xmlns:c="http://schemas.openxmlformats.org/drawingml/2006/chart" xmlns:dgm="http://schemas.openxmlformats.org/drawingml/2006/diagram" xmlns:o="urn:schemas-microsoft-com:office:office" xmlns:v="urn:schemas-microsoft-com:vml" xmlns:pvml="urn:schemas-microsoft-com:office:powerpoint" xmlns:com="http://schemas.openxmlformats.org/drawingml/2006/compatibility" xmlns:p14="http://schemas.microsoft.com/office/powerpoint/2010/main" xmlns:p15="http://schemas.microsoft.com/office/powerpoint/2012/main" xmlns:ahyp="http://schemas.microsoft.com/office/drawing/2018/hyperlinkcolor" showMasterPhAnim="0" showMasterSp="0">
+  <p:cSld>
+    <p:spTree>
+      <p:nvGrpSpPr>
+        <p:cNvPr id="83" name="Shape 83"/>
+        <p:cNvGrpSpPr/>
+        <p:nvPr/>
+      </p:nvGrpSpPr>
+      <p:grpSpPr>
+        <a:xfrm>
+          <a:off x="0" y="0"/>
+          <a:ext cx="0" cy="0"/>
+          <a:chOff x="0" y="0"/>
+          <a:chExt cx="0" cy="0"/>
+        </a:xfrm>
+      </p:grpSpPr>
+      <p:sp>
+        <p:nvSpPr>
+          <p:cNvPr id="84" name="Google Shape;84;g22e4025cc2c_0_72:notes"/>
+          <p:cNvSpPr/>
+          <p:nvPr>
+            <p:ph idx="2" type="sldImg"/>
+          </p:nvPr>
+        </p:nvSpPr>
+        <p:spPr>
+          <a:xfrm>
+            <a:off x="381300" y="685800"/>
+            <a:ext cx="6096000" cy="3429000"/>
+          </a:xfrm>
+          <a:custGeom>
+            <a:rect b="b" l="l" r="r" t="t"/>
+            <a:pathLst>
+              <a:path extrusionOk="0" h="120000" w="120000">
+                <a:moveTo>
+                  <a:pt x="0" y="0"/>
+                </a:moveTo>
+                <a:lnTo>
+                  <a:pt x="120000" y="0"/>
+                </a:lnTo>
+                <a:lnTo>
+                  <a:pt x="120000" y="120000"/>
+                </a:lnTo>
+                <a:lnTo>
+                  <a:pt x="0" y="120000"/>
+                </a:lnTo>
+                <a:close/>
+              </a:path>
+            </a:pathLst>
+          </a:custGeom>
+        </p:spPr>
+      </p:sp>
+      <p:sp>
+        <p:nvSpPr>
+          <p:cNvPr id="85" name="Google Shape;85;g22e4025cc2c_0_72:notes"/>
           <p:cNvSpPr txBox="1"/>
           <p:nvPr>
             <p:ph idx="1" type="body"/>
@@ -4671,7 +6171,7 @@
             </a:pPr>
             <a:r>
               <a:rPr lang="en"/>
-              <a:t>AMOS Sprint 6</a:t>
+              <a:t>Agile Coaching</a:t>
             </a:r>
             <a:endParaRPr/>
           </a:p>
@@ -4742,7 +6242,7 @@
             </a:pPr>
             <a:r>
               <a:rPr b="1" lang="en"/>
-              <a:t>AMOS B05</a:t>
+              <a:t>AMOS B06</a:t>
             </a:r>
             <a:endParaRPr b="1"/>
           </a:p>
@@ -4770,6 +6270,1345 @@
               <a:t>CC BY 4.0 International</a:t>
             </a:r>
             <a:endParaRPr sz="1800"/>
+          </a:p>
+        </p:txBody>
+      </p:sp>
+    </p:spTree>
+  </p:cSld>
+  <p:clrMapOvr>
+    <a:masterClrMapping/>
+  </p:clrMapOvr>
+</p:sld>
+</file>
+
+<file path=ppt/slides/slide10.xml><?xml version="1.0" encoding="utf-8"?>
+<p:sld xmlns:a="http://schemas.openxmlformats.org/drawingml/2006/main" xmlns:r="http://schemas.openxmlformats.org/officeDocument/2006/relationships" xmlns:mc="http://schemas.openxmlformats.org/markup-compatibility/2006" xmlns:mv="urn:schemas-microsoft-com:mac:vml" xmlns:p="http://schemas.openxmlformats.org/presentationml/2006/main" xmlns:c="http://schemas.openxmlformats.org/drawingml/2006/chart" xmlns:dgm="http://schemas.openxmlformats.org/drawingml/2006/diagram" xmlns:o="urn:schemas-microsoft-com:office:office" xmlns:v="urn:schemas-microsoft-com:vml" xmlns:pvml="urn:schemas-microsoft-com:office:powerpoint" xmlns:com="http://schemas.openxmlformats.org/drawingml/2006/compatibility" xmlns:p14="http://schemas.microsoft.com/office/powerpoint/2010/main" xmlns:p15="http://schemas.microsoft.com/office/powerpoint/2012/main" xmlns:ahyp="http://schemas.microsoft.com/office/drawing/2018/hyperlinkcolor">
+  <p:cSld>
+    <p:spTree>
+      <p:nvGrpSpPr>
+        <p:cNvPr id="94" name="Shape 94"/>
+        <p:cNvGrpSpPr/>
+        <p:nvPr/>
+      </p:nvGrpSpPr>
+      <p:grpSpPr>
+        <a:xfrm>
+          <a:off x="0" y="0"/>
+          <a:ext cx="0" cy="0"/>
+          <a:chOff x="0" y="0"/>
+          <a:chExt cx="0" cy="0"/>
+        </a:xfrm>
+      </p:grpSpPr>
+      <p:sp>
+        <p:nvSpPr>
+          <p:cNvPr id="95" name="Google Shape;95;p17"/>
+          <p:cNvSpPr txBox="1"/>
+          <p:nvPr>
+            <p:ph type="title"/>
+          </p:nvPr>
+        </p:nvSpPr>
+        <p:spPr>
+          <a:xfrm>
+            <a:off x="0" y="0"/>
+            <a:ext cx="9144000" cy="685800"/>
+          </a:xfrm>
+          <a:prstGeom prst="rect">
+            <a:avLst/>
+          </a:prstGeom>
+        </p:spPr>
+        <p:txBody>
+          <a:bodyPr anchorCtr="0" anchor="ctr" bIns="91425" lIns="274300" spcFirstLastPara="1" rIns="91425" wrap="square" tIns="91425">
+            <a:noAutofit/>
+          </a:bodyPr>
+          <a:lstStyle/>
+          <a:p>
+            <a:pPr indent="0" lvl="0" marL="0" rtl="0" algn="l">
+              <a:spcBef>
+                <a:spcPts val="0"/>
+              </a:spcBef>
+              <a:spcAft>
+                <a:spcPts val="0"/>
+              </a:spcAft>
+              <a:buNone/>
+            </a:pPr>
+            <a:r>
+              <a:rPr lang="en"/>
+              <a:t>Kerth’s Prime Directive</a:t>
+            </a:r>
+            <a:endParaRPr/>
+          </a:p>
+        </p:txBody>
+      </p:sp>
+      <p:sp>
+        <p:nvSpPr>
+          <p:cNvPr id="96" name="Google Shape;96;p17"/>
+          <p:cNvSpPr txBox="1"/>
+          <p:nvPr>
+            <p:ph idx="1" type="body"/>
+          </p:nvPr>
+        </p:nvSpPr>
+        <p:spPr>
+          <a:xfrm>
+            <a:off x="274320" y="914400"/>
+            <a:ext cx="8595300" cy="4114800"/>
+          </a:xfrm>
+          <a:prstGeom prst="rect">
+            <a:avLst/>
+          </a:prstGeom>
+        </p:spPr>
+        <p:txBody>
+          <a:bodyPr anchorCtr="0" anchor="t" bIns="0" lIns="0" spcFirstLastPara="1" rIns="0" wrap="square" tIns="0">
+            <a:noAutofit/>
+          </a:bodyPr>
+          <a:lstStyle/>
+          <a:p>
+            <a:pPr indent="0" lvl="0" marL="0" rtl="0" algn="l">
+              <a:spcBef>
+                <a:spcPts val="0"/>
+              </a:spcBef>
+              <a:spcAft>
+                <a:spcPts val="1200"/>
+              </a:spcAft>
+              <a:buNone/>
+            </a:pPr>
+            <a:r>
+              <a:t/>
+            </a:r>
+            <a:endParaRPr/>
+          </a:p>
+        </p:txBody>
+      </p:sp>
+      <p:sp>
+        <p:nvSpPr>
+          <p:cNvPr id="97" name="Google Shape;97;p17"/>
+          <p:cNvSpPr txBox="1"/>
+          <p:nvPr>
+            <p:ph idx="12" type="sldNum"/>
+          </p:nvPr>
+        </p:nvSpPr>
+        <p:spPr>
+          <a:xfrm>
+            <a:off x="7315202" y="4416550"/>
+            <a:ext cx="1828800" cy="731400"/>
+          </a:xfrm>
+          <a:prstGeom prst="rect">
+            <a:avLst/>
+          </a:prstGeom>
+        </p:spPr>
+        <p:txBody>
+          <a:bodyPr anchorCtr="0" anchor="b" bIns="91425" lIns="91425" spcFirstLastPara="1" rIns="91425" wrap="square" tIns="91425">
+            <a:noAutofit/>
+          </a:bodyPr>
+          <a:lstStyle/>
+          <a:p>
+            <a:pPr indent="0" lvl="0" marL="0" rtl="0" algn="r">
+              <a:spcBef>
+                <a:spcPts val="0"/>
+              </a:spcBef>
+              <a:spcAft>
+                <a:spcPts val="0"/>
+              </a:spcAft>
+              <a:buNone/>
+            </a:pPr>
+            <a:fld id="{00000000-1234-1234-1234-123412341234}" type="slidenum">
+              <a:rPr lang="en"/>
+              <a:t>‹#›</a:t>
+            </a:fld>
+            <a:endParaRPr/>
+          </a:p>
+          <a:p>
+            <a:pPr indent="0" lvl="0" marL="0" rtl="0" algn="r">
+              <a:spcBef>
+                <a:spcPts val="0"/>
+              </a:spcBef>
+              <a:spcAft>
+                <a:spcPts val="0"/>
+              </a:spcAft>
+              <a:buNone/>
+            </a:pPr>
+            <a:r>
+              <a:rPr b="0" lang="en" sz="900" u="sng">
+                <a:solidFill>
+                  <a:schemeClr val="hlink"/>
+                </a:solidFill>
+                <a:hlinkClick r:id="rId3"/>
+              </a:rPr>
+              <a:t>https://profriehle.com</a:t>
+            </a:r>
+            <a:r>
+              <a:rPr b="0" lang="en" sz="900">
+                <a:solidFill>
+                  <a:schemeClr val="dk2"/>
+                </a:solidFill>
+              </a:rPr>
+              <a:t> </a:t>
+            </a:r>
+            <a:endParaRPr/>
+          </a:p>
+        </p:txBody>
+      </p:sp>
+    </p:spTree>
+  </p:cSld>
+  <p:clrMapOvr>
+    <a:masterClrMapping/>
+  </p:clrMapOvr>
+</p:sld>
+</file>
+
+<file path=ppt/slides/slide11.xml><?xml version="1.0" encoding="utf-8"?>
+<p:sld xmlns:a="http://schemas.openxmlformats.org/drawingml/2006/main" xmlns:r="http://schemas.openxmlformats.org/officeDocument/2006/relationships" xmlns:mc="http://schemas.openxmlformats.org/markup-compatibility/2006" xmlns:mv="urn:schemas-microsoft-com:mac:vml" xmlns:p="http://schemas.openxmlformats.org/presentationml/2006/main" xmlns:c="http://schemas.openxmlformats.org/drawingml/2006/chart" xmlns:dgm="http://schemas.openxmlformats.org/drawingml/2006/diagram" xmlns:o="urn:schemas-microsoft-com:office:office" xmlns:v="urn:schemas-microsoft-com:vml" xmlns:pvml="urn:schemas-microsoft-com:office:powerpoint" xmlns:com="http://schemas.openxmlformats.org/drawingml/2006/compatibility" xmlns:p14="http://schemas.microsoft.com/office/powerpoint/2010/main" xmlns:p15="http://schemas.microsoft.com/office/powerpoint/2012/main" xmlns:ahyp="http://schemas.microsoft.com/office/drawing/2018/hyperlinkcolor">
+  <p:cSld>
+    <p:spTree>
+      <p:nvGrpSpPr>
+        <p:cNvPr id="101" name="Shape 101"/>
+        <p:cNvGrpSpPr/>
+        <p:nvPr/>
+      </p:nvGrpSpPr>
+      <p:grpSpPr>
+        <a:xfrm>
+          <a:off x="0" y="0"/>
+          <a:ext cx="0" cy="0"/>
+          <a:chOff x="0" y="0"/>
+          <a:chExt cx="0" cy="0"/>
+        </a:xfrm>
+      </p:grpSpPr>
+      <p:sp>
+        <p:nvSpPr>
+          <p:cNvPr id="102" name="Google Shape;102;p18"/>
+          <p:cNvSpPr txBox="1"/>
+          <p:nvPr>
+            <p:ph type="title"/>
+          </p:nvPr>
+        </p:nvSpPr>
+        <p:spPr>
+          <a:xfrm>
+            <a:off x="0" y="0"/>
+            <a:ext cx="9144000" cy="685800"/>
+          </a:xfrm>
+          <a:prstGeom prst="rect">
+            <a:avLst/>
+          </a:prstGeom>
+        </p:spPr>
+        <p:txBody>
+          <a:bodyPr anchorCtr="0" anchor="ctr" bIns="91425" lIns="274300" spcFirstLastPara="1" rIns="91425" wrap="square" tIns="91425">
+            <a:noAutofit/>
+          </a:bodyPr>
+          <a:lstStyle/>
+          <a:p>
+            <a:pPr indent="0" lvl="0" marL="0" rtl="0" algn="l">
+              <a:spcBef>
+                <a:spcPts val="0"/>
+              </a:spcBef>
+              <a:spcAft>
+                <a:spcPts val="0"/>
+              </a:spcAft>
+              <a:buNone/>
+            </a:pPr>
+            <a:r>
+              <a:rPr lang="en"/>
+              <a:t>Retrospectives in Scrum</a:t>
+            </a:r>
+            <a:endParaRPr/>
+          </a:p>
+        </p:txBody>
+      </p:sp>
+      <p:sp>
+        <p:nvSpPr>
+          <p:cNvPr id="103" name="Google Shape;103;p18"/>
+          <p:cNvSpPr txBox="1"/>
+          <p:nvPr>
+            <p:ph idx="12" type="sldNum"/>
+          </p:nvPr>
+        </p:nvSpPr>
+        <p:spPr>
+          <a:xfrm>
+            <a:off x="7315202" y="4416550"/>
+            <a:ext cx="1828800" cy="731400"/>
+          </a:xfrm>
+          <a:prstGeom prst="rect">
+            <a:avLst/>
+          </a:prstGeom>
+        </p:spPr>
+        <p:txBody>
+          <a:bodyPr anchorCtr="0" anchor="b" bIns="91425" lIns="91425" spcFirstLastPara="1" rIns="91425" wrap="square" tIns="91425">
+            <a:noAutofit/>
+          </a:bodyPr>
+          <a:lstStyle/>
+          <a:p>
+            <a:pPr indent="0" lvl="0" marL="0" rtl="0" algn="r">
+              <a:spcBef>
+                <a:spcPts val="0"/>
+              </a:spcBef>
+              <a:spcAft>
+                <a:spcPts val="0"/>
+              </a:spcAft>
+              <a:buNone/>
+            </a:pPr>
+            <a:fld id="{00000000-1234-1234-1234-123412341234}" type="slidenum">
+              <a:rPr lang="en"/>
+              <a:t>‹#›</a:t>
+            </a:fld>
+            <a:endParaRPr/>
+          </a:p>
+          <a:p>
+            <a:pPr indent="0" lvl="0" marL="0" rtl="0" algn="r">
+              <a:spcBef>
+                <a:spcPts val="0"/>
+              </a:spcBef>
+              <a:spcAft>
+                <a:spcPts val="0"/>
+              </a:spcAft>
+              <a:buNone/>
+            </a:pPr>
+            <a:r>
+              <a:rPr b="0" lang="en" sz="900" u="sng">
+                <a:solidFill>
+                  <a:schemeClr val="hlink"/>
+                </a:solidFill>
+                <a:hlinkClick r:id="rId3"/>
+              </a:rPr>
+              <a:t>https://profriehle.com</a:t>
+            </a:r>
+            <a:r>
+              <a:rPr b="0" lang="en" sz="900">
+                <a:solidFill>
+                  <a:schemeClr val="dk2"/>
+                </a:solidFill>
+              </a:rPr>
+              <a:t> </a:t>
+            </a:r>
+            <a:endParaRPr/>
+          </a:p>
+        </p:txBody>
+      </p:sp>
+      <p:pic>
+        <p:nvPicPr>
+          <p:cNvPr id="104" name="Google Shape;104;p18"/>
+          <p:cNvPicPr preferRelativeResize="0"/>
+          <p:nvPr/>
+        </p:nvPicPr>
+        <p:blipFill>
+          <a:blip r:embed="rId4">
+            <a:alphaModFix/>
+          </a:blip>
+          <a:stretch>
+            <a:fillRect/>
+          </a:stretch>
+        </p:blipFill>
+        <p:spPr>
+          <a:xfrm>
+            <a:off x="274320" y="914400"/>
+            <a:ext cx="8595360" cy="3502840"/>
+          </a:xfrm>
+          <a:prstGeom prst="rect">
+            <a:avLst/>
+          </a:prstGeom>
+          <a:noFill/>
+          <a:ln>
+            <a:noFill/>
+          </a:ln>
+        </p:spPr>
+      </p:pic>
+    </p:spTree>
+  </p:cSld>
+  <p:clrMapOvr>
+    <a:masterClrMapping/>
+  </p:clrMapOvr>
+</p:sld>
+</file>
+
+<file path=ppt/slides/slide12.xml><?xml version="1.0" encoding="utf-8"?>
+<p:sld xmlns:a="http://schemas.openxmlformats.org/drawingml/2006/main" xmlns:r="http://schemas.openxmlformats.org/officeDocument/2006/relationships" xmlns:mc="http://schemas.openxmlformats.org/markup-compatibility/2006" xmlns:mv="urn:schemas-microsoft-com:mac:vml" xmlns:p="http://schemas.openxmlformats.org/presentationml/2006/main" xmlns:c="http://schemas.openxmlformats.org/drawingml/2006/chart" xmlns:dgm="http://schemas.openxmlformats.org/drawingml/2006/diagram" xmlns:o="urn:schemas-microsoft-com:office:office" xmlns:v="urn:schemas-microsoft-com:vml" xmlns:pvml="urn:schemas-microsoft-com:office:powerpoint" xmlns:com="http://schemas.openxmlformats.org/drawingml/2006/compatibility" xmlns:p14="http://schemas.microsoft.com/office/powerpoint/2010/main" xmlns:p15="http://schemas.microsoft.com/office/powerpoint/2012/main" xmlns:ahyp="http://schemas.microsoft.com/office/drawing/2018/hyperlinkcolor">
+  <p:cSld>
+    <p:spTree>
+      <p:nvGrpSpPr>
+        <p:cNvPr id="108" name="Shape 108"/>
+        <p:cNvGrpSpPr/>
+        <p:nvPr/>
+      </p:nvGrpSpPr>
+      <p:grpSpPr>
+        <a:xfrm>
+          <a:off x="0" y="0"/>
+          <a:ext cx="0" cy="0"/>
+          <a:chOff x="0" y="0"/>
+          <a:chExt cx="0" cy="0"/>
+        </a:xfrm>
+      </p:grpSpPr>
+      <p:sp>
+        <p:nvSpPr>
+          <p:cNvPr id="109" name="Google Shape;109;p19"/>
+          <p:cNvSpPr txBox="1"/>
+          <p:nvPr>
+            <p:ph type="title"/>
+          </p:nvPr>
+        </p:nvSpPr>
+        <p:spPr>
+          <a:xfrm>
+            <a:off x="0" y="-7"/>
+            <a:ext cx="9144000" cy="2386500"/>
+          </a:xfrm>
+          <a:prstGeom prst="rect">
+            <a:avLst/>
+          </a:prstGeom>
+        </p:spPr>
+        <p:txBody>
+          <a:bodyPr anchorCtr="0" anchor="b" bIns="274300" lIns="91425" spcFirstLastPara="1" rIns="91425" wrap="square" tIns="91425">
+            <a:noAutofit/>
+          </a:bodyPr>
+          <a:lstStyle/>
+          <a:p>
+            <a:pPr indent="0" lvl="0" marL="0" rtl="0" algn="ctr">
+              <a:spcBef>
+                <a:spcPts val="0"/>
+              </a:spcBef>
+              <a:spcAft>
+                <a:spcPts val="0"/>
+              </a:spcAft>
+              <a:buNone/>
+            </a:pPr>
+            <a:r>
+              <a:rPr lang="en"/>
+              <a:t>3. Sprint Retrospectives</a:t>
+            </a:r>
+            <a:endParaRPr/>
+          </a:p>
+        </p:txBody>
+      </p:sp>
+    </p:spTree>
+  </p:cSld>
+  <p:clrMapOvr>
+    <a:masterClrMapping/>
+  </p:clrMapOvr>
+</p:sld>
+</file>
+
+<file path=ppt/slides/slide13.xml><?xml version="1.0" encoding="utf-8"?>
+<p:sld xmlns:a="http://schemas.openxmlformats.org/drawingml/2006/main" xmlns:r="http://schemas.openxmlformats.org/officeDocument/2006/relationships" xmlns:mc="http://schemas.openxmlformats.org/markup-compatibility/2006" xmlns:mv="urn:schemas-microsoft-com:mac:vml" xmlns:p="http://schemas.openxmlformats.org/presentationml/2006/main" xmlns:c="http://schemas.openxmlformats.org/drawingml/2006/chart" xmlns:dgm="http://schemas.openxmlformats.org/drawingml/2006/diagram" xmlns:o="urn:schemas-microsoft-com:office:office" xmlns:v="urn:schemas-microsoft-com:vml" xmlns:pvml="urn:schemas-microsoft-com:office:powerpoint" xmlns:com="http://schemas.openxmlformats.org/drawingml/2006/compatibility" xmlns:p14="http://schemas.microsoft.com/office/powerpoint/2010/main" xmlns:p15="http://schemas.microsoft.com/office/powerpoint/2012/main" xmlns:ahyp="http://schemas.microsoft.com/office/drawing/2018/hyperlinkcolor">
+  <p:cSld>
+    <p:spTree>
+      <p:nvGrpSpPr>
+        <p:cNvPr id="113" name="Shape 113"/>
+        <p:cNvGrpSpPr/>
+        <p:nvPr/>
+      </p:nvGrpSpPr>
+      <p:grpSpPr>
+        <a:xfrm>
+          <a:off x="0" y="0"/>
+          <a:ext cx="0" cy="0"/>
+          <a:chOff x="0" y="0"/>
+          <a:chExt cx="0" cy="0"/>
+        </a:xfrm>
+      </p:grpSpPr>
+      <p:sp>
+        <p:nvSpPr>
+          <p:cNvPr id="114" name="Google Shape;114;p20"/>
+          <p:cNvSpPr txBox="1"/>
+          <p:nvPr>
+            <p:ph type="title"/>
+          </p:nvPr>
+        </p:nvSpPr>
+        <p:spPr>
+          <a:xfrm>
+            <a:off x="0" y="0"/>
+            <a:ext cx="9144000" cy="685800"/>
+          </a:xfrm>
+          <a:prstGeom prst="rect">
+            <a:avLst/>
+          </a:prstGeom>
+        </p:spPr>
+        <p:txBody>
+          <a:bodyPr anchorCtr="0" anchor="ctr" bIns="91425" lIns="274300" spcFirstLastPara="1" rIns="91425" wrap="square" tIns="91425">
+            <a:noAutofit/>
+          </a:bodyPr>
+          <a:lstStyle/>
+          <a:p>
+            <a:pPr indent="0" lvl="0" marL="0" rtl="0" algn="l">
+              <a:spcBef>
+                <a:spcPts val="0"/>
+              </a:spcBef>
+              <a:spcAft>
+                <a:spcPts val="0"/>
+              </a:spcAft>
+              <a:buNone/>
+            </a:pPr>
+            <a:r>
+              <a:rPr lang="en"/>
+              <a:t>Sprint Retrospective</a:t>
+            </a:r>
+            <a:endParaRPr/>
+          </a:p>
+        </p:txBody>
+      </p:sp>
+      <p:sp>
+        <p:nvSpPr>
+          <p:cNvPr id="115" name="Google Shape;115;p20"/>
+          <p:cNvSpPr txBox="1"/>
+          <p:nvPr>
+            <p:ph idx="1" type="body"/>
+          </p:nvPr>
+        </p:nvSpPr>
+        <p:spPr>
+          <a:xfrm>
+            <a:off x="274320" y="914400"/>
+            <a:ext cx="8595300" cy="4114800"/>
+          </a:xfrm>
+          <a:prstGeom prst="rect">
+            <a:avLst/>
+          </a:prstGeom>
+        </p:spPr>
+        <p:txBody>
+          <a:bodyPr anchorCtr="0" anchor="t" bIns="0" lIns="0" spcFirstLastPara="1" rIns="0" wrap="square" tIns="0">
+            <a:noAutofit/>
+          </a:bodyPr>
+          <a:lstStyle/>
+          <a:p>
+            <a:pPr indent="0" lvl="0" marL="0" rtl="0" algn="l">
+              <a:spcBef>
+                <a:spcPts val="0"/>
+              </a:spcBef>
+              <a:spcAft>
+                <a:spcPts val="0"/>
+              </a:spcAft>
+              <a:buNone/>
+            </a:pPr>
+            <a:r>
+              <a:rPr lang="en"/>
+              <a:t>A sprint retrospective is a retrospective that</a:t>
+            </a:r>
+            <a:endParaRPr/>
+          </a:p>
+          <a:p>
+            <a:pPr indent="0" lvl="0" marL="0" rtl="0" algn="l">
+              <a:spcBef>
+                <a:spcPts val="1200"/>
+              </a:spcBef>
+              <a:spcAft>
+                <a:spcPts val="1200"/>
+              </a:spcAft>
+              <a:buNone/>
+            </a:pPr>
+            <a:r>
+              <a:rPr lang="en"/>
+              <a:t>…</a:t>
+            </a:r>
+            <a:endParaRPr/>
+          </a:p>
+        </p:txBody>
+      </p:sp>
+      <p:sp>
+        <p:nvSpPr>
+          <p:cNvPr id="116" name="Google Shape;116;p20"/>
+          <p:cNvSpPr txBox="1"/>
+          <p:nvPr>
+            <p:ph idx="12" type="sldNum"/>
+          </p:nvPr>
+        </p:nvSpPr>
+        <p:spPr>
+          <a:xfrm>
+            <a:off x="7315202" y="4416550"/>
+            <a:ext cx="1828800" cy="731400"/>
+          </a:xfrm>
+          <a:prstGeom prst="rect">
+            <a:avLst/>
+          </a:prstGeom>
+        </p:spPr>
+        <p:txBody>
+          <a:bodyPr anchorCtr="0" anchor="b" bIns="91425" lIns="91425" spcFirstLastPara="1" rIns="91425" wrap="square" tIns="91425">
+            <a:noAutofit/>
+          </a:bodyPr>
+          <a:lstStyle/>
+          <a:p>
+            <a:pPr indent="0" lvl="0" marL="0" rtl="0" algn="r">
+              <a:spcBef>
+                <a:spcPts val="0"/>
+              </a:spcBef>
+              <a:spcAft>
+                <a:spcPts val="0"/>
+              </a:spcAft>
+              <a:buNone/>
+            </a:pPr>
+            <a:fld id="{00000000-1234-1234-1234-123412341234}" type="slidenum">
+              <a:rPr lang="en"/>
+              <a:t>‹#›</a:t>
+            </a:fld>
+            <a:endParaRPr/>
+          </a:p>
+          <a:p>
+            <a:pPr indent="0" lvl="0" marL="0" rtl="0" algn="r">
+              <a:spcBef>
+                <a:spcPts val="0"/>
+              </a:spcBef>
+              <a:spcAft>
+                <a:spcPts val="0"/>
+              </a:spcAft>
+              <a:buNone/>
+            </a:pPr>
+            <a:r>
+              <a:rPr b="0" lang="en" sz="900" u="sng">
+                <a:solidFill>
+                  <a:schemeClr val="hlink"/>
+                </a:solidFill>
+                <a:hlinkClick r:id="rId3"/>
+              </a:rPr>
+              <a:t>https://profriehle.com</a:t>
+            </a:r>
+            <a:r>
+              <a:rPr b="0" lang="en" sz="900">
+                <a:solidFill>
+                  <a:schemeClr val="dk2"/>
+                </a:solidFill>
+              </a:rPr>
+              <a:t> </a:t>
+            </a:r>
+            <a:endParaRPr/>
+          </a:p>
+        </p:txBody>
+      </p:sp>
+    </p:spTree>
+  </p:cSld>
+  <p:clrMapOvr>
+    <a:masterClrMapping/>
+  </p:clrMapOvr>
+</p:sld>
+</file>
+
+<file path=ppt/slides/slide14.xml><?xml version="1.0" encoding="utf-8"?>
+<p:sld xmlns:a="http://schemas.openxmlformats.org/drawingml/2006/main" xmlns:r="http://schemas.openxmlformats.org/officeDocument/2006/relationships" xmlns:mc="http://schemas.openxmlformats.org/markup-compatibility/2006" xmlns:mv="urn:schemas-microsoft-com:mac:vml" xmlns:p="http://schemas.openxmlformats.org/presentationml/2006/main" xmlns:c="http://schemas.openxmlformats.org/drawingml/2006/chart" xmlns:dgm="http://schemas.openxmlformats.org/drawingml/2006/diagram" xmlns:o="urn:schemas-microsoft-com:office:office" xmlns:v="urn:schemas-microsoft-com:vml" xmlns:pvml="urn:schemas-microsoft-com:office:powerpoint" xmlns:com="http://schemas.openxmlformats.org/drawingml/2006/compatibility" xmlns:p14="http://schemas.microsoft.com/office/powerpoint/2010/main" xmlns:p15="http://schemas.microsoft.com/office/powerpoint/2012/main" xmlns:ahyp="http://schemas.microsoft.com/office/drawing/2018/hyperlinkcolor">
+  <p:cSld>
+    <p:spTree>
+      <p:nvGrpSpPr>
+        <p:cNvPr id="120" name="Shape 120"/>
+        <p:cNvGrpSpPr/>
+        <p:nvPr/>
+      </p:nvGrpSpPr>
+      <p:grpSpPr>
+        <a:xfrm>
+          <a:off x="0" y="0"/>
+          <a:ext cx="0" cy="0"/>
+          <a:chOff x="0" y="0"/>
+          <a:chExt cx="0" cy="0"/>
+        </a:xfrm>
+      </p:grpSpPr>
+      <p:sp>
+        <p:nvSpPr>
+          <p:cNvPr id="121" name="Google Shape;121;p21"/>
+          <p:cNvSpPr txBox="1"/>
+          <p:nvPr>
+            <p:ph type="title"/>
+          </p:nvPr>
+        </p:nvSpPr>
+        <p:spPr>
+          <a:xfrm>
+            <a:off x="0" y="-7"/>
+            <a:ext cx="9144000" cy="2386500"/>
+          </a:xfrm>
+          <a:prstGeom prst="rect">
+            <a:avLst/>
+          </a:prstGeom>
+        </p:spPr>
+        <p:txBody>
+          <a:bodyPr anchorCtr="0" anchor="b" bIns="274300" lIns="91425" spcFirstLastPara="1" rIns="91425" wrap="square" tIns="91425">
+            <a:noAutofit/>
+          </a:bodyPr>
+          <a:lstStyle/>
+          <a:p>
+            <a:pPr indent="0" lvl="0" marL="0" rtl="0" algn="ctr">
+              <a:spcBef>
+                <a:spcPts val="0"/>
+              </a:spcBef>
+              <a:spcAft>
+                <a:spcPts val="0"/>
+              </a:spcAft>
+              <a:buNone/>
+            </a:pPr>
+            <a:r>
+              <a:rPr lang="en"/>
+              <a:t>4. Project Release Retrospectives</a:t>
+            </a:r>
+            <a:endParaRPr/>
+          </a:p>
+        </p:txBody>
+      </p:sp>
+    </p:spTree>
+  </p:cSld>
+  <p:clrMapOvr>
+    <a:masterClrMapping/>
+  </p:clrMapOvr>
+</p:sld>
+</file>
+
+<file path=ppt/slides/slide15.xml><?xml version="1.0" encoding="utf-8"?>
+<p:sld xmlns:a="http://schemas.openxmlformats.org/drawingml/2006/main" xmlns:r="http://schemas.openxmlformats.org/officeDocument/2006/relationships" xmlns:mc="http://schemas.openxmlformats.org/markup-compatibility/2006" xmlns:mv="urn:schemas-microsoft-com:mac:vml" xmlns:p="http://schemas.openxmlformats.org/presentationml/2006/main" xmlns:c="http://schemas.openxmlformats.org/drawingml/2006/chart" xmlns:dgm="http://schemas.openxmlformats.org/drawingml/2006/diagram" xmlns:o="urn:schemas-microsoft-com:office:office" xmlns:v="urn:schemas-microsoft-com:vml" xmlns:pvml="urn:schemas-microsoft-com:office:powerpoint" xmlns:com="http://schemas.openxmlformats.org/drawingml/2006/compatibility" xmlns:p14="http://schemas.microsoft.com/office/powerpoint/2010/main" xmlns:p15="http://schemas.microsoft.com/office/powerpoint/2012/main" xmlns:ahyp="http://schemas.microsoft.com/office/drawing/2018/hyperlinkcolor">
+  <p:cSld>
+    <p:spTree>
+      <p:nvGrpSpPr>
+        <p:cNvPr id="125" name="Shape 125"/>
+        <p:cNvGrpSpPr/>
+        <p:nvPr/>
+      </p:nvGrpSpPr>
+      <p:grpSpPr>
+        <a:xfrm>
+          <a:off x="0" y="0"/>
+          <a:ext cx="0" cy="0"/>
+          <a:chOff x="0" y="0"/>
+          <a:chExt cx="0" cy="0"/>
+        </a:xfrm>
+      </p:grpSpPr>
+      <p:sp>
+        <p:nvSpPr>
+          <p:cNvPr id="126" name="Google Shape;126;p22"/>
+          <p:cNvSpPr txBox="1"/>
+          <p:nvPr>
+            <p:ph type="title"/>
+          </p:nvPr>
+        </p:nvSpPr>
+        <p:spPr>
+          <a:xfrm>
+            <a:off x="0" y="0"/>
+            <a:ext cx="9144000" cy="685800"/>
+          </a:xfrm>
+          <a:prstGeom prst="rect">
+            <a:avLst/>
+          </a:prstGeom>
+        </p:spPr>
+        <p:txBody>
+          <a:bodyPr anchorCtr="0" anchor="ctr" bIns="91425" lIns="274300" spcFirstLastPara="1" rIns="91425" wrap="square" tIns="91425">
+            <a:noAutofit/>
+          </a:bodyPr>
+          <a:lstStyle/>
+          <a:p>
+            <a:pPr indent="0" lvl="0" marL="0" rtl="0" algn="l">
+              <a:spcBef>
+                <a:spcPts val="0"/>
+              </a:spcBef>
+              <a:spcAft>
+                <a:spcPts val="0"/>
+              </a:spcAft>
+              <a:buNone/>
+            </a:pPr>
+            <a:r>
+              <a:rPr lang="en"/>
+              <a:t>Project Release Retrospective</a:t>
+            </a:r>
+            <a:endParaRPr/>
+          </a:p>
+        </p:txBody>
+      </p:sp>
+      <p:sp>
+        <p:nvSpPr>
+          <p:cNvPr id="127" name="Google Shape;127;p22"/>
+          <p:cNvSpPr txBox="1"/>
+          <p:nvPr>
+            <p:ph idx="1" type="body"/>
+          </p:nvPr>
+        </p:nvSpPr>
+        <p:spPr>
+          <a:xfrm>
+            <a:off x="274320" y="914400"/>
+            <a:ext cx="8595300" cy="4114800"/>
+          </a:xfrm>
+          <a:prstGeom prst="rect">
+            <a:avLst/>
+          </a:prstGeom>
+        </p:spPr>
+        <p:txBody>
+          <a:bodyPr anchorCtr="0" anchor="t" bIns="0" lIns="0" spcFirstLastPara="1" rIns="0" wrap="square" tIns="0">
+            <a:noAutofit/>
+          </a:bodyPr>
+          <a:lstStyle/>
+          <a:p>
+            <a:pPr indent="0" lvl="0" marL="0" rtl="0" algn="l">
+              <a:spcBef>
+                <a:spcPts val="0"/>
+              </a:spcBef>
+              <a:spcAft>
+                <a:spcPts val="0"/>
+              </a:spcAft>
+              <a:buNone/>
+            </a:pPr>
+            <a:r>
+              <a:rPr lang="en"/>
+              <a:t>A project release retrospective is a retrospective that</a:t>
+            </a:r>
+            <a:endParaRPr/>
+          </a:p>
+          <a:p>
+            <a:pPr indent="0" lvl="0" marL="0" rtl="0" algn="l">
+              <a:spcBef>
+                <a:spcPts val="1200"/>
+              </a:spcBef>
+              <a:spcAft>
+                <a:spcPts val="1200"/>
+              </a:spcAft>
+              <a:buNone/>
+            </a:pPr>
+            <a:r>
+              <a:rPr lang="en"/>
+              <a:t>…</a:t>
+            </a:r>
+            <a:endParaRPr/>
+          </a:p>
+        </p:txBody>
+      </p:sp>
+      <p:sp>
+        <p:nvSpPr>
+          <p:cNvPr id="128" name="Google Shape;128;p22"/>
+          <p:cNvSpPr txBox="1"/>
+          <p:nvPr>
+            <p:ph idx="12" type="sldNum"/>
+          </p:nvPr>
+        </p:nvSpPr>
+        <p:spPr>
+          <a:xfrm>
+            <a:off x="7315202" y="4416550"/>
+            <a:ext cx="1828800" cy="731400"/>
+          </a:xfrm>
+          <a:prstGeom prst="rect">
+            <a:avLst/>
+          </a:prstGeom>
+        </p:spPr>
+        <p:txBody>
+          <a:bodyPr anchorCtr="0" anchor="b" bIns="91425" lIns="91425" spcFirstLastPara="1" rIns="91425" wrap="square" tIns="91425">
+            <a:noAutofit/>
+          </a:bodyPr>
+          <a:lstStyle/>
+          <a:p>
+            <a:pPr indent="0" lvl="0" marL="0" rtl="0" algn="r">
+              <a:spcBef>
+                <a:spcPts val="0"/>
+              </a:spcBef>
+              <a:spcAft>
+                <a:spcPts val="0"/>
+              </a:spcAft>
+              <a:buNone/>
+            </a:pPr>
+            <a:fld id="{00000000-1234-1234-1234-123412341234}" type="slidenum">
+              <a:rPr lang="en"/>
+              <a:t>‹#›</a:t>
+            </a:fld>
+            <a:endParaRPr/>
+          </a:p>
+          <a:p>
+            <a:pPr indent="0" lvl="0" marL="0" rtl="0" algn="r">
+              <a:spcBef>
+                <a:spcPts val="0"/>
+              </a:spcBef>
+              <a:spcAft>
+                <a:spcPts val="0"/>
+              </a:spcAft>
+              <a:buNone/>
+            </a:pPr>
+            <a:r>
+              <a:rPr b="0" lang="en" sz="900" u="sng">
+                <a:solidFill>
+                  <a:schemeClr val="hlink"/>
+                </a:solidFill>
+                <a:hlinkClick r:id="rId3"/>
+              </a:rPr>
+              <a:t>https://profriehle.com</a:t>
+            </a:r>
+            <a:r>
+              <a:rPr b="0" lang="en" sz="900">
+                <a:solidFill>
+                  <a:schemeClr val="dk2"/>
+                </a:solidFill>
+              </a:rPr>
+              <a:t> </a:t>
+            </a:r>
+            <a:endParaRPr/>
+          </a:p>
+        </p:txBody>
+      </p:sp>
+    </p:spTree>
+  </p:cSld>
+  <p:clrMapOvr>
+    <a:masterClrMapping/>
+  </p:clrMapOvr>
+</p:sld>
+</file>
+
+<file path=ppt/slides/slide16.xml><?xml version="1.0" encoding="utf-8"?>
+<p:sld xmlns:a="http://schemas.openxmlformats.org/drawingml/2006/main" xmlns:r="http://schemas.openxmlformats.org/officeDocument/2006/relationships" xmlns:mc="http://schemas.openxmlformats.org/markup-compatibility/2006" xmlns:mv="urn:schemas-microsoft-com:mac:vml" xmlns:p="http://schemas.openxmlformats.org/presentationml/2006/main" xmlns:c="http://schemas.openxmlformats.org/drawingml/2006/chart" xmlns:dgm="http://schemas.openxmlformats.org/drawingml/2006/diagram" xmlns:o="urn:schemas-microsoft-com:office:office" xmlns:v="urn:schemas-microsoft-com:vml" xmlns:pvml="urn:schemas-microsoft-com:office:powerpoint" xmlns:com="http://schemas.openxmlformats.org/drawingml/2006/compatibility" xmlns:p14="http://schemas.microsoft.com/office/powerpoint/2010/main" xmlns:p15="http://schemas.microsoft.com/office/powerpoint/2012/main" xmlns:ahyp="http://schemas.microsoft.com/office/drawing/2018/hyperlinkcolor">
+  <p:cSld>
+    <p:spTree>
+      <p:nvGrpSpPr>
+        <p:cNvPr id="132" name="Shape 132"/>
+        <p:cNvGrpSpPr/>
+        <p:nvPr/>
+      </p:nvGrpSpPr>
+      <p:grpSpPr>
+        <a:xfrm>
+          <a:off x="0" y="0"/>
+          <a:ext cx="0" cy="0"/>
+          <a:chOff x="0" y="0"/>
+          <a:chExt cx="0" cy="0"/>
+        </a:xfrm>
+      </p:grpSpPr>
+      <p:sp>
+        <p:nvSpPr>
+          <p:cNvPr id="133" name="Google Shape;133;p23"/>
+          <p:cNvSpPr txBox="1"/>
+          <p:nvPr>
+            <p:ph type="title"/>
+          </p:nvPr>
+        </p:nvSpPr>
+        <p:spPr>
+          <a:xfrm>
+            <a:off x="0" y="-7"/>
+            <a:ext cx="9144000" cy="2386500"/>
+          </a:xfrm>
+          <a:prstGeom prst="rect">
+            <a:avLst/>
+          </a:prstGeom>
+        </p:spPr>
+        <p:txBody>
+          <a:bodyPr anchorCtr="0" anchor="b" bIns="274300" lIns="91425" spcFirstLastPara="1" rIns="91425" wrap="square" tIns="91425">
+            <a:noAutofit/>
+          </a:bodyPr>
+          <a:lstStyle/>
+          <a:p>
+            <a:pPr indent="0" lvl="0" marL="0" rtl="0" algn="ctr">
+              <a:spcBef>
+                <a:spcPts val="0"/>
+              </a:spcBef>
+              <a:spcAft>
+                <a:spcPts val="0"/>
+              </a:spcAft>
+              <a:buNone/>
+            </a:pPr>
+            <a:r>
+              <a:rPr lang="en"/>
+              <a:t>5. Project Retrospectives</a:t>
+            </a:r>
+            <a:endParaRPr/>
+          </a:p>
+        </p:txBody>
+      </p:sp>
+    </p:spTree>
+  </p:cSld>
+  <p:clrMapOvr>
+    <a:masterClrMapping/>
+  </p:clrMapOvr>
+</p:sld>
+</file>
+
+<file path=ppt/slides/slide17.xml><?xml version="1.0" encoding="utf-8"?>
+<p:sld xmlns:a="http://schemas.openxmlformats.org/drawingml/2006/main" xmlns:r="http://schemas.openxmlformats.org/officeDocument/2006/relationships" xmlns:mc="http://schemas.openxmlformats.org/markup-compatibility/2006" xmlns:mv="urn:schemas-microsoft-com:mac:vml" xmlns:p="http://schemas.openxmlformats.org/presentationml/2006/main" xmlns:c="http://schemas.openxmlformats.org/drawingml/2006/chart" xmlns:dgm="http://schemas.openxmlformats.org/drawingml/2006/diagram" xmlns:o="urn:schemas-microsoft-com:office:office" xmlns:v="urn:schemas-microsoft-com:vml" xmlns:pvml="urn:schemas-microsoft-com:office:powerpoint" xmlns:com="http://schemas.openxmlformats.org/drawingml/2006/compatibility" xmlns:p14="http://schemas.microsoft.com/office/powerpoint/2010/main" xmlns:p15="http://schemas.microsoft.com/office/powerpoint/2012/main" xmlns:ahyp="http://schemas.microsoft.com/office/drawing/2018/hyperlinkcolor">
+  <p:cSld>
+    <p:spTree>
+      <p:nvGrpSpPr>
+        <p:cNvPr id="137" name="Shape 137"/>
+        <p:cNvGrpSpPr/>
+        <p:nvPr/>
+      </p:nvGrpSpPr>
+      <p:grpSpPr>
+        <a:xfrm>
+          <a:off x="0" y="0"/>
+          <a:ext cx="0" cy="0"/>
+          <a:chOff x="0" y="0"/>
+          <a:chExt cx="0" cy="0"/>
+        </a:xfrm>
+      </p:grpSpPr>
+      <p:sp>
+        <p:nvSpPr>
+          <p:cNvPr id="138" name="Google Shape;138;p24"/>
+          <p:cNvSpPr txBox="1"/>
+          <p:nvPr>
+            <p:ph type="title"/>
+          </p:nvPr>
+        </p:nvSpPr>
+        <p:spPr>
+          <a:xfrm>
+            <a:off x="0" y="0"/>
+            <a:ext cx="9144000" cy="685800"/>
+          </a:xfrm>
+          <a:prstGeom prst="rect">
+            <a:avLst/>
+          </a:prstGeom>
+        </p:spPr>
+        <p:txBody>
+          <a:bodyPr anchorCtr="0" anchor="ctr" bIns="91425" lIns="274300" spcFirstLastPara="1" rIns="91425" wrap="square" tIns="91425">
+            <a:noAutofit/>
+          </a:bodyPr>
+          <a:lstStyle/>
+          <a:p>
+            <a:pPr indent="0" lvl="0" marL="0" rtl="0" algn="l">
+              <a:spcBef>
+                <a:spcPts val="0"/>
+              </a:spcBef>
+              <a:spcAft>
+                <a:spcPts val="0"/>
+              </a:spcAft>
+              <a:buNone/>
+            </a:pPr>
+            <a:r>
+              <a:rPr lang="en"/>
+              <a:t>Project Retrospective (a.k.a. Post Mortem)</a:t>
+            </a:r>
+            <a:endParaRPr/>
+          </a:p>
+        </p:txBody>
+      </p:sp>
+      <p:sp>
+        <p:nvSpPr>
+          <p:cNvPr id="139" name="Google Shape;139;p24"/>
+          <p:cNvSpPr txBox="1"/>
+          <p:nvPr>
+            <p:ph idx="1" type="body"/>
+          </p:nvPr>
+        </p:nvSpPr>
+        <p:spPr>
+          <a:xfrm>
+            <a:off x="274320" y="914400"/>
+            <a:ext cx="8595300" cy="4114800"/>
+          </a:xfrm>
+          <a:prstGeom prst="rect">
+            <a:avLst/>
+          </a:prstGeom>
+        </p:spPr>
+        <p:txBody>
+          <a:bodyPr anchorCtr="0" anchor="t" bIns="0" lIns="0" spcFirstLastPara="1" rIns="0" wrap="square" tIns="0">
+            <a:noAutofit/>
+          </a:bodyPr>
+          <a:lstStyle/>
+          <a:p>
+            <a:pPr indent="0" lvl="0" marL="0" rtl="0" algn="l">
+              <a:spcBef>
+                <a:spcPts val="0"/>
+              </a:spcBef>
+              <a:spcAft>
+                <a:spcPts val="0"/>
+              </a:spcAft>
+              <a:buNone/>
+            </a:pPr>
+            <a:r>
+              <a:rPr lang="en"/>
+              <a:t>A project retrospective is a retrospective that</a:t>
+            </a:r>
+            <a:endParaRPr/>
+          </a:p>
+          <a:p>
+            <a:pPr indent="0" lvl="0" marL="0" rtl="0" algn="l">
+              <a:spcBef>
+                <a:spcPts val="1200"/>
+              </a:spcBef>
+              <a:spcAft>
+                <a:spcPts val="1200"/>
+              </a:spcAft>
+              <a:buNone/>
+            </a:pPr>
+            <a:r>
+              <a:rPr lang="en"/>
+              <a:t>…</a:t>
+            </a:r>
+            <a:endParaRPr/>
+          </a:p>
+        </p:txBody>
+      </p:sp>
+      <p:sp>
+        <p:nvSpPr>
+          <p:cNvPr id="140" name="Google Shape;140;p24"/>
+          <p:cNvSpPr txBox="1"/>
+          <p:nvPr>
+            <p:ph idx="12" type="sldNum"/>
+          </p:nvPr>
+        </p:nvSpPr>
+        <p:spPr>
+          <a:xfrm>
+            <a:off x="7315202" y="4416550"/>
+            <a:ext cx="1828800" cy="731400"/>
+          </a:xfrm>
+          <a:prstGeom prst="rect">
+            <a:avLst/>
+          </a:prstGeom>
+        </p:spPr>
+        <p:txBody>
+          <a:bodyPr anchorCtr="0" anchor="b" bIns="91425" lIns="91425" spcFirstLastPara="1" rIns="91425" wrap="square" tIns="91425">
+            <a:noAutofit/>
+          </a:bodyPr>
+          <a:lstStyle/>
+          <a:p>
+            <a:pPr indent="0" lvl="0" marL="0" rtl="0" algn="r">
+              <a:spcBef>
+                <a:spcPts val="0"/>
+              </a:spcBef>
+              <a:spcAft>
+                <a:spcPts val="0"/>
+              </a:spcAft>
+              <a:buNone/>
+            </a:pPr>
+            <a:fld id="{00000000-1234-1234-1234-123412341234}" type="slidenum">
+              <a:rPr lang="en"/>
+              <a:t>‹#›</a:t>
+            </a:fld>
+            <a:endParaRPr/>
+          </a:p>
+          <a:p>
+            <a:pPr indent="0" lvl="0" marL="0" rtl="0" algn="r">
+              <a:spcBef>
+                <a:spcPts val="0"/>
+              </a:spcBef>
+              <a:spcAft>
+                <a:spcPts val="0"/>
+              </a:spcAft>
+              <a:buNone/>
+            </a:pPr>
+            <a:r>
+              <a:rPr b="0" lang="en" sz="900" u="sng">
+                <a:solidFill>
+                  <a:schemeClr val="hlink"/>
+                </a:solidFill>
+                <a:hlinkClick r:id="rId3"/>
+              </a:rPr>
+              <a:t>https://profriehle.com</a:t>
+            </a:r>
+            <a:r>
+              <a:rPr b="0" lang="en" sz="900">
+                <a:solidFill>
+                  <a:schemeClr val="dk2"/>
+                </a:solidFill>
+              </a:rPr>
+              <a:t> </a:t>
+            </a:r>
+            <a:endParaRPr/>
+          </a:p>
+        </p:txBody>
+      </p:sp>
+    </p:spTree>
+  </p:cSld>
+  <p:clrMapOvr>
+    <a:masterClrMapping/>
+  </p:clrMapOvr>
+</p:sld>
+</file>
+
+<file path=ppt/slides/slide18.xml><?xml version="1.0" encoding="utf-8"?>
+<p:sld xmlns:a="http://schemas.openxmlformats.org/drawingml/2006/main" xmlns:r="http://schemas.openxmlformats.org/officeDocument/2006/relationships" xmlns:mc="http://schemas.openxmlformats.org/markup-compatibility/2006" xmlns:mv="urn:schemas-microsoft-com:mac:vml" xmlns:p="http://schemas.openxmlformats.org/presentationml/2006/main" xmlns:c="http://schemas.openxmlformats.org/drawingml/2006/chart" xmlns:dgm="http://schemas.openxmlformats.org/drawingml/2006/diagram" xmlns:o="urn:schemas-microsoft-com:office:office" xmlns:v="urn:schemas-microsoft-com:vml" xmlns:pvml="urn:schemas-microsoft-com:office:powerpoint" xmlns:com="http://schemas.openxmlformats.org/drawingml/2006/compatibility" xmlns:p14="http://schemas.microsoft.com/office/powerpoint/2010/main" xmlns:p15="http://schemas.microsoft.com/office/powerpoint/2012/main" xmlns:ahyp="http://schemas.microsoft.com/office/drawing/2018/hyperlinkcolor">
+  <p:cSld>
+    <p:spTree>
+      <p:nvGrpSpPr>
+        <p:cNvPr id="144" name="Shape 144"/>
+        <p:cNvGrpSpPr/>
+        <p:nvPr/>
+      </p:nvGrpSpPr>
+      <p:grpSpPr>
+        <a:xfrm>
+          <a:off x="0" y="0"/>
+          <a:ext cx="0" cy="0"/>
+          <a:chOff x="0" y="0"/>
+          <a:chExt cx="0" cy="0"/>
+        </a:xfrm>
+      </p:grpSpPr>
+      <p:sp>
+        <p:nvSpPr>
+          <p:cNvPr id="145" name="Google Shape;145;p25"/>
+          <p:cNvSpPr txBox="1"/>
+          <p:nvPr>
+            <p:ph type="title"/>
+          </p:nvPr>
+        </p:nvSpPr>
+        <p:spPr>
+          <a:xfrm>
+            <a:off x="0" y="-7"/>
+            <a:ext cx="9144000" cy="2386500"/>
+          </a:xfrm>
+          <a:prstGeom prst="rect">
+            <a:avLst/>
+          </a:prstGeom>
+        </p:spPr>
+        <p:txBody>
+          <a:bodyPr anchorCtr="0" anchor="b" bIns="274300" lIns="91425" spcFirstLastPara="1" rIns="91425" wrap="square" tIns="91425">
+            <a:noAutofit/>
+          </a:bodyPr>
+          <a:lstStyle/>
+          <a:p>
+            <a:pPr indent="0" lvl="0" marL="0" rtl="0" algn="ctr">
+              <a:spcBef>
+                <a:spcPts val="0"/>
+              </a:spcBef>
+              <a:spcAft>
+                <a:spcPts val="0"/>
+              </a:spcAft>
+              <a:buNone/>
+            </a:pPr>
+            <a:r>
+              <a:rPr lang="en"/>
+              <a:t>6. Documentation</a:t>
+            </a:r>
+            <a:endParaRPr/>
+          </a:p>
+        </p:txBody>
+      </p:sp>
+    </p:spTree>
+  </p:cSld>
+  <p:clrMapOvr>
+    <a:masterClrMapping/>
+  </p:clrMapOvr>
+</p:sld>
+</file>
+
+<file path=ppt/slides/slide19.xml><?xml version="1.0" encoding="utf-8"?>
+<p:sld xmlns:a="http://schemas.openxmlformats.org/drawingml/2006/main" xmlns:r="http://schemas.openxmlformats.org/officeDocument/2006/relationships" xmlns:mc="http://schemas.openxmlformats.org/markup-compatibility/2006" xmlns:mv="urn:schemas-microsoft-com:mac:vml" xmlns:p="http://schemas.openxmlformats.org/presentationml/2006/main" xmlns:c="http://schemas.openxmlformats.org/drawingml/2006/chart" xmlns:dgm="http://schemas.openxmlformats.org/drawingml/2006/diagram" xmlns:o="urn:schemas-microsoft-com:office:office" xmlns:v="urn:schemas-microsoft-com:vml" xmlns:pvml="urn:schemas-microsoft-com:office:powerpoint" xmlns:com="http://schemas.openxmlformats.org/drawingml/2006/compatibility" xmlns:p14="http://schemas.microsoft.com/office/powerpoint/2010/main" xmlns:p15="http://schemas.microsoft.com/office/powerpoint/2012/main" xmlns:ahyp="http://schemas.microsoft.com/office/drawing/2018/hyperlinkcolor">
+  <p:cSld>
+    <p:spTree>
+      <p:nvGrpSpPr>
+        <p:cNvPr id="149" name="Shape 149"/>
+        <p:cNvGrpSpPr/>
+        <p:nvPr/>
+      </p:nvGrpSpPr>
+      <p:grpSpPr>
+        <a:xfrm>
+          <a:off x="0" y="0"/>
+          <a:ext cx="0" cy="0"/>
+          <a:chOff x="0" y="0"/>
+          <a:chExt cx="0" cy="0"/>
+        </a:xfrm>
+      </p:grpSpPr>
+      <p:sp>
+        <p:nvSpPr>
+          <p:cNvPr id="150" name="Google Shape;150;p26"/>
+          <p:cNvSpPr txBox="1"/>
+          <p:nvPr>
+            <p:ph type="title"/>
+          </p:nvPr>
+        </p:nvSpPr>
+        <p:spPr>
+          <a:xfrm>
+            <a:off x="0" y="0"/>
+            <a:ext cx="9144000" cy="685800"/>
+          </a:xfrm>
+          <a:prstGeom prst="rect">
+            <a:avLst/>
+          </a:prstGeom>
+        </p:spPr>
+        <p:txBody>
+          <a:bodyPr anchorCtr="0" anchor="ctr" bIns="91425" lIns="274300" spcFirstLastPara="1" rIns="91425" wrap="square" tIns="91425">
+            <a:noAutofit/>
+          </a:bodyPr>
+          <a:lstStyle/>
+          <a:p>
+            <a:pPr indent="0" lvl="0" marL="0" rtl="0" algn="l">
+              <a:spcBef>
+                <a:spcPts val="0"/>
+              </a:spcBef>
+              <a:spcAft>
+                <a:spcPts val="0"/>
+              </a:spcAft>
+              <a:buNone/>
+            </a:pPr>
+            <a:r>
+              <a:rPr lang="en"/>
+              <a:t>Regular Deliverable: Documentation</a:t>
+            </a:r>
+            <a:endParaRPr/>
+          </a:p>
+        </p:txBody>
+      </p:sp>
+      <p:sp>
+        <p:nvSpPr>
+          <p:cNvPr id="151" name="Google Shape;151;p26"/>
+          <p:cNvSpPr txBox="1"/>
+          <p:nvPr>
+            <p:ph idx="1" type="body"/>
+          </p:nvPr>
+        </p:nvSpPr>
+        <p:spPr>
+          <a:xfrm>
+            <a:off x="274320" y="914400"/>
+            <a:ext cx="8595300" cy="4114800"/>
+          </a:xfrm>
+          <a:prstGeom prst="rect">
+            <a:avLst/>
+          </a:prstGeom>
+        </p:spPr>
+        <p:txBody>
+          <a:bodyPr anchorCtr="0" anchor="t" bIns="0" lIns="0" spcFirstLastPara="1" rIns="0" wrap="square" tIns="0">
+            <a:noAutofit/>
+          </a:bodyPr>
+          <a:lstStyle/>
+          <a:p>
+            <a:pPr indent="0" lvl="0" marL="0" rtl="0" algn="l">
+              <a:spcBef>
+                <a:spcPts val="0"/>
+              </a:spcBef>
+              <a:spcAft>
+                <a:spcPts val="1200"/>
+              </a:spcAft>
+              <a:buNone/>
+            </a:pPr>
+            <a:r>
+              <a:rPr lang="en"/>
+              <a:t>Please create an initial documentation and keep it up-to-date</a:t>
+            </a:r>
+            <a:endParaRPr/>
+          </a:p>
+        </p:txBody>
+      </p:sp>
+      <p:sp>
+        <p:nvSpPr>
+          <p:cNvPr id="152" name="Google Shape;152;p26"/>
+          <p:cNvSpPr txBox="1"/>
+          <p:nvPr>
+            <p:ph idx="12" type="sldNum"/>
+          </p:nvPr>
+        </p:nvSpPr>
+        <p:spPr>
+          <a:xfrm>
+            <a:off x="7315202" y="4416550"/>
+            <a:ext cx="1828800" cy="731400"/>
+          </a:xfrm>
+          <a:prstGeom prst="rect">
+            <a:avLst/>
+          </a:prstGeom>
+        </p:spPr>
+        <p:txBody>
+          <a:bodyPr anchorCtr="0" anchor="b" bIns="91425" lIns="91425" spcFirstLastPara="1" rIns="91425" wrap="square" tIns="91425">
+            <a:noAutofit/>
+          </a:bodyPr>
+          <a:lstStyle/>
+          <a:p>
+            <a:pPr indent="0" lvl="0" marL="0" rtl="0" algn="r">
+              <a:spcBef>
+                <a:spcPts val="0"/>
+              </a:spcBef>
+              <a:spcAft>
+                <a:spcPts val="0"/>
+              </a:spcAft>
+              <a:buNone/>
+            </a:pPr>
+            <a:fld id="{00000000-1234-1234-1234-123412341234}" type="slidenum">
+              <a:rPr lang="en"/>
+              <a:t>‹#›</a:t>
+            </a:fld>
+            <a:endParaRPr/>
+          </a:p>
+          <a:p>
+            <a:pPr indent="0" lvl="0" marL="0" rtl="0" algn="r">
+              <a:spcBef>
+                <a:spcPts val="0"/>
+              </a:spcBef>
+              <a:spcAft>
+                <a:spcPts val="0"/>
+              </a:spcAft>
+              <a:buNone/>
+            </a:pPr>
+            <a:r>
+              <a:rPr b="0" lang="en" sz="900" u="sng">
+                <a:solidFill>
+                  <a:schemeClr val="hlink"/>
+                </a:solidFill>
+                <a:hlinkClick r:id="rId3"/>
+              </a:rPr>
+              <a:t>https://profriehle.com</a:t>
+            </a:r>
+            <a:r>
+              <a:rPr b="0" lang="en" sz="900">
+                <a:solidFill>
+                  <a:schemeClr val="dk2"/>
+                </a:solidFill>
+              </a:rPr>
+              <a:t> </a:t>
+            </a:r>
+            <a:endParaRPr/>
           </a:p>
         </p:txBody>
       </p:sp>
@@ -4861,37 +7700,59 @@
           </a:bodyPr>
           <a:lstStyle/>
           <a:p>
-            <a:pPr indent="0" lvl="0" marL="0" rtl="0" algn="l">
-              <a:spcBef>
-                <a:spcPts val="0"/>
-              </a:spcBef>
-              <a:spcAft>
-                <a:spcPts val="0"/>
-              </a:spcAft>
-              <a:buNone/>
-            </a:pPr>
-            <a:r>
-              <a:rPr b="1" lang="en"/>
-              <a:t>Deliverables</a:t>
-            </a:r>
-            <a:endParaRPr b="1"/>
-          </a:p>
-          <a:p>
             <a:pPr indent="-342900" lvl="0" marL="457200" rtl="0" algn="l">
               <a:spcBef>
-                <a:spcPts val="1200"/>
+                <a:spcPts val="0"/>
               </a:spcBef>
               <a:spcAft>
                 <a:spcPts val="0"/>
               </a:spcAft>
               <a:buSzPts val="1800"/>
-              <a:buChar char="●"/>
-            </a:pPr>
+              <a:buAutoNum type="arabicPeriod"/>
+            </a:pPr>
+            <a:r>
+              <a:rPr lang="en" sz="1800"/>
+              <a:t>Agile coaching</a:t>
+            </a:r>
+            <a:endParaRPr sz="1800"/>
+          </a:p>
+          <a:p>
+            <a:pPr indent="-342900" lvl="0" marL="457200" rtl="0" algn="l">
+              <a:spcBef>
+                <a:spcPts val="0"/>
+              </a:spcBef>
+              <a:spcAft>
+                <a:spcPts val="0"/>
+              </a:spcAft>
+              <a:buSzPts val="1800"/>
+              <a:buAutoNum type="arabicPeriod"/>
+            </a:pPr>
+            <a:r>
+              <a:rPr lang="en" sz="1800"/>
+              <a:t>Process improvement</a:t>
+            </a:r>
+            <a:endParaRPr/>
+          </a:p>
+          <a:p>
+            <a:pPr indent="-342900" lvl="0" marL="457200" rtl="0" algn="l">
+              <a:spcBef>
+                <a:spcPts val="0"/>
+              </a:spcBef>
+              <a:spcAft>
+                <a:spcPts val="0"/>
+              </a:spcAft>
+              <a:buSzPts val="1800"/>
+              <a:buAutoNum type="arabicPeriod"/>
+            </a:pPr>
+            <a:r>
+              <a:rPr lang="en" sz="1800"/>
+              <a:t>Sprint </a:t>
+            </a:r>
             <a:r>
               <a:rPr lang="en"/>
-              <a:t>Release plans</a:t>
-            </a:r>
-            <a:endParaRPr/>
+              <a:t>retrospectives</a:t>
+            </a:r>
+            <a:endParaRPr sz="1800"/>
           </a:p>
           <a:p>
             <a:pPr indent="-342900" lvl="0" marL="457200" rtl="0" algn="l">
@@ -4902,43 +7763,30 @@
                 <a:spcPts val="0"/>
               </a:spcAft>
               <a:buSzPts val="1800"/>
-              <a:buChar char="●"/>
-            </a:pPr>
-            <a:r>
-              <a:rPr lang="en"/>
-              <a:t>Documentation</a:t>
-            </a:r>
-            <a:endParaRPr/>
-          </a:p>
-          <a:p>
-            <a:pPr indent="0" lvl="0" marL="0" rtl="0" algn="l">
-              <a:spcBef>
-                <a:spcPts val="1200"/>
-              </a:spcBef>
-              <a:spcAft>
-                <a:spcPts val="0"/>
-              </a:spcAft>
-              <a:buNone/>
-            </a:pPr>
-            <a:r>
-              <a:t/>
-            </a:r>
-            <a:endParaRPr/>
-          </a:p>
-          <a:p>
-            <a:pPr indent="0" lvl="0" marL="0" rtl="0" algn="l">
-              <a:spcBef>
-                <a:spcPts val="1200"/>
-              </a:spcBef>
-              <a:spcAft>
-                <a:spcPts val="1200"/>
-              </a:spcAft>
-              <a:buNone/>
-            </a:pPr>
-            <a:r>
-              <a:t/>
-            </a:r>
-            <a:endParaRPr/>
+              <a:buAutoNum type="arabicPeriod"/>
+            </a:pPr>
+            <a:r>
+              <a:rPr lang="en" sz="1800"/>
+              <a:t>Project release retros</a:t>
+            </a:r>
+            <a:endParaRPr sz="1800"/>
+          </a:p>
+          <a:p>
+            <a:pPr indent="-342900" lvl="0" marL="457200" rtl="0" algn="l">
+              <a:spcBef>
+                <a:spcPts val="0"/>
+              </a:spcBef>
+              <a:spcAft>
+                <a:spcPts val="0"/>
+              </a:spcAft>
+              <a:buSzPts val="1800"/>
+              <a:buAutoNum type="arabicPeriod"/>
+            </a:pPr>
+            <a:r>
+              <a:rPr lang="en" sz="1800"/>
+              <a:t>Project retrospectives</a:t>
+            </a:r>
+            <a:endParaRPr sz="1800"/>
           </a:p>
         </p:txBody>
       </p:sp>
@@ -5006,6 +7854,685 @@
                 </a:solidFill>
               </a:rPr>
               <a:t> </a:t>
+            </a:r>
+            <a:endParaRPr/>
+          </a:p>
+        </p:txBody>
+      </p:sp>
+    </p:spTree>
+  </p:cSld>
+  <p:clrMapOvr>
+    <a:masterClrMapping/>
+  </p:clrMapOvr>
+</p:sld>
+</file>
+
+<file path=ppt/slides/slide20.xml><?xml version="1.0" encoding="utf-8"?>
+<p:sld xmlns:a="http://schemas.openxmlformats.org/drawingml/2006/main" xmlns:r="http://schemas.openxmlformats.org/officeDocument/2006/relationships" xmlns:mc="http://schemas.openxmlformats.org/markup-compatibility/2006" xmlns:mv="urn:schemas-microsoft-com:mac:vml" xmlns:p="http://schemas.openxmlformats.org/presentationml/2006/main" xmlns:c="http://schemas.openxmlformats.org/drawingml/2006/chart" xmlns:dgm="http://schemas.openxmlformats.org/drawingml/2006/diagram" xmlns:o="urn:schemas-microsoft-com:office:office" xmlns:v="urn:schemas-microsoft-com:vml" xmlns:pvml="urn:schemas-microsoft-com:office:powerpoint" xmlns:com="http://schemas.openxmlformats.org/drawingml/2006/compatibility" xmlns:p14="http://schemas.microsoft.com/office/powerpoint/2010/main" xmlns:p15="http://schemas.microsoft.com/office/powerpoint/2012/main" xmlns:ahyp="http://schemas.microsoft.com/office/drawing/2018/hyperlinkcolor">
+  <p:cSld>
+    <p:spTree>
+      <p:nvGrpSpPr>
+        <p:cNvPr id="156" name="Shape 156"/>
+        <p:cNvGrpSpPr/>
+        <p:nvPr/>
+      </p:nvGrpSpPr>
+      <p:grpSpPr>
+        <a:xfrm>
+          <a:off x="0" y="0"/>
+          <a:ext cx="0" cy="0"/>
+          <a:chOff x="0" y="0"/>
+          <a:chExt cx="0" cy="0"/>
+        </a:xfrm>
+      </p:grpSpPr>
+      <p:sp>
+        <p:nvSpPr>
+          <p:cNvPr id="157" name="Google Shape;157;p27"/>
+          <p:cNvSpPr txBox="1"/>
+          <p:nvPr>
+            <p:ph type="title"/>
+          </p:nvPr>
+        </p:nvSpPr>
+        <p:spPr>
+          <a:xfrm>
+            <a:off x="0" y="0"/>
+            <a:ext cx="9144000" cy="685800"/>
+          </a:xfrm>
+          <a:prstGeom prst="rect">
+            <a:avLst/>
+          </a:prstGeom>
+        </p:spPr>
+        <p:txBody>
+          <a:bodyPr anchorCtr="0" anchor="ctr" bIns="91425" lIns="274300" spcFirstLastPara="1" rIns="91425" wrap="square" tIns="91425">
+            <a:noAutofit/>
+          </a:bodyPr>
+          <a:lstStyle/>
+          <a:p>
+            <a:pPr indent="0" lvl="0" marL="0" rtl="0" algn="l">
+              <a:spcBef>
+                <a:spcPts val="0"/>
+              </a:spcBef>
+              <a:spcAft>
+                <a:spcPts val="0"/>
+              </a:spcAft>
+              <a:buNone/>
+            </a:pPr>
+            <a:r>
+              <a:rPr lang="en"/>
+              <a:t>Summary</a:t>
+            </a:r>
+            <a:endParaRPr/>
+          </a:p>
+        </p:txBody>
+      </p:sp>
+      <p:sp>
+        <p:nvSpPr>
+          <p:cNvPr id="158" name="Google Shape;158;p27"/>
+          <p:cNvSpPr txBox="1"/>
+          <p:nvPr>
+            <p:ph idx="1" type="body"/>
+          </p:nvPr>
+        </p:nvSpPr>
+        <p:spPr>
+          <a:xfrm>
+            <a:off x="274320" y="914400"/>
+            <a:ext cx="8595300" cy="4114800"/>
+          </a:xfrm>
+          <a:prstGeom prst="rect">
+            <a:avLst/>
+          </a:prstGeom>
+        </p:spPr>
+        <p:txBody>
+          <a:bodyPr anchorCtr="0" anchor="t" bIns="0" lIns="0" spcFirstLastPara="1" rIns="0" wrap="square" tIns="0">
+            <a:noAutofit/>
+          </a:bodyPr>
+          <a:lstStyle/>
+          <a:p>
+            <a:pPr indent="-342900" lvl="0" marL="457200" rtl="0" algn="l">
+              <a:spcBef>
+                <a:spcPts val="0"/>
+              </a:spcBef>
+              <a:spcAft>
+                <a:spcPts val="0"/>
+              </a:spcAft>
+              <a:buSzPts val="1800"/>
+              <a:buAutoNum type="arabicPeriod"/>
+            </a:pPr>
+            <a:r>
+              <a:rPr lang="en" sz="1800"/>
+              <a:t>Agile coaching</a:t>
+            </a:r>
+            <a:endParaRPr sz="1800"/>
+          </a:p>
+          <a:p>
+            <a:pPr indent="-342900" lvl="0" marL="457200" rtl="0" algn="l">
+              <a:spcBef>
+                <a:spcPts val="0"/>
+              </a:spcBef>
+              <a:spcAft>
+                <a:spcPts val="0"/>
+              </a:spcAft>
+              <a:buSzPts val="1800"/>
+              <a:buAutoNum type="arabicPeriod"/>
+            </a:pPr>
+            <a:r>
+              <a:rPr lang="en" sz="1800"/>
+              <a:t>Process improvement</a:t>
+            </a:r>
+            <a:endParaRPr/>
+          </a:p>
+          <a:p>
+            <a:pPr indent="-342900" lvl="0" marL="457200" rtl="0" algn="l">
+              <a:spcBef>
+                <a:spcPts val="0"/>
+              </a:spcBef>
+              <a:spcAft>
+                <a:spcPts val="0"/>
+              </a:spcAft>
+              <a:buSzPts val="1800"/>
+              <a:buAutoNum type="arabicPeriod"/>
+            </a:pPr>
+            <a:r>
+              <a:rPr lang="en" sz="1800"/>
+              <a:t>Sprint release retros</a:t>
+            </a:r>
+            <a:endParaRPr sz="1800"/>
+          </a:p>
+          <a:p>
+            <a:pPr indent="-342900" lvl="0" marL="457200" rtl="0" algn="l">
+              <a:spcBef>
+                <a:spcPts val="0"/>
+              </a:spcBef>
+              <a:spcAft>
+                <a:spcPts val="0"/>
+              </a:spcAft>
+              <a:buSzPts val="1800"/>
+              <a:buAutoNum type="arabicPeriod"/>
+            </a:pPr>
+            <a:r>
+              <a:rPr lang="en" sz="1800"/>
+              <a:t>Project release retros</a:t>
+            </a:r>
+            <a:endParaRPr sz="1800"/>
+          </a:p>
+          <a:p>
+            <a:pPr indent="-342900" lvl="0" marL="457200" rtl="0" algn="l">
+              <a:spcBef>
+                <a:spcPts val="0"/>
+              </a:spcBef>
+              <a:spcAft>
+                <a:spcPts val="0"/>
+              </a:spcAft>
+              <a:buSzPts val="1800"/>
+              <a:buAutoNum type="arabicPeriod"/>
+            </a:pPr>
+            <a:r>
+              <a:rPr lang="en" sz="1800"/>
+              <a:t>Project retrospective</a:t>
+            </a:r>
+            <a:endParaRPr sz="1800"/>
+          </a:p>
+        </p:txBody>
+      </p:sp>
+      <p:sp>
+        <p:nvSpPr>
+          <p:cNvPr id="159" name="Google Shape;159;p27"/>
+          <p:cNvSpPr txBox="1"/>
+          <p:nvPr>
+            <p:ph idx="12" type="sldNum"/>
+          </p:nvPr>
+        </p:nvSpPr>
+        <p:spPr>
+          <a:xfrm>
+            <a:off x="7315202" y="4416550"/>
+            <a:ext cx="1828800" cy="731400"/>
+          </a:xfrm>
+          <a:prstGeom prst="rect">
+            <a:avLst/>
+          </a:prstGeom>
+        </p:spPr>
+        <p:txBody>
+          <a:bodyPr anchorCtr="0" anchor="b" bIns="91425" lIns="91425" spcFirstLastPara="1" rIns="91425" wrap="square" tIns="91425">
+            <a:noAutofit/>
+          </a:bodyPr>
+          <a:lstStyle/>
+          <a:p>
+            <a:pPr indent="0" lvl="0" marL="0" rtl="0" algn="r">
+              <a:spcBef>
+                <a:spcPts val="0"/>
+              </a:spcBef>
+              <a:spcAft>
+                <a:spcPts val="0"/>
+              </a:spcAft>
+              <a:buNone/>
+            </a:pPr>
+            <a:fld id="{00000000-1234-1234-1234-123412341234}" type="slidenum">
+              <a:rPr lang="en"/>
+              <a:t>‹#›</a:t>
+            </a:fld>
+            <a:endParaRPr/>
+          </a:p>
+          <a:p>
+            <a:pPr indent="0" lvl="0" marL="0" rtl="0" algn="r">
+              <a:spcBef>
+                <a:spcPts val="0"/>
+              </a:spcBef>
+              <a:spcAft>
+                <a:spcPts val="0"/>
+              </a:spcAft>
+              <a:buNone/>
+            </a:pPr>
+            <a:r>
+              <a:rPr b="0" lang="en" sz="900" u="sng">
+                <a:solidFill>
+                  <a:schemeClr val="hlink"/>
+                </a:solidFill>
+                <a:hlinkClick r:id="rId3"/>
+              </a:rPr>
+              <a:t>https://profriehle.com</a:t>
+            </a:r>
+            <a:r>
+              <a:rPr b="0" lang="en" sz="900">
+                <a:solidFill>
+                  <a:schemeClr val="dk2"/>
+                </a:solidFill>
+              </a:rPr>
+              <a:t> </a:t>
+            </a:r>
+            <a:endParaRPr/>
+          </a:p>
+        </p:txBody>
+      </p:sp>
+    </p:spTree>
+  </p:cSld>
+  <p:clrMapOvr>
+    <a:masterClrMapping/>
+  </p:clrMapOvr>
+</p:sld>
+</file>
+
+<file path=ppt/slides/slide21.xml><?xml version="1.0" encoding="utf-8"?>
+<p:sld xmlns:a="http://schemas.openxmlformats.org/drawingml/2006/main" xmlns:r="http://schemas.openxmlformats.org/officeDocument/2006/relationships" xmlns:mc="http://schemas.openxmlformats.org/markup-compatibility/2006" xmlns:mv="urn:schemas-microsoft-com:mac:vml" xmlns:p="http://schemas.openxmlformats.org/presentationml/2006/main" xmlns:c="http://schemas.openxmlformats.org/drawingml/2006/chart" xmlns:dgm="http://schemas.openxmlformats.org/drawingml/2006/diagram" xmlns:o="urn:schemas-microsoft-com:office:office" xmlns:v="urn:schemas-microsoft-com:vml" xmlns:pvml="urn:schemas-microsoft-com:office:powerpoint" xmlns:com="http://schemas.openxmlformats.org/drawingml/2006/compatibility" xmlns:p14="http://schemas.microsoft.com/office/powerpoint/2010/main" xmlns:p15="http://schemas.microsoft.com/office/powerpoint/2012/main" xmlns:ahyp="http://schemas.microsoft.com/office/drawing/2018/hyperlinkcolor">
+  <p:cSld>
+    <p:spTree>
+      <p:nvGrpSpPr>
+        <p:cNvPr id="163" name="Shape 163"/>
+        <p:cNvGrpSpPr/>
+        <p:nvPr/>
+      </p:nvGrpSpPr>
+      <p:grpSpPr>
+        <a:xfrm>
+          <a:off x="0" y="0"/>
+          <a:ext cx="0" cy="0"/>
+          <a:chOff x="0" y="0"/>
+          <a:chExt cx="0" cy="0"/>
+        </a:xfrm>
+      </p:grpSpPr>
+      <p:sp>
+        <p:nvSpPr>
+          <p:cNvPr id="164" name="Google Shape;164;p28"/>
+          <p:cNvSpPr txBox="1"/>
+          <p:nvPr>
+            <p:ph type="ctrTitle"/>
+          </p:nvPr>
+        </p:nvSpPr>
+        <p:spPr>
+          <a:xfrm>
+            <a:off x="0" y="0"/>
+            <a:ext cx="9144000" cy="2388900"/>
+          </a:xfrm>
+          <a:prstGeom prst="rect">
+            <a:avLst/>
+          </a:prstGeom>
+        </p:spPr>
+        <p:txBody>
+          <a:bodyPr anchorCtr="0" anchor="b" bIns="274300" lIns="91425" spcFirstLastPara="1" rIns="91425" wrap="square" tIns="91425">
+            <a:noAutofit/>
+          </a:bodyPr>
+          <a:lstStyle/>
+          <a:p>
+            <a:pPr indent="0" lvl="0" marL="0" rtl="0" algn="ctr">
+              <a:spcBef>
+                <a:spcPts val="0"/>
+              </a:spcBef>
+              <a:spcAft>
+                <a:spcPts val="0"/>
+              </a:spcAft>
+              <a:buNone/>
+            </a:pPr>
+            <a:r>
+              <a:rPr lang="en"/>
+              <a:t>Thank you! Any questions?</a:t>
+            </a:r>
+            <a:endParaRPr/>
+          </a:p>
+        </p:txBody>
+      </p:sp>
+      <p:sp>
+        <p:nvSpPr>
+          <p:cNvPr id="165" name="Google Shape;165;p28"/>
+          <p:cNvSpPr txBox="1"/>
+          <p:nvPr>
+            <p:ph idx="1" type="subTitle"/>
+          </p:nvPr>
+        </p:nvSpPr>
+        <p:spPr>
+          <a:xfrm>
+            <a:off x="0" y="2569475"/>
+            <a:ext cx="9144000" cy="2574000"/>
+          </a:xfrm>
+          <a:prstGeom prst="rect">
+            <a:avLst/>
+          </a:prstGeom>
+        </p:spPr>
+        <p:txBody>
+          <a:bodyPr anchorCtr="0" anchor="t" bIns="91425" lIns="91425" spcFirstLastPara="1" rIns="91425" wrap="square" tIns="274300">
+            <a:noAutofit/>
+          </a:bodyPr>
+          <a:lstStyle/>
+          <a:p>
+            <a:pPr indent="0" lvl="0" marL="0" rtl="0" algn="ctr">
+              <a:lnSpc>
+                <a:spcPct val="150000"/>
+              </a:lnSpc>
+              <a:spcBef>
+                <a:spcPts val="0"/>
+              </a:spcBef>
+              <a:spcAft>
+                <a:spcPts val="0"/>
+              </a:spcAft>
+              <a:buNone/>
+            </a:pPr>
+            <a:r>
+              <a:rPr lang="en" u="sng">
+                <a:solidFill>
+                  <a:schemeClr val="hlink"/>
+                </a:solidFill>
+                <a:hlinkClick r:id="rId3"/>
+              </a:rPr>
+              <a:t>dirk.riehle@fau.de</a:t>
+            </a:r>
+            <a:r>
+              <a:rPr lang="en"/>
+              <a:t> </a:t>
+            </a:r>
+            <a:r>
+              <a:rPr lang="en" sz="2400"/>
+              <a:t>–</a:t>
+            </a:r>
+            <a:r>
+              <a:rPr lang="en"/>
+              <a:t> </a:t>
+            </a:r>
+            <a:r>
+              <a:rPr lang="en" u="sng">
+                <a:solidFill>
+                  <a:schemeClr val="hlink"/>
+                </a:solidFill>
+                <a:hlinkClick r:id="rId4"/>
+              </a:rPr>
+              <a:t>https://oss.cs.fau.de</a:t>
+            </a:r>
+            <a:endParaRPr/>
+          </a:p>
+          <a:p>
+            <a:pPr indent="0" lvl="0" marL="0" rtl="0" algn="ctr">
+              <a:lnSpc>
+                <a:spcPct val="150000"/>
+              </a:lnSpc>
+              <a:spcBef>
+                <a:spcPts val="0"/>
+              </a:spcBef>
+              <a:spcAft>
+                <a:spcPts val="0"/>
+              </a:spcAft>
+              <a:buNone/>
+            </a:pPr>
+            <a:r>
+              <a:rPr lang="en" sz="2400" u="sng">
+                <a:solidFill>
+                  <a:schemeClr val="hlink"/>
+                </a:solidFill>
+                <a:hlinkClick r:id="rId5"/>
+              </a:rPr>
+              <a:t>dirk@riehle.org</a:t>
+            </a:r>
+            <a:r>
+              <a:rPr lang="en" sz="2400"/>
+              <a:t> – </a:t>
+            </a:r>
+            <a:r>
+              <a:rPr lang="en" sz="2400" u="sng">
+                <a:solidFill>
+                  <a:schemeClr val="hlink"/>
+                </a:solidFill>
+                <a:hlinkClick r:id="rId6"/>
+              </a:rPr>
+              <a:t>https://dirkriehle.com</a:t>
+            </a:r>
+            <a:r>
+              <a:rPr lang="en" sz="2400"/>
+              <a:t> – </a:t>
+            </a:r>
+            <a:r>
+              <a:rPr lang="en" sz="2400" u="sng">
+                <a:solidFill>
+                  <a:schemeClr val="hlink"/>
+                </a:solidFill>
+                <a:hlinkClick r:id="rId7"/>
+              </a:rPr>
+              <a:t>@dirkriehle</a:t>
+            </a:r>
+            <a:endParaRPr sz="2400"/>
+          </a:p>
+        </p:txBody>
+      </p:sp>
+    </p:spTree>
+  </p:cSld>
+  <p:clrMapOvr>
+    <a:masterClrMapping/>
+  </p:clrMapOvr>
+</p:sld>
+</file>
+
+<file path=ppt/slides/slide22.xml><?xml version="1.0" encoding="utf-8"?>
+<p:sld xmlns:a="http://schemas.openxmlformats.org/drawingml/2006/main" xmlns:r="http://schemas.openxmlformats.org/officeDocument/2006/relationships" xmlns:mc="http://schemas.openxmlformats.org/markup-compatibility/2006" xmlns:mv="urn:schemas-microsoft-com:mac:vml" xmlns:p="http://schemas.openxmlformats.org/presentationml/2006/main" xmlns:c="http://schemas.openxmlformats.org/drawingml/2006/chart" xmlns:dgm="http://schemas.openxmlformats.org/drawingml/2006/diagram" xmlns:o="urn:schemas-microsoft-com:office:office" xmlns:v="urn:schemas-microsoft-com:vml" xmlns:pvml="urn:schemas-microsoft-com:office:powerpoint" xmlns:com="http://schemas.openxmlformats.org/drawingml/2006/compatibility" xmlns:p14="http://schemas.microsoft.com/office/powerpoint/2010/main" xmlns:p15="http://schemas.microsoft.com/office/powerpoint/2012/main" xmlns:ahyp="http://schemas.microsoft.com/office/drawing/2018/hyperlinkcolor">
+  <p:cSld>
+    <p:spTree>
+      <p:nvGrpSpPr>
+        <p:cNvPr id="169" name="Shape 169"/>
+        <p:cNvGrpSpPr/>
+        <p:nvPr/>
+      </p:nvGrpSpPr>
+      <p:grpSpPr>
+        <a:xfrm>
+          <a:off x="0" y="0"/>
+          <a:ext cx="0" cy="0"/>
+          <a:chOff x="0" y="0"/>
+          <a:chExt cx="0" cy="0"/>
+        </a:xfrm>
+      </p:grpSpPr>
+      <p:sp>
+        <p:nvSpPr>
+          <p:cNvPr id="170" name="Google Shape;170;p29"/>
+          <p:cNvSpPr txBox="1"/>
+          <p:nvPr>
+            <p:ph type="title"/>
+          </p:nvPr>
+        </p:nvSpPr>
+        <p:spPr>
+          <a:xfrm>
+            <a:off x="0" y="0"/>
+            <a:ext cx="9144000" cy="685800"/>
+          </a:xfrm>
+          <a:prstGeom prst="rect">
+            <a:avLst/>
+          </a:prstGeom>
+        </p:spPr>
+        <p:txBody>
+          <a:bodyPr anchorCtr="0" anchor="ctr" bIns="91425" lIns="274300" spcFirstLastPara="1" rIns="91425" wrap="square" tIns="91425">
+            <a:noAutofit/>
+          </a:bodyPr>
+          <a:lstStyle/>
+          <a:p>
+            <a:pPr indent="0" lvl="0" marL="0" rtl="0" algn="l">
+              <a:spcBef>
+                <a:spcPts val="0"/>
+              </a:spcBef>
+              <a:spcAft>
+                <a:spcPts val="0"/>
+              </a:spcAft>
+              <a:buNone/>
+            </a:pPr>
+            <a:r>
+              <a:rPr lang="en"/>
+              <a:t>Legal Notices</a:t>
+            </a:r>
+            <a:endParaRPr/>
+          </a:p>
+        </p:txBody>
+      </p:sp>
+      <p:sp>
+        <p:nvSpPr>
+          <p:cNvPr id="171" name="Google Shape;171;p29"/>
+          <p:cNvSpPr txBox="1"/>
+          <p:nvPr>
+            <p:ph idx="12" type="sldNum"/>
+          </p:nvPr>
+        </p:nvSpPr>
+        <p:spPr>
+          <a:xfrm>
+            <a:off x="7315202" y="4416550"/>
+            <a:ext cx="1828800" cy="731400"/>
+          </a:xfrm>
+          <a:prstGeom prst="rect">
+            <a:avLst/>
+          </a:prstGeom>
+        </p:spPr>
+        <p:txBody>
+          <a:bodyPr anchorCtr="0" anchor="b" bIns="91425" lIns="91425" spcFirstLastPara="1" rIns="91425" wrap="square" tIns="91425">
+            <a:noAutofit/>
+          </a:bodyPr>
+          <a:lstStyle/>
+          <a:p>
+            <a:pPr indent="0" lvl="0" marL="0" rtl="0" algn="r">
+              <a:spcBef>
+                <a:spcPts val="0"/>
+              </a:spcBef>
+              <a:spcAft>
+                <a:spcPts val="0"/>
+              </a:spcAft>
+              <a:buNone/>
+            </a:pPr>
+            <a:fld id="{00000000-1234-1234-1234-123412341234}" type="slidenum">
+              <a:rPr lang="en"/>
+              <a:t>‹#›</a:t>
+            </a:fld>
+            <a:endParaRPr/>
+          </a:p>
+          <a:p>
+            <a:pPr indent="0" lvl="0" marL="0" rtl="0" algn="r">
+              <a:spcBef>
+                <a:spcPts val="0"/>
+              </a:spcBef>
+              <a:spcAft>
+                <a:spcPts val="0"/>
+              </a:spcAft>
+              <a:buNone/>
+            </a:pPr>
+            <a:r>
+              <a:rPr b="0" lang="en" sz="900" u="sng">
+                <a:solidFill>
+                  <a:schemeClr val="hlink"/>
+                </a:solidFill>
+                <a:hlinkClick r:id="rId3"/>
+              </a:rPr>
+              <a:t>https://profriehle.com</a:t>
+            </a:r>
+            <a:r>
+              <a:rPr b="0" lang="en" sz="900">
+                <a:solidFill>
+                  <a:schemeClr val="dk2"/>
+                </a:solidFill>
+              </a:rPr>
+              <a:t> </a:t>
+            </a:r>
+            <a:endParaRPr/>
+          </a:p>
+        </p:txBody>
+      </p:sp>
+      <p:sp>
+        <p:nvSpPr>
+          <p:cNvPr id="172" name="Google Shape;172;p29"/>
+          <p:cNvSpPr txBox="1"/>
+          <p:nvPr>
+            <p:ph idx="1" type="body"/>
+          </p:nvPr>
+        </p:nvSpPr>
+        <p:spPr>
+          <a:xfrm>
+            <a:off x="274320" y="914400"/>
+            <a:ext cx="8595300" cy="4114800"/>
+          </a:xfrm>
+          <a:prstGeom prst="rect">
+            <a:avLst/>
+          </a:prstGeom>
+        </p:spPr>
+        <p:txBody>
+          <a:bodyPr anchorCtr="0" anchor="t" bIns="0" lIns="0" spcFirstLastPara="1" rIns="0" wrap="square" tIns="0">
+            <a:noAutofit/>
+          </a:bodyPr>
+          <a:lstStyle/>
+          <a:p>
+            <a:pPr indent="0" lvl="0" marL="0" rtl="0" algn="l">
+              <a:spcBef>
+                <a:spcPts val="0"/>
+              </a:spcBef>
+              <a:spcAft>
+                <a:spcPts val="0"/>
+              </a:spcAft>
+              <a:buNone/>
+            </a:pPr>
+            <a:r>
+              <a:rPr lang="en"/>
+              <a:t>License</a:t>
+            </a:r>
+            <a:endParaRPr/>
+          </a:p>
+          <a:p>
+            <a:pPr indent="-342900" lvl="0" marL="457200" rtl="0" algn="l">
+              <a:spcBef>
+                <a:spcPts val="1200"/>
+              </a:spcBef>
+              <a:spcAft>
+                <a:spcPts val="0"/>
+              </a:spcAft>
+              <a:buSzPts val="1800"/>
+              <a:buChar char="●"/>
+            </a:pPr>
+            <a:r>
+              <a:rPr lang="en"/>
+              <a:t>Licensed under the </a:t>
+            </a:r>
+            <a:r>
+              <a:rPr lang="en" u="sng">
+                <a:solidFill>
+                  <a:schemeClr val="hlink"/>
+                </a:solidFill>
+                <a:hlinkClick r:id="rId4"/>
+              </a:rPr>
+              <a:t>CC BY 4.0 International</a:t>
+            </a:r>
+            <a:r>
+              <a:rPr lang="en"/>
+              <a:t> license</a:t>
+            </a:r>
+            <a:endParaRPr/>
+          </a:p>
+          <a:p>
+            <a:pPr indent="0" lvl="0" marL="0" rtl="0" algn="l">
+              <a:spcBef>
+                <a:spcPts val="1200"/>
+              </a:spcBef>
+              <a:spcAft>
+                <a:spcPts val="0"/>
+              </a:spcAft>
+              <a:buNone/>
+            </a:pPr>
+            <a:r>
+              <a:rPr lang="en"/>
+              <a:t>Copyright</a:t>
+            </a:r>
+            <a:endParaRPr/>
+          </a:p>
+          <a:p>
+            <a:pPr indent="-342900" lvl="0" marL="457200" rtl="0" algn="l">
+              <a:spcBef>
+                <a:spcPts val="1200"/>
+              </a:spcBef>
+              <a:spcAft>
+                <a:spcPts val="0"/>
+              </a:spcAft>
+              <a:buSzPts val="1800"/>
+              <a:buChar char="●"/>
+            </a:pPr>
+            <a:r>
+              <a:rPr lang="en"/>
+              <a:t>© Copyright 2023 Dirk Riehle, some rights reserved</a:t>
+            </a:r>
+            <a:endParaRPr/>
+          </a:p>
+          <a:p>
+            <a:pPr indent="0" lvl="0" marL="0" rtl="0" algn="l">
+              <a:spcBef>
+                <a:spcPts val="1200"/>
+              </a:spcBef>
+              <a:spcAft>
+                <a:spcPts val="1200"/>
+              </a:spcAft>
+              <a:buNone/>
+            </a:pPr>
+            <a:r>
+              <a:t/>
             </a:r>
             <a:endParaRPr/>
           </a:p>
@@ -5070,7 +8597,7 @@
             </a:pPr>
             <a:r>
               <a:rPr lang="en"/>
-              <a:t>1. Deliverables</a:t>
+              <a:t>1. Agile Coaching</a:t>
             </a:r>
             <a:endParaRPr/>
           </a:p>
@@ -5135,7 +8662,7 @@
             </a:pPr>
             <a:r>
               <a:rPr lang="en"/>
-              <a:t>Release Plans</a:t>
+              <a:t>Agile Coaching</a:t>
             </a:r>
             <a:endParaRPr/>
           </a:p>
@@ -5144,78 +8671,6 @@
       <p:sp>
         <p:nvSpPr>
           <p:cNvPr id="55" name="Google Shape;55;p11"/>
-          <p:cNvSpPr txBox="1"/>
-          <p:nvPr>
-            <p:ph idx="1" type="body"/>
-          </p:nvPr>
-        </p:nvSpPr>
-        <p:spPr>
-          <a:xfrm>
-            <a:off x="274320" y="914400"/>
-            <a:ext cx="8595300" cy="4114800"/>
-          </a:xfrm>
-          <a:prstGeom prst="rect">
-            <a:avLst/>
-          </a:prstGeom>
-        </p:spPr>
-        <p:txBody>
-          <a:bodyPr anchorCtr="0" anchor="t" bIns="0" lIns="0" spcFirstLastPara="1" rIns="0" wrap="square" tIns="0">
-            <a:noAutofit/>
-          </a:bodyPr>
-          <a:lstStyle/>
-          <a:p>
-            <a:pPr indent="0" lvl="0" marL="0" rtl="0" algn="l">
-              <a:spcBef>
-                <a:spcPts val="0"/>
-              </a:spcBef>
-              <a:spcAft>
-                <a:spcPts val="0"/>
-              </a:spcAft>
-              <a:buNone/>
-            </a:pPr>
-            <a:r>
-              <a:rPr lang="en"/>
-              <a:t>Final release plan has been setup and is maintained</a:t>
-            </a:r>
-            <a:endParaRPr/>
-          </a:p>
-          <a:p>
-            <a:pPr indent="0" lvl="0" marL="0" rtl="0" algn="l">
-              <a:spcBef>
-                <a:spcPts val="1200"/>
-              </a:spcBef>
-              <a:spcAft>
-                <a:spcPts val="0"/>
-              </a:spcAft>
-              <a:buNone/>
-            </a:pPr>
-            <a:r>
-              <a:rPr lang="en"/>
-              <a:t>Development speed and burndown chart are maintained as well</a:t>
-            </a:r>
-            <a:endParaRPr/>
-          </a:p>
-          <a:p>
-            <a:pPr indent="0" lvl="0" marL="0" rtl="0" algn="l">
-              <a:spcBef>
-                <a:spcPts val="1200"/>
-              </a:spcBef>
-              <a:spcAft>
-                <a:spcPts val="1200"/>
-              </a:spcAft>
-              <a:buNone/>
-            </a:pPr>
-            <a:r>
-              <a:rPr lang="en"/>
-              <a:t>Irregularities are being discussed and resolved by team</a:t>
-            </a:r>
-            <a:endParaRPr/>
-          </a:p>
-        </p:txBody>
-      </p:sp>
-      <p:sp>
-        <p:nvSpPr>
-          <p:cNvPr id="56" name="Google Shape;56;p11"/>
           <p:cNvSpPr txBox="1"/>
           <p:nvPr>
             <p:ph idx="12" type="sldNum"/>
@@ -5277,6 +8732,162 @@
                 </a:solidFill>
               </a:rPr>
               <a:t> </a:t>
+            </a:r>
+            <a:endParaRPr/>
+          </a:p>
+        </p:txBody>
+      </p:sp>
+      <p:sp>
+        <p:nvSpPr>
+          <p:cNvPr id="56" name="Google Shape;56;p11"/>
+          <p:cNvSpPr txBox="1"/>
+          <p:nvPr>
+            <p:ph idx="1" type="body"/>
+          </p:nvPr>
+        </p:nvSpPr>
+        <p:spPr>
+          <a:xfrm>
+            <a:off x="274320" y="914400"/>
+            <a:ext cx="8595300" cy="4114800"/>
+          </a:xfrm>
+          <a:prstGeom prst="rect">
+            <a:avLst/>
+          </a:prstGeom>
+        </p:spPr>
+        <p:txBody>
+          <a:bodyPr anchorCtr="0" anchor="t" bIns="0" lIns="0" spcFirstLastPara="1" rIns="0" wrap="square" tIns="0">
+            <a:noAutofit/>
+          </a:bodyPr>
+          <a:lstStyle/>
+          <a:p>
+            <a:pPr indent="0" lvl="0" marL="0" rtl="0" algn="l">
+              <a:spcBef>
+                <a:spcPts val="0"/>
+              </a:spcBef>
+              <a:spcAft>
+                <a:spcPts val="0"/>
+              </a:spcAft>
+              <a:buNone/>
+            </a:pPr>
+            <a:r>
+              <a:rPr lang="en"/>
+              <a:t>A coach is </a:t>
+            </a:r>
+            <a:r>
+              <a:rPr lang="en"/>
+              <a:t>a</a:t>
+            </a:r>
+            <a:r>
+              <a:rPr lang="en"/>
+              <a:t> person in relationship to another person or team who</a:t>
+            </a:r>
+            <a:endParaRPr/>
+          </a:p>
+          <a:p>
+            <a:pPr indent="-342900" lvl="0" marL="457200" rtl="0" algn="l">
+              <a:spcBef>
+                <a:spcPts val="1200"/>
+              </a:spcBef>
+              <a:spcAft>
+                <a:spcPts val="0"/>
+              </a:spcAft>
+              <a:buSzPts val="1800"/>
+              <a:buChar char="●"/>
+            </a:pPr>
+            <a:r>
+              <a:rPr lang="en"/>
+              <a:t>Guides, collaborates, and supports the person or team </a:t>
+            </a:r>
+            <a:endParaRPr/>
+          </a:p>
+          <a:p>
+            <a:pPr indent="-342900" lvl="0" marL="457200" rtl="0" algn="l">
+              <a:spcBef>
+                <a:spcPts val="0"/>
+              </a:spcBef>
+              <a:spcAft>
+                <a:spcPts val="0"/>
+              </a:spcAft>
+              <a:buSzPts val="1800"/>
+              <a:buChar char="●"/>
+            </a:pPr>
+            <a:r>
+              <a:rPr lang="en"/>
+              <a:t>With respect to achieving their goals</a:t>
+            </a:r>
+            <a:endParaRPr/>
+          </a:p>
+          <a:p>
+            <a:pPr indent="0" lvl="0" marL="0" rtl="0" algn="l">
+              <a:spcBef>
+                <a:spcPts val="1200"/>
+              </a:spcBef>
+              <a:spcAft>
+                <a:spcPts val="0"/>
+              </a:spcAft>
+              <a:buNone/>
+            </a:pPr>
+            <a:r>
+              <a:rPr lang="en"/>
+              <a:t>An </a:t>
+            </a:r>
+            <a:r>
+              <a:rPr b="1" lang="en"/>
+              <a:t>agile coach</a:t>
+            </a:r>
+            <a:r>
+              <a:rPr lang="en"/>
+              <a:t> is a coach for agile teams</a:t>
+            </a:r>
+            <a:endParaRPr/>
+          </a:p>
+          <a:p>
+            <a:pPr indent="-342900" lvl="0" marL="457200" rtl="0" algn="l">
+              <a:spcBef>
+                <a:spcPts val="1200"/>
+              </a:spcBef>
+              <a:spcAft>
+                <a:spcPts val="0"/>
+              </a:spcAft>
+              <a:buSzPts val="1800"/>
+              <a:buChar char="●"/>
+            </a:pPr>
+            <a:r>
+              <a:rPr lang="en"/>
+              <a:t>Agile coaches don’t make decisions or manage the team (unlike in sports)</a:t>
+            </a:r>
+            <a:endParaRPr/>
+          </a:p>
+          <a:p>
+            <a:pPr indent="-342900" lvl="0" marL="457200" rtl="0" algn="l">
+              <a:spcBef>
+                <a:spcPts val="0"/>
+              </a:spcBef>
+              <a:spcAft>
+                <a:spcPts val="0"/>
+              </a:spcAft>
+              <a:buSzPts val="1800"/>
+              <a:buChar char="●"/>
+            </a:pPr>
+            <a:r>
+              <a:rPr lang="en"/>
+              <a:t>Which is unfortunate given that Scrum is a sports metaphor</a:t>
+            </a:r>
+            <a:endParaRPr/>
+          </a:p>
+          <a:p>
+            <a:pPr indent="0" lvl="0" marL="0" rtl="0" algn="l">
+              <a:spcBef>
+                <a:spcPts val="1200"/>
+              </a:spcBef>
+              <a:spcAft>
+                <a:spcPts val="1200"/>
+              </a:spcAft>
+              <a:buNone/>
+            </a:pPr>
+            <a:r>
+              <a:rPr lang="en"/>
+              <a:t>Agile coaching is what an agile coach does</a:t>
             </a:r>
             <a:endParaRPr/>
           </a:p>
@@ -5341,7 +8952,7 @@
             </a:pPr>
             <a:r>
               <a:rPr lang="en"/>
-              <a:t>Documentation</a:t>
+              <a:t>Agile Coaching vs. Scrum Master</a:t>
             </a:r>
             <a:endParaRPr/>
           </a:p>
@@ -5375,13 +8986,78 @@
                 <a:spcPts val="0"/>
               </a:spcBef>
               <a:spcAft>
+                <a:spcPts val="0"/>
+              </a:spcAft>
+              <a:buNone/>
+            </a:pPr>
+            <a:r>
+              <a:rPr lang="en"/>
+              <a:t>A Scrum Master helps a Scrum team</a:t>
+            </a:r>
+            <a:endParaRPr/>
+          </a:p>
+          <a:p>
+            <a:pPr indent="-342900" lvl="0" marL="457200" rtl="0" algn="l">
+              <a:spcBef>
                 <a:spcPts val="1200"/>
-              </a:spcAft>
-              <a:buNone/>
+              </a:spcBef>
+              <a:spcAft>
+                <a:spcPts val="0"/>
+              </a:spcAft>
+              <a:buSzPts val="1800"/>
+              <a:buChar char="●"/>
             </a:pPr>
             <a:r>
               <a:rPr lang="en"/>
-              <a:t>Documentation has been initialized and is being maintained</a:t>
+              <a:t>Perform at highest possible levels</a:t>
+            </a:r>
+            <a:endParaRPr/>
+          </a:p>
+          <a:p>
+            <a:pPr indent="0" lvl="0" marL="0" rtl="0" algn="l">
+              <a:spcBef>
+                <a:spcPts val="1200"/>
+              </a:spcBef>
+              <a:spcAft>
+                <a:spcPts val="0"/>
+              </a:spcAft>
+              <a:buNone/>
+            </a:pPr>
+            <a:r>
+              <a:rPr lang="en"/>
+              <a:t>An agile coach is a Scrum Master </a:t>
+            </a:r>
+            <a:endParaRPr/>
+          </a:p>
+          <a:p>
+            <a:pPr indent="-342900" lvl="0" marL="457200" rtl="0" algn="l">
+              <a:spcBef>
+                <a:spcPts val="1200"/>
+              </a:spcBef>
+              <a:spcAft>
+                <a:spcPts val="0"/>
+              </a:spcAft>
+              <a:buSzPts val="1800"/>
+              <a:buChar char="●"/>
+            </a:pPr>
+            <a:r>
+              <a:rPr lang="en"/>
+              <a:t>With a broader outlook than just Scrum</a:t>
+            </a:r>
+            <a:endParaRPr/>
+          </a:p>
+          <a:p>
+            <a:pPr indent="0" lvl="0" marL="0" rtl="0" algn="l">
+              <a:spcBef>
+                <a:spcPts val="1200"/>
+              </a:spcBef>
+              <a:spcAft>
+                <a:spcPts val="1200"/>
+              </a:spcAft>
+              <a:buNone/>
+            </a:pPr>
+            <a:r>
+              <a:t/>
             </a:r>
             <a:endParaRPr/>
           </a:p>
@@ -5486,25 +9162,25 @@
           <p:cNvPr id="68" name="Google Shape;68;p13"/>
           <p:cNvSpPr txBox="1"/>
           <p:nvPr>
-            <p:ph type="ctrTitle"/>
+            <p:ph type="title"/>
           </p:nvPr>
         </p:nvSpPr>
         <p:spPr>
           <a:xfrm>
             <a:off x="0" y="0"/>
-            <a:ext cx="9144000" cy="2388900"/>
+            <a:ext cx="9144000" cy="685800"/>
           </a:xfrm>
           <a:prstGeom prst="rect">
             <a:avLst/>
           </a:prstGeom>
         </p:spPr>
         <p:txBody>
-          <a:bodyPr anchorCtr="0" anchor="b" bIns="274300" lIns="91425" spcFirstLastPara="1" rIns="91425" wrap="square" tIns="91425">
+          <a:bodyPr anchorCtr="0" anchor="ctr" bIns="91425" lIns="274300" spcFirstLastPara="1" rIns="91425" wrap="square" tIns="91425">
             <a:noAutofit/>
           </a:bodyPr>
           <a:lstStyle/>
           <a:p>
-            <a:pPr indent="0" lvl="0" marL="0" rtl="0" algn="ctr">
+            <a:pPr indent="0" lvl="0" marL="0" rtl="0" algn="l">
               <a:spcBef>
                 <a:spcPts val="0"/>
               </a:spcBef>
@@ -5515,7 +9191,7 @@
             </a:pPr>
             <a:r>
               <a:rPr lang="en"/>
-              <a:t>Thank you! Any questions?</a:t>
+              <a:t>The AMOS Coach</a:t>
             </a:r>
             <a:endParaRPr/>
           </a:p>
@@ -5526,117 +9202,157 @@
           <p:cNvPr id="69" name="Google Shape;69;p13"/>
           <p:cNvSpPr txBox="1"/>
           <p:nvPr>
-            <p:ph idx="1" type="subTitle"/>
-          </p:nvPr>
-        </p:nvSpPr>
-        <p:spPr>
-          <a:xfrm>
-            <a:off x="0" y="2569475"/>
-            <a:ext cx="9144000" cy="2574000"/>
+            <p:ph idx="1" type="body"/>
+          </p:nvPr>
+        </p:nvSpPr>
+        <p:spPr>
+          <a:xfrm>
+            <a:off x="274320" y="914400"/>
+            <a:ext cx="8595300" cy="4114800"/>
           </a:xfrm>
           <a:prstGeom prst="rect">
             <a:avLst/>
           </a:prstGeom>
         </p:spPr>
         <p:txBody>
-          <a:bodyPr anchorCtr="0" anchor="t" bIns="91425" lIns="91425" spcFirstLastPara="1" rIns="91425" wrap="square" tIns="274300">
+          <a:bodyPr anchorCtr="0" anchor="t" bIns="0" lIns="0" spcFirstLastPara="1" rIns="0" wrap="square" tIns="0">
             <a:noAutofit/>
           </a:bodyPr>
           <a:lstStyle/>
           <a:p>
-            <a:pPr indent="0" lvl="0" marL="0" rtl="0" algn="ctr">
-              <a:lnSpc>
-                <a:spcPct val="150000"/>
-              </a:lnSpc>
-              <a:spcBef>
-                <a:spcPts val="0"/>
-              </a:spcBef>
-              <a:spcAft>
-                <a:spcPts val="0"/>
-              </a:spcAft>
-              <a:buNone/>
-            </a:pPr>
-            <a:r>
-              <a:rPr lang="en" u="sng">
+            <a:pPr indent="0" lvl="0" marL="0" rtl="0" algn="l">
+              <a:spcBef>
+                <a:spcPts val="0"/>
+              </a:spcBef>
+              <a:spcAft>
+                <a:spcPts val="0"/>
+              </a:spcAft>
+              <a:buNone/>
+            </a:pPr>
+            <a:r>
+              <a:rPr lang="en"/>
+              <a:t>The AMOS coach is a Scrum Master</a:t>
+            </a:r>
+            <a:endParaRPr/>
+          </a:p>
+          <a:p>
+            <a:pPr indent="-342900" lvl="0" marL="457200" rtl="0" algn="l">
+              <a:spcBef>
+                <a:spcPts val="1200"/>
+              </a:spcBef>
+              <a:spcAft>
+                <a:spcPts val="0"/>
+              </a:spcAft>
+              <a:buSzPts val="1800"/>
+              <a:buChar char="●"/>
+            </a:pPr>
+            <a:r>
+              <a:rPr lang="en"/>
+              <a:t>For the purposes of the development project </a:t>
+            </a:r>
+            <a:endParaRPr/>
+          </a:p>
+          <a:p>
+            <a:pPr indent="0" lvl="0" marL="0" rtl="0" algn="l">
+              <a:spcBef>
+                <a:spcPts val="1200"/>
+              </a:spcBef>
+              <a:spcAft>
+                <a:spcPts val="0"/>
+              </a:spcAft>
+              <a:buNone/>
+            </a:pPr>
+            <a:r>
+              <a:rPr lang="en"/>
+              <a:t>The AMOS coach goes beyond being a Scrum Master by </a:t>
+            </a:r>
+            <a:endParaRPr/>
+          </a:p>
+          <a:p>
+            <a:pPr indent="-342900" lvl="0" marL="457200" rtl="0" algn="l">
+              <a:spcBef>
+                <a:spcPts val="1200"/>
+              </a:spcBef>
+              <a:spcAft>
+                <a:spcPts val="0"/>
+              </a:spcAft>
+              <a:buSzPts val="1800"/>
+              <a:buChar char="●"/>
+            </a:pPr>
+            <a:r>
+              <a:rPr lang="en"/>
+              <a:t>Conceiving and performing a team workshop</a:t>
+            </a:r>
+            <a:endParaRPr/>
+          </a:p>
+        </p:txBody>
+      </p:sp>
+      <p:sp>
+        <p:nvSpPr>
+          <p:cNvPr id="70" name="Google Shape;70;p13"/>
+          <p:cNvSpPr txBox="1"/>
+          <p:nvPr>
+            <p:ph idx="12" type="sldNum"/>
+          </p:nvPr>
+        </p:nvSpPr>
+        <p:spPr>
+          <a:xfrm>
+            <a:off x="7315202" y="4416550"/>
+            <a:ext cx="1828800" cy="731400"/>
+          </a:xfrm>
+          <a:prstGeom prst="rect">
+            <a:avLst/>
+          </a:prstGeom>
+        </p:spPr>
+        <p:txBody>
+          <a:bodyPr anchorCtr="0" anchor="b" bIns="91425" lIns="91425" spcFirstLastPara="1" rIns="91425" wrap="square" tIns="91425">
+            <a:noAutofit/>
+          </a:bodyPr>
+          <a:lstStyle/>
+          <a:p>
+            <a:pPr indent="0" lvl="0" marL="0" rtl="0" algn="r">
+              <a:spcBef>
+                <a:spcPts val="0"/>
+              </a:spcBef>
+              <a:spcAft>
+                <a:spcPts val="0"/>
+              </a:spcAft>
+              <a:buNone/>
+            </a:pPr>
+            <a:fld id="{00000000-1234-1234-1234-123412341234}" type="slidenum">
+              <a:rPr lang="en"/>
+              <a:t>‹#›</a:t>
+            </a:fld>
+            <a:endParaRPr/>
+          </a:p>
+          <a:p>
+            <a:pPr indent="0" lvl="0" marL="0" rtl="0" algn="r">
+              <a:spcBef>
+                <a:spcPts val="0"/>
+              </a:spcBef>
+              <a:spcAft>
+                <a:spcPts val="0"/>
+              </a:spcAft>
+              <a:buNone/>
+            </a:pPr>
+            <a:r>
+              <a:rPr b="0" lang="en" sz="900" u="sng">
                 <a:solidFill>
                   <a:schemeClr val="hlink"/>
                 </a:solidFill>
                 <a:hlinkClick r:id="rId3"/>
               </a:rPr>
-              <a:t>dirk.riehle@fau.de</a:t>
-            </a:r>
-            <a:r>
-              <a:rPr lang="en"/>
+              <a:t>https://profriehle.com</a:t>
+            </a:r>
+            <a:r>
+              <a:rPr b="0" lang="en" sz="900">
+                <a:solidFill>
+                  <a:schemeClr val="dk2"/>
+                </a:solidFill>
+              </a:rPr>
               <a:t> </a:t>
             </a:r>
-            <a:r>
-              <a:rPr lang="en" sz="2400"/>
-              <a:t>–</a:t>
-            </a:r>
-            <a:r>
-              <a:rPr lang="en"/>
-              <a:t> </a:t>
-            </a:r>
-            <a:r>
-              <a:rPr lang="en" u="sng">
-                <a:solidFill>
-                  <a:schemeClr val="hlink"/>
-                </a:solidFill>
-                <a:hlinkClick r:id="rId4"/>
-              </a:rPr>
-              <a:t>https://oss.cs.fau.de</a:t>
-            </a:r>
-            <a:endParaRPr/>
-          </a:p>
-          <a:p>
-            <a:pPr indent="0" lvl="0" marL="0" rtl="0" algn="ctr">
-              <a:lnSpc>
-                <a:spcPct val="150000"/>
-              </a:lnSpc>
-              <a:spcBef>
-                <a:spcPts val="0"/>
-              </a:spcBef>
-              <a:spcAft>
-                <a:spcPts val="0"/>
-              </a:spcAft>
-              <a:buNone/>
-            </a:pPr>
-            <a:r>
-              <a:rPr lang="en" sz="2400" u="sng">
-                <a:solidFill>
-                  <a:schemeClr val="hlink"/>
-                </a:solidFill>
-                <a:hlinkClick r:id="rId5"/>
-              </a:rPr>
-              <a:t>dirk@riehle.org</a:t>
-            </a:r>
-            <a:r>
-              <a:rPr lang="en" sz="2400"/>
-              <a:t> – </a:t>
-            </a:r>
-            <a:r>
-              <a:rPr lang="en" sz="2400" u="sng">
-                <a:solidFill>
-                  <a:schemeClr val="hlink"/>
-                </a:solidFill>
-                <a:hlinkClick r:id="rId6"/>
-              </a:rPr>
-              <a:t>https://dirkriehle.com</a:t>
-            </a:r>
-            <a:r>
-              <a:rPr lang="en" sz="2400"/>
-              <a:t> – </a:t>
-            </a:r>
-            <a:r>
-              <a:rPr lang="en" sz="2400" u="sng">
-                <a:solidFill>
-                  <a:schemeClr val="hlink"/>
-                </a:solidFill>
-                <a:hlinkClick r:id="rId7"/>
-              </a:rPr>
-              <a:t>@dirkriehle</a:t>
-            </a:r>
-            <a:endParaRPr sz="2400"/>
+            <a:endParaRPr/>
           </a:p>
         </p:txBody>
       </p:sp>
@@ -5653,7 +9369,7 @@
   <p:cSld>
     <p:spTree>
       <p:nvGrpSpPr>
-        <p:cNvPr id="73" name="Shape 73"/>
+        <p:cNvPr id="74" name="Shape 74"/>
         <p:cNvGrpSpPr/>
         <p:nvPr/>
       </p:nvGrpSpPr>
@@ -5667,7 +9383,72 @@
       </p:grpSpPr>
       <p:sp>
         <p:nvSpPr>
-          <p:cNvPr id="74" name="Google Shape;74;p14"/>
+          <p:cNvPr id="75" name="Google Shape;75;p14"/>
+          <p:cNvSpPr txBox="1"/>
+          <p:nvPr>
+            <p:ph type="title"/>
+          </p:nvPr>
+        </p:nvSpPr>
+        <p:spPr>
+          <a:xfrm>
+            <a:off x="0" y="-7"/>
+            <a:ext cx="9144000" cy="2386500"/>
+          </a:xfrm>
+          <a:prstGeom prst="rect">
+            <a:avLst/>
+          </a:prstGeom>
+        </p:spPr>
+        <p:txBody>
+          <a:bodyPr anchorCtr="0" anchor="b" bIns="274300" lIns="91425" spcFirstLastPara="1" rIns="91425" wrap="square" tIns="91425">
+            <a:noAutofit/>
+          </a:bodyPr>
+          <a:lstStyle/>
+          <a:p>
+            <a:pPr indent="0" lvl="0" marL="0" rtl="0" algn="ctr">
+              <a:spcBef>
+                <a:spcPts val="0"/>
+              </a:spcBef>
+              <a:spcAft>
+                <a:spcPts val="0"/>
+              </a:spcAft>
+              <a:buNone/>
+            </a:pPr>
+            <a:r>
+              <a:rPr lang="en"/>
+              <a:t>2. Process Improvement</a:t>
+            </a:r>
+            <a:endParaRPr/>
+          </a:p>
+        </p:txBody>
+      </p:sp>
+    </p:spTree>
+  </p:cSld>
+  <p:clrMapOvr>
+    <a:masterClrMapping/>
+  </p:clrMapOvr>
+</p:sld>
+</file>
+
+<file path=ppt/slides/slide8.xml><?xml version="1.0" encoding="utf-8"?>
+<p:sld xmlns:a="http://schemas.openxmlformats.org/drawingml/2006/main" xmlns:r="http://schemas.openxmlformats.org/officeDocument/2006/relationships" xmlns:mc="http://schemas.openxmlformats.org/markup-compatibility/2006" xmlns:mv="urn:schemas-microsoft-com:mac:vml" xmlns:p="http://schemas.openxmlformats.org/presentationml/2006/main" xmlns:c="http://schemas.openxmlformats.org/drawingml/2006/chart" xmlns:dgm="http://schemas.openxmlformats.org/drawingml/2006/diagram" xmlns:o="urn:schemas-microsoft-com:office:office" xmlns:v="urn:schemas-microsoft-com:vml" xmlns:pvml="urn:schemas-microsoft-com:office:powerpoint" xmlns:com="http://schemas.openxmlformats.org/drawingml/2006/compatibility" xmlns:p14="http://schemas.microsoft.com/office/powerpoint/2010/main" xmlns:p15="http://schemas.microsoft.com/office/powerpoint/2012/main" xmlns:ahyp="http://schemas.microsoft.com/office/drawing/2018/hyperlinkcolor">
+  <p:cSld>
+    <p:spTree>
+      <p:nvGrpSpPr>
+        <p:cNvPr id="79" name="Shape 79"/>
+        <p:cNvGrpSpPr/>
+        <p:nvPr/>
+      </p:nvGrpSpPr>
+      <p:grpSpPr>
+        <a:xfrm>
+          <a:off x="0" y="0"/>
+          <a:ext cx="0" cy="0"/>
+          <a:chOff x="0" y="0"/>
+          <a:chExt cx="0" cy="0"/>
+        </a:xfrm>
+      </p:grpSpPr>
+      <p:sp>
+        <p:nvSpPr>
+          <p:cNvPr id="80" name="Google Shape;80;p15"/>
           <p:cNvSpPr txBox="1"/>
           <p:nvPr>
             <p:ph type="title"/>
@@ -5699,7 +9480,7 @@
             </a:pPr>
             <a:r>
               <a:rPr lang="en"/>
-              <a:t>Legal Notices</a:t>
+              <a:t>Process Improvement</a:t>
             </a:r>
             <a:endParaRPr/>
           </a:p>
@@ -5707,7 +9488,104 @@
       </p:sp>
       <p:sp>
         <p:nvSpPr>
-          <p:cNvPr id="75" name="Google Shape;75;p14"/>
+          <p:cNvPr id="81" name="Google Shape;81;p15"/>
+          <p:cNvSpPr txBox="1"/>
+          <p:nvPr>
+            <p:ph idx="1" type="body"/>
+          </p:nvPr>
+        </p:nvSpPr>
+        <p:spPr>
+          <a:xfrm>
+            <a:off x="274320" y="914400"/>
+            <a:ext cx="8595300" cy="4114800"/>
+          </a:xfrm>
+          <a:prstGeom prst="rect">
+            <a:avLst/>
+          </a:prstGeom>
+        </p:spPr>
+        <p:txBody>
+          <a:bodyPr anchorCtr="0" anchor="t" bIns="0" lIns="0" spcFirstLastPara="1" rIns="0" wrap="square" tIns="0">
+            <a:noAutofit/>
+          </a:bodyPr>
+          <a:lstStyle/>
+          <a:p>
+            <a:pPr indent="0" lvl="0" marL="0" rtl="0" algn="l">
+              <a:spcBef>
+                <a:spcPts val="0"/>
+              </a:spcBef>
+              <a:spcAft>
+                <a:spcPts val="0"/>
+              </a:spcAft>
+              <a:buNone/>
+            </a:pPr>
+            <a:r>
+              <a:rPr lang="en"/>
+              <a:t>Process improvement is the practice of</a:t>
+            </a:r>
+            <a:endParaRPr/>
+          </a:p>
+          <a:p>
+            <a:pPr indent="-342900" lvl="0" marL="457200" rtl="0" algn="l">
+              <a:spcBef>
+                <a:spcPts val="1200"/>
+              </a:spcBef>
+              <a:spcAft>
+                <a:spcPts val="0"/>
+              </a:spcAft>
+              <a:buSzPts val="1800"/>
+              <a:buChar char="●"/>
+            </a:pPr>
+            <a:r>
+              <a:rPr lang="en"/>
+              <a:t>Continuously improving a team’s performance by</a:t>
+            </a:r>
+            <a:endParaRPr/>
+          </a:p>
+          <a:p>
+            <a:pPr indent="-317500" lvl="1" marL="914400" rtl="0" algn="l">
+              <a:spcBef>
+                <a:spcPts val="1000"/>
+              </a:spcBef>
+              <a:spcAft>
+                <a:spcPts val="0"/>
+              </a:spcAft>
+              <a:buSzPts val="1400"/>
+              <a:buChar char="○"/>
+            </a:pPr>
+            <a:r>
+              <a:rPr lang="en"/>
+              <a:t>Observing, </a:t>
+            </a:r>
+            <a:r>
+              <a:rPr lang="en"/>
+              <a:t>reflecting</a:t>
+            </a:r>
+            <a:r>
+              <a:rPr lang="en"/>
+              <a:t> on, and adapting the team’s behavior</a:t>
+            </a:r>
+            <a:endParaRPr/>
+          </a:p>
+          <a:p>
+            <a:pPr indent="0" lvl="0" marL="0" rtl="0" algn="l">
+              <a:spcBef>
+                <a:spcPts val="1200"/>
+              </a:spcBef>
+              <a:spcAft>
+                <a:spcPts val="1200"/>
+              </a:spcAft>
+              <a:buNone/>
+            </a:pPr>
+            <a:r>
+              <a:t/>
+            </a:r>
+            <a:endParaRPr/>
+          </a:p>
+        </p:txBody>
+      </p:sp>
+      <p:sp>
+        <p:nvSpPr>
+          <p:cNvPr id="82" name="Google Shape;82;p15"/>
           <p:cNvSpPr txBox="1"/>
           <p:nvPr>
             <p:ph idx="12" type="sldNum"/>
@@ -5774,9 +9652,74 @@
           </a:p>
         </p:txBody>
       </p:sp>
-      <p:sp>
-        <p:nvSpPr>
-          <p:cNvPr id="76" name="Google Shape;76;p14"/>
+    </p:spTree>
+  </p:cSld>
+  <p:clrMapOvr>
+    <a:masterClrMapping/>
+  </p:clrMapOvr>
+</p:sld>
+</file>
+
+<file path=ppt/slides/slide9.xml><?xml version="1.0" encoding="utf-8"?>
+<p:sld xmlns:a="http://schemas.openxmlformats.org/drawingml/2006/main" xmlns:r="http://schemas.openxmlformats.org/officeDocument/2006/relationships" xmlns:mc="http://schemas.openxmlformats.org/markup-compatibility/2006" xmlns:mv="urn:schemas-microsoft-com:mac:vml" xmlns:p="http://schemas.openxmlformats.org/presentationml/2006/main" xmlns:c="http://schemas.openxmlformats.org/drawingml/2006/chart" xmlns:dgm="http://schemas.openxmlformats.org/drawingml/2006/diagram" xmlns:o="urn:schemas-microsoft-com:office:office" xmlns:v="urn:schemas-microsoft-com:vml" xmlns:pvml="urn:schemas-microsoft-com:office:powerpoint" xmlns:com="http://schemas.openxmlformats.org/drawingml/2006/compatibility" xmlns:p14="http://schemas.microsoft.com/office/powerpoint/2010/main" xmlns:p15="http://schemas.microsoft.com/office/powerpoint/2012/main" xmlns:ahyp="http://schemas.microsoft.com/office/drawing/2018/hyperlinkcolor">
+  <p:cSld>
+    <p:spTree>
+      <p:nvGrpSpPr>
+        <p:cNvPr id="86" name="Shape 86"/>
+        <p:cNvGrpSpPr/>
+        <p:nvPr/>
+      </p:nvGrpSpPr>
+      <p:grpSpPr>
+        <a:xfrm>
+          <a:off x="0" y="0"/>
+          <a:ext cx="0" cy="0"/>
+          <a:chOff x="0" y="0"/>
+          <a:chExt cx="0" cy="0"/>
+        </a:xfrm>
+      </p:grpSpPr>
+      <p:sp>
+        <p:nvSpPr>
+          <p:cNvPr id="87" name="Google Shape;87;p16"/>
+          <p:cNvSpPr txBox="1"/>
+          <p:nvPr>
+            <p:ph type="title"/>
+          </p:nvPr>
+        </p:nvSpPr>
+        <p:spPr>
+          <a:xfrm>
+            <a:off x="0" y="0"/>
+            <a:ext cx="9144000" cy="685800"/>
+          </a:xfrm>
+          <a:prstGeom prst="rect">
+            <a:avLst/>
+          </a:prstGeom>
+        </p:spPr>
+        <p:txBody>
+          <a:bodyPr anchorCtr="0" anchor="ctr" bIns="91425" lIns="274300" spcFirstLastPara="1" rIns="91425" wrap="square" tIns="91425">
+            <a:noAutofit/>
+          </a:bodyPr>
+          <a:lstStyle/>
+          <a:p>
+            <a:pPr indent="0" lvl="0" marL="0" rtl="0" algn="l">
+              <a:spcBef>
+                <a:spcPts val="0"/>
+              </a:spcBef>
+              <a:spcAft>
+                <a:spcPts val="0"/>
+              </a:spcAft>
+              <a:buNone/>
+            </a:pPr>
+            <a:r>
+              <a:rPr lang="en"/>
+              <a:t>Retrospectives [1]</a:t>
+            </a:r>
+            <a:endParaRPr/>
+          </a:p>
+        </p:txBody>
+      </p:sp>
+      <p:sp>
+        <p:nvSpPr>
+          <p:cNvPr id="88" name="Google Shape;88;p16"/>
           <p:cNvSpPr txBox="1"/>
           <p:nvPr>
             <p:ph idx="1" type="body"/>
@@ -5804,89 +9747,160 @@
               <a:spcAft>
                 <a:spcPts val="0"/>
               </a:spcAft>
+              <a:buClr>
+                <a:schemeClr val="dk1"/>
+              </a:buClr>
+              <a:buSzPts val="1100"/>
+              <a:buFont typeface="Arial"/>
               <a:buNone/>
             </a:pPr>
             <a:r>
               <a:rPr lang="en"/>
-              <a:t>License</a:t>
-            </a:r>
-            <a:endParaRPr/>
-          </a:p>
-          <a:p>
-            <a:pPr indent="-342900" lvl="0" marL="457200" rtl="0" algn="l">
+              <a:t>In Scrum, process improvement is triggered through retrospectives</a:t>
+            </a:r>
+            <a:endParaRPr/>
+          </a:p>
+          <a:p>
+            <a:pPr indent="0" lvl="0" marL="0" rtl="0" algn="l">
               <a:spcBef>
                 <a:spcPts val="1200"/>
               </a:spcBef>
               <a:spcAft>
-                <a:spcPts val="0"/>
-              </a:spcAft>
-              <a:buSzPts val="1800"/>
-              <a:buChar char="●"/>
+                <a:spcPts val="1200"/>
+              </a:spcAft>
+              <a:buClr>
+                <a:schemeClr val="dk1"/>
+              </a:buClr>
+              <a:buSzPts val="1100"/>
+              <a:buFont typeface="Arial"/>
+              <a:buNone/>
             </a:pPr>
             <a:r>
               <a:rPr lang="en"/>
-              <a:t>Licensed under the </a:t>
-            </a:r>
-            <a:r>
-              <a:rPr lang="en" u="sng">
+              <a:t>A </a:t>
+            </a:r>
+            <a:r>
+              <a:rPr b="1" lang="en"/>
+              <a:t>retrospective</a:t>
+            </a:r>
+            <a:r>
+              <a:rPr lang="en"/>
+              <a:t> is </a:t>
+            </a:r>
+            <a:endParaRPr/>
+          </a:p>
+        </p:txBody>
+      </p:sp>
+      <p:sp>
+        <p:nvSpPr>
+          <p:cNvPr id="89" name="Google Shape;89;p16"/>
+          <p:cNvSpPr txBox="1"/>
+          <p:nvPr>
+            <p:ph idx="12" type="sldNum"/>
+          </p:nvPr>
+        </p:nvSpPr>
+        <p:spPr>
+          <a:xfrm>
+            <a:off x="7315202" y="4416550"/>
+            <a:ext cx="1828800" cy="731400"/>
+          </a:xfrm>
+          <a:prstGeom prst="rect">
+            <a:avLst/>
+          </a:prstGeom>
+        </p:spPr>
+        <p:txBody>
+          <a:bodyPr anchorCtr="0" anchor="b" bIns="91425" lIns="91425" spcFirstLastPara="1" rIns="91425" wrap="square" tIns="91425">
+            <a:noAutofit/>
+          </a:bodyPr>
+          <a:lstStyle/>
+          <a:p>
+            <a:pPr indent="0" lvl="0" marL="0" rtl="0" algn="r">
+              <a:spcBef>
+                <a:spcPts val="0"/>
+              </a:spcBef>
+              <a:spcAft>
+                <a:spcPts val="0"/>
+              </a:spcAft>
+              <a:buNone/>
+            </a:pPr>
+            <a:fld id="{00000000-1234-1234-1234-123412341234}" type="slidenum">
+              <a:rPr lang="en"/>
+              <a:t>‹#›</a:t>
+            </a:fld>
+            <a:endParaRPr/>
+          </a:p>
+          <a:p>
+            <a:pPr indent="0" lvl="0" marL="0" rtl="0" algn="r">
+              <a:spcBef>
+                <a:spcPts val="0"/>
+              </a:spcBef>
+              <a:spcAft>
+                <a:spcPts val="0"/>
+              </a:spcAft>
+              <a:buNone/>
+            </a:pPr>
+            <a:r>
+              <a:rPr b="0" lang="en" sz="900" u="sng">
                 <a:solidFill>
                   <a:schemeClr val="hlink"/>
                 </a:solidFill>
-                <a:hlinkClick r:id="rId4"/>
+                <a:hlinkClick r:id="rId3"/>
               </a:rPr>
-              <a:t>CC BY 4.0 International</a:t>
-            </a:r>
+              <a:t>https://profriehle.com</a:t>
+            </a:r>
+            <a:r>
+              <a:rPr b="0" lang="en" sz="900">
+                <a:solidFill>
+                  <a:schemeClr val="dk2"/>
+                </a:solidFill>
+              </a:rPr>
+              <a:t> </a:t>
+            </a:r>
+            <a:endParaRPr/>
+          </a:p>
+        </p:txBody>
+      </p:sp>
+      <p:sp>
+        <p:nvSpPr>
+          <p:cNvPr id="90" name="Google Shape;90;p16"/>
+          <p:cNvSpPr txBox="1"/>
+          <p:nvPr/>
+        </p:nvSpPr>
+        <p:spPr>
+          <a:xfrm>
+            <a:off x="0" y="4233672"/>
+            <a:ext cx="7315200" cy="914400"/>
+          </a:xfrm>
+          <a:prstGeom prst="rect">
+            <a:avLst/>
+          </a:prstGeom>
+          <a:noFill/>
+          <a:ln>
+            <a:noFill/>
+          </a:ln>
+        </p:spPr>
+        <p:txBody>
+          <a:bodyPr anchorCtr="0" anchor="b" bIns="91425" lIns="91425" spcFirstLastPara="1" rIns="91425" wrap="square" tIns="91425">
+            <a:noAutofit/>
+          </a:bodyPr>
+          <a:lstStyle/>
+          <a:p>
+            <a:pPr indent="0" lvl="0" marL="0" rtl="0" algn="l">
+              <a:spcBef>
+                <a:spcPts val="0"/>
+              </a:spcBef>
+              <a:spcAft>
+                <a:spcPts val="0"/>
+              </a:spcAft>
+              <a:buNone/>
+            </a:pPr>
             <a:r>
               <a:rPr lang="en"/>
-              <a:t> license</a:t>
-            </a:r>
-            <a:endParaRPr/>
-          </a:p>
-          <a:p>
-            <a:pPr indent="0" lvl="0" marL="0" rtl="0" algn="l">
-              <a:spcBef>
-                <a:spcPts val="1200"/>
-              </a:spcBef>
-              <a:spcAft>
-                <a:spcPts val="0"/>
-              </a:spcAft>
-              <a:buNone/>
-            </a:pPr>
+              <a:t>[1] </a:t>
+            </a:r>
             <a:r>
               <a:rPr lang="en"/>
-              <a:t>Copyright</a:t>
-            </a:r>
-            <a:endParaRPr/>
-          </a:p>
-          <a:p>
-            <a:pPr indent="-342900" lvl="0" marL="457200" rtl="0" algn="l">
-              <a:spcBef>
-                <a:spcPts val="1200"/>
-              </a:spcBef>
-              <a:spcAft>
-                <a:spcPts val="0"/>
-              </a:spcAft>
-              <a:buSzPts val="1800"/>
-              <a:buChar char="●"/>
-            </a:pPr>
-            <a:r>
-              <a:rPr lang="en"/>
-              <a:t>© Copyright 2023 Dirk Riehle, some rights reserved</a:t>
-            </a:r>
-            <a:endParaRPr/>
-          </a:p>
-          <a:p>
-            <a:pPr indent="0" lvl="0" marL="0" rtl="0" algn="l">
-              <a:spcBef>
-                <a:spcPts val="1200"/>
-              </a:spcBef>
-              <a:spcAft>
-                <a:spcPts val="1200"/>
-              </a:spcAft>
-              <a:buNone/>
-            </a:pPr>
-            <a:r>
-              <a:t/>
+              <a:t>Kerth, N. (2001). Project Retrospectives. Addison-Wesley.</a:t>
             </a:r>
             <a:endParaRPr/>
           </a:p>
@@ -5901,6 +9915,285 @@
 </file>
 
 <file path=ppt/theme/theme1.xml><?xml version="1.0" encoding="utf-8"?>
+<a:theme xmlns:a="http://schemas.openxmlformats.org/drawingml/2006/main" xmlns:r="http://schemas.openxmlformats.org/officeDocument/2006/relationships">
+  <a:themeElements>
+    <a:clrScheme name="Default">
+      <a:dk1>
+        <a:srgbClr val="000000"/>
+      </a:dk1>
+      <a:lt1>
+        <a:srgbClr val="FFFFFF"/>
+      </a:lt1>
+      <a:dk2>
+        <a:srgbClr val="158158"/>
+      </a:dk2>
+      <a:lt2>
+        <a:srgbClr val="F3F3F3"/>
+      </a:lt2>
+      <a:accent1>
+        <a:srgbClr val="058DC7"/>
+      </a:accent1>
+      <a:accent2>
+        <a:srgbClr val="50B432"/>
+      </a:accent2>
+      <a:accent3>
+        <a:srgbClr val="ED561B"/>
+      </a:accent3>
+      <a:accent4>
+        <a:srgbClr val="EDEF00"/>
+      </a:accent4>
+      <a:accent5>
+        <a:srgbClr val="24CBE5"/>
+      </a:accent5>
+      <a:accent6>
+        <a:srgbClr val="64E572"/>
+      </a:accent6>
+      <a:hlink>
+        <a:srgbClr val="2200CC"/>
+      </a:hlink>
+      <a:folHlink>
+        <a:srgbClr val="551A8B"/>
+      </a:folHlink>
+    </a:clrScheme>
+    <a:fontScheme name="Office">
+      <a:majorFont>
+        <a:latin typeface="Arial"/>
+        <a:ea typeface=""/>
+        <a:cs typeface=""/>
+        <a:font script="Jpan" typeface="ＭＳ Ｐゴシック"/>
+        <a:font script="Hang" typeface="맑은 고딕"/>
+        <a:font script="Hans" typeface="宋体"/>
+        <a:font script="Hant" typeface="新細明體"/>
+        <a:font script="Arab" typeface="Times New Roman"/>
+        <a:font script="Hebr" typeface="Times New Roman"/>
+        <a:font script="Thai" typeface="Angsana New"/>
+        <a:font script="Ethi" typeface="Nyala"/>
+        <a:font script="Beng" typeface="Vrinda"/>
+        <a:font script="Gujr" typeface="Shruti"/>
+        <a:font script="Khmr" typeface="MoolBoran"/>
+        <a:font script="Knda" typeface="Tunga"/>
+        <a:font script="Guru" typeface="Raavi"/>
+        <a:font script="Cans" typeface="Euphemia"/>
+        <a:font script="Cher" typeface="Plantagenet Cherokee"/>
+        <a:font script="Yiii" typeface="Microsoft Yi Baiti"/>
+        <a:font script="Tibt" typeface="Microsoft Himalaya"/>
+        <a:font script="Thaa" typeface="MV Boli"/>
+        <a:font script="Deva" typeface="Mangal"/>
+        <a:font script="Telu" typeface="Gautami"/>
+        <a:font script="Taml" typeface="Latha"/>
+        <a:font script="Syrc" typeface="Estrangelo Edessa"/>
+        <a:font script="Orya" typeface="Kalinga"/>
+        <a:font script="Mlym" typeface="Kartika"/>
+        <a:font script="Laoo" typeface="DokChampa"/>
+        <a:font script="Sinh" typeface="Iskoola Pota"/>
+        <a:font script="Mong" typeface="Mongolian Baiti"/>
+        <a:font script="Viet" typeface="Times New Roman"/>
+        <a:font script="Uigh" typeface="Microsoft Uighur"/>
+        <a:font script="Geor" typeface="Sylfaen"/>
+      </a:majorFont>
+      <a:minorFont>
+        <a:latin typeface="Arial"/>
+        <a:ea typeface=""/>
+        <a:cs typeface=""/>
+        <a:font script="Jpan" typeface="ＭＳ Ｐゴシック"/>
+        <a:font script="Hang" typeface="맑은 고딕"/>
+        <a:font script="Hans" typeface="宋体"/>
+        <a:font script="Hant" typeface="新細明體"/>
+        <a:font script="Arab" typeface="Arial"/>
+        <a:font script="Hebr" typeface="Arial"/>
+        <a:font script="Thai" typeface="Cordia New"/>
+        <a:font script="Ethi" typeface="Nyala"/>
+        <a:font script="Beng" typeface="Vrinda"/>
+        <a:font script="Gujr" typeface="Shruti"/>
+        <a:font script="Khmr" typeface="DaunPenh"/>
+        <a:font script="Knda" typeface="Tunga"/>
+        <a:font script="Guru" typeface="Raavi"/>
+        <a:font script="Cans" typeface="Euphemia"/>
+        <a:font script="Cher" typeface="Plantagenet Cherokee"/>
+        <a:font script="Yiii" typeface="Microsoft Yi Baiti"/>
+        <a:font script="Tibt" typeface="Microsoft Himalaya"/>
+        <a:font script="Thaa" typeface="MV Boli"/>
+        <a:font script="Deva" typeface="Mangal"/>
+        <a:font script="Telu" typeface="Gautami"/>
+        <a:font script="Taml" typeface="Latha"/>
+        <a:font script="Syrc" typeface="Estrangelo Edessa"/>
+        <a:font script="Orya" typeface="Kalinga"/>
+        <a:font script="Mlym" typeface="Kartika"/>
+        <a:font script="Laoo" typeface="DokChampa"/>
+        <a:font script="Sinh" typeface="Iskoola Pota"/>
+        <a:font script="Mong" typeface="Mongolian Baiti"/>
+        <a:font script="Viet" typeface="Arial"/>
+        <a:font script="Uigh" typeface="Microsoft Uighur"/>
+        <a:font script="Geor" typeface="Sylfaen"/>
+      </a:minorFont>
+    </a:fontScheme>
+    <a:fmtScheme name="Office">
+      <a:fillStyleLst>
+        <a:solidFill>
+          <a:schemeClr val="phClr"/>
+        </a:solidFill>
+        <a:gradFill rotWithShape="1">
+          <a:gsLst>
+            <a:gs pos="0">
+              <a:schemeClr val="phClr">
+                <a:tint val="50000"/>
+                <a:satMod val="300000"/>
+              </a:schemeClr>
+            </a:gs>
+            <a:gs pos="35000">
+              <a:schemeClr val="phClr">
+                <a:tint val="37000"/>
+                <a:satMod val="300000"/>
+              </a:schemeClr>
+            </a:gs>
+            <a:gs pos="100000">
+              <a:schemeClr val="phClr">
+                <a:tint val="15000"/>
+                <a:satMod val="350000"/>
+              </a:schemeClr>
+            </a:gs>
+          </a:gsLst>
+          <a:lin ang="16200000" scaled="1"/>
+        </a:gradFill>
+        <a:gradFill rotWithShape="1">
+          <a:gsLst>
+            <a:gs pos="0">
+              <a:schemeClr val="phClr">
+                <a:tint val="100000"/>
+                <a:shade val="100000"/>
+                <a:satMod val="130000"/>
+              </a:schemeClr>
+            </a:gs>
+            <a:gs pos="100000">
+              <a:schemeClr val="phClr">
+                <a:tint val="50000"/>
+                <a:shade val="100000"/>
+                <a:satMod val="350000"/>
+              </a:schemeClr>
+            </a:gs>
+          </a:gsLst>
+          <a:lin ang="16200000" scaled="0"/>
+        </a:gradFill>
+      </a:fillStyleLst>
+      <a:lnStyleLst>
+        <a:ln w="9525" cap="flat" cmpd="sng" algn="ctr">
+          <a:solidFill>
+            <a:schemeClr val="phClr">
+              <a:shade val="95000"/>
+              <a:satMod val="105000"/>
+            </a:schemeClr>
+          </a:solidFill>
+          <a:prstDash val="solid"/>
+        </a:ln>
+        <a:ln w="25400" cap="flat" cmpd="sng" algn="ctr">
+          <a:solidFill>
+            <a:schemeClr val="phClr"/>
+          </a:solidFill>
+          <a:prstDash val="solid"/>
+        </a:ln>
+        <a:ln w="38100" cap="flat" cmpd="sng" algn="ctr">
+          <a:solidFill>
+            <a:schemeClr val="phClr"/>
+          </a:solidFill>
+          <a:prstDash val="solid"/>
+        </a:ln>
+      </a:lnStyleLst>
+      <a:effectStyleLst>
+        <a:effectStyle>
+          <a:effectLst>
+            <a:outerShdw blurRad="40000" dist="20000" dir="5400000" rotWithShape="0">
+              <a:srgbClr val="000000">
+                <a:alpha val="38000"/>
+              </a:srgbClr>
+            </a:outerShdw>
+          </a:effectLst>
+        </a:effectStyle>
+        <a:effectStyle>
+          <a:effectLst>
+            <a:outerShdw blurRad="40000" dist="23000" dir="5400000" rotWithShape="0">
+              <a:srgbClr val="000000">
+                <a:alpha val="35000"/>
+              </a:srgbClr>
+            </a:outerShdw>
+          </a:effectLst>
+        </a:effectStyle>
+        <a:effectStyle>
+          <a:effectLst>
+            <a:outerShdw blurRad="40000" dist="23000" dir="5400000" rotWithShape="0">
+              <a:srgbClr val="000000">
+                <a:alpha val="35000"/>
+              </a:srgbClr>
+            </a:outerShdw>
+          </a:effectLst>
+          <a:scene3d>
+            <a:camera prst="orthographicFront">
+              <a:rot lat="0" lon="0" rev="0"/>
+            </a:camera>
+            <a:lightRig rig="threePt" dir="t">
+              <a:rot lat="0" lon="0" rev="1200000"/>
+            </a:lightRig>
+          </a:scene3d>
+          <a:sp3d>
+            <a:bevelT w="63500" h="25400"/>
+          </a:sp3d>
+        </a:effectStyle>
+      </a:effectStyleLst>
+      <a:bgFillStyleLst>
+        <a:solidFill>
+          <a:schemeClr val="phClr"/>
+        </a:solidFill>
+        <a:gradFill rotWithShape="1">
+          <a:gsLst>
+            <a:gs pos="0">
+              <a:schemeClr val="phClr">
+                <a:tint val="40000"/>
+                <a:satMod val="350000"/>
+              </a:schemeClr>
+            </a:gs>
+            <a:gs pos="40000">
+              <a:schemeClr val="phClr">
+                <a:tint val="45000"/>
+                <a:shade val="99000"/>
+                <a:satMod val="350000"/>
+              </a:schemeClr>
+            </a:gs>
+            <a:gs pos="100000">
+              <a:schemeClr val="phClr">
+                <a:shade val="20000"/>
+                <a:satMod val="255000"/>
+              </a:schemeClr>
+            </a:gs>
+          </a:gsLst>
+          <a:path path="circle">
+            <a:fillToRect l="50000" t="-80000" r="50000" b="180000"/>
+          </a:path>
+        </a:gradFill>
+        <a:gradFill rotWithShape="1">
+          <a:gsLst>
+            <a:gs pos="0">
+              <a:schemeClr val="phClr">
+                <a:tint val="80000"/>
+                <a:satMod val="300000"/>
+              </a:schemeClr>
+            </a:gs>
+            <a:gs pos="100000">
+              <a:schemeClr val="phClr">
+                <a:shade val="30000"/>
+                <a:satMod val="200000"/>
+              </a:schemeClr>
+            </a:gs>
+          </a:gsLst>
+          <a:path path="circle">
+            <a:fillToRect l="50000" t="50000" r="50000" b="50000"/>
+          </a:path>
+        </a:gradFill>
+      </a:bgFillStyleLst>
+    </a:fmtScheme>
+  </a:themeElements>
+</a:theme>
+</file>
+
+<file path=ppt/theme/theme2.xml><?xml version="1.0" encoding="utf-8"?>
 <a:theme xmlns:a="http://schemas.openxmlformats.org/drawingml/2006/main" xmlns:r="http://schemas.openxmlformats.org/officeDocument/2006/relationships" name="AMOS Slides Template">
   <a:themeElements>
     <a:clrScheme name="Simple Light">
@@ -6177,283 +10470,4 @@
     </a:fmtScheme>
   </a:themeElements>
 </a:theme>
-</file>
-
-<file path=ppt/theme/theme2.xml><?xml version="1.0" encoding="utf-8"?>
-<a:theme xmlns:a="http://schemas.openxmlformats.org/drawingml/2006/main" xmlns:r="http://schemas.openxmlformats.org/officeDocument/2006/relationships">
-  <a:themeElements>
-    <a:clrScheme name="Default">
-      <a:dk1>
-        <a:srgbClr val="000000"/>
-      </a:dk1>
-      <a:lt1>
-        <a:srgbClr val="FFFFFF"/>
-      </a:lt1>
-      <a:dk2>
-        <a:srgbClr val="158158"/>
-      </a:dk2>
-      <a:lt2>
-        <a:srgbClr val="F3F3F3"/>
-      </a:lt2>
-      <a:accent1>
-        <a:srgbClr val="058DC7"/>
-      </a:accent1>
-      <a:accent2>
-        <a:srgbClr val="50B432"/>
-      </a:accent2>
-      <a:accent3>
-        <a:srgbClr val="ED561B"/>
-      </a:accent3>
-      <a:accent4>
-        <a:srgbClr val="EDEF00"/>
-      </a:accent4>
-      <a:accent5>
-        <a:srgbClr val="24CBE5"/>
-      </a:accent5>
-      <a:accent6>
-        <a:srgbClr val="64E572"/>
-      </a:accent6>
-      <a:hlink>
-        <a:srgbClr val="2200CC"/>
-      </a:hlink>
-      <a:folHlink>
-        <a:srgbClr val="551A8B"/>
-      </a:folHlink>
-    </a:clrScheme>
-    <a:fontScheme name="Office">
-      <a:majorFont>
-        <a:latin typeface="Arial"/>
-        <a:ea typeface=""/>
-        <a:cs typeface=""/>
-        <a:font script="Jpan" typeface="ＭＳ Ｐゴシック"/>
-        <a:font script="Hang" typeface="맑은 고딕"/>
-        <a:font script="Hans" typeface="宋体"/>
-        <a:font script="Hant" typeface="新細明體"/>
-        <a:font script="Arab" typeface="Times New Roman"/>
-        <a:font script="Hebr" typeface="Times New Roman"/>
-        <a:font script="Thai" typeface="Angsana New"/>
-        <a:font script="Ethi" typeface="Nyala"/>
-        <a:font script="Beng" typeface="Vrinda"/>
-        <a:font script="Gujr" typeface="Shruti"/>
-        <a:font script="Khmr" typeface="MoolBoran"/>
-        <a:font script="Knda" typeface="Tunga"/>
-        <a:font script="Guru" typeface="Raavi"/>
-        <a:font script="Cans" typeface="Euphemia"/>
-        <a:font script="Cher" typeface="Plantagenet Cherokee"/>
-        <a:font script="Yiii" typeface="Microsoft Yi Baiti"/>
-        <a:font script="Tibt" typeface="Microsoft Himalaya"/>
-        <a:font script="Thaa" typeface="MV Boli"/>
-        <a:font script="Deva" typeface="Mangal"/>
-        <a:font script="Telu" typeface="Gautami"/>
-        <a:font script="Taml" typeface="Latha"/>
-        <a:font script="Syrc" typeface="Estrangelo Edessa"/>
-        <a:font script="Orya" typeface="Kalinga"/>
-        <a:font script="Mlym" typeface="Kartika"/>
-        <a:font script="Laoo" typeface="DokChampa"/>
-        <a:font script="Sinh" typeface="Iskoola Pota"/>
-        <a:font script="Mong" typeface="Mongolian Baiti"/>
-        <a:font script="Viet" typeface="Times New Roman"/>
-        <a:font script="Uigh" typeface="Microsoft Uighur"/>
-        <a:font script="Geor" typeface="Sylfaen"/>
-      </a:majorFont>
-      <a:minorFont>
-        <a:latin typeface="Arial"/>
-        <a:ea typeface=""/>
-        <a:cs typeface=""/>
-        <a:font script="Jpan" typeface="ＭＳ Ｐゴシック"/>
-        <a:font script="Hang" typeface="맑은 고딕"/>
-        <a:font script="Hans" typeface="宋体"/>
-        <a:font script="Hant" typeface="新細明體"/>
-        <a:font script="Arab" typeface="Arial"/>
-        <a:font script="Hebr" typeface="Arial"/>
-        <a:font script="Thai" typeface="Cordia New"/>
-        <a:font script="Ethi" typeface="Nyala"/>
-        <a:font script="Beng" typeface="Vrinda"/>
-        <a:font script="Gujr" typeface="Shruti"/>
-        <a:font script="Khmr" typeface="DaunPenh"/>
-        <a:font script="Knda" typeface="Tunga"/>
-        <a:font script="Guru" typeface="Raavi"/>
-        <a:font script="Cans" typeface="Euphemia"/>
-        <a:font script="Cher" typeface="Plantagenet Cherokee"/>
-        <a:font script="Yiii" typeface="Microsoft Yi Baiti"/>
-        <a:font script="Tibt" typeface="Microsoft Himalaya"/>
-        <a:font script="Thaa" typeface="MV Boli"/>
-        <a:font script="Deva" typeface="Mangal"/>
-        <a:font script="Telu" typeface="Gautami"/>
-        <a:font script="Taml" typeface="Latha"/>
-        <a:font script="Syrc" typeface="Estrangelo Edessa"/>
-        <a:font script="Orya" typeface="Kalinga"/>
-        <a:font script="Mlym" typeface="Kartika"/>
-        <a:font script="Laoo" typeface="DokChampa"/>
-        <a:font script="Sinh" typeface="Iskoola Pota"/>
-        <a:font script="Mong" typeface="Mongolian Baiti"/>
-        <a:font script="Viet" typeface="Arial"/>
-        <a:font script="Uigh" typeface="Microsoft Uighur"/>
-        <a:font script="Geor" typeface="Sylfaen"/>
-      </a:minorFont>
-    </a:fontScheme>
-    <a:fmtScheme name="Office">
-      <a:fillStyleLst>
-        <a:solidFill>
-          <a:schemeClr val="phClr"/>
-        </a:solidFill>
-        <a:gradFill rotWithShape="1">
-          <a:gsLst>
-            <a:gs pos="0">
-              <a:schemeClr val="phClr">
-                <a:tint val="50000"/>
-                <a:satMod val="300000"/>
-              </a:schemeClr>
-            </a:gs>
-            <a:gs pos="35000">
-              <a:schemeClr val="phClr">
-                <a:tint val="37000"/>
-                <a:satMod val="300000"/>
-              </a:schemeClr>
-            </a:gs>
-            <a:gs pos="100000">
-              <a:schemeClr val="phClr">
-                <a:tint val="15000"/>
-                <a:satMod val="350000"/>
-              </a:schemeClr>
-            </a:gs>
-          </a:gsLst>
-          <a:lin ang="16200000" scaled="1"/>
-        </a:gradFill>
-        <a:gradFill rotWithShape="1">
-          <a:gsLst>
-            <a:gs pos="0">
-              <a:schemeClr val="phClr">
-                <a:tint val="100000"/>
-                <a:shade val="100000"/>
-                <a:satMod val="130000"/>
-              </a:schemeClr>
-            </a:gs>
-            <a:gs pos="100000">
-              <a:schemeClr val="phClr">
-                <a:tint val="50000"/>
-                <a:shade val="100000"/>
-                <a:satMod val="350000"/>
-              </a:schemeClr>
-            </a:gs>
-          </a:gsLst>
-          <a:lin ang="16200000" scaled="0"/>
-        </a:gradFill>
-      </a:fillStyleLst>
-      <a:lnStyleLst>
-        <a:ln w="9525" cap="flat" cmpd="sng" algn="ctr">
-          <a:solidFill>
-            <a:schemeClr val="phClr">
-              <a:shade val="95000"/>
-              <a:satMod val="105000"/>
-            </a:schemeClr>
-          </a:solidFill>
-          <a:prstDash val="solid"/>
-        </a:ln>
-        <a:ln w="25400" cap="flat" cmpd="sng" algn="ctr">
-          <a:solidFill>
-            <a:schemeClr val="phClr"/>
-          </a:solidFill>
-          <a:prstDash val="solid"/>
-        </a:ln>
-        <a:ln w="38100" cap="flat" cmpd="sng" algn="ctr">
-          <a:solidFill>
-            <a:schemeClr val="phClr"/>
-          </a:solidFill>
-          <a:prstDash val="solid"/>
-        </a:ln>
-      </a:lnStyleLst>
-      <a:effectStyleLst>
-        <a:effectStyle>
-          <a:effectLst>
-            <a:outerShdw blurRad="40000" dist="20000" dir="5400000" rotWithShape="0">
-              <a:srgbClr val="000000">
-                <a:alpha val="38000"/>
-              </a:srgbClr>
-            </a:outerShdw>
-          </a:effectLst>
-        </a:effectStyle>
-        <a:effectStyle>
-          <a:effectLst>
-            <a:outerShdw blurRad="40000" dist="23000" dir="5400000" rotWithShape="0">
-              <a:srgbClr val="000000">
-                <a:alpha val="35000"/>
-              </a:srgbClr>
-            </a:outerShdw>
-          </a:effectLst>
-        </a:effectStyle>
-        <a:effectStyle>
-          <a:effectLst>
-            <a:outerShdw blurRad="40000" dist="23000" dir="5400000" rotWithShape="0">
-              <a:srgbClr val="000000">
-                <a:alpha val="35000"/>
-              </a:srgbClr>
-            </a:outerShdw>
-          </a:effectLst>
-          <a:scene3d>
-            <a:camera prst="orthographicFront">
-              <a:rot lat="0" lon="0" rev="0"/>
-            </a:camera>
-            <a:lightRig rig="threePt" dir="t">
-              <a:rot lat="0" lon="0" rev="1200000"/>
-            </a:lightRig>
-          </a:scene3d>
-          <a:sp3d>
-            <a:bevelT w="63500" h="25400"/>
-          </a:sp3d>
-        </a:effectStyle>
-      </a:effectStyleLst>
-      <a:bgFillStyleLst>
-        <a:solidFill>
-          <a:schemeClr val="phClr"/>
-        </a:solidFill>
-        <a:gradFill rotWithShape="1">
-          <a:gsLst>
-            <a:gs pos="0">
-              <a:schemeClr val="phClr">
-                <a:tint val="40000"/>
-                <a:satMod val="350000"/>
-              </a:schemeClr>
-            </a:gs>
-            <a:gs pos="40000">
-              <a:schemeClr val="phClr">
-                <a:tint val="45000"/>
-                <a:shade val="99000"/>
-                <a:satMod val="350000"/>
-              </a:schemeClr>
-            </a:gs>
-            <a:gs pos="100000">
-              <a:schemeClr val="phClr">
-                <a:shade val="20000"/>
-                <a:satMod val="255000"/>
-              </a:schemeClr>
-            </a:gs>
-          </a:gsLst>
-          <a:path path="circle">
-            <a:fillToRect l="50000" t="-80000" r="50000" b="180000"/>
-          </a:path>
-        </a:gradFill>
-        <a:gradFill rotWithShape="1">
-          <a:gsLst>
-            <a:gs pos="0">
-              <a:schemeClr val="phClr">
-                <a:tint val="80000"/>
-                <a:satMod val="300000"/>
-              </a:schemeClr>
-            </a:gs>
-            <a:gs pos="100000">
-              <a:schemeClr val="phClr">
-                <a:shade val="30000"/>
-                <a:satMod val="200000"/>
-              </a:schemeClr>
-            </a:gs>
-          </a:gsLst>
-          <a:path path="circle">
-            <a:fillToRect l="50000" t="50000" r="50000" b="50000"/>
-          </a:path>
-        </a:gradFill>
-      </a:bgFillStyleLst>
-    </a:fmtScheme>
-  </a:themeElements>
-</a:theme>
 </file>
--- a/Lecture slides/AMOS B06 - Agile Coaching.pptx
+++ b/Lecture slides/AMOS B06 - Agile Coaching.pptx
@@ -3202,7 +3202,7 @@
             <a:avLst/>
           </a:prstGeom>
           <a:solidFill>
-            <a:schemeClr val="accent1"/>
+            <a:schemeClr val="accent3"/>
           </a:solidFill>
           <a:ln>
             <a:noFill/>
@@ -3226,7 +3226,11 @@
             <a:r>
               <a:t/>
             </a:r>
-            <a:endParaRPr/>
+            <a:endParaRPr>
+              <a:solidFill>
+                <a:schemeClr val="dk1"/>
+              </a:solidFill>
+            </a:endParaRPr>
           </a:p>
         </p:txBody>
       </p:sp>
@@ -3395,7 +3399,7 @@
             <a:avLst/>
           </a:prstGeom>
           <a:solidFill>
-            <a:schemeClr val="accent1"/>
+            <a:schemeClr val="accent3"/>
           </a:solidFill>
           <a:ln>
             <a:noFill/>
@@ -3419,7 +3423,11 @@
             <a:r>
               <a:t/>
             </a:r>
-            <a:endParaRPr/>
+            <a:endParaRPr>
+              <a:solidFill>
+                <a:schemeClr val="dk1"/>
+              </a:solidFill>
+            </a:endParaRPr>
           </a:p>
         </p:txBody>
       </p:sp>
@@ -3855,7 +3863,7 @@
             <a:avLst/>
           </a:prstGeom>
           <a:solidFill>
-            <a:schemeClr val="accent1"/>
+            <a:schemeClr val="accent3"/>
           </a:solidFill>
           <a:ln>
             <a:noFill/>
@@ -3879,7 +3887,11 @@
             <a:r>
               <a:t/>
             </a:r>
-            <a:endParaRPr/>
+            <a:endParaRPr>
+              <a:solidFill>
+                <a:schemeClr val="dk1"/>
+              </a:solidFill>
+            </a:endParaRPr>
           </a:p>
         </p:txBody>
       </p:sp>
@@ -4443,7 +4455,7 @@
             <a:avLst/>
           </a:prstGeom>
           <a:solidFill>
-            <a:schemeClr val="accent1"/>
+            <a:schemeClr val="accent3"/>
           </a:solidFill>
           <a:ln>
             <a:noFill/>
@@ -4467,7 +4479,11 @@
             <a:r>
               <a:t/>
             </a:r>
-            <a:endParaRPr/>
+            <a:endParaRPr>
+              <a:solidFill>
+                <a:schemeClr val="dk1"/>
+              </a:solidFill>
+            </a:endParaRPr>
           </a:p>
         </p:txBody>
       </p:sp>
@@ -4778,7 +4794,7 @@
             <a:avLst/>
           </a:prstGeom>
           <a:solidFill>
-            <a:schemeClr val="accent1"/>
+            <a:schemeClr val="accent3"/>
           </a:solidFill>
           <a:ln>
             <a:noFill/>
@@ -6922,7 +6938,7 @@
             </a:pPr>
             <a:r>
               <a:rPr lang="en"/>
-              <a:t>4. Project Release Retrospectives</a:t>
+              <a:t>4. Release Retrospectives</a:t>
             </a:r>
             <a:endParaRPr/>
           </a:p>
@@ -6987,7 +7003,7 @@
             </a:pPr>
             <a:r>
               <a:rPr lang="en"/>
-              <a:t>Project Release Retrospective</a:t>
+              <a:t>Release Retrospective</a:t>
             </a:r>
             <a:endParaRPr/>
           </a:p>
@@ -7027,7 +7043,7 @@
             </a:pPr>
             <a:r>
               <a:rPr lang="en"/>
-              <a:t>A project release retrospective is a retrospective that</a:t>
+              <a:t>A release retrospective is a retrospective that</a:t>
             </a:r>
             <a:endParaRPr/>
           </a:p>
@@ -7242,7 +7258,7 @@
             </a:pPr>
             <a:r>
               <a:rPr lang="en"/>
-              <a:t>Project Retrospective (a.k.a. Post Mortem)</a:t>
+              <a:t>Project Retrospective (a.k.a. Post-Mortem)</a:t>
             </a:r>
             <a:endParaRPr/>
           </a:p>
@@ -7766,8 +7782,16 @@
               <a:buAutoNum type="arabicPeriod"/>
             </a:pPr>
             <a:r>
+              <a:rPr lang="en"/>
+              <a:t>R</a:t>
+            </a:r>
+            <a:r>
               <a:rPr lang="en" sz="1800"/>
-              <a:t>Project release retros</a:t>
+              <a:t>elease retro</a:t>
+            </a:r>
+            <a:r>
+              <a:rPr lang="en"/>
+              <a:t>spectives</a:t>
             </a:r>
             <a:endParaRPr sz="1800"/>
           </a:p>
@@ -7787,6 +7811,23 @@
               <a:t>Project retrospectives</a:t>
             </a:r>
             <a:endParaRPr sz="1800"/>
+          </a:p>
+          <a:p>
+            <a:pPr indent="-342900" lvl="0" marL="457200" rtl="0" algn="l">
+              <a:spcBef>
+                <a:spcPts val="0"/>
+              </a:spcBef>
+              <a:spcAft>
+                <a:spcPts val="0"/>
+              </a:spcAft>
+              <a:buSzPts val="1800"/>
+              <a:buAutoNum type="arabicPeriod"/>
+            </a:pPr>
+            <a:r>
+              <a:rPr lang="en"/>
+              <a:t>Documentation</a:t>
+            </a:r>
+            <a:endParaRPr/>
           </a:p>
         </p:txBody>
       </p:sp>
@@ -8031,6 +8072,23 @@
             </a:r>
             <a:endParaRPr sz="1800"/>
           </a:p>
+          <a:p>
+            <a:pPr indent="-342900" lvl="0" marL="457200" rtl="0" algn="l">
+              <a:spcBef>
+                <a:spcPts val="0"/>
+              </a:spcBef>
+              <a:spcAft>
+                <a:spcPts val="0"/>
+              </a:spcAft>
+              <a:buSzPts val="1800"/>
+              <a:buAutoNum type="arabicPeriod"/>
+            </a:pPr>
+            <a:r>
+              <a:rPr lang="en"/>
+              <a:t>Documentation</a:t>
+            </a:r>
+            <a:endParaRPr/>
+          </a:p>
         </p:txBody>
       </p:sp>
       <p:sp>
@@ -8771,7 +8829,15 @@
             </a:pPr>
             <a:r>
               <a:rPr lang="en"/>
-              <a:t>A coach is </a:t>
+              <a:t>A </a:t>
+            </a:r>
+            <a:r>
+              <a:rPr b="1" lang="en"/>
+              <a:t>coach</a:t>
+            </a:r>
+            <a:r>
+              <a:rPr lang="en"/>
+              <a:t> is </a:t>
             </a:r>
             <a:r>
               <a:rPr lang="en"/>
@@ -8992,7 +9058,15 @@
             </a:pPr>
             <a:r>
               <a:rPr lang="en"/>
-              <a:t>A Scrum Master helps a Scrum team</a:t>
+              <a:t>A </a:t>
+            </a:r>
+            <a:r>
+              <a:rPr b="1" lang="en"/>
+              <a:t>Scrum Master</a:t>
+            </a:r>
+            <a:r>
+              <a:rPr lang="en"/>
+              <a:t> helps a Scrum team</a:t>
             </a:r>
             <a:endParaRPr/>
           </a:p>
@@ -9231,7 +9305,15 @@
             </a:pPr>
             <a:r>
               <a:rPr lang="en"/>
-              <a:t>The AMOS coach is a Scrum Master</a:t>
+              <a:t>The </a:t>
+            </a:r>
+            <a:r>
+              <a:rPr b="1" lang="en"/>
+              <a:t>AMOS coach</a:t>
+            </a:r>
+            <a:r>
+              <a:rPr lang="en"/>
+              <a:t> is a Scrum Master</a:t>
             </a:r>
             <a:endParaRPr/>
           </a:p>
@@ -9264,7 +9346,15 @@
             </a:pPr>
             <a:r>
               <a:rPr lang="en"/>
-              <a:t>The AMOS coach goes beyond being a Scrum Master by </a:t>
+              <a:t>The </a:t>
+            </a:r>
+            <a:r>
+              <a:rPr b="1" lang="en"/>
+              <a:t>AMOS coach</a:t>
+            </a:r>
+            <a:r>
+              <a:rPr lang="en"/>
+              <a:t> goes beyond being a Scrum Master by </a:t>
             </a:r>
             <a:endParaRPr/>
           </a:p>
@@ -9519,8 +9609,12 @@
               <a:buNone/>
             </a:pPr>
             <a:r>
+              <a:rPr b="1" lang="en"/>
+              <a:t>Process improvement</a:t>
+            </a:r>
+            <a:r>
               <a:rPr lang="en"/>
-              <a:t>Process improvement is the practice of</a:t>
+              <a:t> is the practice of</a:t>
             </a:r>
             <a:endParaRPr/>
           </a:p>
@@ -10204,28 +10298,28 @@
         <a:srgbClr val="FFFFFF"/>
       </a:lt1>
       <a:dk2>
-        <a:srgbClr val="808080"/>
+        <a:srgbClr val="404040"/>
       </a:dk2>
       <a:lt2>
-        <a:srgbClr val="DCDCDC"/>
+        <a:srgbClr val="808080"/>
       </a:lt2>
       <a:accent1>
-        <a:srgbClr val="D50D01"/>
+        <a:srgbClr val="D0D0D0"/>
       </a:accent1>
       <a:accent2>
-        <a:srgbClr val="448AFF"/>
+        <a:srgbClr val="4169E1"/>
       </a:accent2>
       <a:accent3>
         <a:srgbClr val="D50D01"/>
       </a:accent3>
       <a:accent4>
-        <a:srgbClr val="424242"/>
+        <a:srgbClr val="FEB612"/>
       </a:accent4>
       <a:accent5>
-        <a:srgbClr val="3F51B5"/>
+        <a:srgbClr val="4CAF50"/>
       </a:accent5>
       <a:accent6>
-        <a:srgbClr val="4CAF50"/>
+        <a:srgbClr val="8E44AD"/>
       </a:accent6>
       <a:hlink>
         <a:srgbClr val="34A3C5"/>

--- a/Lecture slides/AMOS B06 - Agile Coaching.pptx
+++ b/Lecture slides/AMOS B06 - Agile Coaching.pptx
@@ -2013,7 +2013,7 @@
       </p:grpSpPr>
       <p:sp>
         <p:nvSpPr>
-          <p:cNvPr id="161" name="Google Shape;161;g1a11a82c001_0_65:notes"/>
+          <p:cNvPr id="161" name="Google Shape;161;g2397894af99_0_38:notes"/>
           <p:cNvSpPr/>
           <p:nvPr>
             <p:ph idx="2" type="sldImg"/>
@@ -2048,7 +2048,7 @@
       </p:sp>
       <p:sp>
         <p:nvSpPr>
-          <p:cNvPr id="162" name="Google Shape;162;g1a11a82c001_0_65:notes"/>
+          <p:cNvPr id="162" name="Google Shape;162;g2397894af99_0_38:notes"/>
           <p:cNvSpPr txBox="1"/>
           <p:nvPr>
             <p:ph idx="1" type="body"/>
@@ -2112,7 +2112,7 @@
       </p:grpSpPr>
       <p:sp>
         <p:nvSpPr>
-          <p:cNvPr id="167" name="Google Shape;167;g1a11a82c001_0_70:notes"/>
+          <p:cNvPr id="167" name="Google Shape;167;g2397894af99_0_43:notes"/>
           <p:cNvSpPr/>
           <p:nvPr>
             <p:ph idx="2" type="sldImg"/>
@@ -2147,7 +2147,7 @@
       </p:sp>
       <p:sp>
         <p:nvSpPr>
-          <p:cNvPr id="168" name="Google Shape;168;g1a11a82c001_0_70:notes"/>
+          <p:cNvPr id="168" name="Google Shape;168;g2397894af99_0_43:notes"/>
           <p:cNvSpPr txBox="1"/>
           <p:nvPr>
             <p:ph idx="1" type="body"/>
@@ -8467,14 +8467,10 @@
               <a:t>https://profriehle.com</a:t>
             </a:r>
             <a:r>
-              <a:rPr b="0" lang="en" sz="900">
-                <a:solidFill>
-                  <a:schemeClr val="dk2"/>
-                </a:solidFill>
-              </a:rPr>
+              <a:rPr b="0" lang="en" sz="900"/>
               <a:t> </a:t>
             </a:r>
-            <a:endParaRPr/>
+            <a:endParaRPr b="0" sz="900"/>
           </a:p>
         </p:txBody>
       </p:sp>
@@ -10009,6 +10005,285 @@
 </file>
 
 <file path=ppt/theme/theme1.xml><?xml version="1.0" encoding="utf-8"?>
+<a:theme xmlns:a="http://schemas.openxmlformats.org/drawingml/2006/main" xmlns:r="http://schemas.openxmlformats.org/officeDocument/2006/relationships" name="AMOS Slides Template">
+  <a:themeElements>
+    <a:clrScheme name="Simple Light">
+      <a:dk1>
+        <a:srgbClr val="000000"/>
+      </a:dk1>
+      <a:lt1>
+        <a:srgbClr val="FFFFFF"/>
+      </a:lt1>
+      <a:dk2>
+        <a:srgbClr val="404040"/>
+      </a:dk2>
+      <a:lt2>
+        <a:srgbClr val="808080"/>
+      </a:lt2>
+      <a:accent1>
+        <a:srgbClr val="D0D0D0"/>
+      </a:accent1>
+      <a:accent2>
+        <a:srgbClr val="4169E1"/>
+      </a:accent2>
+      <a:accent3>
+        <a:srgbClr val="D50D01"/>
+      </a:accent3>
+      <a:accent4>
+        <a:srgbClr val="FEB612"/>
+      </a:accent4>
+      <a:accent5>
+        <a:srgbClr val="4CAF50"/>
+      </a:accent5>
+      <a:accent6>
+        <a:srgbClr val="8E44AD"/>
+      </a:accent6>
+      <a:hlink>
+        <a:srgbClr val="34A3C5"/>
+      </a:hlink>
+      <a:folHlink>
+        <a:srgbClr val="0097A7"/>
+      </a:folHlink>
+    </a:clrScheme>
+    <a:fontScheme name="Office">
+      <a:majorFont>
+        <a:latin typeface="Arial"/>
+        <a:ea typeface=""/>
+        <a:cs typeface=""/>
+        <a:font script="Jpan" typeface="ＭＳ Ｐゴシック"/>
+        <a:font script="Hang" typeface="맑은 고딕"/>
+        <a:font script="Hans" typeface="宋体"/>
+        <a:font script="Hant" typeface="新細明體"/>
+        <a:font script="Arab" typeface="Times New Roman"/>
+        <a:font script="Hebr" typeface="Times New Roman"/>
+        <a:font script="Thai" typeface="Angsana New"/>
+        <a:font script="Ethi" typeface="Nyala"/>
+        <a:font script="Beng" typeface="Vrinda"/>
+        <a:font script="Gujr" typeface="Shruti"/>
+        <a:font script="Khmr" typeface="MoolBoran"/>
+        <a:font script="Knda" typeface="Tunga"/>
+        <a:font script="Guru" typeface="Raavi"/>
+        <a:font script="Cans" typeface="Euphemia"/>
+        <a:font script="Cher" typeface="Plantagenet Cherokee"/>
+        <a:font script="Yiii" typeface="Microsoft Yi Baiti"/>
+        <a:font script="Tibt" typeface="Microsoft Himalaya"/>
+        <a:font script="Thaa" typeface="MV Boli"/>
+        <a:font script="Deva" typeface="Mangal"/>
+        <a:font script="Telu" typeface="Gautami"/>
+        <a:font script="Taml" typeface="Latha"/>
+        <a:font script="Syrc" typeface="Estrangelo Edessa"/>
+        <a:font script="Orya" typeface="Kalinga"/>
+        <a:font script="Mlym" typeface="Kartika"/>
+        <a:font script="Laoo" typeface="DokChampa"/>
+        <a:font script="Sinh" typeface="Iskoola Pota"/>
+        <a:font script="Mong" typeface="Mongolian Baiti"/>
+        <a:font script="Viet" typeface="Times New Roman"/>
+        <a:font script="Uigh" typeface="Microsoft Uighur"/>
+        <a:font script="Geor" typeface="Sylfaen"/>
+      </a:majorFont>
+      <a:minorFont>
+        <a:latin typeface="Arial"/>
+        <a:ea typeface=""/>
+        <a:cs typeface=""/>
+        <a:font script="Jpan" typeface="ＭＳ Ｐゴシック"/>
+        <a:font script="Hang" typeface="맑은 고딕"/>
+        <a:font script="Hans" typeface="宋体"/>
+        <a:font script="Hant" typeface="新細明體"/>
+        <a:font script="Arab" typeface="Arial"/>
+        <a:font script="Hebr" typeface="Arial"/>
+        <a:font script="Thai" typeface="Cordia New"/>
+        <a:font script="Ethi" typeface="Nyala"/>
+        <a:font script="Beng" typeface="Vrinda"/>
+        <a:font script="Gujr" typeface="Shruti"/>
+        <a:font script="Khmr" typeface="DaunPenh"/>
+        <a:font script="Knda" typeface="Tunga"/>
+        <a:font script="Guru" typeface="Raavi"/>
+        <a:font script="Cans" typeface="Euphemia"/>
+        <a:font script="Cher" typeface="Plantagenet Cherokee"/>
+        <a:font script="Yiii" typeface="Microsoft Yi Baiti"/>
+        <a:font script="Tibt" typeface="Microsoft Himalaya"/>
+        <a:font script="Thaa" typeface="MV Boli"/>
+        <a:font script="Deva" typeface="Mangal"/>
+        <a:font script="Telu" typeface="Gautami"/>
+        <a:font script="Taml" typeface="Latha"/>
+        <a:font script="Syrc" typeface="Estrangelo Edessa"/>
+        <a:font script="Orya" typeface="Kalinga"/>
+        <a:font script="Mlym" typeface="Kartika"/>
+        <a:font script="Laoo" typeface="DokChampa"/>
+        <a:font script="Sinh" typeface="Iskoola Pota"/>
+        <a:font script="Mong" typeface="Mongolian Baiti"/>
+        <a:font script="Viet" typeface="Arial"/>
+        <a:font script="Uigh" typeface="Microsoft Uighur"/>
+        <a:font script="Geor" typeface="Sylfaen"/>
+      </a:minorFont>
+    </a:fontScheme>
+    <a:fmtScheme name="Office">
+      <a:fillStyleLst>
+        <a:solidFill>
+          <a:schemeClr val="phClr"/>
+        </a:solidFill>
+        <a:gradFill rotWithShape="1">
+          <a:gsLst>
+            <a:gs pos="0">
+              <a:schemeClr val="phClr">
+                <a:tint val="50000"/>
+                <a:satMod val="300000"/>
+              </a:schemeClr>
+            </a:gs>
+            <a:gs pos="35000">
+              <a:schemeClr val="phClr">
+                <a:tint val="37000"/>
+                <a:satMod val="300000"/>
+              </a:schemeClr>
+            </a:gs>
+            <a:gs pos="100000">
+              <a:schemeClr val="phClr">
+                <a:tint val="15000"/>
+                <a:satMod val="350000"/>
+              </a:schemeClr>
+            </a:gs>
+          </a:gsLst>
+          <a:lin ang="16200000" scaled="1"/>
+        </a:gradFill>
+        <a:gradFill rotWithShape="1">
+          <a:gsLst>
+            <a:gs pos="0">
+              <a:schemeClr val="phClr">
+                <a:tint val="100000"/>
+                <a:shade val="100000"/>
+                <a:satMod val="130000"/>
+              </a:schemeClr>
+            </a:gs>
+            <a:gs pos="100000">
+              <a:schemeClr val="phClr">
+                <a:tint val="50000"/>
+                <a:shade val="100000"/>
+                <a:satMod val="350000"/>
+              </a:schemeClr>
+            </a:gs>
+          </a:gsLst>
+          <a:lin ang="16200000" scaled="0"/>
+        </a:gradFill>
+      </a:fillStyleLst>
+      <a:lnStyleLst>
+        <a:ln w="9525" cap="flat" cmpd="sng" algn="ctr">
+          <a:solidFill>
+            <a:schemeClr val="phClr">
+              <a:shade val="95000"/>
+              <a:satMod val="105000"/>
+            </a:schemeClr>
+          </a:solidFill>
+          <a:prstDash val="solid"/>
+        </a:ln>
+        <a:ln w="25400" cap="flat" cmpd="sng" algn="ctr">
+          <a:solidFill>
+            <a:schemeClr val="phClr"/>
+          </a:solidFill>
+          <a:prstDash val="solid"/>
+        </a:ln>
+        <a:ln w="38100" cap="flat" cmpd="sng" algn="ctr">
+          <a:solidFill>
+            <a:schemeClr val="phClr"/>
+          </a:solidFill>
+          <a:prstDash val="solid"/>
+        </a:ln>
+      </a:lnStyleLst>
+      <a:effectStyleLst>
+        <a:effectStyle>
+          <a:effectLst>
+            <a:outerShdw blurRad="40000" dist="20000" dir="5400000" rotWithShape="0">
+              <a:srgbClr val="000000">
+                <a:alpha val="38000"/>
+              </a:srgbClr>
+            </a:outerShdw>
+          </a:effectLst>
+        </a:effectStyle>
+        <a:effectStyle>
+          <a:effectLst>
+            <a:outerShdw blurRad="40000" dist="23000" dir="5400000" rotWithShape="0">
+              <a:srgbClr val="000000">
+                <a:alpha val="35000"/>
+              </a:srgbClr>
+            </a:outerShdw>
+          </a:effectLst>
+        </a:effectStyle>
+        <a:effectStyle>
+          <a:effectLst>
+            <a:outerShdw blurRad="40000" dist="23000" dir="5400000" rotWithShape="0">
+              <a:srgbClr val="000000">
+                <a:alpha val="35000"/>
+              </a:srgbClr>
+            </a:outerShdw>
+          </a:effectLst>
+          <a:scene3d>
+            <a:camera prst="orthographicFront">
+              <a:rot lat="0" lon="0" rev="0"/>
+            </a:camera>
+            <a:lightRig rig="threePt" dir="t">
+              <a:rot lat="0" lon="0" rev="1200000"/>
+            </a:lightRig>
+          </a:scene3d>
+          <a:sp3d>
+            <a:bevelT w="63500" h="25400"/>
+          </a:sp3d>
+        </a:effectStyle>
+      </a:effectStyleLst>
+      <a:bgFillStyleLst>
+        <a:solidFill>
+          <a:schemeClr val="phClr"/>
+        </a:solidFill>
+        <a:gradFill rotWithShape="1">
+          <a:gsLst>
+            <a:gs pos="0">
+              <a:schemeClr val="phClr">
+                <a:tint val="40000"/>
+                <a:satMod val="350000"/>
+              </a:schemeClr>
+            </a:gs>
+            <a:gs pos="40000">
+              <a:schemeClr val="phClr">
+                <a:tint val="45000"/>
+                <a:shade val="99000"/>
+                <a:satMod val="350000"/>
+              </a:schemeClr>
+            </a:gs>
+            <a:gs pos="100000">
+              <a:schemeClr val="phClr">
+                <a:shade val="20000"/>
+                <a:satMod val="255000"/>
+              </a:schemeClr>
+            </a:gs>
+          </a:gsLst>
+          <a:path path="circle">
+            <a:fillToRect l="50000" t="-80000" r="50000" b="180000"/>
+          </a:path>
+        </a:gradFill>
+        <a:gradFill rotWithShape="1">
+          <a:gsLst>
+            <a:gs pos="0">
+              <a:schemeClr val="phClr">
+                <a:tint val="80000"/>
+                <a:satMod val="300000"/>
+              </a:schemeClr>
+            </a:gs>
+            <a:gs pos="100000">
+              <a:schemeClr val="phClr">
+                <a:shade val="30000"/>
+                <a:satMod val="200000"/>
+              </a:schemeClr>
+            </a:gs>
+          </a:gsLst>
+          <a:path path="circle">
+            <a:fillToRect l="50000" t="50000" r="50000" b="50000"/>
+          </a:path>
+        </a:gradFill>
+      </a:bgFillStyleLst>
+    </a:fmtScheme>
+  </a:themeElements>
+</a:theme>
+</file>
+
+<file path=ppt/theme/theme2.xml><?xml version="1.0" encoding="utf-8"?>
 <a:theme xmlns:a="http://schemas.openxmlformats.org/drawingml/2006/main" xmlns:r="http://schemas.openxmlformats.org/officeDocument/2006/relationships">
   <a:themeElements>
     <a:clrScheme name="Default">
@@ -10285,283 +10560,4 @@
     </a:fmtScheme>
   </a:themeElements>
 </a:theme>
-</file>
-
-<file path=ppt/theme/theme2.xml><?xml version="1.0" encoding="utf-8"?>
-<a:theme xmlns:a="http://schemas.openxmlformats.org/drawingml/2006/main" xmlns:r="http://schemas.openxmlformats.org/officeDocument/2006/relationships" name="AMOS Slides Template">
-  <a:themeElements>
-    <a:clrScheme name="Simple Light">
-      <a:dk1>
-        <a:srgbClr val="000000"/>
-      </a:dk1>
-      <a:lt1>
-        <a:srgbClr val="FFFFFF"/>
-      </a:lt1>
-      <a:dk2>
-        <a:srgbClr val="404040"/>
-      </a:dk2>
-      <a:lt2>
-        <a:srgbClr val="808080"/>
-      </a:lt2>
-      <a:accent1>
-        <a:srgbClr val="D0D0D0"/>
-      </a:accent1>
-      <a:accent2>
-        <a:srgbClr val="4169E1"/>
-      </a:accent2>
-      <a:accent3>
-        <a:srgbClr val="D50D01"/>
-      </a:accent3>
-      <a:accent4>
-        <a:srgbClr val="FEB612"/>
-      </a:accent4>
-      <a:accent5>
-        <a:srgbClr val="4CAF50"/>
-      </a:accent5>
-      <a:accent6>
-        <a:srgbClr val="8E44AD"/>
-      </a:accent6>
-      <a:hlink>
-        <a:srgbClr val="34A3C5"/>
-      </a:hlink>
-      <a:folHlink>
-        <a:srgbClr val="0097A7"/>
-      </a:folHlink>
-    </a:clrScheme>
-    <a:fontScheme name="Office">
-      <a:majorFont>
-        <a:latin typeface="Arial"/>
-        <a:ea typeface=""/>
-        <a:cs typeface=""/>
-        <a:font script="Jpan" typeface="ＭＳ Ｐゴシック"/>
-        <a:font script="Hang" typeface="맑은 고딕"/>
-        <a:font script="Hans" typeface="宋体"/>
-        <a:font script="Hant" typeface="新細明體"/>
-        <a:font script="Arab" typeface="Times New Roman"/>
-        <a:font script="Hebr" typeface="Times New Roman"/>
-        <a:font script="Thai" typeface="Angsana New"/>
-        <a:font script="Ethi" typeface="Nyala"/>
-        <a:font script="Beng" typeface="Vrinda"/>
-        <a:font script="Gujr" typeface="Shruti"/>
-        <a:font script="Khmr" typeface="MoolBoran"/>
-        <a:font script="Knda" typeface="Tunga"/>
-        <a:font script="Guru" typeface="Raavi"/>
-        <a:font script="Cans" typeface="Euphemia"/>
-        <a:font script="Cher" typeface="Plantagenet Cherokee"/>
-        <a:font script="Yiii" typeface="Microsoft Yi Baiti"/>
-        <a:font script="Tibt" typeface="Microsoft Himalaya"/>
-        <a:font script="Thaa" typeface="MV Boli"/>
-        <a:font script="Deva" typeface="Mangal"/>
-        <a:font script="Telu" typeface="Gautami"/>
-        <a:font script="Taml" typeface="Latha"/>
-        <a:font script="Syrc" typeface="Estrangelo Edessa"/>
-        <a:font script="Orya" typeface="Kalinga"/>
-        <a:font script="Mlym" typeface="Kartika"/>
-        <a:font script="Laoo" typeface="DokChampa"/>
-        <a:font script="Sinh" typeface="Iskoola Pota"/>
-        <a:font script="Mong" typeface="Mongolian Baiti"/>
-        <a:font script="Viet" typeface="Times New Roman"/>
-        <a:font script="Uigh" typeface="Microsoft Uighur"/>
-        <a:font script="Geor" typeface="Sylfaen"/>
-      </a:majorFont>
-      <a:minorFont>
-        <a:latin typeface="Arial"/>
-        <a:ea typeface=""/>
-        <a:cs typeface=""/>
-        <a:font script="Jpan" typeface="ＭＳ Ｐゴシック"/>
-        <a:font script="Hang" typeface="맑은 고딕"/>
-        <a:font script="Hans" typeface="宋体"/>
-        <a:font script="Hant" typeface="新細明體"/>
-        <a:font script="Arab" typeface="Arial"/>
-        <a:font script="Hebr" typeface="Arial"/>
-        <a:font script="Thai" typeface="Cordia New"/>
-        <a:font script="Ethi" typeface="Nyala"/>
-        <a:font script="Beng" typeface="Vrinda"/>
-        <a:font script="Gujr" typeface="Shruti"/>
-        <a:font script="Khmr" typeface="DaunPenh"/>
-        <a:font script="Knda" typeface="Tunga"/>
-        <a:font script="Guru" typeface="Raavi"/>
-        <a:font script="Cans" typeface="Euphemia"/>
-        <a:font script="Cher" typeface="Plantagenet Cherokee"/>
-        <a:font script="Yiii" typeface="Microsoft Yi Baiti"/>
-        <a:font script="Tibt" typeface="Microsoft Himalaya"/>
-        <a:font script="Thaa" typeface="MV Boli"/>
-        <a:font script="Deva" typeface="Mangal"/>
-        <a:font script="Telu" typeface="Gautami"/>
-        <a:font script="Taml" typeface="Latha"/>
-        <a:font script="Syrc" typeface="Estrangelo Edessa"/>
-        <a:font script="Orya" typeface="Kalinga"/>
-        <a:font script="Mlym" typeface="Kartika"/>
-        <a:font script="Laoo" typeface="DokChampa"/>
-        <a:font script="Sinh" typeface="Iskoola Pota"/>
-        <a:font script="Mong" typeface="Mongolian Baiti"/>
-        <a:font script="Viet" typeface="Arial"/>
-        <a:font script="Uigh" typeface="Microsoft Uighur"/>
-        <a:font script="Geor" typeface="Sylfaen"/>
-      </a:minorFont>
-    </a:fontScheme>
-    <a:fmtScheme name="Office">
-      <a:fillStyleLst>
-        <a:solidFill>
-          <a:schemeClr val="phClr"/>
-        </a:solidFill>
-        <a:gradFill rotWithShape="1">
-          <a:gsLst>
-            <a:gs pos="0">
-              <a:schemeClr val="phClr">
-                <a:tint val="50000"/>
-                <a:satMod val="300000"/>
-              </a:schemeClr>
-            </a:gs>
-            <a:gs pos="35000">
-              <a:schemeClr val="phClr">
-                <a:tint val="37000"/>
-                <a:satMod val="300000"/>
-              </a:schemeClr>
-            </a:gs>
-            <a:gs pos="100000">
-              <a:schemeClr val="phClr">
-                <a:tint val="15000"/>
-                <a:satMod val="350000"/>
-              </a:schemeClr>
-            </a:gs>
-          </a:gsLst>
-          <a:lin ang="16200000" scaled="1"/>
-        </a:gradFill>
-        <a:gradFill rotWithShape="1">
-          <a:gsLst>
-            <a:gs pos="0">
-              <a:schemeClr val="phClr">
-                <a:tint val="100000"/>
-                <a:shade val="100000"/>
-                <a:satMod val="130000"/>
-              </a:schemeClr>
-            </a:gs>
-            <a:gs pos="100000">
-              <a:schemeClr val="phClr">
-                <a:tint val="50000"/>
-                <a:shade val="100000"/>
-                <a:satMod val="350000"/>
-              </a:schemeClr>
-            </a:gs>
-          </a:gsLst>
-          <a:lin ang="16200000" scaled="0"/>
-        </a:gradFill>
-      </a:fillStyleLst>
-      <a:lnStyleLst>
-        <a:ln w="9525" cap="flat" cmpd="sng" algn="ctr">
-          <a:solidFill>
-            <a:schemeClr val="phClr">
-              <a:shade val="95000"/>
-              <a:satMod val="105000"/>
-            </a:schemeClr>
-          </a:solidFill>
-          <a:prstDash val="solid"/>
-        </a:ln>
-        <a:ln w="25400" cap="flat" cmpd="sng" algn="ctr">
-          <a:solidFill>
-            <a:schemeClr val="phClr"/>
-          </a:solidFill>
-          <a:prstDash val="solid"/>
-        </a:ln>
-        <a:ln w="38100" cap="flat" cmpd="sng" algn="ctr">
-          <a:solidFill>
-            <a:schemeClr val="phClr"/>
-          </a:solidFill>
-          <a:prstDash val="solid"/>
-        </a:ln>
-      </a:lnStyleLst>
-      <a:effectStyleLst>
-        <a:effectStyle>
-          <a:effectLst>
-            <a:outerShdw blurRad="40000" dist="20000" dir="5400000" rotWithShape="0">
-              <a:srgbClr val="000000">
-                <a:alpha val="38000"/>
-              </a:srgbClr>
-            </a:outerShdw>
-          </a:effectLst>
-        </a:effectStyle>
-        <a:effectStyle>
-          <a:effectLst>
-            <a:outerShdw blurRad="40000" dist="23000" dir="5400000" rotWithShape="0">
-              <a:srgbClr val="000000">
-                <a:alpha val="35000"/>
-              </a:srgbClr>
-            </a:outerShdw>
-          </a:effectLst>
-        </a:effectStyle>
-        <a:effectStyle>
-          <a:effectLst>
-            <a:outerShdw blurRad="40000" dist="23000" dir="5400000" rotWithShape="0">
-              <a:srgbClr val="000000">
-                <a:alpha val="35000"/>
-              </a:srgbClr>
-            </a:outerShdw>
-          </a:effectLst>
-          <a:scene3d>
-            <a:camera prst="orthographicFront">
-              <a:rot lat="0" lon="0" rev="0"/>
-            </a:camera>
-            <a:lightRig rig="threePt" dir="t">
-              <a:rot lat="0" lon="0" rev="1200000"/>
-            </a:lightRig>
-          </a:scene3d>
-          <a:sp3d>
-            <a:bevelT w="63500" h="25400"/>
-          </a:sp3d>
-        </a:effectStyle>
-      </a:effectStyleLst>
-      <a:bgFillStyleLst>
-        <a:solidFill>
-          <a:schemeClr val="phClr"/>
-        </a:solidFill>
-        <a:gradFill rotWithShape="1">
-          <a:gsLst>
-            <a:gs pos="0">
-              <a:schemeClr val="phClr">
-                <a:tint val="40000"/>
-                <a:satMod val="350000"/>
-              </a:schemeClr>
-            </a:gs>
-            <a:gs pos="40000">
-              <a:schemeClr val="phClr">
-                <a:tint val="45000"/>
-                <a:shade val="99000"/>
-                <a:satMod val="350000"/>
-              </a:schemeClr>
-            </a:gs>
-            <a:gs pos="100000">
-              <a:schemeClr val="phClr">
-                <a:shade val="20000"/>
-                <a:satMod val="255000"/>
-              </a:schemeClr>
-            </a:gs>
-          </a:gsLst>
-          <a:path path="circle">
-            <a:fillToRect l="50000" t="-80000" r="50000" b="180000"/>
-          </a:path>
-        </a:gradFill>
-        <a:gradFill rotWithShape="1">
-          <a:gsLst>
-            <a:gs pos="0">
-              <a:schemeClr val="phClr">
-                <a:tint val="80000"/>
-                <a:satMod val="300000"/>
-              </a:schemeClr>
-            </a:gs>
-            <a:gs pos="100000">
-              <a:schemeClr val="phClr">
-                <a:shade val="30000"/>
-                <a:satMod val="200000"/>
-              </a:schemeClr>
-            </a:gs>
-          </a:gsLst>
-          <a:path path="circle">
-            <a:fillToRect l="50000" t="50000" r="50000" b="50000"/>
-          </a:path>
-        </a:gradFill>
-      </a:bgFillStyleLst>
-    </a:fmtScheme>
-  </a:themeElements>
-</a:theme>
 </file>
--- a/Lecture slides/AMOS B06 - Agile Coaching.pptx
+++ b/Lecture slides/AMOS B06 - Agile Coaching.pptx
@@ -10005,6 +10005,285 @@
 </file>
 
 <file path=ppt/theme/theme1.xml><?xml version="1.0" encoding="utf-8"?>
+<a:theme xmlns:a="http://schemas.openxmlformats.org/drawingml/2006/main" xmlns:r="http://schemas.openxmlformats.org/officeDocument/2006/relationships">
+  <a:themeElements>
+    <a:clrScheme name="Default">
+      <a:dk1>
+        <a:srgbClr val="000000"/>
+      </a:dk1>
+      <a:lt1>
+        <a:srgbClr val="FFFFFF"/>
+      </a:lt1>
+      <a:dk2>
+        <a:srgbClr val="158158"/>
+      </a:dk2>
+      <a:lt2>
+        <a:srgbClr val="F3F3F3"/>
+      </a:lt2>
+      <a:accent1>
+        <a:srgbClr val="058DC7"/>
+      </a:accent1>
+      <a:accent2>
+        <a:srgbClr val="50B432"/>
+      </a:accent2>
+      <a:accent3>
+        <a:srgbClr val="ED561B"/>
+      </a:accent3>
+      <a:accent4>
+        <a:srgbClr val="EDEF00"/>
+      </a:accent4>
+      <a:accent5>
+        <a:srgbClr val="24CBE5"/>
+      </a:accent5>
+      <a:accent6>
+        <a:srgbClr val="64E572"/>
+      </a:accent6>
+      <a:hlink>
+        <a:srgbClr val="2200CC"/>
+      </a:hlink>
+      <a:folHlink>
+        <a:srgbClr val="551A8B"/>
+      </a:folHlink>
+    </a:clrScheme>
+    <a:fontScheme name="Office">
+      <a:majorFont>
+        <a:latin typeface="Arial"/>
+        <a:ea typeface=""/>
+        <a:cs typeface=""/>
+        <a:font script="Jpan" typeface="ＭＳ Ｐゴシック"/>
+        <a:font script="Hang" typeface="맑은 고딕"/>
+        <a:font script="Hans" typeface="宋体"/>
+        <a:font script="Hant" typeface="新細明體"/>
+        <a:font script="Arab" typeface="Times New Roman"/>
+        <a:font script="Hebr" typeface="Times New Roman"/>
+        <a:font script="Thai" typeface="Angsana New"/>
+        <a:font script="Ethi" typeface="Nyala"/>
+        <a:font script="Beng" typeface="Vrinda"/>
+        <a:font script="Gujr" typeface="Shruti"/>
+        <a:font script="Khmr" typeface="MoolBoran"/>
+        <a:font script="Knda" typeface="Tunga"/>
+        <a:font script="Guru" typeface="Raavi"/>
+        <a:font script="Cans" typeface="Euphemia"/>
+        <a:font script="Cher" typeface="Plantagenet Cherokee"/>
+        <a:font script="Yiii" typeface="Microsoft Yi Baiti"/>
+        <a:font script="Tibt" typeface="Microsoft Himalaya"/>
+        <a:font script="Thaa" typeface="MV Boli"/>
+        <a:font script="Deva" typeface="Mangal"/>
+        <a:font script="Telu" typeface="Gautami"/>
+        <a:font script="Taml" typeface="Latha"/>
+        <a:font script="Syrc" typeface="Estrangelo Edessa"/>
+        <a:font script="Orya" typeface="Kalinga"/>
+        <a:font script="Mlym" typeface="Kartika"/>
+        <a:font script="Laoo" typeface="DokChampa"/>
+        <a:font script="Sinh" typeface="Iskoola Pota"/>
+        <a:font script="Mong" typeface="Mongolian Baiti"/>
+        <a:font script="Viet" typeface="Times New Roman"/>
+        <a:font script="Uigh" typeface="Microsoft Uighur"/>
+        <a:font script="Geor" typeface="Sylfaen"/>
+      </a:majorFont>
+      <a:minorFont>
+        <a:latin typeface="Arial"/>
+        <a:ea typeface=""/>
+        <a:cs typeface=""/>
+        <a:font script="Jpan" typeface="ＭＳ Ｐゴシック"/>
+        <a:font script="Hang" typeface="맑은 고딕"/>
+        <a:font script="Hans" typeface="宋体"/>
+        <a:font script="Hant" typeface="新細明體"/>
+        <a:font script="Arab" typeface="Arial"/>
+        <a:font script="Hebr" typeface="Arial"/>
+        <a:font script="Thai" typeface="Cordia New"/>
+        <a:font script="Ethi" typeface="Nyala"/>
+        <a:font script="Beng" typeface="Vrinda"/>
+        <a:font script="Gujr" typeface="Shruti"/>
+        <a:font script="Khmr" typeface="DaunPenh"/>
+        <a:font script="Knda" typeface="Tunga"/>
+        <a:font script="Guru" typeface="Raavi"/>
+        <a:font script="Cans" typeface="Euphemia"/>
+        <a:font script="Cher" typeface="Plantagenet Cherokee"/>
+        <a:font script="Yiii" typeface="Microsoft Yi Baiti"/>
+        <a:font script="Tibt" typeface="Microsoft Himalaya"/>
+        <a:font script="Thaa" typeface="MV Boli"/>
+        <a:font script="Deva" typeface="Mangal"/>
+        <a:font script="Telu" typeface="Gautami"/>
+        <a:font script="Taml" typeface="Latha"/>
+        <a:font script="Syrc" typeface="Estrangelo Edessa"/>
+        <a:font script="Orya" typeface="Kalinga"/>
+        <a:font script="Mlym" typeface="Kartika"/>
+        <a:font script="Laoo" typeface="DokChampa"/>
+        <a:font script="Sinh" typeface="Iskoola Pota"/>
+        <a:font script="Mong" typeface="Mongolian Baiti"/>
+        <a:font script="Viet" typeface="Arial"/>
+        <a:font script="Uigh" typeface="Microsoft Uighur"/>
+        <a:font script="Geor" typeface="Sylfaen"/>
+      </a:minorFont>
+    </a:fontScheme>
+    <a:fmtScheme name="Office">
+      <a:fillStyleLst>
+        <a:solidFill>
+          <a:schemeClr val="phClr"/>
+        </a:solidFill>
+        <a:gradFill rotWithShape="1">
+          <a:gsLst>
+            <a:gs pos="0">
+              <a:schemeClr val="phClr">
+                <a:tint val="50000"/>
+                <a:satMod val="300000"/>
+              </a:schemeClr>
+            </a:gs>
+            <a:gs pos="35000">
+              <a:schemeClr val="phClr">
+                <a:tint val="37000"/>
+                <a:satMod val="300000"/>
+              </a:schemeClr>
+            </a:gs>
+            <a:gs pos="100000">
+              <a:schemeClr val="phClr">
+                <a:tint val="15000"/>
+                <a:satMod val="350000"/>
+              </a:schemeClr>
+            </a:gs>
+          </a:gsLst>
+          <a:lin ang="16200000" scaled="1"/>
+        </a:gradFill>
+        <a:gradFill rotWithShape="1">
+          <a:gsLst>
+            <a:gs pos="0">
+              <a:schemeClr val="phClr">
+                <a:tint val="100000"/>
+                <a:shade val="100000"/>
+                <a:satMod val="130000"/>
+              </a:schemeClr>
+            </a:gs>
+            <a:gs pos="100000">
+              <a:schemeClr val="phClr">
+                <a:tint val="50000"/>
+                <a:shade val="100000"/>
+                <a:satMod val="350000"/>
+              </a:schemeClr>
+            </a:gs>
+          </a:gsLst>
+          <a:lin ang="16200000" scaled="0"/>
+        </a:gradFill>
+      </a:fillStyleLst>
+      <a:lnStyleLst>
+        <a:ln w="9525" cap="flat" cmpd="sng" algn="ctr">
+          <a:solidFill>
+            <a:schemeClr val="phClr">
+              <a:shade val="95000"/>
+              <a:satMod val="105000"/>
+            </a:schemeClr>
+          </a:solidFill>
+          <a:prstDash val="solid"/>
+        </a:ln>
+        <a:ln w="25400" cap="flat" cmpd="sng" algn="ctr">
+          <a:solidFill>
+            <a:schemeClr val="phClr"/>
+          </a:solidFill>
+          <a:prstDash val="solid"/>
+        </a:ln>
+        <a:ln w="38100" cap="flat" cmpd="sng" algn="ctr">
+          <a:solidFill>
+            <a:schemeClr val="phClr"/>
+          </a:solidFill>
+          <a:prstDash val="solid"/>
+        </a:ln>
+      </a:lnStyleLst>
+      <a:effectStyleLst>
+        <a:effectStyle>
+          <a:effectLst>
+            <a:outerShdw blurRad="40000" dist="20000" dir="5400000" rotWithShape="0">
+              <a:srgbClr val="000000">
+                <a:alpha val="38000"/>
+              </a:srgbClr>
+            </a:outerShdw>
+          </a:effectLst>
+        </a:effectStyle>
+        <a:effectStyle>
+          <a:effectLst>
+            <a:outerShdw blurRad="40000" dist="23000" dir="5400000" rotWithShape="0">
+              <a:srgbClr val="000000">
+                <a:alpha val="35000"/>
+              </a:srgbClr>
+            </a:outerShdw>
+          </a:effectLst>
+        </a:effectStyle>
+        <a:effectStyle>
+          <a:effectLst>
+            <a:outerShdw blurRad="40000" dist="23000" dir="5400000" rotWithShape="0">
+              <a:srgbClr val="000000">
+                <a:alpha val="35000"/>
+              </a:srgbClr>
+            </a:outerShdw>
+          </a:effectLst>
+          <a:scene3d>
+            <a:camera prst="orthographicFront">
+              <a:rot lat="0" lon="0" rev="0"/>
+            </a:camera>
+            <a:lightRig rig="threePt" dir="t">
+              <a:rot lat="0" lon="0" rev="1200000"/>
+            </a:lightRig>
+          </a:scene3d>
+          <a:sp3d>
+            <a:bevelT w="63500" h="25400"/>
+          </a:sp3d>
+        </a:effectStyle>
+      </a:effectStyleLst>
+      <a:bgFillStyleLst>
+        <a:solidFill>
+          <a:schemeClr val="phClr"/>
+        </a:solidFill>
+        <a:gradFill rotWithShape="1">
+          <a:gsLst>
+            <a:gs pos="0">
+              <a:schemeClr val="phClr">
+                <a:tint val="40000"/>
+                <a:satMod val="350000"/>
+              </a:schemeClr>
+            </a:gs>
+            <a:gs pos="40000">
+              <a:schemeClr val="phClr">
+                <a:tint val="45000"/>
+                <a:shade val="99000"/>
+                <a:satMod val="350000"/>
+              </a:schemeClr>
+            </a:gs>
+            <a:gs pos="100000">
+              <a:schemeClr val="phClr">
+                <a:shade val="20000"/>
+                <a:satMod val="255000"/>
+              </a:schemeClr>
+            </a:gs>
+          </a:gsLst>
+          <a:path path="circle">
+            <a:fillToRect l="50000" t="-80000" r="50000" b="180000"/>
+          </a:path>
+        </a:gradFill>
+        <a:gradFill rotWithShape="1">
+          <a:gsLst>
+            <a:gs pos="0">
+              <a:schemeClr val="phClr">
+                <a:tint val="80000"/>
+                <a:satMod val="300000"/>
+              </a:schemeClr>
+            </a:gs>
+            <a:gs pos="100000">
+              <a:schemeClr val="phClr">
+                <a:shade val="30000"/>
+                <a:satMod val="200000"/>
+              </a:schemeClr>
+            </a:gs>
+          </a:gsLst>
+          <a:path path="circle">
+            <a:fillToRect l="50000" t="50000" r="50000" b="50000"/>
+          </a:path>
+        </a:gradFill>
+      </a:bgFillStyleLst>
+    </a:fmtScheme>
+  </a:themeElements>
+</a:theme>
+</file>
+
+<file path=ppt/theme/theme2.xml><?xml version="1.0" encoding="utf-8"?>
 <a:theme xmlns:a="http://schemas.openxmlformats.org/drawingml/2006/main" xmlns:r="http://schemas.openxmlformats.org/officeDocument/2006/relationships" name="AMOS Slides Template">
   <a:themeElements>
     <a:clrScheme name="Simple Light">
@@ -10281,283 +10560,4 @@
     </a:fmtScheme>
   </a:themeElements>
 </a:theme>
-</file>
-
-<file path=ppt/theme/theme2.xml><?xml version="1.0" encoding="utf-8"?>
-<a:theme xmlns:a="http://schemas.openxmlformats.org/drawingml/2006/main" xmlns:r="http://schemas.openxmlformats.org/officeDocument/2006/relationships">
-  <a:themeElements>
-    <a:clrScheme name="Default">
-      <a:dk1>
-        <a:srgbClr val="000000"/>
-      </a:dk1>
-      <a:lt1>
-        <a:srgbClr val="FFFFFF"/>
-      </a:lt1>
-      <a:dk2>
-        <a:srgbClr val="158158"/>
-      </a:dk2>
-      <a:lt2>
-        <a:srgbClr val="F3F3F3"/>
-      </a:lt2>
-      <a:accent1>
-        <a:srgbClr val="058DC7"/>
-      </a:accent1>
-      <a:accent2>
-        <a:srgbClr val="50B432"/>
-      </a:accent2>
-      <a:accent3>
-        <a:srgbClr val="ED561B"/>
-      </a:accent3>
-      <a:accent4>
-        <a:srgbClr val="EDEF00"/>
-      </a:accent4>
-      <a:accent5>
-        <a:srgbClr val="24CBE5"/>
-      </a:accent5>
-      <a:accent6>
-        <a:srgbClr val="64E572"/>
-      </a:accent6>
-      <a:hlink>
-        <a:srgbClr val="2200CC"/>
-      </a:hlink>
-      <a:folHlink>
-        <a:srgbClr val="551A8B"/>
-      </a:folHlink>
-    </a:clrScheme>
-    <a:fontScheme name="Office">
-      <a:majorFont>
-        <a:latin typeface="Arial"/>
-        <a:ea typeface=""/>
-        <a:cs typeface=""/>
-        <a:font script="Jpan" typeface="ＭＳ Ｐゴシック"/>
-        <a:font script="Hang" typeface="맑은 고딕"/>
-        <a:font script="Hans" typeface="宋体"/>
-        <a:font script="Hant" typeface="新細明體"/>
-        <a:font script="Arab" typeface="Times New Roman"/>
-        <a:font script="Hebr" typeface="Times New Roman"/>
-        <a:font script="Thai" typeface="Angsana New"/>
-        <a:font script="Ethi" typeface="Nyala"/>
-        <a:font script="Beng" typeface="Vrinda"/>
-        <a:font script="Gujr" typeface="Shruti"/>
-        <a:font script="Khmr" typeface="MoolBoran"/>
-        <a:font script="Knda" typeface="Tunga"/>
-        <a:font script="Guru" typeface="Raavi"/>
-        <a:font script="Cans" typeface="Euphemia"/>
-        <a:font script="Cher" typeface="Plantagenet Cherokee"/>
-        <a:font script="Yiii" typeface="Microsoft Yi Baiti"/>
-        <a:font script="Tibt" typeface="Microsoft Himalaya"/>
-        <a:font script="Thaa" typeface="MV Boli"/>
-        <a:font script="Deva" typeface="Mangal"/>
-        <a:font script="Telu" typeface="Gautami"/>
-        <a:font script="Taml" typeface="Latha"/>
-        <a:font script="Syrc" typeface="Estrangelo Edessa"/>
-        <a:font script="Orya" typeface="Kalinga"/>
-        <a:font script="Mlym" typeface="Kartika"/>
-        <a:font script="Laoo" typeface="DokChampa"/>
-        <a:font script="Sinh" typeface="Iskoola Pota"/>
-        <a:font script="Mong" typeface="Mongolian Baiti"/>
-        <a:font script="Viet" typeface="Times New Roman"/>
-        <a:font script="Uigh" typeface="Microsoft Uighur"/>
-        <a:font script="Geor" typeface="Sylfaen"/>
-      </a:majorFont>
-      <a:minorFont>
-        <a:latin typeface="Arial"/>
-        <a:ea typeface=""/>
-        <a:cs typeface=""/>
-        <a:font script="Jpan" typeface="ＭＳ Ｐゴシック"/>
-        <a:font script="Hang" typeface="맑은 고딕"/>
-        <a:font script="Hans" typeface="宋体"/>
-        <a:font script="Hant" typeface="新細明體"/>
-        <a:font script="Arab" typeface="Arial"/>
-        <a:font script="Hebr" typeface="Arial"/>
-        <a:font script="Thai" typeface="Cordia New"/>
-        <a:font script="Ethi" typeface="Nyala"/>
-        <a:font script="Beng" typeface="Vrinda"/>
-        <a:font script="Gujr" typeface="Shruti"/>
-        <a:font script="Khmr" typeface="DaunPenh"/>
-        <a:font script="Knda" typeface="Tunga"/>
-        <a:font script="Guru" typeface="Raavi"/>
-        <a:font script="Cans" typeface="Euphemia"/>
-        <a:font script="Cher" typeface="Plantagenet Cherokee"/>
-        <a:font script="Yiii" typeface="Microsoft Yi Baiti"/>
-        <a:font script="Tibt" typeface="Microsoft Himalaya"/>
-        <a:font script="Thaa" typeface="MV Boli"/>
-        <a:font script="Deva" typeface="Mangal"/>
-        <a:font script="Telu" typeface="Gautami"/>
-        <a:font script="Taml" typeface="Latha"/>
-        <a:font script="Syrc" typeface="Estrangelo Edessa"/>
-        <a:font script="Orya" typeface="Kalinga"/>
-        <a:font script="Mlym" typeface="Kartika"/>
-        <a:font script="Laoo" typeface="DokChampa"/>
-        <a:font script="Sinh" typeface="Iskoola Pota"/>
-        <a:font script="Mong" typeface="Mongolian Baiti"/>
-        <a:font script="Viet" typeface="Arial"/>
-        <a:font script="Uigh" typeface="Microsoft Uighur"/>
-        <a:font script="Geor" typeface="Sylfaen"/>
-      </a:minorFont>
-    </a:fontScheme>
-    <a:fmtScheme name="Office">
-      <a:fillStyleLst>
-        <a:solidFill>
-          <a:schemeClr val="phClr"/>
-        </a:solidFill>
-        <a:gradFill rotWithShape="1">
-          <a:gsLst>
-            <a:gs pos="0">
-              <a:schemeClr val="phClr">
-                <a:tint val="50000"/>
-                <a:satMod val="300000"/>
-              </a:schemeClr>
-            </a:gs>
-            <a:gs pos="35000">
-              <a:schemeClr val="phClr">
-                <a:tint val="37000"/>
-                <a:satMod val="300000"/>
-              </a:schemeClr>
-            </a:gs>
-            <a:gs pos="100000">
-              <a:schemeClr val="phClr">
-                <a:tint val="15000"/>
-                <a:satMod val="350000"/>
-              </a:schemeClr>
-            </a:gs>
-          </a:gsLst>
-          <a:lin ang="16200000" scaled="1"/>
-        </a:gradFill>
-        <a:gradFill rotWithShape="1">
-          <a:gsLst>
-            <a:gs pos="0">
-              <a:schemeClr val="phClr">
-                <a:tint val="100000"/>
-                <a:shade val="100000"/>
-                <a:satMod val="130000"/>
-              </a:schemeClr>
-            </a:gs>
-            <a:gs pos="100000">
-              <a:schemeClr val="phClr">
-                <a:tint val="50000"/>
-                <a:shade val="100000"/>
-                <a:satMod val="350000"/>
-              </a:schemeClr>
-            </a:gs>
-          </a:gsLst>
-          <a:lin ang="16200000" scaled="0"/>
-        </a:gradFill>
-      </a:fillStyleLst>
-      <a:lnStyleLst>
-        <a:ln w="9525" cap="flat" cmpd="sng" algn="ctr">
-          <a:solidFill>
-            <a:schemeClr val="phClr">
-              <a:shade val="95000"/>
-              <a:satMod val="105000"/>
-            </a:schemeClr>
-          </a:solidFill>
-          <a:prstDash val="solid"/>
-        </a:ln>
-        <a:ln w="25400" cap="flat" cmpd="sng" algn="ctr">
-          <a:solidFill>
-            <a:schemeClr val="phClr"/>
-          </a:solidFill>
-          <a:prstDash val="solid"/>
-        </a:ln>
-        <a:ln w="38100" cap="flat" cmpd="sng" algn="ctr">
-          <a:solidFill>
-            <a:schemeClr val="phClr"/>
-          </a:solidFill>
-          <a:prstDash val="solid"/>
-        </a:ln>
-      </a:lnStyleLst>
-      <a:effectStyleLst>
-        <a:effectStyle>
-          <a:effectLst>
-            <a:outerShdw blurRad="40000" dist="20000" dir="5400000" rotWithShape="0">
-              <a:srgbClr val="000000">
-                <a:alpha val="38000"/>
-              </a:srgbClr>
-            </a:outerShdw>
-          </a:effectLst>
-        </a:effectStyle>
-        <a:effectStyle>
-          <a:effectLst>
-            <a:outerShdw blurRad="40000" dist="23000" dir="5400000" rotWithShape="0">
-              <a:srgbClr val="000000">
-                <a:alpha val="35000"/>
-              </a:srgbClr>
-            </a:outerShdw>
-          </a:effectLst>
-        </a:effectStyle>
-        <a:effectStyle>
-          <a:effectLst>
-            <a:outerShdw blurRad="40000" dist="23000" dir="5400000" rotWithShape="0">
-              <a:srgbClr val="000000">
-                <a:alpha val="35000"/>
-              </a:srgbClr>
-            </a:outerShdw>
-          </a:effectLst>
-          <a:scene3d>
-            <a:camera prst="orthographicFront">
-              <a:rot lat="0" lon="0" rev="0"/>
-            </a:camera>
-            <a:lightRig rig="threePt" dir="t">
-              <a:rot lat="0" lon="0" rev="1200000"/>
-            </a:lightRig>
-          </a:scene3d>
-          <a:sp3d>
-            <a:bevelT w="63500" h="25400"/>
-          </a:sp3d>
-        </a:effectStyle>
-      </a:effectStyleLst>
-      <a:bgFillStyleLst>
-        <a:solidFill>
-          <a:schemeClr val="phClr"/>
-        </a:solidFill>
-        <a:gradFill rotWithShape="1">
-          <a:gsLst>
-            <a:gs pos="0">
-              <a:schemeClr val="phClr">
-                <a:tint val="40000"/>
-                <a:satMod val="350000"/>
-              </a:schemeClr>
-            </a:gs>
-            <a:gs pos="40000">
-              <a:schemeClr val="phClr">
-                <a:tint val="45000"/>
-                <a:shade val="99000"/>
-                <a:satMod val="350000"/>
-              </a:schemeClr>
-            </a:gs>
-            <a:gs pos="100000">
-              <a:schemeClr val="phClr">
-                <a:shade val="20000"/>
-                <a:satMod val="255000"/>
-              </a:schemeClr>
-            </a:gs>
-          </a:gsLst>
-          <a:path path="circle">
-            <a:fillToRect l="50000" t="-80000" r="50000" b="180000"/>
-          </a:path>
-        </a:gradFill>
-        <a:gradFill rotWithShape="1">
-          <a:gsLst>
-            <a:gs pos="0">
-              <a:schemeClr val="phClr">
-                <a:tint val="80000"/>
-                <a:satMod val="300000"/>
-              </a:schemeClr>
-            </a:gs>
-            <a:gs pos="100000">
-              <a:schemeClr val="phClr">
-                <a:shade val="30000"/>
-                <a:satMod val="200000"/>
-              </a:schemeClr>
-            </a:gs>
-          </a:gsLst>
-          <a:path path="circle">
-            <a:fillToRect l="50000" t="50000" r="50000" b="50000"/>
-          </a:path>
-        </a:gradFill>
-      </a:bgFillStyleLst>
-    </a:fmtScheme>
-  </a:themeElements>
-</a:theme>
 </file>
--- a/Lecture slides/AMOS B06 - Agile Coaching.pptx
+++ b/Lecture slides/AMOS B06 - Agile Coaching.pptx
@@ -10005,6 +10005,285 @@
 </file>
 
 <file path=ppt/theme/theme1.xml><?xml version="1.0" encoding="utf-8"?>
+<a:theme xmlns:a="http://schemas.openxmlformats.org/drawingml/2006/main" xmlns:r="http://schemas.openxmlformats.org/officeDocument/2006/relationships" name="AMOS Slides Template">
+  <a:themeElements>
+    <a:clrScheme name="Simple Light">
+      <a:dk1>
+        <a:srgbClr val="000000"/>
+      </a:dk1>
+      <a:lt1>
+        <a:srgbClr val="FFFFFF"/>
+      </a:lt1>
+      <a:dk2>
+        <a:srgbClr val="404040"/>
+      </a:dk2>
+      <a:lt2>
+        <a:srgbClr val="808080"/>
+      </a:lt2>
+      <a:accent1>
+        <a:srgbClr val="D0D0D0"/>
+      </a:accent1>
+      <a:accent2>
+        <a:srgbClr val="4169E1"/>
+      </a:accent2>
+      <a:accent3>
+        <a:srgbClr val="D50D01"/>
+      </a:accent3>
+      <a:accent4>
+        <a:srgbClr val="FEB612"/>
+      </a:accent4>
+      <a:accent5>
+        <a:srgbClr val="4CAF50"/>
+      </a:accent5>
+      <a:accent6>
+        <a:srgbClr val="8E44AD"/>
+      </a:accent6>
+      <a:hlink>
+        <a:srgbClr val="34A3C5"/>
+      </a:hlink>
+      <a:folHlink>
+        <a:srgbClr val="0097A7"/>
+      </a:folHlink>
+    </a:clrScheme>
+    <a:fontScheme name="Office">
+      <a:majorFont>
+        <a:latin typeface="Arial"/>
+        <a:ea typeface=""/>
+        <a:cs typeface=""/>
+        <a:font script="Jpan" typeface="ＭＳ Ｐゴシック"/>
+        <a:font script="Hang" typeface="맑은 고딕"/>
+        <a:font script="Hans" typeface="宋体"/>
+        <a:font script="Hant" typeface="新細明體"/>
+        <a:font script="Arab" typeface="Times New Roman"/>
+        <a:font script="Hebr" typeface="Times New Roman"/>
+        <a:font script="Thai" typeface="Angsana New"/>
+        <a:font script="Ethi" typeface="Nyala"/>
+        <a:font script="Beng" typeface="Vrinda"/>
+        <a:font script="Gujr" typeface="Shruti"/>
+        <a:font script="Khmr" typeface="MoolBoran"/>
+        <a:font script="Knda" typeface="Tunga"/>
+        <a:font script="Guru" typeface="Raavi"/>
+        <a:font script="Cans" typeface="Euphemia"/>
+        <a:font script="Cher" typeface="Plantagenet Cherokee"/>
+        <a:font script="Yiii" typeface="Microsoft Yi Baiti"/>
+        <a:font script="Tibt" typeface="Microsoft Himalaya"/>
+        <a:font script="Thaa" typeface="MV Boli"/>
+        <a:font script="Deva" typeface="Mangal"/>
+        <a:font script="Telu" typeface="Gautami"/>
+        <a:font script="Taml" typeface="Latha"/>
+        <a:font script="Syrc" typeface="Estrangelo Edessa"/>
+        <a:font script="Orya" typeface="Kalinga"/>
+        <a:font script="Mlym" typeface="Kartika"/>
+        <a:font script="Laoo" typeface="DokChampa"/>
+        <a:font script="Sinh" typeface="Iskoola Pota"/>
+        <a:font script="Mong" typeface="Mongolian Baiti"/>
+        <a:font script="Viet" typeface="Times New Roman"/>
+        <a:font script="Uigh" typeface="Microsoft Uighur"/>
+        <a:font script="Geor" typeface="Sylfaen"/>
+      </a:majorFont>
+      <a:minorFont>
+        <a:latin typeface="Arial"/>
+        <a:ea typeface=""/>
+        <a:cs typeface=""/>
+        <a:font script="Jpan" typeface="ＭＳ Ｐゴシック"/>
+        <a:font script="Hang" typeface="맑은 고딕"/>
+        <a:font script="Hans" typeface="宋体"/>
+        <a:font script="Hant" typeface="新細明體"/>
+        <a:font script="Arab" typeface="Arial"/>
+        <a:font script="Hebr" typeface="Arial"/>
+        <a:font script="Thai" typeface="Cordia New"/>
+        <a:font script="Ethi" typeface="Nyala"/>
+        <a:font script="Beng" typeface="Vrinda"/>
+        <a:font script="Gujr" typeface="Shruti"/>
+        <a:font script="Khmr" typeface="DaunPenh"/>
+        <a:font script="Knda" typeface="Tunga"/>
+        <a:font script="Guru" typeface="Raavi"/>
+        <a:font script="Cans" typeface="Euphemia"/>
+        <a:font script="Cher" typeface="Plantagenet Cherokee"/>
+        <a:font script="Yiii" typeface="Microsoft Yi Baiti"/>
+        <a:font script="Tibt" typeface="Microsoft Himalaya"/>
+        <a:font script="Thaa" typeface="MV Boli"/>
+        <a:font script="Deva" typeface="Mangal"/>
+        <a:font script="Telu" typeface="Gautami"/>
+        <a:font script="Taml" typeface="Latha"/>
+        <a:font script="Syrc" typeface="Estrangelo Edessa"/>
+        <a:font script="Orya" typeface="Kalinga"/>
+        <a:font script="Mlym" typeface="Kartika"/>
+        <a:font script="Laoo" typeface="DokChampa"/>
+        <a:font script="Sinh" typeface="Iskoola Pota"/>
+        <a:font script="Mong" typeface="Mongolian Baiti"/>
+        <a:font script="Viet" typeface="Arial"/>
+        <a:font script="Uigh" typeface="Microsoft Uighur"/>
+        <a:font script="Geor" typeface="Sylfaen"/>
+      </a:minorFont>
+    </a:fontScheme>
+    <a:fmtScheme name="Office">
+      <a:fillStyleLst>
+        <a:solidFill>
+          <a:schemeClr val="phClr"/>
+        </a:solidFill>
+        <a:gradFill rotWithShape="1">
+          <a:gsLst>
+            <a:gs pos="0">
+              <a:schemeClr val="phClr">
+                <a:tint val="50000"/>
+                <a:satMod val="300000"/>
+              </a:schemeClr>
+            </a:gs>
+            <a:gs pos="35000">
+              <a:schemeClr val="phClr">
+                <a:tint val="37000"/>
+                <a:satMod val="300000"/>
+              </a:schemeClr>
+            </a:gs>
+            <a:gs pos="100000">
+              <a:schemeClr val="phClr">
+                <a:tint val="15000"/>
+                <a:satMod val="350000"/>
+              </a:schemeClr>
+            </a:gs>
+          </a:gsLst>
+          <a:lin ang="16200000" scaled="1"/>
+        </a:gradFill>
+        <a:gradFill rotWithShape="1">
+          <a:gsLst>
+            <a:gs pos="0">
+              <a:schemeClr val="phClr">
+                <a:tint val="100000"/>
+                <a:shade val="100000"/>
+                <a:satMod val="130000"/>
+              </a:schemeClr>
+            </a:gs>
+            <a:gs pos="100000">
+              <a:schemeClr val="phClr">
+                <a:tint val="50000"/>
+                <a:shade val="100000"/>
+                <a:satMod val="350000"/>
+              </a:schemeClr>
+            </a:gs>
+          </a:gsLst>
+          <a:lin ang="16200000" scaled="0"/>
+        </a:gradFill>
+      </a:fillStyleLst>
+      <a:lnStyleLst>
+        <a:ln w="9525" cap="flat" cmpd="sng" algn="ctr">
+          <a:solidFill>
+            <a:schemeClr val="phClr">
+              <a:shade val="95000"/>
+              <a:satMod val="105000"/>
+            </a:schemeClr>
+          </a:solidFill>
+          <a:prstDash val="solid"/>
+        </a:ln>
+        <a:ln w="25400" cap="flat" cmpd="sng" algn="ctr">
+          <a:solidFill>
+            <a:schemeClr val="phClr"/>
+          </a:solidFill>
+          <a:prstDash val="solid"/>
+        </a:ln>
+        <a:ln w="38100" cap="flat" cmpd="sng" algn="ctr">
+          <a:solidFill>
+            <a:schemeClr val="phClr"/>
+          </a:solidFill>
+          <a:prstDash val="solid"/>
+        </a:ln>
+      </a:lnStyleLst>
+      <a:effectStyleLst>
+        <a:effectStyle>
+          <a:effectLst>
+            <a:outerShdw blurRad="40000" dist="20000" dir="5400000" rotWithShape="0">
+              <a:srgbClr val="000000">
+                <a:alpha val="38000"/>
+              </a:srgbClr>
+            </a:outerShdw>
+          </a:effectLst>
+        </a:effectStyle>
+        <a:effectStyle>
+          <a:effectLst>
+            <a:outerShdw blurRad="40000" dist="23000" dir="5400000" rotWithShape="0">
+              <a:srgbClr val="000000">
+                <a:alpha val="35000"/>
+              </a:srgbClr>
+            </a:outerShdw>
+          </a:effectLst>
+        </a:effectStyle>
+        <a:effectStyle>
+          <a:effectLst>
+            <a:outerShdw blurRad="40000" dist="23000" dir="5400000" rotWithShape="0">
+              <a:srgbClr val="000000">
+                <a:alpha val="35000"/>
+              </a:srgbClr>
+            </a:outerShdw>
+          </a:effectLst>
+          <a:scene3d>
+            <a:camera prst="orthographicFront">
+              <a:rot lat="0" lon="0" rev="0"/>
+            </a:camera>
+            <a:lightRig rig="threePt" dir="t">
+              <a:rot lat="0" lon="0" rev="1200000"/>
+            </a:lightRig>
+          </a:scene3d>
+          <a:sp3d>
+            <a:bevelT w="63500" h="25400"/>
+          </a:sp3d>
+        </a:effectStyle>
+      </a:effectStyleLst>
+      <a:bgFillStyleLst>
+        <a:solidFill>
+          <a:schemeClr val="phClr"/>
+        </a:solidFill>
+        <a:gradFill rotWithShape="1">
+          <a:gsLst>
+            <a:gs pos="0">
+              <a:schemeClr val="phClr">
+                <a:tint val="40000"/>
+                <a:satMod val="350000"/>
+              </a:schemeClr>
+            </a:gs>
+            <a:gs pos="40000">
+              <a:schemeClr val="phClr">
+                <a:tint val="45000"/>
+                <a:shade val="99000"/>
+                <a:satMod val="350000"/>
+              </a:schemeClr>
+            </a:gs>
+            <a:gs pos="100000">
+              <a:schemeClr val="phClr">
+                <a:shade val="20000"/>
+                <a:satMod val="255000"/>
+              </a:schemeClr>
+            </a:gs>
+          </a:gsLst>
+          <a:path path="circle">
+            <a:fillToRect l="50000" t="-80000" r="50000" b="180000"/>
+          </a:path>
+        </a:gradFill>
+        <a:gradFill rotWithShape="1">
+          <a:gsLst>
+            <a:gs pos="0">
+              <a:schemeClr val="phClr">
+                <a:tint val="80000"/>
+                <a:satMod val="300000"/>
+              </a:schemeClr>
+            </a:gs>
+            <a:gs pos="100000">
+              <a:schemeClr val="phClr">
+                <a:shade val="30000"/>
+                <a:satMod val="200000"/>
+              </a:schemeClr>
+            </a:gs>
+          </a:gsLst>
+          <a:path path="circle">
+            <a:fillToRect l="50000" t="50000" r="50000" b="50000"/>
+          </a:path>
+        </a:gradFill>
+      </a:bgFillStyleLst>
+    </a:fmtScheme>
+  </a:themeElements>
+</a:theme>
+</file>
+
+<file path=ppt/theme/theme2.xml><?xml version="1.0" encoding="utf-8"?>
 <a:theme xmlns:a="http://schemas.openxmlformats.org/drawingml/2006/main" xmlns:r="http://schemas.openxmlformats.org/officeDocument/2006/relationships">
   <a:themeElements>
     <a:clrScheme name="Default">
@@ -10281,283 +10560,4 @@
     </a:fmtScheme>
   </a:themeElements>
 </a:theme>
-</file>
-
-<file path=ppt/theme/theme2.xml><?xml version="1.0" encoding="utf-8"?>
-<a:theme xmlns:a="http://schemas.openxmlformats.org/drawingml/2006/main" xmlns:r="http://schemas.openxmlformats.org/officeDocument/2006/relationships" name="AMOS Slides Template">
-  <a:themeElements>
-    <a:clrScheme name="Simple Light">
-      <a:dk1>
-        <a:srgbClr val="000000"/>
-      </a:dk1>
-      <a:lt1>
-        <a:srgbClr val="FFFFFF"/>
-      </a:lt1>
-      <a:dk2>
-        <a:srgbClr val="404040"/>
-      </a:dk2>
-      <a:lt2>
-        <a:srgbClr val="808080"/>
-      </a:lt2>
-      <a:accent1>
-        <a:srgbClr val="D0D0D0"/>
-      </a:accent1>
-      <a:accent2>
-        <a:srgbClr val="4169E1"/>
-      </a:accent2>
-      <a:accent3>
-        <a:srgbClr val="D50D01"/>
-      </a:accent3>
-      <a:accent4>
-        <a:srgbClr val="FEB612"/>
-      </a:accent4>
-      <a:accent5>
-        <a:srgbClr val="4CAF50"/>
-      </a:accent5>
-      <a:accent6>
-        <a:srgbClr val="8E44AD"/>
-      </a:accent6>
-      <a:hlink>
-        <a:srgbClr val="34A3C5"/>
-      </a:hlink>
-      <a:folHlink>
-        <a:srgbClr val="0097A7"/>
-      </a:folHlink>
-    </a:clrScheme>
-    <a:fontScheme name="Office">
-      <a:majorFont>
-        <a:latin typeface="Arial"/>
-        <a:ea typeface=""/>
-        <a:cs typeface=""/>
-        <a:font script="Jpan" typeface="ＭＳ Ｐゴシック"/>
-        <a:font script="Hang" typeface="맑은 고딕"/>
-        <a:font script="Hans" typeface="宋体"/>
-        <a:font script="Hant" typeface="新細明體"/>
-        <a:font script="Arab" typeface="Times New Roman"/>
-        <a:font script="Hebr" typeface="Times New Roman"/>
-        <a:font script="Thai" typeface="Angsana New"/>
-        <a:font script="Ethi" typeface="Nyala"/>
-        <a:font script="Beng" typeface="Vrinda"/>
-        <a:font script="Gujr" typeface="Shruti"/>
-        <a:font script="Khmr" typeface="MoolBoran"/>
-        <a:font script="Knda" typeface="Tunga"/>
-        <a:font script="Guru" typeface="Raavi"/>
-        <a:font script="Cans" typeface="Euphemia"/>
-        <a:font script="Cher" typeface="Plantagenet Cherokee"/>
-        <a:font script="Yiii" typeface="Microsoft Yi Baiti"/>
-        <a:font script="Tibt" typeface="Microsoft Himalaya"/>
-        <a:font script="Thaa" typeface="MV Boli"/>
-        <a:font script="Deva" typeface="Mangal"/>
-        <a:font script="Telu" typeface="Gautami"/>
-        <a:font script="Taml" typeface="Latha"/>
-        <a:font script="Syrc" typeface="Estrangelo Edessa"/>
-        <a:font script="Orya" typeface="Kalinga"/>
-        <a:font script="Mlym" typeface="Kartika"/>
-        <a:font script="Laoo" typeface="DokChampa"/>
-        <a:font script="Sinh" typeface="Iskoola Pota"/>
-        <a:font script="Mong" typeface="Mongolian Baiti"/>
-        <a:font script="Viet" typeface="Times New Roman"/>
-        <a:font script="Uigh" typeface="Microsoft Uighur"/>
-        <a:font script="Geor" typeface="Sylfaen"/>
-      </a:majorFont>
-      <a:minorFont>
-        <a:latin typeface="Arial"/>
-        <a:ea typeface=""/>
-        <a:cs typeface=""/>
-        <a:font script="Jpan" typeface="ＭＳ Ｐゴシック"/>
-        <a:font script="Hang" typeface="맑은 고딕"/>
-        <a:font script="Hans" typeface="宋体"/>
-        <a:font script="Hant" typeface="新細明體"/>
-        <a:font script="Arab" typeface="Arial"/>
-        <a:font script="Hebr" typeface="Arial"/>
-        <a:font script="Thai" typeface="Cordia New"/>
-        <a:font script="Ethi" typeface="Nyala"/>
-        <a:font script="Beng" typeface="Vrinda"/>
-        <a:font script="Gujr" typeface="Shruti"/>
-        <a:font script="Khmr" typeface="DaunPenh"/>
-        <a:font script="Knda" typeface="Tunga"/>
-        <a:font script="Guru" typeface="Raavi"/>
-        <a:font script="Cans" typeface="Euphemia"/>
-        <a:font script="Cher" typeface="Plantagenet Cherokee"/>
-        <a:font script="Yiii" typeface="Microsoft Yi Baiti"/>
-        <a:font script="Tibt" typeface="Microsoft Himalaya"/>
-        <a:font script="Thaa" typeface="MV Boli"/>
-        <a:font script="Deva" typeface="Mangal"/>
-        <a:font script="Telu" typeface="Gautami"/>
-        <a:font script="Taml" typeface="Latha"/>
-        <a:font script="Syrc" typeface="Estrangelo Edessa"/>
-        <a:font script="Orya" typeface="Kalinga"/>
-        <a:font script="Mlym" typeface="Kartika"/>
-        <a:font script="Laoo" typeface="DokChampa"/>
-        <a:font script="Sinh" typeface="Iskoola Pota"/>
-        <a:font script="Mong" typeface="Mongolian Baiti"/>
-        <a:font script="Viet" typeface="Arial"/>
-        <a:font script="Uigh" typeface="Microsoft Uighur"/>
-        <a:font script="Geor" typeface="Sylfaen"/>
-      </a:minorFont>
-    </a:fontScheme>
-    <a:fmtScheme name="Office">
-      <a:fillStyleLst>
-        <a:solidFill>
-          <a:schemeClr val="phClr"/>
-        </a:solidFill>
-        <a:gradFill rotWithShape="1">
-          <a:gsLst>
-            <a:gs pos="0">
-              <a:schemeClr val="phClr">
-                <a:tint val="50000"/>
-                <a:satMod val="300000"/>
-              </a:schemeClr>
-            </a:gs>
-            <a:gs pos="35000">
-              <a:schemeClr val="phClr">
-                <a:tint val="37000"/>
-                <a:satMod val="300000"/>
-              </a:schemeClr>
-            </a:gs>
-            <a:gs pos="100000">
-              <a:schemeClr val="phClr">
-                <a:tint val="15000"/>
-                <a:satMod val="350000"/>
-              </a:schemeClr>
-            </a:gs>
-          </a:gsLst>
-          <a:lin ang="16200000" scaled="1"/>
-        </a:gradFill>
-        <a:gradFill rotWithShape="1">
-          <a:gsLst>
-            <a:gs pos="0">
-              <a:schemeClr val="phClr">
-                <a:tint val="100000"/>
-                <a:shade val="100000"/>
-                <a:satMod val="130000"/>
-              </a:schemeClr>
-            </a:gs>
-            <a:gs pos="100000">
-              <a:schemeClr val="phClr">
-                <a:tint val="50000"/>
-                <a:shade val="100000"/>
-                <a:satMod val="350000"/>
-              </a:schemeClr>
-            </a:gs>
-          </a:gsLst>
-          <a:lin ang="16200000" scaled="0"/>
-        </a:gradFill>
-      </a:fillStyleLst>
-      <a:lnStyleLst>
-        <a:ln w="9525" cap="flat" cmpd="sng" algn="ctr">
-          <a:solidFill>
-            <a:schemeClr val="phClr">
-              <a:shade val="95000"/>
-              <a:satMod val="105000"/>
-            </a:schemeClr>
-          </a:solidFill>
-          <a:prstDash val="solid"/>
-        </a:ln>
-        <a:ln w="25400" cap="flat" cmpd="sng" algn="ctr">
-          <a:solidFill>
-            <a:schemeClr val="phClr"/>
-          </a:solidFill>
-          <a:prstDash val="solid"/>
-        </a:ln>
-        <a:ln w="38100" cap="flat" cmpd="sng" algn="ctr">
-          <a:solidFill>
-            <a:schemeClr val="phClr"/>
-          </a:solidFill>
-          <a:prstDash val="solid"/>
-        </a:ln>
-      </a:lnStyleLst>
-      <a:effectStyleLst>
-        <a:effectStyle>
-          <a:effectLst>
-            <a:outerShdw blurRad="40000" dist="20000" dir="5400000" rotWithShape="0">
-              <a:srgbClr val="000000">
-                <a:alpha val="38000"/>
-              </a:srgbClr>
-            </a:outerShdw>
-          </a:effectLst>
-        </a:effectStyle>
-        <a:effectStyle>
-          <a:effectLst>
-            <a:outerShdw blurRad="40000" dist="23000" dir="5400000" rotWithShape="0">
-              <a:srgbClr val="000000">
-                <a:alpha val="35000"/>
-              </a:srgbClr>
-            </a:outerShdw>
-          </a:effectLst>
-        </a:effectStyle>
-        <a:effectStyle>
-          <a:effectLst>
-            <a:outerShdw blurRad="40000" dist="23000" dir="5400000" rotWithShape="0">
-              <a:srgbClr val="000000">
-                <a:alpha val="35000"/>
-              </a:srgbClr>
-            </a:outerShdw>
-          </a:effectLst>
-          <a:scene3d>
-            <a:camera prst="orthographicFront">
-              <a:rot lat="0" lon="0" rev="0"/>
-            </a:camera>
-            <a:lightRig rig="threePt" dir="t">
-              <a:rot lat="0" lon="0" rev="1200000"/>
-            </a:lightRig>
-          </a:scene3d>
-          <a:sp3d>
-            <a:bevelT w="63500" h="25400"/>
-          </a:sp3d>
-        </a:effectStyle>
-      </a:effectStyleLst>
-      <a:bgFillStyleLst>
-        <a:solidFill>
-          <a:schemeClr val="phClr"/>
-        </a:solidFill>
-        <a:gradFill rotWithShape="1">
-          <a:gsLst>
-            <a:gs pos="0">
-              <a:schemeClr val="phClr">
-                <a:tint val="40000"/>
-                <a:satMod val="350000"/>
-              </a:schemeClr>
-            </a:gs>
-            <a:gs pos="40000">
-              <a:schemeClr val="phClr">
-                <a:tint val="45000"/>
-                <a:shade val="99000"/>
-                <a:satMod val="350000"/>
-              </a:schemeClr>
-            </a:gs>
-            <a:gs pos="100000">
-              <a:schemeClr val="phClr">
-                <a:shade val="20000"/>
-                <a:satMod val="255000"/>
-              </a:schemeClr>
-            </a:gs>
-          </a:gsLst>
-          <a:path path="circle">
-            <a:fillToRect l="50000" t="-80000" r="50000" b="180000"/>
-          </a:path>
-        </a:gradFill>
-        <a:gradFill rotWithShape="1">
-          <a:gsLst>
-            <a:gs pos="0">
-              <a:schemeClr val="phClr">
-                <a:tint val="80000"/>
-                <a:satMod val="300000"/>
-              </a:schemeClr>
-            </a:gs>
-            <a:gs pos="100000">
-              <a:schemeClr val="phClr">
-                <a:shade val="30000"/>
-                <a:satMod val="200000"/>
-              </a:schemeClr>
-            </a:gs>
-          </a:gsLst>
-          <a:path path="circle">
-            <a:fillToRect l="50000" t="50000" r="50000" b="50000"/>
-          </a:path>
-        </a:gradFill>
-      </a:bgFillStyleLst>
-    </a:fmtScheme>
-  </a:themeElements>
-</a:theme>
 </file>
--- a/Lecture slides/AMOS B06 - Agile Coaching.pptx
+++ b/Lecture slides/AMOS B06 - Agile Coaching.pptx
@@ -8571,7 +8571,7 @@
             </a:pPr>
             <a:r>
               <a:rPr lang="en"/>
-              <a:t>© Copyright 2023 Dirk Riehle, some rights reserved</a:t>
+              <a:t>© Copyright 2024 Dirk Riehle, some rights reserved</a:t>
             </a:r>
             <a:endParaRPr/>
           </a:p>
@@ -9634,7 +9634,7 @@
           <a:p>
             <a:pPr indent="-317500" lvl="1" marL="914400" rtl="0" algn="l">
               <a:spcBef>
-                <a:spcPts val="1000"/>
+                <a:spcPts val="0"/>
               </a:spcBef>
               <a:spcAft>
                 <a:spcPts val="0"/>
@@ -10005,6 +10005,285 @@
 </file>
 
 <file path=ppt/theme/theme1.xml><?xml version="1.0" encoding="utf-8"?>
+<a:theme xmlns:a="http://schemas.openxmlformats.org/drawingml/2006/main" xmlns:r="http://schemas.openxmlformats.org/officeDocument/2006/relationships">
+  <a:themeElements>
+    <a:clrScheme name="Default">
+      <a:dk1>
+        <a:srgbClr val="000000"/>
+      </a:dk1>
+      <a:lt1>
+        <a:srgbClr val="FFFFFF"/>
+      </a:lt1>
+      <a:dk2>
+        <a:srgbClr val="158158"/>
+      </a:dk2>
+      <a:lt2>
+        <a:srgbClr val="F3F3F3"/>
+      </a:lt2>
+      <a:accent1>
+        <a:srgbClr val="058DC7"/>
+      </a:accent1>
+      <a:accent2>
+        <a:srgbClr val="50B432"/>
+      </a:accent2>
+      <a:accent3>
+        <a:srgbClr val="ED561B"/>
+      </a:accent3>
+      <a:accent4>
+        <a:srgbClr val="EDEF00"/>
+      </a:accent4>
+      <a:accent5>
+        <a:srgbClr val="24CBE5"/>
+      </a:accent5>
+      <a:accent6>
+        <a:srgbClr val="64E572"/>
+      </a:accent6>
+      <a:hlink>
+        <a:srgbClr val="2200CC"/>
+      </a:hlink>
+      <a:folHlink>
+        <a:srgbClr val="551A8B"/>
+      </a:folHlink>
+    </a:clrScheme>
+    <a:fontScheme name="Office">
+      <a:majorFont>
+        <a:latin typeface="Arial"/>
+        <a:ea typeface=""/>
+        <a:cs typeface=""/>
+        <a:font script="Jpan" typeface="ＭＳ Ｐゴシック"/>
+        <a:font script="Hang" typeface="맑은 고딕"/>
+        <a:font script="Hans" typeface="宋体"/>
+        <a:font script="Hant" typeface="新細明體"/>
+        <a:font script="Arab" typeface="Times New Roman"/>
+        <a:font script="Hebr" typeface="Times New Roman"/>
+        <a:font script="Thai" typeface="Angsana New"/>
+        <a:font script="Ethi" typeface="Nyala"/>
+        <a:font script="Beng" typeface="Vrinda"/>
+        <a:font script="Gujr" typeface="Shruti"/>
+        <a:font script="Khmr" typeface="MoolBoran"/>
+        <a:font script="Knda" typeface="Tunga"/>
+        <a:font script="Guru" typeface="Raavi"/>
+        <a:font script="Cans" typeface="Euphemia"/>
+        <a:font script="Cher" typeface="Plantagenet Cherokee"/>
+        <a:font script="Yiii" typeface="Microsoft Yi Baiti"/>
+        <a:font script="Tibt" typeface="Microsoft Himalaya"/>
+        <a:font script="Thaa" typeface="MV Boli"/>
+        <a:font script="Deva" typeface="Mangal"/>
+        <a:font script="Telu" typeface="Gautami"/>
+        <a:font script="Taml" typeface="Latha"/>
+        <a:font script="Syrc" typeface="Estrangelo Edessa"/>
+        <a:font script="Orya" typeface="Kalinga"/>
+        <a:font script="Mlym" typeface="Kartika"/>
+        <a:font script="Laoo" typeface="DokChampa"/>
+        <a:font script="Sinh" typeface="Iskoola Pota"/>
+        <a:font script="Mong" typeface="Mongolian Baiti"/>
+        <a:font script="Viet" typeface="Times New Roman"/>
+        <a:font script="Uigh" typeface="Microsoft Uighur"/>
+        <a:font script="Geor" typeface="Sylfaen"/>
+      </a:majorFont>
+      <a:minorFont>
+        <a:latin typeface="Arial"/>
+        <a:ea typeface=""/>
+        <a:cs typeface=""/>
+        <a:font script="Jpan" typeface="ＭＳ Ｐゴシック"/>
+        <a:font script="Hang" typeface="맑은 고딕"/>
+        <a:font script="Hans" typeface="宋体"/>
+        <a:font script="Hant" typeface="新細明體"/>
+        <a:font script="Arab" typeface="Arial"/>
+        <a:font script="Hebr" typeface="Arial"/>
+        <a:font script="Thai" typeface="Cordia New"/>
+        <a:font script="Ethi" typeface="Nyala"/>
+        <a:font script="Beng" typeface="Vrinda"/>
+        <a:font script="Gujr" typeface="Shruti"/>
+        <a:font script="Khmr" typeface="DaunPenh"/>
+        <a:font script="Knda" typeface="Tunga"/>
+        <a:font script="Guru" typeface="Raavi"/>
+        <a:font script="Cans" typeface="Euphemia"/>
+        <a:font script="Cher" typeface="Plantagenet Cherokee"/>
+        <a:font script="Yiii" typeface="Microsoft Yi Baiti"/>
+        <a:font script="Tibt" typeface="Microsoft Himalaya"/>
+        <a:font script="Thaa" typeface="MV Boli"/>
+        <a:font script="Deva" typeface="Mangal"/>
+        <a:font script="Telu" typeface="Gautami"/>
+        <a:font script="Taml" typeface="Latha"/>
+        <a:font script="Syrc" typeface="Estrangelo Edessa"/>
+        <a:font script="Orya" typeface="Kalinga"/>
+        <a:font script="Mlym" typeface="Kartika"/>
+        <a:font script="Laoo" typeface="DokChampa"/>
+        <a:font script="Sinh" typeface="Iskoola Pota"/>
+        <a:font script="Mong" typeface="Mongolian Baiti"/>
+        <a:font script="Viet" typeface="Arial"/>
+        <a:font script="Uigh" typeface="Microsoft Uighur"/>
+        <a:font script="Geor" typeface="Sylfaen"/>
+      </a:minorFont>
+    </a:fontScheme>
+    <a:fmtScheme name="Office">
+      <a:fillStyleLst>
+        <a:solidFill>
+          <a:schemeClr val="phClr"/>
+        </a:solidFill>
+        <a:gradFill rotWithShape="1">
+          <a:gsLst>
+            <a:gs pos="0">
+              <a:schemeClr val="phClr">
+                <a:tint val="50000"/>
+                <a:satMod val="300000"/>
+              </a:schemeClr>
+            </a:gs>
+            <a:gs pos="35000">
+              <a:schemeClr val="phClr">
+                <a:tint val="37000"/>
+                <a:satMod val="300000"/>
+              </a:schemeClr>
+            </a:gs>
+            <a:gs pos="100000">
+              <a:schemeClr val="phClr">
+                <a:tint val="15000"/>
+                <a:satMod val="350000"/>
+              </a:schemeClr>
+            </a:gs>
+          </a:gsLst>
+          <a:lin ang="16200000" scaled="1"/>
+        </a:gradFill>
+        <a:gradFill rotWithShape="1">
+          <a:gsLst>
+            <a:gs pos="0">
+              <a:schemeClr val="phClr">
+                <a:tint val="100000"/>
+                <a:shade val="100000"/>
+                <a:satMod val="130000"/>
+              </a:schemeClr>
+            </a:gs>
+            <a:gs pos="100000">
+              <a:schemeClr val="phClr">
+                <a:tint val="50000"/>
+                <a:shade val="100000"/>
+                <a:satMod val="350000"/>
+              </a:schemeClr>
+            </a:gs>
+          </a:gsLst>
+          <a:lin ang="16200000" scaled="0"/>
+        </a:gradFill>
+      </a:fillStyleLst>
+      <a:lnStyleLst>
+        <a:ln w="9525" cap="flat" cmpd="sng" algn="ctr">
+          <a:solidFill>
+            <a:schemeClr val="phClr">
+              <a:shade val="95000"/>
+              <a:satMod val="105000"/>
+            </a:schemeClr>
+          </a:solidFill>
+          <a:prstDash val="solid"/>
+        </a:ln>
+        <a:ln w="25400" cap="flat" cmpd="sng" algn="ctr">
+          <a:solidFill>
+            <a:schemeClr val="phClr"/>
+          </a:solidFill>
+          <a:prstDash val="solid"/>
+        </a:ln>
+        <a:ln w="38100" cap="flat" cmpd="sng" algn="ctr">
+          <a:solidFill>
+            <a:schemeClr val="phClr"/>
+          </a:solidFill>
+          <a:prstDash val="solid"/>
+        </a:ln>
+      </a:lnStyleLst>
+      <a:effectStyleLst>
+        <a:effectStyle>
+          <a:effectLst>
+            <a:outerShdw blurRad="40000" dist="20000" dir="5400000" rotWithShape="0">
+              <a:srgbClr val="000000">
+                <a:alpha val="38000"/>
+              </a:srgbClr>
+            </a:outerShdw>
+          </a:effectLst>
+        </a:effectStyle>
+        <a:effectStyle>
+          <a:effectLst>
+            <a:outerShdw blurRad="40000" dist="23000" dir="5400000" rotWithShape="0">
+              <a:srgbClr val="000000">
+                <a:alpha val="35000"/>
+              </a:srgbClr>
+            </a:outerShdw>
+          </a:effectLst>
+        </a:effectStyle>
+        <a:effectStyle>
+          <a:effectLst>
+            <a:outerShdw blurRad="40000" dist="23000" dir="5400000" rotWithShape="0">
+              <a:srgbClr val="000000">
+                <a:alpha val="35000"/>
+              </a:srgbClr>
+            </a:outerShdw>
+          </a:effectLst>
+          <a:scene3d>
+            <a:camera prst="orthographicFront">
+              <a:rot lat="0" lon="0" rev="0"/>
+            </a:camera>
+            <a:lightRig rig="threePt" dir="t">
+              <a:rot lat="0" lon="0" rev="1200000"/>
+            </a:lightRig>
+          </a:scene3d>
+          <a:sp3d>
+            <a:bevelT w="63500" h="25400"/>
+          </a:sp3d>
+        </a:effectStyle>
+      </a:effectStyleLst>
+      <a:bgFillStyleLst>
+        <a:solidFill>
+          <a:schemeClr val="phClr"/>
+        </a:solidFill>
+        <a:gradFill rotWithShape="1">
+          <a:gsLst>
+            <a:gs pos="0">
+              <a:schemeClr val="phClr">
+                <a:tint val="40000"/>
+                <a:satMod val="350000"/>
+              </a:schemeClr>
+            </a:gs>
+            <a:gs pos="40000">
+              <a:schemeClr val="phClr">
+                <a:tint val="45000"/>
+                <a:shade val="99000"/>
+                <a:satMod val="350000"/>
+              </a:schemeClr>
+            </a:gs>
+            <a:gs pos="100000">
+              <a:schemeClr val="phClr">
+                <a:shade val="20000"/>
+                <a:satMod val="255000"/>
+              </a:schemeClr>
+            </a:gs>
+          </a:gsLst>
+          <a:path path="circle">
+            <a:fillToRect l="50000" t="-80000" r="50000" b="180000"/>
+          </a:path>
+        </a:gradFill>
+        <a:gradFill rotWithShape="1">
+          <a:gsLst>
+            <a:gs pos="0">
+              <a:schemeClr val="phClr">
+                <a:tint val="80000"/>
+                <a:satMod val="300000"/>
+              </a:schemeClr>
+            </a:gs>
+            <a:gs pos="100000">
+              <a:schemeClr val="phClr">
+                <a:shade val="30000"/>
+                <a:satMod val="200000"/>
+              </a:schemeClr>
+            </a:gs>
+          </a:gsLst>
+          <a:path path="circle">
+            <a:fillToRect l="50000" t="50000" r="50000" b="50000"/>
+          </a:path>
+        </a:gradFill>
+      </a:bgFillStyleLst>
+    </a:fmtScheme>
+  </a:themeElements>
+</a:theme>
+</file>
+
+<file path=ppt/theme/theme2.xml><?xml version="1.0" encoding="utf-8"?>
 <a:theme xmlns:a="http://schemas.openxmlformats.org/drawingml/2006/main" xmlns:r="http://schemas.openxmlformats.org/officeDocument/2006/relationships" name="AMOS Slides Template">
   <a:themeElements>
     <a:clrScheme name="Simple Light">
@@ -10281,283 +10560,4 @@
     </a:fmtScheme>
   </a:themeElements>
 </a:theme>
-</file>
-
-<file path=ppt/theme/theme2.xml><?xml version="1.0" encoding="utf-8"?>
-<a:theme xmlns:a="http://schemas.openxmlformats.org/drawingml/2006/main" xmlns:r="http://schemas.openxmlformats.org/officeDocument/2006/relationships">
-  <a:themeElements>
-    <a:clrScheme name="Default">
-      <a:dk1>
-        <a:srgbClr val="000000"/>
-      </a:dk1>
-      <a:lt1>
-        <a:srgbClr val="FFFFFF"/>
-      </a:lt1>
-      <a:dk2>
-        <a:srgbClr val="158158"/>
-      </a:dk2>
-      <a:lt2>
-        <a:srgbClr val="F3F3F3"/>
-      </a:lt2>
-      <a:accent1>
-        <a:srgbClr val="058DC7"/>
-      </a:accent1>
-      <a:accent2>
-        <a:srgbClr val="50B432"/>
-      </a:accent2>
-      <a:accent3>
-        <a:srgbClr val="ED561B"/>
-      </a:accent3>
-      <a:accent4>
-        <a:srgbClr val="EDEF00"/>
-      </a:accent4>
-      <a:accent5>
-        <a:srgbClr val="24CBE5"/>
-      </a:accent5>
-      <a:accent6>
-        <a:srgbClr val="64E572"/>
-      </a:accent6>
-      <a:hlink>
-        <a:srgbClr val="2200CC"/>
-      </a:hlink>
-      <a:folHlink>
-        <a:srgbClr val="551A8B"/>
-      </a:folHlink>
-    </a:clrScheme>
-    <a:fontScheme name="Office">
-      <a:majorFont>
-        <a:latin typeface="Arial"/>
-        <a:ea typeface=""/>
-        <a:cs typeface=""/>
-        <a:font script="Jpan" typeface="ＭＳ Ｐゴシック"/>
-        <a:font script="Hang" typeface="맑은 고딕"/>
-        <a:font script="Hans" typeface="宋体"/>
-        <a:font script="Hant" typeface="新細明體"/>
-        <a:font script="Arab" typeface="Times New Roman"/>
-        <a:font script="Hebr" typeface="Times New Roman"/>
-        <a:font script="Thai" typeface="Angsana New"/>
-        <a:font script="Ethi" typeface="Nyala"/>
-        <a:font script="Beng" typeface="Vrinda"/>
-        <a:font script="Gujr" typeface="Shruti"/>
-        <a:font script="Khmr" typeface="MoolBoran"/>
-        <a:font script="Knda" typeface="Tunga"/>
-        <a:font script="Guru" typeface="Raavi"/>
-        <a:font script="Cans" typeface="Euphemia"/>
-        <a:font script="Cher" typeface="Plantagenet Cherokee"/>
-        <a:font script="Yiii" typeface="Microsoft Yi Baiti"/>
-        <a:font script="Tibt" typeface="Microsoft Himalaya"/>
-        <a:font script="Thaa" typeface="MV Boli"/>
-        <a:font script="Deva" typeface="Mangal"/>
-        <a:font script="Telu" typeface="Gautami"/>
-        <a:font script="Taml" typeface="Latha"/>
-        <a:font script="Syrc" typeface="Estrangelo Edessa"/>
-        <a:font script="Orya" typeface="Kalinga"/>
-        <a:font script="Mlym" typeface="Kartika"/>
-        <a:font script="Laoo" typeface="DokChampa"/>
-        <a:font script="Sinh" typeface="Iskoola Pota"/>
-        <a:font script="Mong" typeface="Mongolian Baiti"/>
-        <a:font script="Viet" typeface="Times New Roman"/>
-        <a:font script="Uigh" typeface="Microsoft Uighur"/>
-        <a:font script="Geor" typeface="Sylfaen"/>
-      </a:majorFont>
-      <a:minorFont>
-        <a:latin typeface="Arial"/>
-        <a:ea typeface=""/>
-        <a:cs typeface=""/>
-        <a:font script="Jpan" typeface="ＭＳ Ｐゴシック"/>
-        <a:font script="Hang" typeface="맑은 고딕"/>
-        <a:font script="Hans" typeface="宋体"/>
-        <a:font script="Hant" typeface="新細明體"/>
-        <a:font script="Arab" typeface="Arial"/>
-        <a:font script="Hebr" typeface="Arial"/>
-        <a:font script="Thai" typeface="Cordia New"/>
-        <a:font script="Ethi" typeface="Nyala"/>
-        <a:font script="Beng" typeface="Vrinda"/>
-        <a:font script="Gujr" typeface="Shruti"/>
-        <a:font script="Khmr" typeface="DaunPenh"/>
-        <a:font script="Knda" typeface="Tunga"/>
-        <a:font script="Guru" typeface="Raavi"/>
-        <a:font script="Cans" typeface="Euphemia"/>
-        <a:font script="Cher" typeface="Plantagenet Cherokee"/>
-        <a:font script="Yiii" typeface="Microsoft Yi Baiti"/>
-        <a:font script="Tibt" typeface="Microsoft Himalaya"/>
-        <a:font script="Thaa" typeface="MV Boli"/>
-        <a:font script="Deva" typeface="Mangal"/>
-        <a:font script="Telu" typeface="Gautami"/>
-        <a:font script="Taml" typeface="Latha"/>
-        <a:font script="Syrc" typeface="Estrangelo Edessa"/>
-        <a:font script="Orya" typeface="Kalinga"/>
-        <a:font script="Mlym" typeface="Kartika"/>
-        <a:font script="Laoo" typeface="DokChampa"/>
-        <a:font script="Sinh" typeface="Iskoola Pota"/>
-        <a:font script="Mong" typeface="Mongolian Baiti"/>
-        <a:font script="Viet" typeface="Arial"/>
-        <a:font script="Uigh" typeface="Microsoft Uighur"/>
-        <a:font script="Geor" typeface="Sylfaen"/>
-      </a:minorFont>
-    </a:fontScheme>
-    <a:fmtScheme name="Office">
-      <a:fillStyleLst>
-        <a:solidFill>
-          <a:schemeClr val="phClr"/>
-        </a:solidFill>
-        <a:gradFill rotWithShape="1">
-          <a:gsLst>
-            <a:gs pos="0">
-              <a:schemeClr val="phClr">
-                <a:tint val="50000"/>
-                <a:satMod val="300000"/>
-              </a:schemeClr>
-            </a:gs>
-            <a:gs pos="35000">
-              <a:schemeClr val="phClr">
-                <a:tint val="37000"/>
-                <a:satMod val="300000"/>
-              </a:schemeClr>
-            </a:gs>
-            <a:gs pos="100000">
-              <a:schemeClr val="phClr">
-                <a:tint val="15000"/>
-                <a:satMod val="350000"/>
-              </a:schemeClr>
-            </a:gs>
-          </a:gsLst>
-          <a:lin ang="16200000" scaled="1"/>
-        </a:gradFill>
-        <a:gradFill rotWithShape="1">
-          <a:gsLst>
-            <a:gs pos="0">
-              <a:schemeClr val="phClr">
-                <a:tint val="100000"/>
-                <a:shade val="100000"/>
-                <a:satMod val="130000"/>
-              </a:schemeClr>
-            </a:gs>
-            <a:gs pos="100000">
-              <a:schemeClr val="phClr">
-                <a:tint val="50000"/>
-                <a:shade val="100000"/>
-                <a:satMod val="350000"/>
-              </a:schemeClr>
-            </a:gs>
-          </a:gsLst>
-          <a:lin ang="16200000" scaled="0"/>
-        </a:gradFill>
-      </a:fillStyleLst>
-      <a:lnStyleLst>
-        <a:ln w="9525" cap="flat" cmpd="sng" algn="ctr">
-          <a:solidFill>
-            <a:schemeClr val="phClr">
-              <a:shade val="95000"/>
-              <a:satMod val="105000"/>
-            </a:schemeClr>
-          </a:solidFill>
-          <a:prstDash val="solid"/>
-        </a:ln>
-        <a:ln w="25400" cap="flat" cmpd="sng" algn="ctr">
-          <a:solidFill>
-            <a:schemeClr val="phClr"/>
-          </a:solidFill>
-          <a:prstDash val="solid"/>
-        </a:ln>
-        <a:ln w="38100" cap="flat" cmpd="sng" algn="ctr">
-          <a:solidFill>
-            <a:schemeClr val="phClr"/>
-          </a:solidFill>
-          <a:prstDash val="solid"/>
-        </a:ln>
-      </a:lnStyleLst>
-      <a:effectStyleLst>
-        <a:effectStyle>
-          <a:effectLst>
-            <a:outerShdw blurRad="40000" dist="20000" dir="5400000" rotWithShape="0">
-              <a:srgbClr val="000000">
-                <a:alpha val="38000"/>
-              </a:srgbClr>
-            </a:outerShdw>
-          </a:effectLst>
-        </a:effectStyle>
-        <a:effectStyle>
-          <a:effectLst>
-            <a:outerShdw blurRad="40000" dist="23000" dir="5400000" rotWithShape="0">
-              <a:srgbClr val="000000">
-                <a:alpha val="35000"/>
-              </a:srgbClr>
-            </a:outerShdw>
-          </a:effectLst>
-        </a:effectStyle>
-        <a:effectStyle>
-          <a:effectLst>
-            <a:outerShdw blurRad="40000" dist="23000" dir="5400000" rotWithShape="0">
-              <a:srgbClr val="000000">
-                <a:alpha val="35000"/>
-              </a:srgbClr>
-            </a:outerShdw>
-          </a:effectLst>
-          <a:scene3d>
-            <a:camera prst="orthographicFront">
-              <a:rot lat="0" lon="0" rev="0"/>
-            </a:camera>
-            <a:lightRig rig="threePt" dir="t">
-              <a:rot lat="0" lon="0" rev="1200000"/>
-            </a:lightRig>
-          </a:scene3d>
-          <a:sp3d>
-            <a:bevelT w="63500" h="25400"/>
-          </a:sp3d>
-        </a:effectStyle>
-      </a:effectStyleLst>
-      <a:bgFillStyleLst>
-        <a:solidFill>
-          <a:schemeClr val="phClr"/>
-        </a:solidFill>
-        <a:gradFill rotWithShape="1">
-          <a:gsLst>
-            <a:gs pos="0">
-              <a:schemeClr val="phClr">
-                <a:tint val="40000"/>
-                <a:satMod val="350000"/>
-              </a:schemeClr>
-            </a:gs>
-            <a:gs pos="40000">
-              <a:schemeClr val="phClr">
-                <a:tint val="45000"/>
-                <a:shade val="99000"/>
-                <a:satMod val="350000"/>
-              </a:schemeClr>
-            </a:gs>
-            <a:gs pos="100000">
-              <a:schemeClr val="phClr">
-                <a:shade val="20000"/>
-                <a:satMod val="255000"/>
-              </a:schemeClr>
-            </a:gs>
-          </a:gsLst>
-          <a:path path="circle">
-            <a:fillToRect l="50000" t="-80000" r="50000" b="180000"/>
-          </a:path>
-        </a:gradFill>
-        <a:gradFill rotWithShape="1">
-          <a:gsLst>
-            <a:gs pos="0">
-              <a:schemeClr val="phClr">
-                <a:tint val="80000"/>
-                <a:satMod val="300000"/>
-              </a:schemeClr>
-            </a:gs>
-            <a:gs pos="100000">
-              <a:schemeClr val="phClr">
-                <a:shade val="30000"/>
-                <a:satMod val="200000"/>
-              </a:schemeClr>
-            </a:gs>
-          </a:gsLst>
-          <a:path path="circle">
-            <a:fillToRect l="50000" t="50000" r="50000" b="50000"/>
-          </a:path>
-        </a:gradFill>
-      </a:bgFillStyleLst>
-    </a:fmtScheme>
-  </a:themeElements>
-</a:theme>
 </file>
--- a/Lecture slides/AMOS B06 - Agile Coaching.pptx
+++ b/Lecture slides/AMOS B06 - Agile Coaching.pptx
@@ -3709,148 +3709,6 @@
       <p:sp>
         <p:nvSpPr>
           <p:cNvPr id="19" name="Google Shape;19;p4"/>
-          <p:cNvSpPr txBox="1"/>
-          <p:nvPr>
-            <p:ph idx="12" type="sldNum"/>
-          </p:nvPr>
-        </p:nvSpPr>
-        <p:spPr>
-          <a:xfrm>
-            <a:off x="7315202" y="4416550"/>
-            <a:ext cx="1828800" cy="731400"/>
-          </a:xfrm>
-          <a:prstGeom prst="rect">
-            <a:avLst/>
-          </a:prstGeom>
-        </p:spPr>
-        <p:txBody>
-          <a:bodyPr anchorCtr="0" anchor="b" bIns="91425" lIns="91425" spcFirstLastPara="1" rIns="91425" wrap="square" tIns="91425">
-            <a:noAutofit/>
-          </a:bodyPr>
-          <a:lstStyle>
-            <a:lvl1pPr lvl="0">
-              <a:buNone/>
-              <a:defRPr>
-                <a:solidFill>
-                  <a:schemeClr val="dk1"/>
-                </a:solidFill>
-              </a:defRPr>
-            </a:lvl1pPr>
-            <a:lvl2pPr lvl="1">
-              <a:buNone/>
-              <a:defRPr>
-                <a:solidFill>
-                  <a:schemeClr val="dk1"/>
-                </a:solidFill>
-              </a:defRPr>
-            </a:lvl2pPr>
-            <a:lvl3pPr lvl="2">
-              <a:buNone/>
-              <a:defRPr>
-                <a:solidFill>
-                  <a:schemeClr val="dk1"/>
-                </a:solidFill>
-              </a:defRPr>
-            </a:lvl3pPr>
-            <a:lvl4pPr lvl="3">
-              <a:buNone/>
-              <a:defRPr>
-                <a:solidFill>
-                  <a:schemeClr val="dk1"/>
-                </a:solidFill>
-              </a:defRPr>
-            </a:lvl4pPr>
-            <a:lvl5pPr lvl="4">
-              <a:buNone/>
-              <a:defRPr>
-                <a:solidFill>
-                  <a:schemeClr val="dk1"/>
-                </a:solidFill>
-              </a:defRPr>
-            </a:lvl5pPr>
-            <a:lvl6pPr lvl="5">
-              <a:buNone/>
-              <a:defRPr>
-                <a:solidFill>
-                  <a:schemeClr val="dk1"/>
-                </a:solidFill>
-              </a:defRPr>
-            </a:lvl6pPr>
-            <a:lvl7pPr lvl="6">
-              <a:buNone/>
-              <a:defRPr>
-                <a:solidFill>
-                  <a:schemeClr val="dk1"/>
-                </a:solidFill>
-              </a:defRPr>
-            </a:lvl7pPr>
-            <a:lvl8pPr lvl="7">
-              <a:buNone/>
-              <a:defRPr>
-                <a:solidFill>
-                  <a:schemeClr val="dk1"/>
-                </a:solidFill>
-              </a:defRPr>
-            </a:lvl8pPr>
-            <a:lvl9pPr lvl="8">
-              <a:buNone/>
-              <a:defRPr>
-                <a:solidFill>
-                  <a:schemeClr val="dk1"/>
-                </a:solidFill>
-              </a:defRPr>
-            </a:lvl9pPr>
-          </a:lstStyle>
-          <a:p>
-            <a:pPr indent="0" lvl="0" marL="0" rtl="0" algn="r">
-              <a:spcBef>
-                <a:spcPts val="0"/>
-              </a:spcBef>
-              <a:spcAft>
-                <a:spcPts val="0"/>
-              </a:spcAft>
-              <a:buNone/>
-            </a:pPr>
-            <a:fld id="{00000000-1234-1234-1234-123412341234}" type="slidenum">
-              <a:rPr lang="en"/>
-              <a:t>‹#›</a:t>
-            </a:fld>
-            <a:endParaRPr/>
-          </a:p>
-          <a:p>
-            <a:pPr indent="0" lvl="0" marL="0" rtl="0" algn="r">
-              <a:spcBef>
-                <a:spcPts val="0"/>
-              </a:spcBef>
-              <a:spcAft>
-                <a:spcPts val="0"/>
-              </a:spcAft>
-              <a:buNone/>
-            </a:pPr>
-            <a:r>
-              <a:rPr b="0" lang="en" sz="900" u="sng">
-                <a:solidFill>
-                  <a:schemeClr val="hlink"/>
-                </a:solidFill>
-                <a:hlinkClick r:id="rId2"/>
-              </a:rPr>
-              <a:t>https://profriehle.com</a:t>
-            </a:r>
-            <a:r>
-              <a:rPr b="0" lang="en" sz="900">
-                <a:solidFill>
-                  <a:schemeClr val="dk2"/>
-                </a:solidFill>
-              </a:rPr>
-              <a:t> </a:t>
-            </a:r>
-            <a:endParaRPr/>
-          </a:p>
-        </p:txBody>
-      </p:sp>
-      <p:sp>
-        <p:nvSpPr>
-          <p:cNvPr id="20" name="Google Shape;20;p4"/>
           <p:cNvSpPr/>
           <p:nvPr/>
         </p:nvSpPr>
@@ -3892,6 +3750,147 @@
                 <a:schemeClr val="dk1"/>
               </a:solidFill>
             </a:endParaRPr>
+          </a:p>
+        </p:txBody>
+      </p:sp>
+      <p:sp>
+        <p:nvSpPr>
+          <p:cNvPr id="20" name="Google Shape;20;p4"/>
+          <p:cNvSpPr txBox="1"/>
+          <p:nvPr>
+            <p:ph idx="12" type="sldNum"/>
+          </p:nvPr>
+        </p:nvSpPr>
+        <p:spPr>
+          <a:xfrm>
+            <a:off x="7315202" y="4229100"/>
+            <a:ext cx="1828800" cy="914400"/>
+          </a:xfrm>
+          <a:prstGeom prst="rect">
+            <a:avLst/>
+          </a:prstGeom>
+          <a:ln>
+            <a:noFill/>
+          </a:ln>
+        </p:spPr>
+        <p:txBody>
+          <a:bodyPr anchorCtr="0" anchor="b" bIns="91425" lIns="91425" spcFirstLastPara="1" rIns="91425" wrap="square" tIns="91425">
+            <a:noAutofit/>
+          </a:bodyPr>
+          <a:lstStyle>
+            <a:lvl1pPr lvl="0" rtl="0" algn="r">
+              <a:buNone/>
+              <a:defRPr b="1" sz="2400">
+                <a:solidFill>
+                  <a:schemeClr val="dk2"/>
+                </a:solidFill>
+              </a:defRPr>
+            </a:lvl1pPr>
+            <a:lvl2pPr lvl="1" rtl="0" algn="r">
+              <a:buNone/>
+              <a:defRPr b="1" sz="2400">
+                <a:solidFill>
+                  <a:schemeClr val="dk2"/>
+                </a:solidFill>
+              </a:defRPr>
+            </a:lvl2pPr>
+            <a:lvl3pPr lvl="2" rtl="0" algn="r">
+              <a:buNone/>
+              <a:defRPr b="1" sz="2400">
+                <a:solidFill>
+                  <a:schemeClr val="dk2"/>
+                </a:solidFill>
+              </a:defRPr>
+            </a:lvl3pPr>
+            <a:lvl4pPr lvl="3" rtl="0" algn="r">
+              <a:buNone/>
+              <a:defRPr b="1" sz="2400">
+                <a:solidFill>
+                  <a:schemeClr val="dk2"/>
+                </a:solidFill>
+              </a:defRPr>
+            </a:lvl4pPr>
+            <a:lvl5pPr lvl="4" rtl="0" algn="r">
+              <a:buNone/>
+              <a:defRPr b="1" sz="2400">
+                <a:solidFill>
+                  <a:schemeClr val="dk2"/>
+                </a:solidFill>
+              </a:defRPr>
+            </a:lvl5pPr>
+            <a:lvl6pPr lvl="5" rtl="0" algn="r">
+              <a:buNone/>
+              <a:defRPr b="1" sz="2400">
+                <a:solidFill>
+                  <a:schemeClr val="dk2"/>
+                </a:solidFill>
+              </a:defRPr>
+            </a:lvl6pPr>
+            <a:lvl7pPr lvl="6" rtl="0" algn="r">
+              <a:buNone/>
+              <a:defRPr b="1" sz="2400">
+                <a:solidFill>
+                  <a:schemeClr val="dk2"/>
+                </a:solidFill>
+              </a:defRPr>
+            </a:lvl7pPr>
+            <a:lvl8pPr lvl="7" rtl="0" algn="r">
+              <a:buNone/>
+              <a:defRPr b="1" sz="2400">
+                <a:solidFill>
+                  <a:schemeClr val="dk2"/>
+                </a:solidFill>
+              </a:defRPr>
+            </a:lvl8pPr>
+            <a:lvl9pPr lvl="8" rtl="0" algn="r">
+              <a:buNone/>
+              <a:defRPr b="1" sz="2400">
+                <a:solidFill>
+                  <a:schemeClr val="dk2"/>
+                </a:solidFill>
+              </a:defRPr>
+            </a:lvl9pPr>
+          </a:lstStyle>
+          <a:p>
+            <a:pPr indent="0" lvl="0" marL="0" rtl="0" algn="r">
+              <a:spcBef>
+                <a:spcPts val="0"/>
+              </a:spcBef>
+              <a:spcAft>
+                <a:spcPts val="0"/>
+              </a:spcAft>
+              <a:buNone/>
+            </a:pPr>
+            <a:fld id="{00000000-1234-1234-1234-123412341234}" type="slidenum">
+              <a:rPr lang="en"/>
+              <a:t>‹#›</a:t>
+            </a:fld>
+            <a:endParaRPr/>
+          </a:p>
+          <a:p>
+            <a:pPr indent="0" lvl="0" marL="0" rtl="0" algn="r">
+              <a:spcBef>
+                <a:spcPts val="0"/>
+              </a:spcBef>
+              <a:spcAft>
+                <a:spcPts val="0"/>
+              </a:spcAft>
+              <a:buNone/>
+            </a:pPr>
+            <a:r>
+              <a:rPr b="0" lang="en" sz="900" u="sng">
+                <a:solidFill>
+                  <a:schemeClr val="hlink"/>
+                </a:solidFill>
+                <a:hlinkClick r:id="rId2"/>
+              </a:rPr>
+              <a:t>uni1.de/amos</a:t>
+            </a:r>
+            <a:r>
+              <a:rPr b="0" lang="en" sz="900"/>
+              <a:t> </a:t>
+            </a:r>
+            <a:endParaRPr b="0" sz="900"/>
           </a:p>
         </p:txBody>
       </p:sp>
@@ -4301,148 +4300,6 @@
       <p:sp>
         <p:nvSpPr>
           <p:cNvPr id="25" name="Google Shape;25;p5"/>
-          <p:cNvSpPr txBox="1"/>
-          <p:nvPr>
-            <p:ph idx="12" type="sldNum"/>
-          </p:nvPr>
-        </p:nvSpPr>
-        <p:spPr>
-          <a:xfrm>
-            <a:off x="7315202" y="4416550"/>
-            <a:ext cx="1828800" cy="731400"/>
-          </a:xfrm>
-          <a:prstGeom prst="rect">
-            <a:avLst/>
-          </a:prstGeom>
-        </p:spPr>
-        <p:txBody>
-          <a:bodyPr anchorCtr="0" anchor="b" bIns="91425" lIns="91425" spcFirstLastPara="1" rIns="91425" wrap="square" tIns="91425">
-            <a:noAutofit/>
-          </a:bodyPr>
-          <a:lstStyle>
-            <a:lvl1pPr lvl="0">
-              <a:buNone/>
-              <a:defRPr>
-                <a:solidFill>
-                  <a:schemeClr val="dk1"/>
-                </a:solidFill>
-              </a:defRPr>
-            </a:lvl1pPr>
-            <a:lvl2pPr lvl="1">
-              <a:buNone/>
-              <a:defRPr>
-                <a:solidFill>
-                  <a:schemeClr val="dk1"/>
-                </a:solidFill>
-              </a:defRPr>
-            </a:lvl2pPr>
-            <a:lvl3pPr lvl="2">
-              <a:buNone/>
-              <a:defRPr>
-                <a:solidFill>
-                  <a:schemeClr val="dk1"/>
-                </a:solidFill>
-              </a:defRPr>
-            </a:lvl3pPr>
-            <a:lvl4pPr lvl="3">
-              <a:buNone/>
-              <a:defRPr>
-                <a:solidFill>
-                  <a:schemeClr val="dk1"/>
-                </a:solidFill>
-              </a:defRPr>
-            </a:lvl4pPr>
-            <a:lvl5pPr lvl="4">
-              <a:buNone/>
-              <a:defRPr>
-                <a:solidFill>
-                  <a:schemeClr val="dk1"/>
-                </a:solidFill>
-              </a:defRPr>
-            </a:lvl5pPr>
-            <a:lvl6pPr lvl="5">
-              <a:buNone/>
-              <a:defRPr>
-                <a:solidFill>
-                  <a:schemeClr val="dk1"/>
-                </a:solidFill>
-              </a:defRPr>
-            </a:lvl6pPr>
-            <a:lvl7pPr lvl="6">
-              <a:buNone/>
-              <a:defRPr>
-                <a:solidFill>
-                  <a:schemeClr val="dk1"/>
-                </a:solidFill>
-              </a:defRPr>
-            </a:lvl7pPr>
-            <a:lvl8pPr lvl="7">
-              <a:buNone/>
-              <a:defRPr>
-                <a:solidFill>
-                  <a:schemeClr val="dk1"/>
-                </a:solidFill>
-              </a:defRPr>
-            </a:lvl8pPr>
-            <a:lvl9pPr lvl="8">
-              <a:buNone/>
-              <a:defRPr>
-                <a:solidFill>
-                  <a:schemeClr val="dk1"/>
-                </a:solidFill>
-              </a:defRPr>
-            </a:lvl9pPr>
-          </a:lstStyle>
-          <a:p>
-            <a:pPr indent="0" lvl="0" marL="0" rtl="0" algn="r">
-              <a:spcBef>
-                <a:spcPts val="0"/>
-              </a:spcBef>
-              <a:spcAft>
-                <a:spcPts val="0"/>
-              </a:spcAft>
-              <a:buNone/>
-            </a:pPr>
-            <a:fld id="{00000000-1234-1234-1234-123412341234}" type="slidenum">
-              <a:rPr lang="en"/>
-              <a:t>‹#›</a:t>
-            </a:fld>
-            <a:endParaRPr/>
-          </a:p>
-          <a:p>
-            <a:pPr indent="0" lvl="0" marL="0" rtl="0" algn="r">
-              <a:spcBef>
-                <a:spcPts val="0"/>
-              </a:spcBef>
-              <a:spcAft>
-                <a:spcPts val="0"/>
-              </a:spcAft>
-              <a:buNone/>
-            </a:pPr>
-            <a:r>
-              <a:rPr b="0" lang="en" sz="900" u="sng">
-                <a:solidFill>
-                  <a:schemeClr val="hlink"/>
-                </a:solidFill>
-                <a:hlinkClick r:id="rId2"/>
-              </a:rPr>
-              <a:t>https://profriehle.com</a:t>
-            </a:r>
-            <a:r>
-              <a:rPr b="0" lang="en" sz="900">
-                <a:solidFill>
-                  <a:schemeClr val="dk2"/>
-                </a:solidFill>
-              </a:rPr>
-              <a:t> </a:t>
-            </a:r>
-            <a:endParaRPr/>
-          </a:p>
-        </p:txBody>
-      </p:sp>
-      <p:sp>
-        <p:nvSpPr>
-          <p:cNvPr id="26" name="Google Shape;26;p5"/>
           <p:cNvSpPr/>
           <p:nvPr/>
         </p:nvSpPr>
@@ -4484,6 +4341,147 @@
                 <a:schemeClr val="dk1"/>
               </a:solidFill>
             </a:endParaRPr>
+          </a:p>
+        </p:txBody>
+      </p:sp>
+      <p:sp>
+        <p:nvSpPr>
+          <p:cNvPr id="26" name="Google Shape;26;p5"/>
+          <p:cNvSpPr txBox="1"/>
+          <p:nvPr>
+            <p:ph idx="12" type="sldNum"/>
+          </p:nvPr>
+        </p:nvSpPr>
+        <p:spPr>
+          <a:xfrm>
+            <a:off x="7315202" y="4229100"/>
+            <a:ext cx="1828800" cy="914400"/>
+          </a:xfrm>
+          <a:prstGeom prst="rect">
+            <a:avLst/>
+          </a:prstGeom>
+          <a:ln>
+            <a:noFill/>
+          </a:ln>
+        </p:spPr>
+        <p:txBody>
+          <a:bodyPr anchorCtr="0" anchor="b" bIns="91425" lIns="91425" spcFirstLastPara="1" rIns="91425" wrap="square" tIns="91425">
+            <a:noAutofit/>
+          </a:bodyPr>
+          <a:lstStyle>
+            <a:lvl1pPr lvl="0" rtl="0" algn="r">
+              <a:buNone/>
+              <a:defRPr b="1" sz="2400">
+                <a:solidFill>
+                  <a:schemeClr val="dk2"/>
+                </a:solidFill>
+              </a:defRPr>
+            </a:lvl1pPr>
+            <a:lvl2pPr lvl="1" rtl="0" algn="r">
+              <a:buNone/>
+              <a:defRPr b="1" sz="2400">
+                <a:solidFill>
+                  <a:schemeClr val="dk2"/>
+                </a:solidFill>
+              </a:defRPr>
+            </a:lvl2pPr>
+            <a:lvl3pPr lvl="2" rtl="0" algn="r">
+              <a:buNone/>
+              <a:defRPr b="1" sz="2400">
+                <a:solidFill>
+                  <a:schemeClr val="dk2"/>
+                </a:solidFill>
+              </a:defRPr>
+            </a:lvl3pPr>
+            <a:lvl4pPr lvl="3" rtl="0" algn="r">
+              <a:buNone/>
+              <a:defRPr b="1" sz="2400">
+                <a:solidFill>
+                  <a:schemeClr val="dk2"/>
+                </a:solidFill>
+              </a:defRPr>
+            </a:lvl4pPr>
+            <a:lvl5pPr lvl="4" rtl="0" algn="r">
+              <a:buNone/>
+              <a:defRPr b="1" sz="2400">
+                <a:solidFill>
+                  <a:schemeClr val="dk2"/>
+                </a:solidFill>
+              </a:defRPr>
+            </a:lvl5pPr>
+            <a:lvl6pPr lvl="5" rtl="0" algn="r">
+              <a:buNone/>
+              <a:defRPr b="1" sz="2400">
+                <a:solidFill>
+                  <a:schemeClr val="dk2"/>
+                </a:solidFill>
+              </a:defRPr>
+            </a:lvl6pPr>
+            <a:lvl7pPr lvl="6" rtl="0" algn="r">
+              <a:buNone/>
+              <a:defRPr b="1" sz="2400">
+                <a:solidFill>
+                  <a:schemeClr val="dk2"/>
+                </a:solidFill>
+              </a:defRPr>
+            </a:lvl7pPr>
+            <a:lvl8pPr lvl="7" rtl="0" algn="r">
+              <a:buNone/>
+              <a:defRPr b="1" sz="2400">
+                <a:solidFill>
+                  <a:schemeClr val="dk2"/>
+                </a:solidFill>
+              </a:defRPr>
+            </a:lvl8pPr>
+            <a:lvl9pPr lvl="8" rtl="0" algn="r">
+              <a:buNone/>
+              <a:defRPr b="1" sz="2400">
+                <a:solidFill>
+                  <a:schemeClr val="dk2"/>
+                </a:solidFill>
+              </a:defRPr>
+            </a:lvl9pPr>
+          </a:lstStyle>
+          <a:p>
+            <a:pPr indent="0" lvl="0" marL="0" rtl="0" algn="r">
+              <a:spcBef>
+                <a:spcPts val="0"/>
+              </a:spcBef>
+              <a:spcAft>
+                <a:spcPts val="0"/>
+              </a:spcAft>
+              <a:buNone/>
+            </a:pPr>
+            <a:fld id="{00000000-1234-1234-1234-123412341234}" type="slidenum">
+              <a:rPr lang="en"/>
+              <a:t>‹#›</a:t>
+            </a:fld>
+            <a:endParaRPr/>
+          </a:p>
+          <a:p>
+            <a:pPr indent="0" lvl="0" marL="0" rtl="0" algn="r">
+              <a:spcBef>
+                <a:spcPts val="0"/>
+              </a:spcBef>
+              <a:spcAft>
+                <a:spcPts val="0"/>
+              </a:spcAft>
+              <a:buNone/>
+            </a:pPr>
+            <a:r>
+              <a:rPr b="0" lang="en" sz="900" u="sng">
+                <a:solidFill>
+                  <a:schemeClr val="hlink"/>
+                </a:solidFill>
+                <a:hlinkClick r:id="rId2"/>
+              </a:rPr>
+              <a:t>uni1.de/amos</a:t>
+            </a:r>
+            <a:r>
+              <a:rPr b="0" lang="en" sz="900"/>
+              <a:t> </a:t>
+            </a:r>
+            <a:endParaRPr b="0" sz="900"/>
           </a:p>
         </p:txBody>
       </p:sp>
@@ -4640,148 +4638,6 @@
       <p:sp>
         <p:nvSpPr>
           <p:cNvPr id="29" name="Google Shape;29;p6"/>
-          <p:cNvSpPr txBox="1"/>
-          <p:nvPr>
-            <p:ph idx="12" type="sldNum"/>
-          </p:nvPr>
-        </p:nvSpPr>
-        <p:spPr>
-          <a:xfrm>
-            <a:off x="7315202" y="4416550"/>
-            <a:ext cx="1828800" cy="731400"/>
-          </a:xfrm>
-          <a:prstGeom prst="rect">
-            <a:avLst/>
-          </a:prstGeom>
-        </p:spPr>
-        <p:txBody>
-          <a:bodyPr anchorCtr="0" anchor="b" bIns="91425" lIns="91425" spcFirstLastPara="1" rIns="91425" wrap="square" tIns="91425">
-            <a:noAutofit/>
-          </a:bodyPr>
-          <a:lstStyle>
-            <a:lvl1pPr lvl="0">
-              <a:buNone/>
-              <a:defRPr>
-                <a:solidFill>
-                  <a:schemeClr val="dk1"/>
-                </a:solidFill>
-              </a:defRPr>
-            </a:lvl1pPr>
-            <a:lvl2pPr lvl="1">
-              <a:buNone/>
-              <a:defRPr>
-                <a:solidFill>
-                  <a:schemeClr val="dk1"/>
-                </a:solidFill>
-              </a:defRPr>
-            </a:lvl2pPr>
-            <a:lvl3pPr lvl="2">
-              <a:buNone/>
-              <a:defRPr>
-                <a:solidFill>
-                  <a:schemeClr val="dk1"/>
-                </a:solidFill>
-              </a:defRPr>
-            </a:lvl3pPr>
-            <a:lvl4pPr lvl="3">
-              <a:buNone/>
-              <a:defRPr>
-                <a:solidFill>
-                  <a:schemeClr val="dk1"/>
-                </a:solidFill>
-              </a:defRPr>
-            </a:lvl4pPr>
-            <a:lvl5pPr lvl="4">
-              <a:buNone/>
-              <a:defRPr>
-                <a:solidFill>
-                  <a:schemeClr val="dk1"/>
-                </a:solidFill>
-              </a:defRPr>
-            </a:lvl5pPr>
-            <a:lvl6pPr lvl="5">
-              <a:buNone/>
-              <a:defRPr>
-                <a:solidFill>
-                  <a:schemeClr val="dk1"/>
-                </a:solidFill>
-              </a:defRPr>
-            </a:lvl6pPr>
-            <a:lvl7pPr lvl="6">
-              <a:buNone/>
-              <a:defRPr>
-                <a:solidFill>
-                  <a:schemeClr val="dk1"/>
-                </a:solidFill>
-              </a:defRPr>
-            </a:lvl7pPr>
-            <a:lvl8pPr lvl="7">
-              <a:buNone/>
-              <a:defRPr>
-                <a:solidFill>
-                  <a:schemeClr val="dk1"/>
-                </a:solidFill>
-              </a:defRPr>
-            </a:lvl8pPr>
-            <a:lvl9pPr lvl="8">
-              <a:buNone/>
-              <a:defRPr>
-                <a:solidFill>
-                  <a:schemeClr val="dk1"/>
-                </a:solidFill>
-              </a:defRPr>
-            </a:lvl9pPr>
-          </a:lstStyle>
-          <a:p>
-            <a:pPr indent="0" lvl="0" marL="0" rtl="0" algn="r">
-              <a:spcBef>
-                <a:spcPts val="0"/>
-              </a:spcBef>
-              <a:spcAft>
-                <a:spcPts val="0"/>
-              </a:spcAft>
-              <a:buNone/>
-            </a:pPr>
-            <a:fld id="{00000000-1234-1234-1234-123412341234}" type="slidenum">
-              <a:rPr lang="en"/>
-              <a:t>‹#›</a:t>
-            </a:fld>
-            <a:endParaRPr/>
-          </a:p>
-          <a:p>
-            <a:pPr indent="0" lvl="0" marL="0" rtl="0" algn="r">
-              <a:spcBef>
-                <a:spcPts val="0"/>
-              </a:spcBef>
-              <a:spcAft>
-                <a:spcPts val="0"/>
-              </a:spcAft>
-              <a:buNone/>
-            </a:pPr>
-            <a:r>
-              <a:rPr b="0" lang="en" sz="900" u="sng">
-                <a:solidFill>
-                  <a:schemeClr val="hlink"/>
-                </a:solidFill>
-                <a:hlinkClick r:id="rId2"/>
-              </a:rPr>
-              <a:t>https://profriehle.com</a:t>
-            </a:r>
-            <a:r>
-              <a:rPr b="0" lang="en" sz="900">
-                <a:solidFill>
-                  <a:schemeClr val="dk2"/>
-                </a:solidFill>
-              </a:rPr>
-              <a:t> </a:t>
-            </a:r>
-            <a:endParaRPr/>
-          </a:p>
-        </p:txBody>
-      </p:sp>
-      <p:sp>
-        <p:nvSpPr>
-          <p:cNvPr id="30" name="Google Shape;30;p6"/>
           <p:cNvSpPr/>
           <p:nvPr/>
         </p:nvSpPr>
@@ -4819,6 +4675,147 @@
               <a:t/>
             </a:r>
             <a:endParaRPr/>
+          </a:p>
+        </p:txBody>
+      </p:sp>
+      <p:sp>
+        <p:nvSpPr>
+          <p:cNvPr id="30" name="Google Shape;30;p6"/>
+          <p:cNvSpPr txBox="1"/>
+          <p:nvPr>
+            <p:ph idx="12" type="sldNum"/>
+          </p:nvPr>
+        </p:nvSpPr>
+        <p:spPr>
+          <a:xfrm>
+            <a:off x="7315202" y="4229100"/>
+            <a:ext cx="1828800" cy="914400"/>
+          </a:xfrm>
+          <a:prstGeom prst="rect">
+            <a:avLst/>
+          </a:prstGeom>
+          <a:ln>
+            <a:noFill/>
+          </a:ln>
+        </p:spPr>
+        <p:txBody>
+          <a:bodyPr anchorCtr="0" anchor="b" bIns="91425" lIns="91425" spcFirstLastPara="1" rIns="91425" wrap="square" tIns="91425">
+            <a:noAutofit/>
+          </a:bodyPr>
+          <a:lstStyle>
+            <a:lvl1pPr lvl="0" rtl="0" algn="r">
+              <a:buNone/>
+              <a:defRPr b="1" sz="2400">
+                <a:solidFill>
+                  <a:schemeClr val="dk2"/>
+                </a:solidFill>
+              </a:defRPr>
+            </a:lvl1pPr>
+            <a:lvl2pPr lvl="1" rtl="0" algn="r">
+              <a:buNone/>
+              <a:defRPr b="1" sz="2400">
+                <a:solidFill>
+                  <a:schemeClr val="dk2"/>
+                </a:solidFill>
+              </a:defRPr>
+            </a:lvl2pPr>
+            <a:lvl3pPr lvl="2" rtl="0" algn="r">
+              <a:buNone/>
+              <a:defRPr b="1" sz="2400">
+                <a:solidFill>
+                  <a:schemeClr val="dk2"/>
+                </a:solidFill>
+              </a:defRPr>
+            </a:lvl3pPr>
+            <a:lvl4pPr lvl="3" rtl="0" algn="r">
+              <a:buNone/>
+              <a:defRPr b="1" sz="2400">
+                <a:solidFill>
+                  <a:schemeClr val="dk2"/>
+                </a:solidFill>
+              </a:defRPr>
+            </a:lvl4pPr>
+            <a:lvl5pPr lvl="4" rtl="0" algn="r">
+              <a:buNone/>
+              <a:defRPr b="1" sz="2400">
+                <a:solidFill>
+                  <a:schemeClr val="dk2"/>
+                </a:solidFill>
+              </a:defRPr>
+            </a:lvl5pPr>
+            <a:lvl6pPr lvl="5" rtl="0" algn="r">
+              <a:buNone/>
+              <a:defRPr b="1" sz="2400">
+                <a:solidFill>
+                  <a:schemeClr val="dk2"/>
+                </a:solidFill>
+              </a:defRPr>
+            </a:lvl6pPr>
+            <a:lvl7pPr lvl="6" rtl="0" algn="r">
+              <a:buNone/>
+              <a:defRPr b="1" sz="2400">
+                <a:solidFill>
+                  <a:schemeClr val="dk2"/>
+                </a:solidFill>
+              </a:defRPr>
+            </a:lvl7pPr>
+            <a:lvl8pPr lvl="7" rtl="0" algn="r">
+              <a:buNone/>
+              <a:defRPr b="1" sz="2400">
+                <a:solidFill>
+                  <a:schemeClr val="dk2"/>
+                </a:solidFill>
+              </a:defRPr>
+            </a:lvl8pPr>
+            <a:lvl9pPr lvl="8" rtl="0" algn="r">
+              <a:buNone/>
+              <a:defRPr b="1" sz="2400">
+                <a:solidFill>
+                  <a:schemeClr val="dk2"/>
+                </a:solidFill>
+              </a:defRPr>
+            </a:lvl9pPr>
+          </a:lstStyle>
+          <a:p>
+            <a:pPr indent="0" lvl="0" marL="0" rtl="0" algn="r">
+              <a:spcBef>
+                <a:spcPts val="0"/>
+              </a:spcBef>
+              <a:spcAft>
+                <a:spcPts val="0"/>
+              </a:spcAft>
+              <a:buNone/>
+            </a:pPr>
+            <a:fld id="{00000000-1234-1234-1234-123412341234}" type="slidenum">
+              <a:rPr lang="en"/>
+              <a:t>‹#›</a:t>
+            </a:fld>
+            <a:endParaRPr/>
+          </a:p>
+          <a:p>
+            <a:pPr indent="0" lvl="0" marL="0" rtl="0" algn="r">
+              <a:spcBef>
+                <a:spcPts val="0"/>
+              </a:spcBef>
+              <a:spcAft>
+                <a:spcPts val="0"/>
+              </a:spcAft>
+              <a:buNone/>
+            </a:pPr>
+            <a:r>
+              <a:rPr b="0" lang="en" sz="900" u="sng">
+                <a:solidFill>
+                  <a:schemeClr val="hlink"/>
+                </a:solidFill>
+                <a:hlinkClick r:id="rId2"/>
+              </a:rPr>
+              <a:t>uni1.de/amos</a:t>
+            </a:r>
+            <a:r>
+              <a:rPr b="0" lang="en" sz="900"/>
+              <a:t> </a:t>
+            </a:r>
+            <a:endParaRPr b="0" sz="900"/>
           </a:p>
         </p:txBody>
       </p:sp>
@@ -5300,8 +5297,8 @@
         </p:nvSpPr>
         <p:spPr>
           <a:xfrm>
-            <a:off x="7315202" y="4416550"/>
-            <a:ext cx="1828800" cy="731400"/>
+            <a:off x="7315202" y="4229100"/>
+            <a:ext cx="1828800" cy="914400"/>
           </a:xfrm>
           <a:prstGeom prst="rect">
             <a:avLst/>
@@ -5416,19 +5413,19 @@
               <a:buNone/>
             </a:pPr>
             <a:r>
-              <a:rPr b="0" lang="en" sz="900" u="sng">
+              <a:rPr b="0" lang="en" sz="1000" u="sng">
                 <a:solidFill>
                   <a:schemeClr val="hlink"/>
                 </a:solidFill>
                 <a:hlinkClick r:id="rId1"/>
               </a:rPr>
-              <a:t>https://profriehle.com</a:t>
-            </a:r>
-            <a:r>
-              <a:rPr b="0" lang="en" sz="900"/>
+              <a:t>uni1.de/amos</a:t>
+            </a:r>
+            <a:r>
+              <a:rPr b="0" lang="en" sz="1000"/>
               <a:t> </a:t>
             </a:r>
-            <a:endParaRPr b="0" sz="900"/>
+            <a:endParaRPr b="0" sz="1000"/>
           </a:p>
         </p:txBody>
       </p:sp>
@@ -6403,8 +6400,8 @@
         </p:nvSpPr>
         <p:spPr>
           <a:xfrm>
-            <a:off x="7315202" y="4416550"/>
-            <a:ext cx="1828800" cy="731400"/>
+            <a:off x="7315202" y="4229100"/>
+            <a:ext cx="1828800" cy="914400"/>
           </a:xfrm>
           <a:prstGeom prst="rect">
             <a:avLst/>
@@ -6426,10 +6423,18 @@
               <a:buNone/>
             </a:pPr>
             <a:fld id="{00000000-1234-1234-1234-123412341234}" type="slidenum">
-              <a:rPr lang="en"/>
+              <a:rPr lang="en">
+                <a:solidFill>
+                  <a:schemeClr val="dk2"/>
+                </a:solidFill>
+              </a:rPr>
               <a:t>‹#›</a:t>
             </a:fld>
-            <a:endParaRPr/>
+            <a:endParaRPr>
+              <a:solidFill>
+                <a:schemeClr val="dk2"/>
+              </a:solidFill>
+            </a:endParaRPr>
           </a:p>
           <a:p>
             <a:pPr indent="0" lvl="0" marL="0" rtl="0" algn="r">
@@ -6448,7 +6453,7 @@
                 </a:solidFill>
                 <a:hlinkClick r:id="rId3"/>
               </a:rPr>
-              <a:t>https://profriehle.com</a:t>
+              <a:t>uni1.de/amos</a:t>
             </a:r>
             <a:r>
               <a:rPr b="0" lang="en" sz="900">
@@ -6458,7 +6463,11 @@
               </a:rPr>
               <a:t> </a:t>
             </a:r>
-            <a:endParaRPr/>
+            <a:endParaRPr b="0" sz="900">
+              <a:solidFill>
+                <a:schemeClr val="dk2"/>
+              </a:solidFill>
+            </a:endParaRPr>
           </a:p>
         </p:txBody>
       </p:sp>
@@ -6537,8 +6546,8 @@
         </p:nvSpPr>
         <p:spPr>
           <a:xfrm>
-            <a:off x="7315202" y="4416550"/>
-            <a:ext cx="1828800" cy="731400"/>
+            <a:off x="7315202" y="4229100"/>
+            <a:ext cx="1828800" cy="914400"/>
           </a:xfrm>
           <a:prstGeom prst="rect">
             <a:avLst/>
@@ -6560,10 +6569,18 @@
               <a:buNone/>
             </a:pPr>
             <a:fld id="{00000000-1234-1234-1234-123412341234}" type="slidenum">
-              <a:rPr lang="en"/>
+              <a:rPr lang="en">
+                <a:solidFill>
+                  <a:schemeClr val="dk2"/>
+                </a:solidFill>
+              </a:rPr>
               <a:t>‹#›</a:t>
             </a:fld>
-            <a:endParaRPr/>
+            <a:endParaRPr>
+              <a:solidFill>
+                <a:schemeClr val="dk2"/>
+              </a:solidFill>
+            </a:endParaRPr>
           </a:p>
           <a:p>
             <a:pPr indent="0" lvl="0" marL="0" rtl="0" algn="r">
@@ -6582,7 +6599,7 @@
                 </a:solidFill>
                 <a:hlinkClick r:id="rId3"/>
               </a:rPr>
-              <a:t>https://profriehle.com</a:t>
+              <a:t>uni1.de/amos</a:t>
             </a:r>
             <a:r>
               <a:rPr b="0" lang="en" sz="900">
@@ -6592,7 +6609,11 @@
               </a:rPr>
               <a:t> </a:t>
             </a:r>
-            <a:endParaRPr/>
+            <a:endParaRPr b="0" sz="900">
+              <a:solidFill>
+                <a:schemeClr val="dk2"/>
+              </a:solidFill>
+            </a:endParaRPr>
           </a:p>
         </p:txBody>
       </p:sp>
@@ -6820,8 +6841,8 @@
         </p:nvSpPr>
         <p:spPr>
           <a:xfrm>
-            <a:off x="7315202" y="4416550"/>
-            <a:ext cx="1828800" cy="731400"/>
+            <a:off x="7315202" y="4229100"/>
+            <a:ext cx="1828800" cy="914400"/>
           </a:xfrm>
           <a:prstGeom prst="rect">
             <a:avLst/>
@@ -6843,10 +6864,18 @@
               <a:buNone/>
             </a:pPr>
             <a:fld id="{00000000-1234-1234-1234-123412341234}" type="slidenum">
-              <a:rPr lang="en"/>
+              <a:rPr lang="en">
+                <a:solidFill>
+                  <a:schemeClr val="dk2"/>
+                </a:solidFill>
+              </a:rPr>
               <a:t>‹#›</a:t>
             </a:fld>
-            <a:endParaRPr/>
+            <a:endParaRPr>
+              <a:solidFill>
+                <a:schemeClr val="dk2"/>
+              </a:solidFill>
+            </a:endParaRPr>
           </a:p>
           <a:p>
             <a:pPr indent="0" lvl="0" marL="0" rtl="0" algn="r">
@@ -6865,7 +6894,7 @@
                 </a:solidFill>
                 <a:hlinkClick r:id="rId3"/>
               </a:rPr>
-              <a:t>https://profriehle.com</a:t>
+              <a:t>uni1.de/amos</a:t>
             </a:r>
             <a:r>
               <a:rPr b="0" lang="en" sz="900">
@@ -6875,7 +6904,11 @@
               </a:rPr>
               <a:t> </a:t>
             </a:r>
-            <a:endParaRPr/>
+            <a:endParaRPr b="0" sz="900">
+              <a:solidFill>
+                <a:schemeClr val="dk2"/>
+              </a:solidFill>
+            </a:endParaRPr>
           </a:p>
         </p:txBody>
       </p:sp>
@@ -7075,8 +7108,8 @@
         </p:nvSpPr>
         <p:spPr>
           <a:xfrm>
-            <a:off x="7315202" y="4416550"/>
-            <a:ext cx="1828800" cy="731400"/>
+            <a:off x="7315202" y="4229100"/>
+            <a:ext cx="1828800" cy="914400"/>
           </a:xfrm>
           <a:prstGeom prst="rect">
             <a:avLst/>
@@ -7098,10 +7131,18 @@
               <a:buNone/>
             </a:pPr>
             <a:fld id="{00000000-1234-1234-1234-123412341234}" type="slidenum">
-              <a:rPr lang="en"/>
+              <a:rPr lang="en">
+                <a:solidFill>
+                  <a:schemeClr val="dk2"/>
+                </a:solidFill>
+              </a:rPr>
               <a:t>‹#›</a:t>
             </a:fld>
-            <a:endParaRPr/>
+            <a:endParaRPr>
+              <a:solidFill>
+                <a:schemeClr val="dk2"/>
+              </a:solidFill>
+            </a:endParaRPr>
           </a:p>
           <a:p>
             <a:pPr indent="0" lvl="0" marL="0" rtl="0" algn="r">
@@ -7120,7 +7161,7 @@
                 </a:solidFill>
                 <a:hlinkClick r:id="rId3"/>
               </a:rPr>
-              <a:t>https://profriehle.com</a:t>
+              <a:t>uni1.de/amos</a:t>
             </a:r>
             <a:r>
               <a:rPr b="0" lang="en" sz="900">
@@ -7130,7 +7171,11 @@
               </a:rPr>
               <a:t> </a:t>
             </a:r>
-            <a:endParaRPr/>
+            <a:endParaRPr b="0" sz="900">
+              <a:solidFill>
+                <a:schemeClr val="dk2"/>
+              </a:solidFill>
+            </a:endParaRPr>
           </a:p>
         </p:txBody>
       </p:sp>
@@ -7330,8 +7375,8 @@
         </p:nvSpPr>
         <p:spPr>
           <a:xfrm>
-            <a:off x="7315202" y="4416550"/>
-            <a:ext cx="1828800" cy="731400"/>
+            <a:off x="7315202" y="4229100"/>
+            <a:ext cx="1828800" cy="914400"/>
           </a:xfrm>
           <a:prstGeom prst="rect">
             <a:avLst/>
@@ -7353,10 +7398,18 @@
               <a:buNone/>
             </a:pPr>
             <a:fld id="{00000000-1234-1234-1234-123412341234}" type="slidenum">
-              <a:rPr lang="en"/>
+              <a:rPr lang="en">
+                <a:solidFill>
+                  <a:schemeClr val="dk2"/>
+                </a:solidFill>
+              </a:rPr>
               <a:t>‹#›</a:t>
             </a:fld>
-            <a:endParaRPr/>
+            <a:endParaRPr>
+              <a:solidFill>
+                <a:schemeClr val="dk2"/>
+              </a:solidFill>
+            </a:endParaRPr>
           </a:p>
           <a:p>
             <a:pPr indent="0" lvl="0" marL="0" rtl="0" algn="r">
@@ -7375,7 +7428,7 @@
                 </a:solidFill>
                 <a:hlinkClick r:id="rId3"/>
               </a:rPr>
-              <a:t>https://profriehle.com</a:t>
+              <a:t>uni1.de/amos</a:t>
             </a:r>
             <a:r>
               <a:rPr b="0" lang="en" sz="900">
@@ -7385,7 +7438,11 @@
               </a:rPr>
               <a:t> </a:t>
             </a:r>
-            <a:endParaRPr/>
+            <a:endParaRPr b="0" sz="900">
+              <a:solidFill>
+                <a:schemeClr val="dk2"/>
+              </a:solidFill>
+            </a:endParaRPr>
           </a:p>
         </p:txBody>
       </p:sp>
@@ -7569,8 +7626,8 @@
         </p:nvSpPr>
         <p:spPr>
           <a:xfrm>
-            <a:off x="7315202" y="4416550"/>
-            <a:ext cx="1828800" cy="731400"/>
+            <a:off x="7315202" y="4229100"/>
+            <a:ext cx="1828800" cy="914400"/>
           </a:xfrm>
           <a:prstGeom prst="rect">
             <a:avLst/>
@@ -7592,10 +7649,18 @@
               <a:buNone/>
             </a:pPr>
             <a:fld id="{00000000-1234-1234-1234-123412341234}" type="slidenum">
-              <a:rPr lang="en"/>
+              <a:rPr lang="en">
+                <a:solidFill>
+                  <a:schemeClr val="dk2"/>
+                </a:solidFill>
+              </a:rPr>
               <a:t>‹#›</a:t>
             </a:fld>
-            <a:endParaRPr/>
+            <a:endParaRPr>
+              <a:solidFill>
+                <a:schemeClr val="dk2"/>
+              </a:solidFill>
+            </a:endParaRPr>
           </a:p>
           <a:p>
             <a:pPr indent="0" lvl="0" marL="0" rtl="0" algn="r">
@@ -7614,7 +7679,7 @@
                 </a:solidFill>
                 <a:hlinkClick r:id="rId3"/>
               </a:rPr>
-              <a:t>https://profriehle.com</a:t>
+              <a:t>uni1.de/amos</a:t>
             </a:r>
             <a:r>
               <a:rPr b="0" lang="en" sz="900">
@@ -7624,7 +7689,11 @@
               </a:rPr>
               <a:t> </a:t>
             </a:r>
-            <a:endParaRPr/>
+            <a:endParaRPr b="0" sz="900">
+              <a:solidFill>
+                <a:schemeClr val="dk2"/>
+              </a:solidFill>
+            </a:endParaRPr>
           </a:p>
         </p:txBody>
       </p:sp>
@@ -7841,8 +7910,8 @@
         </p:nvSpPr>
         <p:spPr>
           <a:xfrm>
-            <a:off x="7315202" y="4416550"/>
-            <a:ext cx="1828800" cy="731400"/>
+            <a:off x="7315202" y="4229100"/>
+            <a:ext cx="1828800" cy="914400"/>
           </a:xfrm>
           <a:prstGeom prst="rect">
             <a:avLst/>
@@ -7864,10 +7933,18 @@
               <a:buNone/>
             </a:pPr>
             <a:fld id="{00000000-1234-1234-1234-123412341234}" type="slidenum">
-              <a:rPr lang="en"/>
+              <a:rPr lang="en">
+                <a:solidFill>
+                  <a:schemeClr val="dk2"/>
+                </a:solidFill>
+              </a:rPr>
               <a:t>‹#›</a:t>
             </a:fld>
-            <a:endParaRPr/>
+            <a:endParaRPr>
+              <a:solidFill>
+                <a:schemeClr val="dk2"/>
+              </a:solidFill>
+            </a:endParaRPr>
           </a:p>
           <a:p>
             <a:pPr indent="0" lvl="0" marL="0" rtl="0" algn="r">
@@ -7886,7 +7963,7 @@
                 </a:solidFill>
                 <a:hlinkClick r:id="rId3"/>
               </a:rPr>
-              <a:t>https://profriehle.com</a:t>
+              <a:t>uni1.de/amos</a:t>
             </a:r>
             <a:r>
               <a:rPr b="0" lang="en" sz="900">
@@ -7896,7 +7973,11 @@
               </a:rPr>
               <a:t> </a:t>
             </a:r>
-            <a:endParaRPr/>
+            <a:endParaRPr b="0" sz="900">
+              <a:solidFill>
+                <a:schemeClr val="dk2"/>
+              </a:solidFill>
+            </a:endParaRPr>
           </a:p>
         </p:txBody>
       </p:sp>
@@ -8101,8 +8182,8 @@
         </p:nvSpPr>
         <p:spPr>
           <a:xfrm>
-            <a:off x="7315202" y="4416550"/>
-            <a:ext cx="1828800" cy="731400"/>
+            <a:off x="7315202" y="4229100"/>
+            <a:ext cx="1828800" cy="914400"/>
           </a:xfrm>
           <a:prstGeom prst="rect">
             <a:avLst/>
@@ -8124,10 +8205,18 @@
               <a:buNone/>
             </a:pPr>
             <a:fld id="{00000000-1234-1234-1234-123412341234}" type="slidenum">
-              <a:rPr lang="en"/>
+              <a:rPr lang="en">
+                <a:solidFill>
+                  <a:schemeClr val="dk2"/>
+                </a:solidFill>
+              </a:rPr>
               <a:t>‹#›</a:t>
             </a:fld>
-            <a:endParaRPr/>
+            <a:endParaRPr>
+              <a:solidFill>
+                <a:schemeClr val="dk2"/>
+              </a:solidFill>
+            </a:endParaRPr>
           </a:p>
           <a:p>
             <a:pPr indent="0" lvl="0" marL="0" rtl="0" algn="r">
@@ -8146,7 +8235,7 @@
                 </a:solidFill>
                 <a:hlinkClick r:id="rId3"/>
               </a:rPr>
-              <a:t>https://profriehle.com</a:t>
+              <a:t>uni1.de/amos</a:t>
             </a:r>
             <a:r>
               <a:rPr b="0" lang="en" sz="900">
@@ -8156,7 +8245,11 @@
               </a:rPr>
               <a:t> </a:t>
             </a:r>
-            <a:endParaRPr/>
+            <a:endParaRPr b="0" sz="900">
+              <a:solidFill>
+                <a:schemeClr val="dk2"/>
+              </a:solidFill>
+            </a:endParaRPr>
           </a:p>
         </p:txBody>
       </p:sp>
@@ -8419,8 +8512,8 @@
         </p:nvSpPr>
         <p:spPr>
           <a:xfrm>
-            <a:off x="7315202" y="4416550"/>
-            <a:ext cx="1828800" cy="731400"/>
+            <a:off x="7315202" y="4229100"/>
+            <a:ext cx="1828800" cy="914400"/>
           </a:xfrm>
           <a:prstGeom prst="rect">
             <a:avLst/>
@@ -8442,10 +8535,18 @@
               <a:buNone/>
             </a:pPr>
             <a:fld id="{00000000-1234-1234-1234-123412341234}" type="slidenum">
-              <a:rPr lang="en"/>
+              <a:rPr lang="en">
+                <a:solidFill>
+                  <a:schemeClr val="dk2"/>
+                </a:solidFill>
+              </a:rPr>
               <a:t>‹#›</a:t>
             </a:fld>
-            <a:endParaRPr/>
+            <a:endParaRPr>
+              <a:solidFill>
+                <a:schemeClr val="dk2"/>
+              </a:solidFill>
+            </a:endParaRPr>
           </a:p>
           <a:p>
             <a:pPr indent="0" lvl="0" marL="0" rtl="0" algn="r">
@@ -8464,13 +8565,21 @@
                 </a:solidFill>
                 <a:hlinkClick r:id="rId3"/>
               </a:rPr>
-              <a:t>https://profriehle.com</a:t>
-            </a:r>
-            <a:r>
-              <a:rPr b="0" lang="en" sz="900"/>
+              <a:t>uni1.de/amos</a:t>
+            </a:r>
+            <a:r>
+              <a:rPr b="0" lang="en" sz="900">
+                <a:solidFill>
+                  <a:schemeClr val="dk2"/>
+                </a:solidFill>
+              </a:rPr>
               <a:t> </a:t>
             </a:r>
-            <a:endParaRPr b="0" sz="900"/>
+            <a:endParaRPr b="0" sz="900">
+              <a:solidFill>
+                <a:schemeClr val="dk2"/>
+              </a:solidFill>
+            </a:endParaRPr>
           </a:p>
         </p:txBody>
       </p:sp>
@@ -8732,8 +8841,8 @@
         </p:nvSpPr>
         <p:spPr>
           <a:xfrm>
-            <a:off x="7315202" y="4416550"/>
-            <a:ext cx="1828800" cy="731400"/>
+            <a:off x="7315202" y="4229100"/>
+            <a:ext cx="1828800" cy="914400"/>
           </a:xfrm>
           <a:prstGeom prst="rect">
             <a:avLst/>
@@ -8755,10 +8864,18 @@
               <a:buNone/>
             </a:pPr>
             <a:fld id="{00000000-1234-1234-1234-123412341234}" type="slidenum">
-              <a:rPr lang="en"/>
+              <a:rPr lang="en">
+                <a:solidFill>
+                  <a:schemeClr val="dk2"/>
+                </a:solidFill>
+              </a:rPr>
               <a:t>‹#›</a:t>
             </a:fld>
-            <a:endParaRPr/>
+            <a:endParaRPr>
+              <a:solidFill>
+                <a:schemeClr val="dk2"/>
+              </a:solidFill>
+            </a:endParaRPr>
           </a:p>
           <a:p>
             <a:pPr indent="0" lvl="0" marL="0" rtl="0" algn="r">
@@ -8777,7 +8894,7 @@
                 </a:solidFill>
                 <a:hlinkClick r:id="rId3"/>
               </a:rPr>
-              <a:t>https://profriehle.com</a:t>
+              <a:t>uni1.de/amos</a:t>
             </a:r>
             <a:r>
               <a:rPr b="0" lang="en" sz="900">
@@ -8787,7 +8904,11 @@
               </a:rPr>
               <a:t> </a:t>
             </a:r>
-            <a:endParaRPr/>
+            <a:endParaRPr b="0" sz="900">
+              <a:solidFill>
+                <a:schemeClr val="dk2"/>
+              </a:solidFill>
+            </a:endParaRPr>
           </a:p>
         </p:txBody>
       </p:sp>
@@ -9143,8 +9264,8 @@
         </p:nvSpPr>
         <p:spPr>
           <a:xfrm>
-            <a:off x="7315202" y="4416550"/>
-            <a:ext cx="1828800" cy="731400"/>
+            <a:off x="7315202" y="4229100"/>
+            <a:ext cx="1828800" cy="914400"/>
           </a:xfrm>
           <a:prstGeom prst="rect">
             <a:avLst/>
@@ -9166,10 +9287,18 @@
               <a:buNone/>
             </a:pPr>
             <a:fld id="{00000000-1234-1234-1234-123412341234}" type="slidenum">
-              <a:rPr lang="en"/>
+              <a:rPr lang="en">
+                <a:solidFill>
+                  <a:schemeClr val="dk2"/>
+                </a:solidFill>
+              </a:rPr>
               <a:t>‹#›</a:t>
             </a:fld>
-            <a:endParaRPr/>
+            <a:endParaRPr>
+              <a:solidFill>
+                <a:schemeClr val="dk2"/>
+              </a:solidFill>
+            </a:endParaRPr>
           </a:p>
           <a:p>
             <a:pPr indent="0" lvl="0" marL="0" rtl="0" algn="r">
@@ -9188,7 +9317,7 @@
                 </a:solidFill>
                 <a:hlinkClick r:id="rId3"/>
               </a:rPr>
-              <a:t>https://profriehle.com</a:t>
+              <a:t>uni1.de/amos</a:t>
             </a:r>
             <a:r>
               <a:rPr b="0" lang="en" sz="900">
@@ -9198,7 +9327,11 @@
               </a:rPr>
               <a:t> </a:t>
             </a:r>
-            <a:endParaRPr/>
+            <a:endParaRPr b="0" sz="900">
+              <a:solidFill>
+                <a:schemeClr val="dk2"/>
+              </a:solidFill>
+            </a:endParaRPr>
           </a:p>
         </p:txBody>
       </p:sp>
@@ -9383,8 +9516,8 @@
         </p:nvSpPr>
         <p:spPr>
           <a:xfrm>
-            <a:off x="7315202" y="4416550"/>
-            <a:ext cx="1828800" cy="731400"/>
+            <a:off x="7315202" y="4229100"/>
+            <a:ext cx="1828800" cy="914400"/>
           </a:xfrm>
           <a:prstGeom prst="rect">
             <a:avLst/>
@@ -9406,10 +9539,18 @@
               <a:buNone/>
             </a:pPr>
             <a:fld id="{00000000-1234-1234-1234-123412341234}" type="slidenum">
-              <a:rPr lang="en"/>
+              <a:rPr lang="en">
+                <a:solidFill>
+                  <a:schemeClr val="dk2"/>
+                </a:solidFill>
+              </a:rPr>
               <a:t>‹#›</a:t>
             </a:fld>
-            <a:endParaRPr/>
+            <a:endParaRPr>
+              <a:solidFill>
+                <a:schemeClr val="dk2"/>
+              </a:solidFill>
+            </a:endParaRPr>
           </a:p>
           <a:p>
             <a:pPr indent="0" lvl="0" marL="0" rtl="0" algn="r">
@@ -9428,7 +9569,7 @@
                 </a:solidFill>
                 <a:hlinkClick r:id="rId3"/>
               </a:rPr>
-              <a:t>https://profriehle.com</a:t>
+              <a:t>uni1.de/amos</a:t>
             </a:r>
             <a:r>
               <a:rPr b="0" lang="en" sz="900">
@@ -9438,7 +9579,11 @@
               </a:rPr>
               <a:t> </a:t>
             </a:r>
-            <a:endParaRPr/>
+            <a:endParaRPr b="0" sz="900">
+              <a:solidFill>
+                <a:schemeClr val="dk2"/>
+              </a:solidFill>
+            </a:endParaRPr>
           </a:p>
         </p:txBody>
       </p:sp>
@@ -9683,8 +9828,8 @@
         </p:nvSpPr>
         <p:spPr>
           <a:xfrm>
-            <a:off x="7315202" y="4416550"/>
-            <a:ext cx="1828800" cy="731400"/>
+            <a:off x="7315202" y="4229100"/>
+            <a:ext cx="1828800" cy="914400"/>
           </a:xfrm>
           <a:prstGeom prst="rect">
             <a:avLst/>
@@ -9706,10 +9851,18 @@
               <a:buNone/>
             </a:pPr>
             <a:fld id="{00000000-1234-1234-1234-123412341234}" type="slidenum">
-              <a:rPr lang="en"/>
+              <a:rPr lang="en">
+                <a:solidFill>
+                  <a:schemeClr val="dk2"/>
+                </a:solidFill>
+              </a:rPr>
               <a:t>‹#›</a:t>
             </a:fld>
-            <a:endParaRPr/>
+            <a:endParaRPr>
+              <a:solidFill>
+                <a:schemeClr val="dk2"/>
+              </a:solidFill>
+            </a:endParaRPr>
           </a:p>
           <a:p>
             <a:pPr indent="0" lvl="0" marL="0" rtl="0" algn="r">
@@ -9728,7 +9881,7 @@
                 </a:solidFill>
                 <a:hlinkClick r:id="rId3"/>
               </a:rPr>
-              <a:t>https://profriehle.com</a:t>
+              <a:t>uni1.de/amos</a:t>
             </a:r>
             <a:r>
               <a:rPr b="0" lang="en" sz="900">
@@ -9738,7 +9891,11 @@
               </a:rPr>
               <a:t> </a:t>
             </a:r>
-            <a:endParaRPr/>
+            <a:endParaRPr b="0" sz="900">
+              <a:solidFill>
+                <a:schemeClr val="dk2"/>
+              </a:solidFill>
+            </a:endParaRPr>
           </a:p>
         </p:txBody>
       </p:sp>
@@ -9891,8 +10048,8 @@
         </p:nvSpPr>
         <p:spPr>
           <a:xfrm>
-            <a:off x="7315202" y="4416550"/>
-            <a:ext cx="1828800" cy="731400"/>
+            <a:off x="7315202" y="4229100"/>
+            <a:ext cx="1828800" cy="914400"/>
           </a:xfrm>
           <a:prstGeom prst="rect">
             <a:avLst/>
@@ -9914,10 +10071,18 @@
               <a:buNone/>
             </a:pPr>
             <a:fld id="{00000000-1234-1234-1234-123412341234}" type="slidenum">
-              <a:rPr lang="en"/>
+              <a:rPr lang="en">
+                <a:solidFill>
+                  <a:schemeClr val="dk2"/>
+                </a:solidFill>
+              </a:rPr>
               <a:t>‹#›</a:t>
             </a:fld>
-            <a:endParaRPr/>
+            <a:endParaRPr>
+              <a:solidFill>
+                <a:schemeClr val="dk2"/>
+              </a:solidFill>
+            </a:endParaRPr>
           </a:p>
           <a:p>
             <a:pPr indent="0" lvl="0" marL="0" rtl="0" algn="r">
@@ -9936,7 +10101,7 @@
                 </a:solidFill>
                 <a:hlinkClick r:id="rId3"/>
               </a:rPr>
-              <a:t>https://profriehle.com</a:t>
+              <a:t>uni1.de/amos</a:t>
             </a:r>
             <a:r>
               <a:rPr b="0" lang="en" sz="900">
@@ -9946,7 +10111,11 @@
               </a:rPr>
               <a:t> </a:t>
             </a:r>
-            <a:endParaRPr/>
+            <a:endParaRPr b="0" sz="900">
+              <a:solidFill>
+                <a:schemeClr val="dk2"/>
+              </a:solidFill>
+            </a:endParaRPr>
           </a:p>
         </p:txBody>
       </p:sp>

--- a/Lecture slides/AMOS B06 - Agile Coaching.pptx
+++ b/Lecture slides/AMOS B06 - Agile Coaching.pptx
@@ -726,7 +726,7 @@
       </p:grpSpPr>
       <p:sp>
         <p:nvSpPr>
-          <p:cNvPr id="33" name="Google Shape;33;p:notes"/>
+          <p:cNvPr id="33" name="Google Shape;33;g2cd8f994aab_0_122:notes"/>
           <p:cNvSpPr/>
           <p:nvPr>
             <p:ph idx="2" type="sldImg"/>
@@ -735,7 +735,7 @@
         <p:spPr>
           <a:xfrm>
             <a:off x="381300" y="685800"/>
-            <a:ext cx="6096075" cy="3429000"/>
+            <a:ext cx="6096000" cy="3429000"/>
           </a:xfrm>
           <a:custGeom>
             <a:rect b="b" l="l" r="r" t="t"/>
@@ -761,7 +761,7 @@
       </p:sp>
       <p:sp>
         <p:nvSpPr>
-          <p:cNvPr id="34" name="Google Shape;34;p:notes"/>
+          <p:cNvPr id="34" name="Google Shape;34;g2cd8f994aab_0_122:notes"/>
           <p:cNvSpPr txBox="1"/>
           <p:nvPr>
             <p:ph idx="1" type="body"/>
@@ -3878,7 +3878,7 @@
               <a:buNone/>
             </a:pPr>
             <a:r>
-              <a:rPr b="0" lang="en" sz="900" u="sng">
+              <a:rPr b="0" lang="en" sz="1000" u="sng">
                 <a:solidFill>
                   <a:schemeClr val="hlink"/>
                 </a:solidFill>
@@ -3887,10 +3887,10 @@
               <a:t>uni1.de/amos</a:t>
             </a:r>
             <a:r>
-              <a:rPr b="0" lang="en" sz="900"/>
+              <a:rPr b="0" lang="en" sz="1000"/>
               <a:t> </a:t>
             </a:r>
-            <a:endParaRPr b="0" sz="900"/>
+            <a:endParaRPr b="0" sz="1000"/>
           </a:p>
         </p:txBody>
       </p:sp>
@@ -4469,7 +4469,7 @@
               <a:buNone/>
             </a:pPr>
             <a:r>
-              <a:rPr b="0" lang="en" sz="900" u="sng">
+              <a:rPr b="0" lang="en" sz="1000" u="sng">
                 <a:solidFill>
                   <a:schemeClr val="hlink"/>
                 </a:solidFill>
@@ -4478,10 +4478,10 @@
               <a:t>uni1.de/amos</a:t>
             </a:r>
             <a:r>
-              <a:rPr b="0" lang="en" sz="900"/>
+              <a:rPr b="0" lang="en" sz="1000"/>
               <a:t> </a:t>
             </a:r>
-            <a:endParaRPr b="0" sz="900"/>
+            <a:endParaRPr b="0" sz="1000"/>
           </a:p>
         </p:txBody>
       </p:sp>
@@ -4803,7 +4803,7 @@
               <a:buNone/>
             </a:pPr>
             <a:r>
-              <a:rPr b="0" lang="en" sz="900" u="sng">
+              <a:rPr b="0" lang="en" sz="1000" u="sng">
                 <a:solidFill>
                   <a:schemeClr val="hlink"/>
                 </a:solidFill>
@@ -4812,10 +4812,10 @@
               <a:t>uni1.de/amos</a:t>
             </a:r>
             <a:r>
-              <a:rPr b="0" lang="en" sz="900"/>
+              <a:rPr b="0" lang="en" sz="1000"/>
               <a:t> </a:t>
             </a:r>
-            <a:endParaRPr b="0" sz="900"/>
+            <a:endParaRPr b="0" sz="1000"/>
           </a:p>
         </p:txBody>
       </p:sp>
@@ -6423,18 +6423,10 @@
               <a:buNone/>
             </a:pPr>
             <a:fld id="{00000000-1234-1234-1234-123412341234}" type="slidenum">
-              <a:rPr lang="en">
-                <a:solidFill>
-                  <a:schemeClr val="dk2"/>
-                </a:solidFill>
-              </a:rPr>
+              <a:rPr lang="en"/>
               <a:t>‹#›</a:t>
             </a:fld>
-            <a:endParaRPr>
-              <a:solidFill>
-                <a:schemeClr val="dk2"/>
-              </a:solidFill>
-            </a:endParaRPr>
+            <a:endParaRPr/>
           </a:p>
           <a:p>
             <a:pPr indent="0" lvl="0" marL="0" rtl="0" algn="r">
@@ -6447,7 +6439,7 @@
               <a:buNone/>
             </a:pPr>
             <a:r>
-              <a:rPr b="0" lang="en" sz="900" u="sng">
+              <a:rPr b="0" lang="en" sz="1000" u="sng">
                 <a:solidFill>
                   <a:schemeClr val="hlink"/>
                 </a:solidFill>
@@ -6456,18 +6448,10 @@
               <a:t>uni1.de/amos</a:t>
             </a:r>
             <a:r>
-              <a:rPr b="0" lang="en" sz="900">
-                <a:solidFill>
-                  <a:schemeClr val="dk2"/>
-                </a:solidFill>
-              </a:rPr>
+              <a:rPr b="0" lang="en" sz="1000"/>
               <a:t> </a:t>
             </a:r>
-            <a:endParaRPr b="0" sz="900">
-              <a:solidFill>
-                <a:schemeClr val="dk2"/>
-              </a:solidFill>
-            </a:endParaRPr>
+            <a:endParaRPr b="0" sz="1000"/>
           </a:p>
         </p:txBody>
       </p:sp>
@@ -6569,18 +6553,10 @@
               <a:buNone/>
             </a:pPr>
             <a:fld id="{00000000-1234-1234-1234-123412341234}" type="slidenum">
-              <a:rPr lang="en">
-                <a:solidFill>
-                  <a:schemeClr val="dk2"/>
-                </a:solidFill>
-              </a:rPr>
+              <a:rPr lang="en"/>
               <a:t>‹#›</a:t>
             </a:fld>
-            <a:endParaRPr>
-              <a:solidFill>
-                <a:schemeClr val="dk2"/>
-              </a:solidFill>
-            </a:endParaRPr>
+            <a:endParaRPr/>
           </a:p>
           <a:p>
             <a:pPr indent="0" lvl="0" marL="0" rtl="0" algn="r">
@@ -6593,7 +6569,7 @@
               <a:buNone/>
             </a:pPr>
             <a:r>
-              <a:rPr b="0" lang="en" sz="900" u="sng">
+              <a:rPr b="0" lang="en" sz="1000" u="sng">
                 <a:solidFill>
                   <a:schemeClr val="hlink"/>
                 </a:solidFill>
@@ -6602,18 +6578,10 @@
               <a:t>uni1.de/amos</a:t>
             </a:r>
             <a:r>
-              <a:rPr b="0" lang="en" sz="900">
-                <a:solidFill>
-                  <a:schemeClr val="dk2"/>
-                </a:solidFill>
-              </a:rPr>
+              <a:rPr b="0" lang="en" sz="1000"/>
               <a:t> </a:t>
             </a:r>
-            <a:endParaRPr b="0" sz="900">
-              <a:solidFill>
-                <a:schemeClr val="dk2"/>
-              </a:solidFill>
-            </a:endParaRPr>
+            <a:endParaRPr b="0" sz="1000"/>
           </a:p>
         </p:txBody>
       </p:sp>
@@ -6864,18 +6832,10 @@
               <a:buNone/>
             </a:pPr>
             <a:fld id="{00000000-1234-1234-1234-123412341234}" type="slidenum">
-              <a:rPr lang="en">
-                <a:solidFill>
-                  <a:schemeClr val="dk2"/>
-                </a:solidFill>
-              </a:rPr>
+              <a:rPr lang="en"/>
               <a:t>‹#›</a:t>
             </a:fld>
-            <a:endParaRPr>
-              <a:solidFill>
-                <a:schemeClr val="dk2"/>
-              </a:solidFill>
-            </a:endParaRPr>
+            <a:endParaRPr/>
           </a:p>
           <a:p>
             <a:pPr indent="0" lvl="0" marL="0" rtl="0" algn="r">
@@ -6888,7 +6848,7 @@
               <a:buNone/>
             </a:pPr>
             <a:r>
-              <a:rPr b="0" lang="en" sz="900" u="sng">
+              <a:rPr b="0" lang="en" sz="1000" u="sng">
                 <a:solidFill>
                   <a:schemeClr val="hlink"/>
                 </a:solidFill>
@@ -6897,18 +6857,10 @@
               <a:t>uni1.de/amos</a:t>
             </a:r>
             <a:r>
-              <a:rPr b="0" lang="en" sz="900">
-                <a:solidFill>
-                  <a:schemeClr val="dk2"/>
-                </a:solidFill>
-              </a:rPr>
+              <a:rPr b="0" lang="en" sz="1000"/>
               <a:t> </a:t>
             </a:r>
-            <a:endParaRPr b="0" sz="900">
-              <a:solidFill>
-                <a:schemeClr val="dk2"/>
-              </a:solidFill>
-            </a:endParaRPr>
+            <a:endParaRPr b="0" sz="1000"/>
           </a:p>
         </p:txBody>
       </p:sp>
@@ -7131,18 +7083,10 @@
               <a:buNone/>
             </a:pPr>
             <a:fld id="{00000000-1234-1234-1234-123412341234}" type="slidenum">
-              <a:rPr lang="en">
-                <a:solidFill>
-                  <a:schemeClr val="dk2"/>
-                </a:solidFill>
-              </a:rPr>
+              <a:rPr lang="en"/>
               <a:t>‹#›</a:t>
             </a:fld>
-            <a:endParaRPr>
-              <a:solidFill>
-                <a:schemeClr val="dk2"/>
-              </a:solidFill>
-            </a:endParaRPr>
+            <a:endParaRPr/>
           </a:p>
           <a:p>
             <a:pPr indent="0" lvl="0" marL="0" rtl="0" algn="r">
@@ -7155,7 +7099,7 @@
               <a:buNone/>
             </a:pPr>
             <a:r>
-              <a:rPr b="0" lang="en" sz="900" u="sng">
+              <a:rPr b="0" lang="en" sz="1000" u="sng">
                 <a:solidFill>
                   <a:schemeClr val="hlink"/>
                 </a:solidFill>
@@ -7164,18 +7108,10 @@
               <a:t>uni1.de/amos</a:t>
             </a:r>
             <a:r>
-              <a:rPr b="0" lang="en" sz="900">
-                <a:solidFill>
-                  <a:schemeClr val="dk2"/>
-                </a:solidFill>
-              </a:rPr>
+              <a:rPr b="0" lang="en" sz="1000"/>
               <a:t> </a:t>
             </a:r>
-            <a:endParaRPr b="0" sz="900">
-              <a:solidFill>
-                <a:schemeClr val="dk2"/>
-              </a:solidFill>
-            </a:endParaRPr>
+            <a:endParaRPr b="0" sz="1000"/>
           </a:p>
         </p:txBody>
       </p:sp>
@@ -7398,18 +7334,10 @@
               <a:buNone/>
             </a:pPr>
             <a:fld id="{00000000-1234-1234-1234-123412341234}" type="slidenum">
-              <a:rPr lang="en">
-                <a:solidFill>
-                  <a:schemeClr val="dk2"/>
-                </a:solidFill>
-              </a:rPr>
+              <a:rPr lang="en"/>
               <a:t>‹#›</a:t>
             </a:fld>
-            <a:endParaRPr>
-              <a:solidFill>
-                <a:schemeClr val="dk2"/>
-              </a:solidFill>
-            </a:endParaRPr>
+            <a:endParaRPr/>
           </a:p>
           <a:p>
             <a:pPr indent="0" lvl="0" marL="0" rtl="0" algn="r">
@@ -7422,7 +7350,7 @@
               <a:buNone/>
             </a:pPr>
             <a:r>
-              <a:rPr b="0" lang="en" sz="900" u="sng">
+              <a:rPr b="0" lang="en" sz="1000" u="sng">
                 <a:solidFill>
                   <a:schemeClr val="hlink"/>
                 </a:solidFill>
@@ -7431,18 +7359,10 @@
               <a:t>uni1.de/amos</a:t>
             </a:r>
             <a:r>
-              <a:rPr b="0" lang="en" sz="900">
-                <a:solidFill>
-                  <a:schemeClr val="dk2"/>
-                </a:solidFill>
-              </a:rPr>
+              <a:rPr b="0" lang="en" sz="1000"/>
               <a:t> </a:t>
             </a:r>
-            <a:endParaRPr b="0" sz="900">
-              <a:solidFill>
-                <a:schemeClr val="dk2"/>
-              </a:solidFill>
-            </a:endParaRPr>
+            <a:endParaRPr b="0" sz="1000"/>
           </a:p>
         </p:txBody>
       </p:sp>
@@ -7649,18 +7569,10 @@
               <a:buNone/>
             </a:pPr>
             <a:fld id="{00000000-1234-1234-1234-123412341234}" type="slidenum">
-              <a:rPr lang="en">
-                <a:solidFill>
-                  <a:schemeClr val="dk2"/>
-                </a:solidFill>
-              </a:rPr>
+              <a:rPr lang="en"/>
               <a:t>‹#›</a:t>
             </a:fld>
-            <a:endParaRPr>
-              <a:solidFill>
-                <a:schemeClr val="dk2"/>
-              </a:solidFill>
-            </a:endParaRPr>
+            <a:endParaRPr/>
           </a:p>
           <a:p>
             <a:pPr indent="0" lvl="0" marL="0" rtl="0" algn="r">
@@ -7673,7 +7585,7 @@
               <a:buNone/>
             </a:pPr>
             <a:r>
-              <a:rPr b="0" lang="en" sz="900" u="sng">
+              <a:rPr b="0" lang="en" sz="1000" u="sng">
                 <a:solidFill>
                   <a:schemeClr val="hlink"/>
                 </a:solidFill>
@@ -7682,18 +7594,10 @@
               <a:t>uni1.de/amos</a:t>
             </a:r>
             <a:r>
-              <a:rPr b="0" lang="en" sz="900">
-                <a:solidFill>
-                  <a:schemeClr val="dk2"/>
-                </a:solidFill>
-              </a:rPr>
+              <a:rPr b="0" lang="en" sz="1000"/>
               <a:t> </a:t>
             </a:r>
-            <a:endParaRPr b="0" sz="900">
-              <a:solidFill>
-                <a:schemeClr val="dk2"/>
-              </a:solidFill>
-            </a:endParaRPr>
+            <a:endParaRPr b="0" sz="1000"/>
           </a:p>
         </p:txBody>
       </p:sp>
@@ -7933,18 +7837,10 @@
               <a:buNone/>
             </a:pPr>
             <a:fld id="{00000000-1234-1234-1234-123412341234}" type="slidenum">
-              <a:rPr lang="en">
-                <a:solidFill>
-                  <a:schemeClr val="dk2"/>
-                </a:solidFill>
-              </a:rPr>
+              <a:rPr lang="en"/>
               <a:t>‹#›</a:t>
             </a:fld>
-            <a:endParaRPr>
-              <a:solidFill>
-                <a:schemeClr val="dk2"/>
-              </a:solidFill>
-            </a:endParaRPr>
+            <a:endParaRPr/>
           </a:p>
           <a:p>
             <a:pPr indent="0" lvl="0" marL="0" rtl="0" algn="r">
@@ -7957,7 +7853,7 @@
               <a:buNone/>
             </a:pPr>
             <a:r>
-              <a:rPr b="0" lang="en" sz="900" u="sng">
+              <a:rPr b="0" lang="en" sz="1000" u="sng">
                 <a:solidFill>
                   <a:schemeClr val="hlink"/>
                 </a:solidFill>
@@ -7966,18 +7862,10 @@
               <a:t>uni1.de/amos</a:t>
             </a:r>
             <a:r>
-              <a:rPr b="0" lang="en" sz="900">
-                <a:solidFill>
-                  <a:schemeClr val="dk2"/>
-                </a:solidFill>
-              </a:rPr>
+              <a:rPr b="0" lang="en" sz="1000"/>
               <a:t> </a:t>
             </a:r>
-            <a:endParaRPr b="0" sz="900">
-              <a:solidFill>
-                <a:schemeClr val="dk2"/>
-              </a:solidFill>
-            </a:endParaRPr>
+            <a:endParaRPr b="0" sz="1000"/>
           </a:p>
         </p:txBody>
       </p:sp>
@@ -8205,18 +8093,10 @@
               <a:buNone/>
             </a:pPr>
             <a:fld id="{00000000-1234-1234-1234-123412341234}" type="slidenum">
-              <a:rPr lang="en">
-                <a:solidFill>
-                  <a:schemeClr val="dk2"/>
-                </a:solidFill>
-              </a:rPr>
+              <a:rPr lang="en"/>
               <a:t>‹#›</a:t>
             </a:fld>
-            <a:endParaRPr>
-              <a:solidFill>
-                <a:schemeClr val="dk2"/>
-              </a:solidFill>
-            </a:endParaRPr>
+            <a:endParaRPr/>
           </a:p>
           <a:p>
             <a:pPr indent="0" lvl="0" marL="0" rtl="0" algn="r">
@@ -8229,7 +8109,7 @@
               <a:buNone/>
             </a:pPr>
             <a:r>
-              <a:rPr b="0" lang="en" sz="900" u="sng">
+              <a:rPr b="0" lang="en" sz="1000" u="sng">
                 <a:solidFill>
                   <a:schemeClr val="hlink"/>
                 </a:solidFill>
@@ -8238,18 +8118,10 @@
               <a:t>uni1.de/amos</a:t>
             </a:r>
             <a:r>
-              <a:rPr b="0" lang="en" sz="900">
-                <a:solidFill>
-                  <a:schemeClr val="dk2"/>
-                </a:solidFill>
-              </a:rPr>
+              <a:rPr b="0" lang="en" sz="1000"/>
               <a:t> </a:t>
             </a:r>
-            <a:endParaRPr b="0" sz="900">
-              <a:solidFill>
-                <a:schemeClr val="dk2"/>
-              </a:solidFill>
-            </a:endParaRPr>
+            <a:endParaRPr b="0" sz="1000"/>
           </a:p>
         </p:txBody>
       </p:sp>
@@ -8535,18 +8407,10 @@
               <a:buNone/>
             </a:pPr>
             <a:fld id="{00000000-1234-1234-1234-123412341234}" type="slidenum">
-              <a:rPr lang="en">
-                <a:solidFill>
-                  <a:schemeClr val="dk2"/>
-                </a:solidFill>
-              </a:rPr>
+              <a:rPr lang="en"/>
               <a:t>‹#›</a:t>
             </a:fld>
-            <a:endParaRPr>
-              <a:solidFill>
-                <a:schemeClr val="dk2"/>
-              </a:solidFill>
-            </a:endParaRPr>
+            <a:endParaRPr/>
           </a:p>
           <a:p>
             <a:pPr indent="0" lvl="0" marL="0" rtl="0" algn="r">
@@ -8568,18 +8432,10 @@
               <a:t>uni1.de/amos</a:t>
             </a:r>
             <a:r>
-              <a:rPr b="0" lang="en" sz="900">
-                <a:solidFill>
-                  <a:schemeClr val="dk2"/>
-                </a:solidFill>
-              </a:rPr>
+              <a:rPr b="0" lang="en" sz="900"/>
               <a:t> </a:t>
             </a:r>
-            <a:endParaRPr b="0" sz="900">
-              <a:solidFill>
-                <a:schemeClr val="dk2"/>
-              </a:solidFill>
-            </a:endParaRPr>
+            <a:endParaRPr b="0" sz="900"/>
           </a:p>
         </p:txBody>
       </p:sp>
@@ -8680,7 +8536,7 @@
             </a:pPr>
             <a:r>
               <a:rPr lang="en"/>
-              <a:t>© Copyright 2024 Dirk Riehle, some rights reserved</a:t>
+              <a:t>© Copyright 2009, 2024 Dirk Riehle, some rights reserved</a:t>
             </a:r>
             <a:endParaRPr/>
           </a:p>
@@ -8864,18 +8720,10 @@
               <a:buNone/>
             </a:pPr>
             <a:fld id="{00000000-1234-1234-1234-123412341234}" type="slidenum">
-              <a:rPr lang="en">
-                <a:solidFill>
-                  <a:schemeClr val="dk2"/>
-                </a:solidFill>
-              </a:rPr>
+              <a:rPr lang="en"/>
               <a:t>‹#›</a:t>
             </a:fld>
-            <a:endParaRPr>
-              <a:solidFill>
-                <a:schemeClr val="dk2"/>
-              </a:solidFill>
-            </a:endParaRPr>
+            <a:endParaRPr/>
           </a:p>
           <a:p>
             <a:pPr indent="0" lvl="0" marL="0" rtl="0" algn="r">
@@ -8888,7 +8736,7 @@
               <a:buNone/>
             </a:pPr>
             <a:r>
-              <a:rPr b="0" lang="en" sz="900" u="sng">
+              <a:rPr b="0" lang="en" sz="1000" u="sng">
                 <a:solidFill>
                   <a:schemeClr val="hlink"/>
                 </a:solidFill>
@@ -8897,18 +8745,10 @@
               <a:t>uni1.de/amos</a:t>
             </a:r>
             <a:r>
-              <a:rPr b="0" lang="en" sz="900">
-                <a:solidFill>
-                  <a:schemeClr val="dk2"/>
-                </a:solidFill>
-              </a:rPr>
+              <a:rPr b="0" lang="en" sz="1000"/>
               <a:t> </a:t>
             </a:r>
-            <a:endParaRPr b="0" sz="900">
-              <a:solidFill>
-                <a:schemeClr val="dk2"/>
-              </a:solidFill>
-            </a:endParaRPr>
+            <a:endParaRPr b="0" sz="1000"/>
           </a:p>
         </p:txBody>
       </p:sp>
@@ -9287,18 +9127,10 @@
               <a:buNone/>
             </a:pPr>
             <a:fld id="{00000000-1234-1234-1234-123412341234}" type="slidenum">
-              <a:rPr lang="en">
-                <a:solidFill>
-                  <a:schemeClr val="dk2"/>
-                </a:solidFill>
-              </a:rPr>
+              <a:rPr lang="en"/>
               <a:t>‹#›</a:t>
             </a:fld>
-            <a:endParaRPr>
-              <a:solidFill>
-                <a:schemeClr val="dk2"/>
-              </a:solidFill>
-            </a:endParaRPr>
+            <a:endParaRPr/>
           </a:p>
           <a:p>
             <a:pPr indent="0" lvl="0" marL="0" rtl="0" algn="r">
@@ -9311,7 +9143,7 @@
               <a:buNone/>
             </a:pPr>
             <a:r>
-              <a:rPr b="0" lang="en" sz="900" u="sng">
+              <a:rPr b="0" lang="en" sz="1000" u="sng">
                 <a:solidFill>
                   <a:schemeClr val="hlink"/>
                 </a:solidFill>
@@ -9320,18 +9152,10 @@
               <a:t>uni1.de/amos</a:t>
             </a:r>
             <a:r>
-              <a:rPr b="0" lang="en" sz="900">
-                <a:solidFill>
-                  <a:schemeClr val="dk2"/>
-                </a:solidFill>
-              </a:rPr>
+              <a:rPr b="0" lang="en" sz="1000"/>
               <a:t> </a:t>
             </a:r>
-            <a:endParaRPr b="0" sz="900">
-              <a:solidFill>
-                <a:schemeClr val="dk2"/>
-              </a:solidFill>
-            </a:endParaRPr>
+            <a:endParaRPr b="0" sz="1000"/>
           </a:p>
         </p:txBody>
       </p:sp>
@@ -9539,18 +9363,10 @@
               <a:buNone/>
             </a:pPr>
             <a:fld id="{00000000-1234-1234-1234-123412341234}" type="slidenum">
-              <a:rPr lang="en">
-                <a:solidFill>
-                  <a:schemeClr val="dk2"/>
-                </a:solidFill>
-              </a:rPr>
+              <a:rPr lang="en"/>
               <a:t>‹#›</a:t>
             </a:fld>
-            <a:endParaRPr>
-              <a:solidFill>
-                <a:schemeClr val="dk2"/>
-              </a:solidFill>
-            </a:endParaRPr>
+            <a:endParaRPr/>
           </a:p>
           <a:p>
             <a:pPr indent="0" lvl="0" marL="0" rtl="0" algn="r">
@@ -9563,7 +9379,7 @@
               <a:buNone/>
             </a:pPr>
             <a:r>
-              <a:rPr b="0" lang="en" sz="900" u="sng">
+              <a:rPr b="0" lang="en" sz="1000" u="sng">
                 <a:solidFill>
                   <a:schemeClr val="hlink"/>
                 </a:solidFill>
@@ -9572,18 +9388,10 @@
               <a:t>uni1.de/amos</a:t>
             </a:r>
             <a:r>
-              <a:rPr b="0" lang="en" sz="900">
-                <a:solidFill>
-                  <a:schemeClr val="dk2"/>
-                </a:solidFill>
-              </a:rPr>
+              <a:rPr b="0" lang="en" sz="1000"/>
               <a:t> </a:t>
             </a:r>
-            <a:endParaRPr b="0" sz="900">
-              <a:solidFill>
-                <a:schemeClr val="dk2"/>
-              </a:solidFill>
-            </a:endParaRPr>
+            <a:endParaRPr b="0" sz="1000"/>
           </a:p>
         </p:txBody>
       </p:sp>
@@ -9851,18 +9659,10 @@
               <a:buNone/>
             </a:pPr>
             <a:fld id="{00000000-1234-1234-1234-123412341234}" type="slidenum">
-              <a:rPr lang="en">
-                <a:solidFill>
-                  <a:schemeClr val="dk2"/>
-                </a:solidFill>
-              </a:rPr>
+              <a:rPr lang="en"/>
               <a:t>‹#›</a:t>
             </a:fld>
-            <a:endParaRPr>
-              <a:solidFill>
-                <a:schemeClr val="dk2"/>
-              </a:solidFill>
-            </a:endParaRPr>
+            <a:endParaRPr/>
           </a:p>
           <a:p>
             <a:pPr indent="0" lvl="0" marL="0" rtl="0" algn="r">
@@ -9875,7 +9675,7 @@
               <a:buNone/>
             </a:pPr>
             <a:r>
-              <a:rPr b="0" lang="en" sz="900" u="sng">
+              <a:rPr b="0" lang="en" sz="1000" u="sng">
                 <a:solidFill>
                   <a:schemeClr val="hlink"/>
                 </a:solidFill>
@@ -9884,18 +9684,10 @@
               <a:t>uni1.de/amos</a:t>
             </a:r>
             <a:r>
-              <a:rPr b="0" lang="en" sz="900">
-                <a:solidFill>
-                  <a:schemeClr val="dk2"/>
-                </a:solidFill>
-              </a:rPr>
+              <a:rPr b="0" lang="en" sz="1000"/>
               <a:t> </a:t>
             </a:r>
-            <a:endParaRPr b="0" sz="900">
-              <a:solidFill>
-                <a:schemeClr val="dk2"/>
-              </a:solidFill>
-            </a:endParaRPr>
+            <a:endParaRPr b="0" sz="1000"/>
           </a:p>
         </p:txBody>
       </p:sp>
@@ -10071,18 +9863,10 @@
               <a:buNone/>
             </a:pPr>
             <a:fld id="{00000000-1234-1234-1234-123412341234}" type="slidenum">
-              <a:rPr lang="en">
-                <a:solidFill>
-                  <a:schemeClr val="dk2"/>
-                </a:solidFill>
-              </a:rPr>
+              <a:rPr lang="en"/>
               <a:t>‹#›</a:t>
             </a:fld>
-            <a:endParaRPr>
-              <a:solidFill>
-                <a:schemeClr val="dk2"/>
-              </a:solidFill>
-            </a:endParaRPr>
+            <a:endParaRPr/>
           </a:p>
           <a:p>
             <a:pPr indent="0" lvl="0" marL="0" rtl="0" algn="r">
@@ -10095,7 +9879,7 @@
               <a:buNone/>
             </a:pPr>
             <a:r>
-              <a:rPr b="0" lang="en" sz="900" u="sng">
+              <a:rPr b="0" lang="en" sz="1000" u="sng">
                 <a:solidFill>
                   <a:schemeClr val="hlink"/>
                 </a:solidFill>
@@ -10104,18 +9888,10 @@
               <a:t>uni1.de/amos</a:t>
             </a:r>
             <a:r>
-              <a:rPr b="0" lang="en" sz="900">
-                <a:solidFill>
-                  <a:schemeClr val="dk2"/>
-                </a:solidFill>
-              </a:rPr>
+              <a:rPr b="0" lang="en" sz="1000"/>
               <a:t> </a:t>
             </a:r>
-            <a:endParaRPr b="0" sz="900">
-              <a:solidFill>
-                <a:schemeClr val="dk2"/>
-              </a:solidFill>
-            </a:endParaRPr>
+            <a:endParaRPr b="0" sz="1000"/>
           </a:p>
         </p:txBody>
       </p:sp>

--- a/Lecture slides/AMOS B06 - Agile Coaching.pptx
+++ b/Lecture slides/AMOS B06 - Agile Coaching.pptx
@@ -6361,20 +6361,20 @@
         </p:nvSpPr>
         <p:spPr>
           <a:xfrm>
-            <a:off x="274320" y="914400"/>
-            <a:ext cx="8595300" cy="4114800"/>
+            <a:off x="914400" y="914400"/>
+            <a:ext cx="7315200" cy="3657600"/>
           </a:xfrm>
           <a:prstGeom prst="rect">
             <a:avLst/>
           </a:prstGeom>
         </p:spPr>
         <p:txBody>
-          <a:bodyPr anchorCtr="0" anchor="t" bIns="0" lIns="0" spcFirstLastPara="1" rIns="0" wrap="square" tIns="0">
+          <a:bodyPr anchorCtr="0" anchor="ctr" bIns="0" lIns="0" spcFirstLastPara="1" rIns="0" wrap="square" tIns="0">
             <a:noAutofit/>
           </a:bodyPr>
           <a:lstStyle/>
           <a:p>
-            <a:pPr indent="0" lvl="0" marL="0" rtl="0" algn="l">
+            <a:pPr indent="0" lvl="0" marL="0" rtl="0" algn="just">
               <a:spcBef>
                 <a:spcPts val="0"/>
               </a:spcBef>
@@ -6384,9 +6384,14 @@
               <a:buNone/>
             </a:pPr>
             <a:r>
-              <a:t/>
-            </a:r>
-            <a:endParaRPr/>
+              <a:rPr lang="en" sz="2400"/>
+              <a:t>“</a:t>
+            </a:r>
+            <a:r>
+              <a:rPr lang="en" sz="2400"/>
+              <a:t>Regardless of what we discover, we understand and truly believe that everyone did the best job they could, given what was known at the time, their skills and abilities, the resources available, and the situation at hand.” (ibid.)</a:t>
+            </a:r>
+            <a:endParaRPr sz="2400"/>
           </a:p>
         </p:txBody>
       </p:sp>
@@ -6602,7 +6607,7 @@
         <p:spPr>
           <a:xfrm>
             <a:off x="274320" y="914400"/>
-            <a:ext cx="8595360" cy="3502840"/>
+            <a:ext cx="8595360" cy="3495446"/>
           </a:xfrm>
           <a:prstGeom prst="rect">
             <a:avLst/>
@@ -9824,7 +9829,7 @@
             </a:r>
             <a:r>
               <a:rPr lang="en"/>
-              <a:t> is </a:t>
+              <a:t> is …</a:t>
             </a:r>
             <a:endParaRPr/>
           </a:p>

--- a/Lecture slides/AMOS B06 - Agile Coaching.pptx
+++ b/Lecture slides/AMOS B06 - Agile Coaching.pptx
@@ -6224,7 +6224,7 @@
             </a:pPr>
             <a:r>
               <a:rPr lang="en"/>
-              <a:t>Dirk Riehle, Univ. Erlangen</a:t>
+              <a:t>Dirk Riehle, FAU Erlangen</a:t>
             </a:r>
             <a:endParaRPr/>
           </a:p>
@@ -9955,6 +9955,285 @@
 </file>
 
 <file path=ppt/theme/theme1.xml><?xml version="1.0" encoding="utf-8"?>
+<a:theme xmlns:a="http://schemas.openxmlformats.org/drawingml/2006/main" xmlns:r="http://schemas.openxmlformats.org/officeDocument/2006/relationships" name="AMOS Slides Template">
+  <a:themeElements>
+    <a:clrScheme name="Simple Light">
+      <a:dk1>
+        <a:srgbClr val="000000"/>
+      </a:dk1>
+      <a:lt1>
+        <a:srgbClr val="FFFFFF"/>
+      </a:lt1>
+      <a:dk2>
+        <a:srgbClr val="404040"/>
+      </a:dk2>
+      <a:lt2>
+        <a:srgbClr val="808080"/>
+      </a:lt2>
+      <a:accent1>
+        <a:srgbClr val="D0D0D0"/>
+      </a:accent1>
+      <a:accent2>
+        <a:srgbClr val="4169E1"/>
+      </a:accent2>
+      <a:accent3>
+        <a:srgbClr val="D50D01"/>
+      </a:accent3>
+      <a:accent4>
+        <a:srgbClr val="FEB612"/>
+      </a:accent4>
+      <a:accent5>
+        <a:srgbClr val="4CAF50"/>
+      </a:accent5>
+      <a:accent6>
+        <a:srgbClr val="8E44AD"/>
+      </a:accent6>
+      <a:hlink>
+        <a:srgbClr val="34A3C5"/>
+      </a:hlink>
+      <a:folHlink>
+        <a:srgbClr val="0097A7"/>
+      </a:folHlink>
+    </a:clrScheme>
+    <a:fontScheme name="Office">
+      <a:majorFont>
+        <a:latin typeface="Arial"/>
+        <a:ea typeface=""/>
+        <a:cs typeface=""/>
+        <a:font script="Jpan" typeface="ＭＳ Ｐゴシック"/>
+        <a:font script="Hang" typeface="맑은 고딕"/>
+        <a:font script="Hans" typeface="宋体"/>
+        <a:font script="Hant" typeface="新細明體"/>
+        <a:font script="Arab" typeface="Times New Roman"/>
+        <a:font script="Hebr" typeface="Times New Roman"/>
+        <a:font script="Thai" typeface="Angsana New"/>
+        <a:font script="Ethi" typeface="Nyala"/>
+        <a:font script="Beng" typeface="Vrinda"/>
+        <a:font script="Gujr" typeface="Shruti"/>
+        <a:font script="Khmr" typeface="MoolBoran"/>
+        <a:font script="Knda" typeface="Tunga"/>
+        <a:font script="Guru" typeface="Raavi"/>
+        <a:font script="Cans" typeface="Euphemia"/>
+        <a:font script="Cher" typeface="Plantagenet Cherokee"/>
+        <a:font script="Yiii" typeface="Microsoft Yi Baiti"/>
+        <a:font script="Tibt" typeface="Microsoft Himalaya"/>
+        <a:font script="Thaa" typeface="MV Boli"/>
+        <a:font script="Deva" typeface="Mangal"/>
+        <a:font script="Telu" typeface="Gautami"/>
+        <a:font script="Taml" typeface="Latha"/>
+        <a:font script="Syrc" typeface="Estrangelo Edessa"/>
+        <a:font script="Orya" typeface="Kalinga"/>
+        <a:font script="Mlym" typeface="Kartika"/>
+        <a:font script="Laoo" typeface="DokChampa"/>
+        <a:font script="Sinh" typeface="Iskoola Pota"/>
+        <a:font script="Mong" typeface="Mongolian Baiti"/>
+        <a:font script="Viet" typeface="Times New Roman"/>
+        <a:font script="Uigh" typeface="Microsoft Uighur"/>
+        <a:font script="Geor" typeface="Sylfaen"/>
+      </a:majorFont>
+      <a:minorFont>
+        <a:latin typeface="Arial"/>
+        <a:ea typeface=""/>
+        <a:cs typeface=""/>
+        <a:font script="Jpan" typeface="ＭＳ Ｐゴシック"/>
+        <a:font script="Hang" typeface="맑은 고딕"/>
+        <a:font script="Hans" typeface="宋体"/>
+        <a:font script="Hant" typeface="新細明體"/>
+        <a:font script="Arab" typeface="Arial"/>
+        <a:font script="Hebr" typeface="Arial"/>
+        <a:font script="Thai" typeface="Cordia New"/>
+        <a:font script="Ethi" typeface="Nyala"/>
+        <a:font script="Beng" typeface="Vrinda"/>
+        <a:font script="Gujr" typeface="Shruti"/>
+        <a:font script="Khmr" typeface="DaunPenh"/>
+        <a:font script="Knda" typeface="Tunga"/>
+        <a:font script="Guru" typeface="Raavi"/>
+        <a:font script="Cans" typeface="Euphemia"/>
+        <a:font script="Cher" typeface="Plantagenet Cherokee"/>
+        <a:font script="Yiii" typeface="Microsoft Yi Baiti"/>
+        <a:font script="Tibt" typeface="Microsoft Himalaya"/>
+        <a:font script="Thaa" typeface="MV Boli"/>
+        <a:font script="Deva" typeface="Mangal"/>
+        <a:font script="Telu" typeface="Gautami"/>
+        <a:font script="Taml" typeface="Latha"/>
+        <a:font script="Syrc" typeface="Estrangelo Edessa"/>
+        <a:font script="Orya" typeface="Kalinga"/>
+        <a:font script="Mlym" typeface="Kartika"/>
+        <a:font script="Laoo" typeface="DokChampa"/>
+        <a:font script="Sinh" typeface="Iskoola Pota"/>
+        <a:font script="Mong" typeface="Mongolian Baiti"/>
+        <a:font script="Viet" typeface="Arial"/>
+        <a:font script="Uigh" typeface="Microsoft Uighur"/>
+        <a:font script="Geor" typeface="Sylfaen"/>
+      </a:minorFont>
+    </a:fontScheme>
+    <a:fmtScheme name="Office">
+      <a:fillStyleLst>
+        <a:solidFill>
+          <a:schemeClr val="phClr"/>
+        </a:solidFill>
+        <a:gradFill rotWithShape="1">
+          <a:gsLst>
+            <a:gs pos="0">
+              <a:schemeClr val="phClr">
+                <a:tint val="50000"/>
+                <a:satMod val="300000"/>
+              </a:schemeClr>
+            </a:gs>
+            <a:gs pos="35000">
+              <a:schemeClr val="phClr">
+                <a:tint val="37000"/>
+                <a:satMod val="300000"/>
+              </a:schemeClr>
+            </a:gs>
+            <a:gs pos="100000">
+              <a:schemeClr val="phClr">
+                <a:tint val="15000"/>
+                <a:satMod val="350000"/>
+              </a:schemeClr>
+            </a:gs>
+          </a:gsLst>
+          <a:lin ang="16200000" scaled="1"/>
+        </a:gradFill>
+        <a:gradFill rotWithShape="1">
+          <a:gsLst>
+            <a:gs pos="0">
+              <a:schemeClr val="phClr">
+                <a:tint val="100000"/>
+                <a:shade val="100000"/>
+                <a:satMod val="130000"/>
+              </a:schemeClr>
+            </a:gs>
+            <a:gs pos="100000">
+              <a:schemeClr val="phClr">
+                <a:tint val="50000"/>
+                <a:shade val="100000"/>
+                <a:satMod val="350000"/>
+              </a:schemeClr>
+            </a:gs>
+          </a:gsLst>
+          <a:lin ang="16200000" scaled="0"/>
+        </a:gradFill>
+      </a:fillStyleLst>
+      <a:lnStyleLst>
+        <a:ln w="9525" cap="flat" cmpd="sng" algn="ctr">
+          <a:solidFill>
+            <a:schemeClr val="phClr">
+              <a:shade val="95000"/>
+              <a:satMod val="105000"/>
+            </a:schemeClr>
+          </a:solidFill>
+          <a:prstDash val="solid"/>
+        </a:ln>
+        <a:ln w="25400" cap="flat" cmpd="sng" algn="ctr">
+          <a:solidFill>
+            <a:schemeClr val="phClr"/>
+          </a:solidFill>
+          <a:prstDash val="solid"/>
+        </a:ln>
+        <a:ln w="38100" cap="flat" cmpd="sng" algn="ctr">
+          <a:solidFill>
+            <a:schemeClr val="phClr"/>
+          </a:solidFill>
+          <a:prstDash val="solid"/>
+        </a:ln>
+      </a:lnStyleLst>
+      <a:effectStyleLst>
+        <a:effectStyle>
+          <a:effectLst>
+            <a:outerShdw blurRad="40000" dist="20000" dir="5400000" rotWithShape="0">
+              <a:srgbClr val="000000">
+                <a:alpha val="38000"/>
+              </a:srgbClr>
+            </a:outerShdw>
+          </a:effectLst>
+        </a:effectStyle>
+        <a:effectStyle>
+          <a:effectLst>
+            <a:outerShdw blurRad="40000" dist="23000" dir="5400000" rotWithShape="0">
+              <a:srgbClr val="000000">
+                <a:alpha val="35000"/>
+              </a:srgbClr>
+            </a:outerShdw>
+          </a:effectLst>
+        </a:effectStyle>
+        <a:effectStyle>
+          <a:effectLst>
+            <a:outerShdw blurRad="40000" dist="23000" dir="5400000" rotWithShape="0">
+              <a:srgbClr val="000000">
+                <a:alpha val="35000"/>
+              </a:srgbClr>
+            </a:outerShdw>
+          </a:effectLst>
+          <a:scene3d>
+            <a:camera prst="orthographicFront">
+              <a:rot lat="0" lon="0" rev="0"/>
+            </a:camera>
+            <a:lightRig rig="threePt" dir="t">
+              <a:rot lat="0" lon="0" rev="1200000"/>
+            </a:lightRig>
+          </a:scene3d>
+          <a:sp3d>
+            <a:bevelT w="63500" h="25400"/>
+          </a:sp3d>
+        </a:effectStyle>
+      </a:effectStyleLst>
+      <a:bgFillStyleLst>
+        <a:solidFill>
+          <a:schemeClr val="phClr"/>
+        </a:solidFill>
+        <a:gradFill rotWithShape="1">
+          <a:gsLst>
+            <a:gs pos="0">
+              <a:schemeClr val="phClr">
+                <a:tint val="40000"/>
+                <a:satMod val="350000"/>
+              </a:schemeClr>
+            </a:gs>
+            <a:gs pos="40000">
+              <a:schemeClr val="phClr">
+                <a:tint val="45000"/>
+                <a:shade val="99000"/>
+                <a:satMod val="350000"/>
+              </a:schemeClr>
+            </a:gs>
+            <a:gs pos="100000">
+              <a:schemeClr val="phClr">
+                <a:shade val="20000"/>
+                <a:satMod val="255000"/>
+              </a:schemeClr>
+            </a:gs>
+          </a:gsLst>
+          <a:path path="circle">
+            <a:fillToRect l="50000" t="-80000" r="50000" b="180000"/>
+          </a:path>
+        </a:gradFill>
+        <a:gradFill rotWithShape="1">
+          <a:gsLst>
+            <a:gs pos="0">
+              <a:schemeClr val="phClr">
+                <a:tint val="80000"/>
+                <a:satMod val="300000"/>
+              </a:schemeClr>
+            </a:gs>
+            <a:gs pos="100000">
+              <a:schemeClr val="phClr">
+                <a:shade val="30000"/>
+                <a:satMod val="200000"/>
+              </a:schemeClr>
+            </a:gs>
+          </a:gsLst>
+          <a:path path="circle">
+            <a:fillToRect l="50000" t="50000" r="50000" b="50000"/>
+          </a:path>
+        </a:gradFill>
+      </a:bgFillStyleLst>
+    </a:fmtScheme>
+  </a:themeElements>
+</a:theme>
+</file>
+
+<file path=ppt/theme/theme2.xml><?xml version="1.0" encoding="utf-8"?>
 <a:theme xmlns:a="http://schemas.openxmlformats.org/drawingml/2006/main" xmlns:r="http://schemas.openxmlformats.org/officeDocument/2006/relationships">
   <a:themeElements>
     <a:clrScheme name="Default">
@@ -10231,283 +10510,4 @@
     </a:fmtScheme>
   </a:themeElements>
 </a:theme>
-</file>
-
-<file path=ppt/theme/theme2.xml><?xml version="1.0" encoding="utf-8"?>
-<a:theme xmlns:a="http://schemas.openxmlformats.org/drawingml/2006/main" xmlns:r="http://schemas.openxmlformats.org/officeDocument/2006/relationships" name="AMOS Slides Template">
-  <a:themeElements>
-    <a:clrScheme name="Simple Light">
-      <a:dk1>
-        <a:srgbClr val="000000"/>
-      </a:dk1>
-      <a:lt1>
-        <a:srgbClr val="FFFFFF"/>
-      </a:lt1>
-      <a:dk2>
-        <a:srgbClr val="404040"/>
-      </a:dk2>
-      <a:lt2>
-        <a:srgbClr val="808080"/>
-      </a:lt2>
-      <a:accent1>
-        <a:srgbClr val="D0D0D0"/>
-      </a:accent1>
-      <a:accent2>
-        <a:srgbClr val="4169E1"/>
-      </a:accent2>
-      <a:accent3>
-        <a:srgbClr val="D50D01"/>
-      </a:accent3>
-      <a:accent4>
-        <a:srgbClr val="FEB612"/>
-      </a:accent4>
-      <a:accent5>
-        <a:srgbClr val="4CAF50"/>
-      </a:accent5>
-      <a:accent6>
-        <a:srgbClr val="8E44AD"/>
-      </a:accent6>
-      <a:hlink>
-        <a:srgbClr val="34A3C5"/>
-      </a:hlink>
-      <a:folHlink>
-        <a:srgbClr val="0097A7"/>
-      </a:folHlink>
-    </a:clrScheme>
-    <a:fontScheme name="Office">
-      <a:majorFont>
-        <a:latin typeface="Arial"/>
-        <a:ea typeface=""/>
-        <a:cs typeface=""/>
-        <a:font script="Jpan" typeface="ＭＳ Ｐゴシック"/>
-        <a:font script="Hang" typeface="맑은 고딕"/>
-        <a:font script="Hans" typeface="宋体"/>
-        <a:font script="Hant" typeface="新細明體"/>
-        <a:font script="Arab" typeface="Times New Roman"/>
-        <a:font script="Hebr" typeface="Times New Roman"/>
-        <a:font script="Thai" typeface="Angsana New"/>
-        <a:font script="Ethi" typeface="Nyala"/>
-        <a:font script="Beng" typeface="Vrinda"/>
-        <a:font script="Gujr" typeface="Shruti"/>
-        <a:font script="Khmr" typeface="MoolBoran"/>
-        <a:font script="Knda" typeface="Tunga"/>
-        <a:font script="Guru" typeface="Raavi"/>
-        <a:font script="Cans" typeface="Euphemia"/>
-        <a:font script="Cher" typeface="Plantagenet Cherokee"/>
-        <a:font script="Yiii" typeface="Microsoft Yi Baiti"/>
-        <a:font script="Tibt" typeface="Microsoft Himalaya"/>
-        <a:font script="Thaa" typeface="MV Boli"/>
-        <a:font script="Deva" typeface="Mangal"/>
-        <a:font script="Telu" typeface="Gautami"/>
-        <a:font script="Taml" typeface="Latha"/>
-        <a:font script="Syrc" typeface="Estrangelo Edessa"/>
-        <a:font script="Orya" typeface="Kalinga"/>
-        <a:font script="Mlym" typeface="Kartika"/>
-        <a:font script="Laoo" typeface="DokChampa"/>
-        <a:font script="Sinh" typeface="Iskoola Pota"/>
-        <a:font script="Mong" typeface="Mongolian Baiti"/>
-        <a:font script="Viet" typeface="Times New Roman"/>
-        <a:font script="Uigh" typeface="Microsoft Uighur"/>
-        <a:font script="Geor" typeface="Sylfaen"/>
-      </a:majorFont>
-      <a:minorFont>
-        <a:latin typeface="Arial"/>
-        <a:ea typeface=""/>
-        <a:cs typeface=""/>
-        <a:font script="Jpan" typeface="ＭＳ Ｐゴシック"/>
-        <a:font script="Hang" typeface="맑은 고딕"/>
-        <a:font script="Hans" typeface="宋体"/>
-        <a:font script="Hant" typeface="新細明體"/>
-        <a:font script="Arab" typeface="Arial"/>
-        <a:font script="Hebr" typeface="Arial"/>
-        <a:font script="Thai" typeface="Cordia New"/>
-        <a:font script="Ethi" typeface="Nyala"/>
-        <a:font script="Beng" typeface="Vrinda"/>
-        <a:font script="Gujr" typeface="Shruti"/>
-        <a:font script="Khmr" typeface="DaunPenh"/>
-        <a:font script="Knda" typeface="Tunga"/>
-        <a:font script="Guru" typeface="Raavi"/>
-        <a:font script="Cans" typeface="Euphemia"/>
-        <a:font script="Cher" typeface="Plantagenet Cherokee"/>
-        <a:font script="Yiii" typeface="Microsoft Yi Baiti"/>
-        <a:font script="Tibt" typeface="Microsoft Himalaya"/>
-        <a:font script="Thaa" typeface="MV Boli"/>
-        <a:font script="Deva" typeface="Mangal"/>
-        <a:font script="Telu" typeface="Gautami"/>
-        <a:font script="Taml" typeface="Latha"/>
-        <a:font script="Syrc" typeface="Estrangelo Edessa"/>
-        <a:font script="Orya" typeface="Kalinga"/>
-        <a:font script="Mlym" typeface="Kartika"/>
-        <a:font script="Laoo" typeface="DokChampa"/>
-        <a:font script="Sinh" typeface="Iskoola Pota"/>
-        <a:font script="Mong" typeface="Mongolian Baiti"/>
-        <a:font script="Viet" typeface="Arial"/>
-        <a:font script="Uigh" typeface="Microsoft Uighur"/>
-        <a:font script="Geor" typeface="Sylfaen"/>
-      </a:minorFont>
-    </a:fontScheme>
-    <a:fmtScheme name="Office">
-      <a:fillStyleLst>
-        <a:solidFill>
-          <a:schemeClr val="phClr"/>
-        </a:solidFill>
-        <a:gradFill rotWithShape="1">
-          <a:gsLst>
-            <a:gs pos="0">
-              <a:schemeClr val="phClr">
-                <a:tint val="50000"/>
-                <a:satMod val="300000"/>
-              </a:schemeClr>
-            </a:gs>
-            <a:gs pos="35000">
-              <a:schemeClr val="phClr">
-                <a:tint val="37000"/>
-                <a:satMod val="300000"/>
-              </a:schemeClr>
-            </a:gs>
-            <a:gs pos="100000">
-              <a:schemeClr val="phClr">
-                <a:tint val="15000"/>
-                <a:satMod val="350000"/>
-              </a:schemeClr>
-            </a:gs>
-          </a:gsLst>
-          <a:lin ang="16200000" scaled="1"/>
-        </a:gradFill>
-        <a:gradFill rotWithShape="1">
-          <a:gsLst>
-            <a:gs pos="0">
-              <a:schemeClr val="phClr">
-                <a:tint val="100000"/>
-                <a:shade val="100000"/>
-                <a:satMod val="130000"/>
-              </a:schemeClr>
-            </a:gs>
-            <a:gs pos="100000">
-              <a:schemeClr val="phClr">
-                <a:tint val="50000"/>
-                <a:shade val="100000"/>
-                <a:satMod val="350000"/>
-              </a:schemeClr>
-            </a:gs>
-          </a:gsLst>
-          <a:lin ang="16200000" scaled="0"/>
-        </a:gradFill>
-      </a:fillStyleLst>
-      <a:lnStyleLst>
-        <a:ln w="9525" cap="flat" cmpd="sng" algn="ctr">
-          <a:solidFill>
-            <a:schemeClr val="phClr">
-              <a:shade val="95000"/>
-              <a:satMod val="105000"/>
-            </a:schemeClr>
-          </a:solidFill>
-          <a:prstDash val="solid"/>
-        </a:ln>
-        <a:ln w="25400" cap="flat" cmpd="sng" algn="ctr">
-          <a:solidFill>
-            <a:schemeClr val="phClr"/>
-          </a:solidFill>
-          <a:prstDash val="solid"/>
-        </a:ln>
-        <a:ln w="38100" cap="flat" cmpd="sng" algn="ctr">
-          <a:solidFill>
-            <a:schemeClr val="phClr"/>
-          </a:solidFill>
-          <a:prstDash val="solid"/>
-        </a:ln>
-      </a:lnStyleLst>
-      <a:effectStyleLst>
-        <a:effectStyle>
-          <a:effectLst>
-            <a:outerShdw blurRad="40000" dist="20000" dir="5400000" rotWithShape="0">
-              <a:srgbClr val="000000">
-                <a:alpha val="38000"/>
-              </a:srgbClr>
-            </a:outerShdw>
-          </a:effectLst>
-        </a:effectStyle>
-        <a:effectStyle>
-          <a:effectLst>
-            <a:outerShdw blurRad="40000" dist="23000" dir="5400000" rotWithShape="0">
-              <a:srgbClr val="000000">
-                <a:alpha val="35000"/>
-              </a:srgbClr>
-            </a:outerShdw>
-          </a:effectLst>
-        </a:effectStyle>
-        <a:effectStyle>
-          <a:effectLst>
-            <a:outerShdw blurRad="40000" dist="23000" dir="5400000" rotWithShape="0">
-              <a:srgbClr val="000000">
-                <a:alpha val="35000"/>
-              </a:srgbClr>
-            </a:outerShdw>
-          </a:effectLst>
-          <a:scene3d>
-            <a:camera prst="orthographicFront">
-              <a:rot lat="0" lon="0" rev="0"/>
-            </a:camera>
-            <a:lightRig rig="threePt" dir="t">
-              <a:rot lat="0" lon="0" rev="1200000"/>
-            </a:lightRig>
-          </a:scene3d>
-          <a:sp3d>
-            <a:bevelT w="63500" h="25400"/>
-          </a:sp3d>
-        </a:effectStyle>
-      </a:effectStyleLst>
-      <a:bgFillStyleLst>
-        <a:solidFill>
-          <a:schemeClr val="phClr"/>
-        </a:solidFill>
-        <a:gradFill rotWithShape="1">
-          <a:gsLst>
-            <a:gs pos="0">
-              <a:schemeClr val="phClr">
-                <a:tint val="40000"/>
-                <a:satMod val="350000"/>
-              </a:schemeClr>
-            </a:gs>
-            <a:gs pos="40000">
-              <a:schemeClr val="phClr">
-                <a:tint val="45000"/>
-                <a:shade val="99000"/>
-                <a:satMod val="350000"/>
-              </a:schemeClr>
-            </a:gs>
-            <a:gs pos="100000">
-              <a:schemeClr val="phClr">
-                <a:shade val="20000"/>
-                <a:satMod val="255000"/>
-              </a:schemeClr>
-            </a:gs>
-          </a:gsLst>
-          <a:path path="circle">
-            <a:fillToRect l="50000" t="-80000" r="50000" b="180000"/>
-          </a:path>
-        </a:gradFill>
-        <a:gradFill rotWithShape="1">
-          <a:gsLst>
-            <a:gs pos="0">
-              <a:schemeClr val="phClr">
-                <a:tint val="80000"/>
-                <a:satMod val="300000"/>
-              </a:schemeClr>
-            </a:gs>
-            <a:gs pos="100000">
-              <a:schemeClr val="phClr">
-                <a:shade val="30000"/>
-                <a:satMod val="200000"/>
-              </a:schemeClr>
-            </a:gs>
-          </a:gsLst>
-          <a:path path="circle">
-            <a:fillToRect l="50000" t="50000" r="50000" b="50000"/>
-          </a:path>
-        </a:gradFill>
-      </a:bgFillStyleLst>
-    </a:fmtScheme>
-  </a:themeElements>
-</a:theme>
 </file>
--- a/Lecture slides/AMOS B06 - Agile Coaching.pptx
+++ b/Lecture slides/AMOS B06 - Agile Coaching.pptx
@@ -9955,6 +9955,285 @@
 </file>
 
 <file path=ppt/theme/theme1.xml><?xml version="1.0" encoding="utf-8"?>
+<a:theme xmlns:a="http://schemas.openxmlformats.org/drawingml/2006/main" xmlns:r="http://schemas.openxmlformats.org/officeDocument/2006/relationships">
+  <a:themeElements>
+    <a:clrScheme name="Default">
+      <a:dk1>
+        <a:srgbClr val="000000"/>
+      </a:dk1>
+      <a:lt1>
+        <a:srgbClr val="FFFFFF"/>
+      </a:lt1>
+      <a:dk2>
+        <a:srgbClr val="158158"/>
+      </a:dk2>
+      <a:lt2>
+        <a:srgbClr val="F3F3F3"/>
+      </a:lt2>
+      <a:accent1>
+        <a:srgbClr val="058DC7"/>
+      </a:accent1>
+      <a:accent2>
+        <a:srgbClr val="50B432"/>
+      </a:accent2>
+      <a:accent3>
+        <a:srgbClr val="ED561B"/>
+      </a:accent3>
+      <a:accent4>
+        <a:srgbClr val="EDEF00"/>
+      </a:accent4>
+      <a:accent5>
+        <a:srgbClr val="24CBE5"/>
+      </a:accent5>
+      <a:accent6>
+        <a:srgbClr val="64E572"/>
+      </a:accent6>
+      <a:hlink>
+        <a:srgbClr val="2200CC"/>
+      </a:hlink>
+      <a:folHlink>
+        <a:srgbClr val="551A8B"/>
+      </a:folHlink>
+    </a:clrScheme>
+    <a:fontScheme name="Office">
+      <a:majorFont>
+        <a:latin typeface="Arial"/>
+        <a:ea typeface=""/>
+        <a:cs typeface=""/>
+        <a:font script="Jpan" typeface="ＭＳ Ｐゴシック"/>
+        <a:font script="Hang" typeface="맑은 고딕"/>
+        <a:font script="Hans" typeface="宋体"/>
+        <a:font script="Hant" typeface="新細明體"/>
+        <a:font script="Arab" typeface="Times New Roman"/>
+        <a:font script="Hebr" typeface="Times New Roman"/>
+        <a:font script="Thai" typeface="Angsana New"/>
+        <a:font script="Ethi" typeface="Nyala"/>
+        <a:font script="Beng" typeface="Vrinda"/>
+        <a:font script="Gujr" typeface="Shruti"/>
+        <a:font script="Khmr" typeface="MoolBoran"/>
+        <a:font script="Knda" typeface="Tunga"/>
+        <a:font script="Guru" typeface="Raavi"/>
+        <a:font script="Cans" typeface="Euphemia"/>
+        <a:font script="Cher" typeface="Plantagenet Cherokee"/>
+        <a:font script="Yiii" typeface="Microsoft Yi Baiti"/>
+        <a:font script="Tibt" typeface="Microsoft Himalaya"/>
+        <a:font script="Thaa" typeface="MV Boli"/>
+        <a:font script="Deva" typeface="Mangal"/>
+        <a:font script="Telu" typeface="Gautami"/>
+        <a:font script="Taml" typeface="Latha"/>
+        <a:font script="Syrc" typeface="Estrangelo Edessa"/>
+        <a:font script="Orya" typeface="Kalinga"/>
+        <a:font script="Mlym" typeface="Kartika"/>
+        <a:font script="Laoo" typeface="DokChampa"/>
+        <a:font script="Sinh" typeface="Iskoola Pota"/>
+        <a:font script="Mong" typeface="Mongolian Baiti"/>
+        <a:font script="Viet" typeface="Times New Roman"/>
+        <a:font script="Uigh" typeface="Microsoft Uighur"/>
+        <a:font script="Geor" typeface="Sylfaen"/>
+      </a:majorFont>
+      <a:minorFont>
+        <a:latin typeface="Arial"/>
+        <a:ea typeface=""/>
+        <a:cs typeface=""/>
+        <a:font script="Jpan" typeface="ＭＳ Ｐゴシック"/>
+        <a:font script="Hang" typeface="맑은 고딕"/>
+        <a:font script="Hans" typeface="宋体"/>
+        <a:font script="Hant" typeface="新細明體"/>
+        <a:font script="Arab" typeface="Arial"/>
+        <a:font script="Hebr" typeface="Arial"/>
+        <a:font script="Thai" typeface="Cordia New"/>
+        <a:font script="Ethi" typeface="Nyala"/>
+        <a:font script="Beng" typeface="Vrinda"/>
+        <a:font script="Gujr" typeface="Shruti"/>
+        <a:font script="Khmr" typeface="DaunPenh"/>
+        <a:font script="Knda" typeface="Tunga"/>
+        <a:font script="Guru" typeface="Raavi"/>
+        <a:font script="Cans" typeface="Euphemia"/>
+        <a:font script="Cher" typeface="Plantagenet Cherokee"/>
+        <a:font script="Yiii" typeface="Microsoft Yi Baiti"/>
+        <a:font script="Tibt" typeface="Microsoft Himalaya"/>
+        <a:font script="Thaa" typeface="MV Boli"/>
+        <a:font script="Deva" typeface="Mangal"/>
+        <a:font script="Telu" typeface="Gautami"/>
+        <a:font script="Taml" typeface="Latha"/>
+        <a:font script="Syrc" typeface="Estrangelo Edessa"/>
+        <a:font script="Orya" typeface="Kalinga"/>
+        <a:font script="Mlym" typeface="Kartika"/>
+        <a:font script="Laoo" typeface="DokChampa"/>
+        <a:font script="Sinh" typeface="Iskoola Pota"/>
+        <a:font script="Mong" typeface="Mongolian Baiti"/>
+        <a:font script="Viet" typeface="Arial"/>
+        <a:font script="Uigh" typeface="Microsoft Uighur"/>
+        <a:font script="Geor" typeface="Sylfaen"/>
+      </a:minorFont>
+    </a:fontScheme>
+    <a:fmtScheme name="Office">
+      <a:fillStyleLst>
+        <a:solidFill>
+          <a:schemeClr val="phClr"/>
+        </a:solidFill>
+        <a:gradFill rotWithShape="1">
+          <a:gsLst>
+            <a:gs pos="0">
+              <a:schemeClr val="phClr">
+                <a:tint val="50000"/>
+                <a:satMod val="300000"/>
+              </a:schemeClr>
+            </a:gs>
+            <a:gs pos="35000">
+              <a:schemeClr val="phClr">
+                <a:tint val="37000"/>
+                <a:satMod val="300000"/>
+              </a:schemeClr>
+            </a:gs>
+            <a:gs pos="100000">
+              <a:schemeClr val="phClr">
+                <a:tint val="15000"/>
+                <a:satMod val="350000"/>
+              </a:schemeClr>
+            </a:gs>
+          </a:gsLst>
+          <a:lin ang="16200000" scaled="1"/>
+        </a:gradFill>
+        <a:gradFill rotWithShape="1">
+          <a:gsLst>
+            <a:gs pos="0">
+              <a:schemeClr val="phClr">
+                <a:tint val="100000"/>
+                <a:shade val="100000"/>
+                <a:satMod val="130000"/>
+              </a:schemeClr>
+            </a:gs>
+            <a:gs pos="100000">
+              <a:schemeClr val="phClr">
+                <a:tint val="50000"/>
+                <a:shade val="100000"/>
+                <a:satMod val="350000"/>
+              </a:schemeClr>
+            </a:gs>
+          </a:gsLst>
+          <a:lin ang="16200000" scaled="0"/>
+        </a:gradFill>
+      </a:fillStyleLst>
+      <a:lnStyleLst>
+        <a:ln w="9525" cap="flat" cmpd="sng" algn="ctr">
+          <a:solidFill>
+            <a:schemeClr val="phClr">
+              <a:shade val="95000"/>
+              <a:satMod val="105000"/>
+            </a:schemeClr>
+          </a:solidFill>
+          <a:prstDash val="solid"/>
+        </a:ln>
+        <a:ln w="25400" cap="flat" cmpd="sng" algn="ctr">
+          <a:solidFill>
+            <a:schemeClr val="phClr"/>
+          </a:solidFill>
+          <a:prstDash val="solid"/>
+        </a:ln>
+        <a:ln w="38100" cap="flat" cmpd="sng" algn="ctr">
+          <a:solidFill>
+            <a:schemeClr val="phClr"/>
+          </a:solidFill>
+          <a:prstDash val="solid"/>
+        </a:ln>
+      </a:lnStyleLst>
+      <a:effectStyleLst>
+        <a:effectStyle>
+          <a:effectLst>
+            <a:outerShdw blurRad="40000" dist="20000" dir="5400000" rotWithShape="0">
+              <a:srgbClr val="000000">
+                <a:alpha val="38000"/>
+              </a:srgbClr>
+            </a:outerShdw>
+          </a:effectLst>
+        </a:effectStyle>
+        <a:effectStyle>
+          <a:effectLst>
+            <a:outerShdw blurRad="40000" dist="23000" dir="5400000" rotWithShape="0">
+              <a:srgbClr val="000000">
+                <a:alpha val="35000"/>
+              </a:srgbClr>
+            </a:outerShdw>
+          </a:effectLst>
+        </a:effectStyle>
+        <a:effectStyle>
+          <a:effectLst>
+            <a:outerShdw blurRad="40000" dist="23000" dir="5400000" rotWithShape="0">
+              <a:srgbClr val="000000">
+                <a:alpha val="35000"/>
+              </a:srgbClr>
+            </a:outerShdw>
+          </a:effectLst>
+          <a:scene3d>
+            <a:camera prst="orthographicFront">
+              <a:rot lat="0" lon="0" rev="0"/>
+            </a:camera>
+            <a:lightRig rig="threePt" dir="t">
+              <a:rot lat="0" lon="0" rev="1200000"/>
+            </a:lightRig>
+          </a:scene3d>
+          <a:sp3d>
+            <a:bevelT w="63500" h="25400"/>
+          </a:sp3d>
+        </a:effectStyle>
+      </a:effectStyleLst>
+      <a:bgFillStyleLst>
+        <a:solidFill>
+          <a:schemeClr val="phClr"/>
+        </a:solidFill>
+        <a:gradFill rotWithShape="1">
+          <a:gsLst>
+            <a:gs pos="0">
+              <a:schemeClr val="phClr">
+                <a:tint val="40000"/>
+                <a:satMod val="350000"/>
+              </a:schemeClr>
+            </a:gs>
+            <a:gs pos="40000">
+              <a:schemeClr val="phClr">
+                <a:tint val="45000"/>
+                <a:shade val="99000"/>
+                <a:satMod val="350000"/>
+              </a:schemeClr>
+            </a:gs>
+            <a:gs pos="100000">
+              <a:schemeClr val="phClr">
+                <a:shade val="20000"/>
+                <a:satMod val="255000"/>
+              </a:schemeClr>
+            </a:gs>
+          </a:gsLst>
+          <a:path path="circle">
+            <a:fillToRect l="50000" t="-80000" r="50000" b="180000"/>
+          </a:path>
+        </a:gradFill>
+        <a:gradFill rotWithShape="1">
+          <a:gsLst>
+            <a:gs pos="0">
+              <a:schemeClr val="phClr">
+                <a:tint val="80000"/>
+                <a:satMod val="300000"/>
+              </a:schemeClr>
+            </a:gs>
+            <a:gs pos="100000">
+              <a:schemeClr val="phClr">
+                <a:shade val="30000"/>
+                <a:satMod val="200000"/>
+              </a:schemeClr>
+            </a:gs>
+          </a:gsLst>
+          <a:path path="circle">
+            <a:fillToRect l="50000" t="50000" r="50000" b="50000"/>
+          </a:path>
+        </a:gradFill>
+      </a:bgFillStyleLst>
+    </a:fmtScheme>
+  </a:themeElements>
+</a:theme>
+</file>
+
+<file path=ppt/theme/theme2.xml><?xml version="1.0" encoding="utf-8"?>
 <a:theme xmlns:a="http://schemas.openxmlformats.org/drawingml/2006/main" xmlns:r="http://schemas.openxmlformats.org/officeDocument/2006/relationships" name="AMOS Slides Template">
   <a:themeElements>
     <a:clrScheme name="Simple Light">
@@ -10231,283 +10510,4 @@
     </a:fmtScheme>
   </a:themeElements>
 </a:theme>
-</file>
-
-<file path=ppt/theme/theme2.xml><?xml version="1.0" encoding="utf-8"?>
-<a:theme xmlns:a="http://schemas.openxmlformats.org/drawingml/2006/main" xmlns:r="http://schemas.openxmlformats.org/officeDocument/2006/relationships">
-  <a:themeElements>
-    <a:clrScheme name="Default">
-      <a:dk1>
-        <a:srgbClr val="000000"/>
-      </a:dk1>
-      <a:lt1>
-        <a:srgbClr val="FFFFFF"/>
-      </a:lt1>
-      <a:dk2>
-        <a:srgbClr val="158158"/>
-      </a:dk2>
-      <a:lt2>
-        <a:srgbClr val="F3F3F3"/>
-      </a:lt2>
-      <a:accent1>
-        <a:srgbClr val="058DC7"/>
-      </a:accent1>
-      <a:accent2>
-        <a:srgbClr val="50B432"/>
-      </a:accent2>
-      <a:accent3>
-        <a:srgbClr val="ED561B"/>
-      </a:accent3>
-      <a:accent4>
-        <a:srgbClr val="EDEF00"/>
-      </a:accent4>
-      <a:accent5>
-        <a:srgbClr val="24CBE5"/>
-      </a:accent5>
-      <a:accent6>
-        <a:srgbClr val="64E572"/>
-      </a:accent6>
-      <a:hlink>
-        <a:srgbClr val="2200CC"/>
-      </a:hlink>
-      <a:folHlink>
-        <a:srgbClr val="551A8B"/>
-      </a:folHlink>
-    </a:clrScheme>
-    <a:fontScheme name="Office">
-      <a:majorFont>
-        <a:latin typeface="Arial"/>
-        <a:ea typeface=""/>
-        <a:cs typeface=""/>
-        <a:font script="Jpan" typeface="ＭＳ Ｐゴシック"/>
-        <a:font script="Hang" typeface="맑은 고딕"/>
-        <a:font script="Hans" typeface="宋体"/>
-        <a:font script="Hant" typeface="新細明體"/>
-        <a:font script="Arab" typeface="Times New Roman"/>
-        <a:font script="Hebr" typeface="Times New Roman"/>
-        <a:font script="Thai" typeface="Angsana New"/>
-        <a:font script="Ethi" typeface="Nyala"/>
-        <a:font script="Beng" typeface="Vrinda"/>
-        <a:font script="Gujr" typeface="Shruti"/>
-        <a:font script="Khmr" typeface="MoolBoran"/>
-        <a:font script="Knda" typeface="Tunga"/>
-        <a:font script="Guru" typeface="Raavi"/>
-        <a:font script="Cans" typeface="Euphemia"/>
-        <a:font script="Cher" typeface="Plantagenet Cherokee"/>
-        <a:font script="Yiii" typeface="Microsoft Yi Baiti"/>
-        <a:font script="Tibt" typeface="Microsoft Himalaya"/>
-        <a:font script="Thaa" typeface="MV Boli"/>
-        <a:font script="Deva" typeface="Mangal"/>
-        <a:font script="Telu" typeface="Gautami"/>
-        <a:font script="Taml" typeface="Latha"/>
-        <a:font script="Syrc" typeface="Estrangelo Edessa"/>
-        <a:font script="Orya" typeface="Kalinga"/>
-        <a:font script="Mlym" typeface="Kartika"/>
-        <a:font script="Laoo" typeface="DokChampa"/>
-        <a:font script="Sinh" typeface="Iskoola Pota"/>
-        <a:font script="Mong" typeface="Mongolian Baiti"/>
-        <a:font script="Viet" typeface="Times New Roman"/>
-        <a:font script="Uigh" typeface="Microsoft Uighur"/>
-        <a:font script="Geor" typeface="Sylfaen"/>
-      </a:majorFont>
-      <a:minorFont>
-        <a:latin typeface="Arial"/>
-        <a:ea typeface=""/>
-        <a:cs typeface=""/>
-        <a:font script="Jpan" typeface="ＭＳ Ｐゴシック"/>
-        <a:font script="Hang" typeface="맑은 고딕"/>
-        <a:font script="Hans" typeface="宋体"/>
-        <a:font script="Hant" typeface="新細明體"/>
-        <a:font script="Arab" typeface="Arial"/>
-        <a:font script="Hebr" typeface="Arial"/>
-        <a:font script="Thai" typeface="Cordia New"/>
-        <a:font script="Ethi" typeface="Nyala"/>
-        <a:font script="Beng" typeface="Vrinda"/>
-        <a:font script="Gujr" typeface="Shruti"/>
-        <a:font script="Khmr" typeface="DaunPenh"/>
-        <a:font script="Knda" typeface="Tunga"/>
-        <a:font script="Guru" typeface="Raavi"/>
-        <a:font script="Cans" typeface="Euphemia"/>
-        <a:font script="Cher" typeface="Plantagenet Cherokee"/>
-        <a:font script="Yiii" typeface="Microsoft Yi Baiti"/>
-        <a:font script="Tibt" typeface="Microsoft Himalaya"/>
-        <a:font script="Thaa" typeface="MV Boli"/>
-        <a:font script="Deva" typeface="Mangal"/>
-        <a:font script="Telu" typeface="Gautami"/>
-        <a:font script="Taml" typeface="Latha"/>
-        <a:font script="Syrc" typeface="Estrangelo Edessa"/>
-        <a:font script="Orya" typeface="Kalinga"/>
-        <a:font script="Mlym" typeface="Kartika"/>
-        <a:font script="Laoo" typeface="DokChampa"/>
-        <a:font script="Sinh" typeface="Iskoola Pota"/>
-        <a:font script="Mong" typeface="Mongolian Baiti"/>
-        <a:font script="Viet" typeface="Arial"/>
-        <a:font script="Uigh" typeface="Microsoft Uighur"/>
-        <a:font script="Geor" typeface="Sylfaen"/>
-      </a:minorFont>
-    </a:fontScheme>
-    <a:fmtScheme name="Office">
-      <a:fillStyleLst>
-        <a:solidFill>
-          <a:schemeClr val="phClr"/>
-        </a:solidFill>
-        <a:gradFill rotWithShape="1">
-          <a:gsLst>
-            <a:gs pos="0">
-              <a:schemeClr val="phClr">
-                <a:tint val="50000"/>
-                <a:satMod val="300000"/>
-              </a:schemeClr>
-            </a:gs>
-            <a:gs pos="35000">
-              <a:schemeClr val="phClr">
-                <a:tint val="37000"/>
-                <a:satMod val="300000"/>
-              </a:schemeClr>
-            </a:gs>
-            <a:gs pos="100000">
-              <a:schemeClr val="phClr">
-                <a:tint val="15000"/>
-                <a:satMod val="350000"/>
-              </a:schemeClr>
-            </a:gs>
-          </a:gsLst>
-          <a:lin ang="16200000" scaled="1"/>
-        </a:gradFill>
-        <a:gradFill rotWithShape="1">
-          <a:gsLst>
-            <a:gs pos="0">
-              <a:schemeClr val="phClr">
-                <a:tint val="100000"/>
-                <a:shade val="100000"/>
-                <a:satMod val="130000"/>
-              </a:schemeClr>
-            </a:gs>
-            <a:gs pos="100000">
-              <a:schemeClr val="phClr">
-                <a:tint val="50000"/>
-                <a:shade val="100000"/>
-                <a:satMod val="350000"/>
-              </a:schemeClr>
-            </a:gs>
-          </a:gsLst>
-          <a:lin ang="16200000" scaled="0"/>
-        </a:gradFill>
-      </a:fillStyleLst>
-      <a:lnStyleLst>
-        <a:ln w="9525" cap="flat" cmpd="sng" algn="ctr">
-          <a:solidFill>
-            <a:schemeClr val="phClr">
-              <a:shade val="95000"/>
-              <a:satMod val="105000"/>
-            </a:schemeClr>
-          </a:solidFill>
-          <a:prstDash val="solid"/>
-        </a:ln>
-        <a:ln w="25400" cap="flat" cmpd="sng" algn="ctr">
-          <a:solidFill>
-            <a:schemeClr val="phClr"/>
-          </a:solidFill>
-          <a:prstDash val="solid"/>
-        </a:ln>
-        <a:ln w="38100" cap="flat" cmpd="sng" algn="ctr">
-          <a:solidFill>
-            <a:schemeClr val="phClr"/>
-          </a:solidFill>
-          <a:prstDash val="solid"/>
-        </a:ln>
-      </a:lnStyleLst>
-      <a:effectStyleLst>
-        <a:effectStyle>
-          <a:effectLst>
-            <a:outerShdw blurRad="40000" dist="20000" dir="5400000" rotWithShape="0">
-              <a:srgbClr val="000000">
-                <a:alpha val="38000"/>
-              </a:srgbClr>
-            </a:outerShdw>
-          </a:effectLst>
-        </a:effectStyle>
-        <a:effectStyle>
-          <a:effectLst>
-            <a:outerShdw blurRad="40000" dist="23000" dir="5400000" rotWithShape="0">
-              <a:srgbClr val="000000">
-                <a:alpha val="35000"/>
-              </a:srgbClr>
-            </a:outerShdw>
-          </a:effectLst>
-        </a:effectStyle>
-        <a:effectStyle>
-          <a:effectLst>
-            <a:outerShdw blurRad="40000" dist="23000" dir="5400000" rotWithShape="0">
-              <a:srgbClr val="000000">
-                <a:alpha val="35000"/>
-              </a:srgbClr>
-            </a:outerShdw>
-          </a:effectLst>
-          <a:scene3d>
-            <a:camera prst="orthographicFront">
-              <a:rot lat="0" lon="0" rev="0"/>
-            </a:camera>
-            <a:lightRig rig="threePt" dir="t">
-              <a:rot lat="0" lon="0" rev="1200000"/>
-            </a:lightRig>
-          </a:scene3d>
-          <a:sp3d>
-            <a:bevelT w="63500" h="25400"/>
-          </a:sp3d>
-        </a:effectStyle>
-      </a:effectStyleLst>
-      <a:bgFillStyleLst>
-        <a:solidFill>
-          <a:schemeClr val="phClr"/>
-        </a:solidFill>
-        <a:gradFill rotWithShape="1">
-          <a:gsLst>
-            <a:gs pos="0">
-              <a:schemeClr val="phClr">
-                <a:tint val="40000"/>
-                <a:satMod val="350000"/>
-              </a:schemeClr>
-            </a:gs>
-            <a:gs pos="40000">
-              <a:schemeClr val="phClr">
-                <a:tint val="45000"/>
-                <a:shade val="99000"/>
-                <a:satMod val="350000"/>
-              </a:schemeClr>
-            </a:gs>
-            <a:gs pos="100000">
-              <a:schemeClr val="phClr">
-                <a:shade val="20000"/>
-                <a:satMod val="255000"/>
-              </a:schemeClr>
-            </a:gs>
-          </a:gsLst>
-          <a:path path="circle">
-            <a:fillToRect l="50000" t="-80000" r="50000" b="180000"/>
-          </a:path>
-        </a:gradFill>
-        <a:gradFill rotWithShape="1">
-          <a:gsLst>
-            <a:gs pos="0">
-              <a:schemeClr val="phClr">
-                <a:tint val="80000"/>
-                <a:satMod val="300000"/>
-              </a:schemeClr>
-            </a:gs>
-            <a:gs pos="100000">
-              <a:schemeClr val="phClr">
-                <a:shade val="30000"/>
-                <a:satMod val="200000"/>
-              </a:schemeClr>
-            </a:gs>
-          </a:gsLst>
-          <a:path path="circle">
-            <a:fillToRect l="50000" t="50000" r="50000" b="50000"/>
-          </a:path>
-        </a:gradFill>
-      </a:bgFillStyleLst>
-    </a:fmtScheme>
-  </a:themeElements>
-</a:theme>
 </file>